--- a/Elastic Search.pptx
+++ b/Elastic Search.pptx
@@ -47,12 +47,17 @@
     <p:sldId id="295" r:id="rId41"/>
     <p:sldId id="296" r:id="rId42"/>
     <p:sldId id="297" r:id="rId43"/>
-    <p:sldId id="298" r:id="rId44"/>
-    <p:sldId id="299" r:id="rId45"/>
-    <p:sldId id="301" r:id="rId46"/>
-    <p:sldId id="300" r:id="rId47"/>
-    <p:sldId id="302" r:id="rId48"/>
-    <p:sldId id="303" r:id="rId49"/>
+    <p:sldId id="307" r:id="rId44"/>
+    <p:sldId id="298" r:id="rId45"/>
+    <p:sldId id="308" r:id="rId46"/>
+    <p:sldId id="299" r:id="rId47"/>
+    <p:sldId id="301" r:id="rId48"/>
+    <p:sldId id="300" r:id="rId49"/>
+    <p:sldId id="302" r:id="rId50"/>
+    <p:sldId id="304" r:id="rId51"/>
+    <p:sldId id="305" r:id="rId52"/>
+    <p:sldId id="306" r:id="rId53"/>
+    <p:sldId id="303" r:id="rId54"/>
   </p:sldIdLst>
   <p:sldSz cx="9144000" cy="6858000" type="screen4x3"/>
   <p:notesSz cx="6858000" cy="9144000"/>
@@ -336,7 +341,7 @@
             <a:fld id="{1D8BD707-D9CF-40AE-B4C6-C98DA3205C09}" type="datetimeFigureOut">
               <a:rPr lang="en-US" smtClean="0"/>
               <a:pPr/>
-              <a:t>7/24/2020</a:t>
+              <a:t>7/26/2020</a:t>
             </a:fld>
             <a:endParaRPr lang="en-US"/>
           </a:p>
@@ -503,7 +508,7 @@
             <a:fld id="{1D8BD707-D9CF-40AE-B4C6-C98DA3205C09}" type="datetimeFigureOut">
               <a:rPr lang="en-US" smtClean="0"/>
               <a:pPr/>
-              <a:t>7/24/2020</a:t>
+              <a:t>7/26/2020</a:t>
             </a:fld>
             <a:endParaRPr lang="en-US"/>
           </a:p>
@@ -680,7 +685,7 @@
             <a:fld id="{1D8BD707-D9CF-40AE-B4C6-C98DA3205C09}" type="datetimeFigureOut">
               <a:rPr lang="en-US" smtClean="0"/>
               <a:pPr/>
-              <a:t>7/24/2020</a:t>
+              <a:t>7/26/2020</a:t>
             </a:fld>
             <a:endParaRPr lang="en-US"/>
           </a:p>
@@ -847,7 +852,7 @@
             <a:fld id="{1D8BD707-D9CF-40AE-B4C6-C98DA3205C09}" type="datetimeFigureOut">
               <a:rPr lang="en-US" smtClean="0"/>
               <a:pPr/>
-              <a:t>7/24/2020</a:t>
+              <a:t>7/26/2020</a:t>
             </a:fld>
             <a:endParaRPr lang="en-US"/>
           </a:p>
@@ -1090,7 +1095,7 @@
             <a:fld id="{1D8BD707-D9CF-40AE-B4C6-C98DA3205C09}" type="datetimeFigureOut">
               <a:rPr lang="en-US" smtClean="0"/>
               <a:pPr/>
-              <a:t>7/24/2020</a:t>
+              <a:t>7/26/2020</a:t>
             </a:fld>
             <a:endParaRPr lang="en-US"/>
           </a:p>
@@ -1375,7 +1380,7 @@
             <a:fld id="{1D8BD707-D9CF-40AE-B4C6-C98DA3205C09}" type="datetimeFigureOut">
               <a:rPr lang="en-US" smtClean="0"/>
               <a:pPr/>
-              <a:t>7/24/2020</a:t>
+              <a:t>7/26/2020</a:t>
             </a:fld>
             <a:endParaRPr lang="en-US"/>
           </a:p>
@@ -1794,7 +1799,7 @@
             <a:fld id="{1D8BD707-D9CF-40AE-B4C6-C98DA3205C09}" type="datetimeFigureOut">
               <a:rPr lang="en-US" smtClean="0"/>
               <a:pPr/>
-              <a:t>7/24/2020</a:t>
+              <a:t>7/26/2020</a:t>
             </a:fld>
             <a:endParaRPr lang="en-US"/>
           </a:p>
@@ -1909,7 +1914,7 @@
             <a:fld id="{1D8BD707-D9CF-40AE-B4C6-C98DA3205C09}" type="datetimeFigureOut">
               <a:rPr lang="en-US" smtClean="0"/>
               <a:pPr/>
-              <a:t>7/24/2020</a:t>
+              <a:t>7/26/2020</a:t>
             </a:fld>
             <a:endParaRPr lang="en-US"/>
           </a:p>
@@ -2001,7 +2006,7 @@
             <a:fld id="{1D8BD707-D9CF-40AE-B4C6-C98DA3205C09}" type="datetimeFigureOut">
               <a:rPr lang="en-US" smtClean="0"/>
               <a:pPr/>
-              <a:t>7/24/2020</a:t>
+              <a:t>7/26/2020</a:t>
             </a:fld>
             <a:endParaRPr lang="en-US"/>
           </a:p>
@@ -2275,7 +2280,7 @@
             <a:fld id="{1D8BD707-D9CF-40AE-B4C6-C98DA3205C09}" type="datetimeFigureOut">
               <a:rPr lang="en-US" smtClean="0"/>
               <a:pPr/>
-              <a:t>7/24/2020</a:t>
+              <a:t>7/26/2020</a:t>
             </a:fld>
             <a:endParaRPr lang="en-US"/>
           </a:p>
@@ -2525,7 +2530,7 @@
             <a:fld id="{1D8BD707-D9CF-40AE-B4C6-C98DA3205C09}" type="datetimeFigureOut">
               <a:rPr lang="en-US" smtClean="0"/>
               <a:pPr/>
-              <a:t>7/24/2020</a:t>
+              <a:t>7/26/2020</a:t>
             </a:fld>
             <a:endParaRPr lang="en-US"/>
           </a:p>
@@ -2735,7 +2740,7 @@
             <a:fld id="{1D8BD707-D9CF-40AE-B4C6-C98DA3205C09}" type="datetimeFigureOut">
               <a:rPr lang="en-US" smtClean="0"/>
               <a:pPr/>
-              <a:t>7/24/2020</a:t>
+              <a:t>7/26/2020</a:t>
             </a:fld>
             <a:endParaRPr lang="en-US"/>
           </a:p>
@@ -3264,15 +3269,7 @@
             </a:br>
             <a:r>
               <a:rPr lang="en-US" dirty="0" smtClean="0"/>
-              <a:t>Get </a:t>
-            </a:r>
-            <a:r>
-              <a:rPr lang="en-US" dirty="0" smtClean="0"/>
-              <a:t>_</a:t>
-            </a:r>
-            <a:r>
-              <a:rPr lang="en-US" dirty="0" smtClean="0"/>
-              <a:t>cat/indices</a:t>
+              <a:t>Get _cat/indices</a:t>
             </a:r>
             <a:br>
               <a:rPr lang="en-US" dirty="0" smtClean="0"/>
@@ -3435,15 +3432,7 @@
             </a:br>
             <a:r>
               <a:rPr lang="en-GB" dirty="0" smtClean="0"/>
-              <a:t>{  </a:t>
-            </a:r>
-            <a:r>
-              <a:rPr lang="en-GB" dirty="0" smtClean="0"/>
-              <a:t>"settings": </a:t>
-            </a:r>
-            <a:r>
-              <a:rPr lang="en-GB" dirty="0" smtClean="0"/>
-              <a:t/>
+              <a:t>{  "settings": </a:t>
             </a:r>
             <a:br>
               <a:rPr lang="en-GB" dirty="0" smtClean="0"/>
@@ -3474,10 +3463,6 @@
             <a:r>
               <a:rPr lang="en-GB" dirty="0" smtClean="0"/>
               <a:t>": 1  </a:t>
-            </a:r>
-            <a:r>
-              <a:rPr lang="en-GB" dirty="0" smtClean="0"/>
-              <a:t/>
             </a:r>
             <a:br>
               <a:rPr lang="en-GB" dirty="0" smtClean="0"/>
@@ -3767,11 +3752,7 @@
           <a:p>
             <a:r>
               <a:rPr lang="en-GB" b="1" dirty="0" smtClean="0"/>
-              <a:t>I </a:t>
-            </a:r>
-            <a:r>
-              <a:rPr lang="en-GB" b="1" dirty="0" smtClean="0"/>
-              <a:t>am expecting that the overall load of my site might be around 1.5TB. My machine size is around 1TB and I gave a good amount of RAM. I want to make sure that we will not have any downtime but I am ok to take the minimal chance of downtime. — Now read below section and decide :)</a:t>
+              <a:t>I am expecting that the overall load of my site might be around 1.5TB. My machine size is around 1TB and I gave a good amount of RAM. I want to make sure that we will not have any downtime but I am ok to take the minimal chance of downtime. — Now read below section and decide :)</a:t>
             </a:r>
             <a:endParaRPr lang="en-US" dirty="0"/>
           </a:p>
@@ -4038,7 +4019,9 @@
         </p:nvSpPr>
         <p:spPr/>
         <p:txBody>
-          <a:bodyPr/>
+          <a:bodyPr>
+            <a:normAutofit fontScale="92500" lnSpcReduction="10000"/>
+          </a:bodyPr>
           <a:lstStyle/>
           <a:p>
             <a:r>
@@ -4067,6 +4050,44 @@
             <a:r>
               <a:rPr lang="en-GB" dirty="0" smtClean="0"/>
               <a:t>Distributed</a:t>
+            </a:r>
+            <a:br>
+              <a:rPr lang="en-GB" dirty="0" smtClean="0"/>
+            </a:br>
+            <a:r>
+              <a:rPr lang="en-GB" dirty="0" smtClean="0"/>
+              <a:t/>
+            </a:r>
+            <a:br>
+              <a:rPr lang="en-GB" dirty="0" smtClean="0"/>
+            </a:br>
+            <a:r>
+              <a:rPr lang="en-GB" b="1" dirty="0" err="1" smtClean="0"/>
+              <a:t>Elasticsearch</a:t>
+            </a:r>
+            <a:r>
+              <a:rPr lang="en-GB" dirty="0" smtClean="0"/>
+              <a:t> is a distributed, open source </a:t>
+            </a:r>
+            <a:r>
+              <a:rPr lang="en-GB" b="1" dirty="0" smtClean="0"/>
+              <a:t>search</a:t>
+            </a:r>
+            <a:r>
+              <a:rPr lang="en-GB" dirty="0" smtClean="0"/>
+              <a:t> and analytics engine for all types of data, including textual, numerical, geospatial, structured, and unstructured. </a:t>
+            </a:r>
+            <a:r>
+              <a:rPr lang="en-GB" b="1" dirty="0" err="1" smtClean="0"/>
+              <a:t>Elasticsearch</a:t>
+            </a:r>
+            <a:r>
+              <a:rPr lang="en-GB" dirty="0" smtClean="0"/>
+              <a:t> is built on Apache </a:t>
+            </a:r>
+            <a:r>
+              <a:rPr lang="en-GB" dirty="0" err="1" smtClean="0"/>
+              <a:t>Lucene</a:t>
             </a:r>
             <a:endParaRPr lang="en-US" dirty="0"/>
           </a:p>
@@ -4077,6 +4098,13 @@
   <p:clrMapOvr>
     <a:masterClrMapping/>
   </p:clrMapOvr>
+  <p:timing>
+    <p:tnLst>
+      <p:par>
+        <p:cTn id="1" dur="indefinite" restart="never" nodeType="tmRoot"/>
+      </p:par>
+    </p:tnLst>
+  </p:timing>
 </p:sld>
 </file>
 
@@ -4342,11 +4370,7 @@
           <a:p>
             <a:r>
               <a:rPr lang="en-GB" dirty="0" smtClean="0"/>
-              <a:t>Inverted </a:t>
-            </a:r>
-            <a:r>
-              <a:rPr lang="en-GB" dirty="0" smtClean="0"/>
-              <a:t>Index is the primary data structure of elastic search</a:t>
+              <a:t>Inverted Index is the primary data structure of elastic search</a:t>
             </a:r>
             <a:r>
               <a:rPr lang="en-GB" b="1" i="1" dirty="0" smtClean="0"/>
@@ -4534,15 +4558,7 @@
           <a:p>
             <a:r>
               <a:rPr lang="en-US" dirty="0" smtClean="0"/>
-              <a:t>Post </a:t>
-            </a:r>
-            <a:r>
-              <a:rPr lang="en-US" dirty="0" smtClean="0"/>
-              <a:t>&lt;index&gt;/_</a:t>
-            </a:r>
-            <a:r>
-              <a:rPr lang="en-US" dirty="0" smtClean="0"/>
-              <a:t>refresh</a:t>
+              <a:t>Post &lt;index&gt;/_refresh</a:t>
             </a:r>
             <a:endParaRPr lang="en-US" dirty="0"/>
           </a:p>
@@ -4692,15 +4708,7 @@
           <a:p>
             <a:r>
               <a:rPr lang="en-GB" dirty="0" smtClean="0"/>
-              <a:t>Flushing an index is the process of making sure that any data that is currently only stored in the </a:t>
-            </a:r>
-            <a:r>
-              <a:rPr lang="en-GB" dirty="0" smtClean="0"/>
-              <a:t>transaction log</a:t>
-            </a:r>
-            <a:r>
-              <a:rPr lang="en-GB" dirty="0" smtClean="0"/>
-              <a:t> is also permanently stored in the </a:t>
+              <a:t>Flushing an index is the process of making sure that any data that is currently only stored in the transaction log is also permanently stored in the </a:t>
             </a:r>
             <a:r>
               <a:rPr lang="en-GB" dirty="0" err="1" smtClean="0"/>
@@ -4708,11 +4716,7 @@
             </a:r>
             <a:r>
               <a:rPr lang="en-GB" dirty="0" smtClean="0"/>
-              <a:t> </a:t>
-            </a:r>
-            <a:r>
-              <a:rPr lang="en-GB" dirty="0" smtClean="0"/>
-              <a:t>index.</a:t>
+              <a:t> index.</a:t>
             </a:r>
             <a:br>
               <a:rPr lang="en-GB" dirty="0" smtClean="0"/>
@@ -4835,11 +4839,7 @@
           <a:p>
             <a:r>
               <a:rPr lang="en-US" dirty="0" smtClean="0"/>
-              <a:t>Post </a:t>
-            </a:r>
-            <a:r>
-              <a:rPr lang="en-US" dirty="0" smtClean="0"/>
-              <a:t>&lt;index&gt;/_flush</a:t>
+              <a:t>Post &lt;index&gt;/_flush</a:t>
             </a:r>
             <a:br>
               <a:rPr lang="en-US" dirty="0" smtClean="0"/>
@@ -4903,11 +4903,7 @@
           <a:p>
             <a:r>
               <a:rPr lang="en-US" dirty="0" smtClean="0"/>
-              <a:t>Automatic Index </a:t>
-            </a:r>
-            <a:r>
-              <a:rPr lang="en-US" dirty="0" smtClean="0"/>
-              <a:t>Creation</a:t>
+              <a:t>Automatic Index Creation</a:t>
             </a:r>
             <a:endParaRPr lang="en-US" dirty="0"/>
           </a:p>
@@ -5042,6 +5038,13 @@
   <p:clrMapOvr>
     <a:masterClrMapping/>
   </p:clrMapOvr>
+  <p:timing>
+    <p:tnLst>
+      <p:par>
+        <p:cTn id="1" dur="indefinite" restart="never" nodeType="tmRoot"/>
+      </p:par>
+    </p:tnLst>
+  </p:timing>
 </p:sld>
 </file>
 
@@ -5254,11 +5257,7 @@
           <a:p>
             <a:r>
               <a:rPr lang="en-US" dirty="0" smtClean="0"/>
-              <a:t>POST </a:t>
-            </a:r>
-            <a:r>
-              <a:rPr lang="en-US" dirty="0" smtClean="0"/>
-              <a:t>&lt;index/_doc/&lt;id&gt;</a:t>
+              <a:t>POST &lt;index/_doc/&lt;id&gt;</a:t>
             </a:r>
             <a:br>
               <a:rPr lang="en-US" dirty="0" smtClean="0"/>
@@ -5506,11 +5505,7 @@
           <a:p>
             <a:r>
               <a:rPr lang="en-US" dirty="0" smtClean="0"/>
-              <a:t>Post school/_</a:t>
-            </a:r>
-            <a:r>
-              <a:rPr lang="en-US" dirty="0" smtClean="0"/>
-              <a:t>update/10</a:t>
+              <a:t>Post school/_update/10</a:t>
             </a:r>
             <a:br>
               <a:rPr lang="en-US" dirty="0" smtClean="0"/>
@@ -5524,15 +5519,7 @@
             </a:br>
             <a:r>
               <a:rPr lang="en-US" dirty="0" smtClean="0"/>
-              <a:t>"</a:t>
-            </a:r>
-            <a:r>
-              <a:rPr lang="en-US" dirty="0" smtClean="0"/>
-              <a:t>script":  </a:t>
-            </a:r>
-            <a:r>
-              <a:rPr lang="en-US" dirty="0" smtClean="0"/>
-              <a:t/>
+              <a:t>"script":  </a:t>
             </a:r>
             <a:br>
               <a:rPr lang="en-US" dirty="0" smtClean="0"/>
@@ -5546,11 +5533,7 @@
             </a:br>
             <a:r>
               <a:rPr lang="en-US" dirty="0" smtClean="0"/>
-              <a:t>"</a:t>
-            </a:r>
-            <a:r>
-              <a:rPr lang="en-US" dirty="0" smtClean="0"/>
-              <a:t>source": "</a:t>
+              <a:t>"source": "</a:t>
             </a:r>
             <a:r>
               <a:rPr lang="en-US" dirty="0" err="1" smtClean="0"/>
@@ -5575,10 +5558,6 @@
             <a:r>
               <a:rPr lang="en-US" dirty="0" smtClean="0"/>
               <a:t>)+1 "  </a:t>
-            </a:r>
-            <a:r>
-              <a:rPr lang="en-US" dirty="0" smtClean="0"/>
-              <a:t/>
             </a:r>
             <a:br>
               <a:rPr lang="en-US" dirty="0" smtClean="0"/>
@@ -5678,15 +5657,7 @@
             </a:br>
             <a:r>
               <a:rPr lang="en-US" dirty="0" smtClean="0"/>
-              <a:t>{  </a:t>
-            </a:r>
-            <a:r>
-              <a:rPr lang="en-US" dirty="0" smtClean="0"/>
-              <a:t>"script":  </a:t>
-            </a:r>
-            <a:r>
-              <a:rPr lang="en-US" dirty="0" smtClean="0"/>
-              <a:t/>
+              <a:t>{  "script":  </a:t>
             </a:r>
             <a:br>
               <a:rPr lang="en-US" dirty="0" smtClean="0"/>
@@ -5700,11 +5671,7 @@
             </a:br>
             <a:r>
               <a:rPr lang="en-US" dirty="0" smtClean="0"/>
-              <a:t>"</a:t>
-            </a:r>
-            <a:r>
-              <a:rPr lang="en-US" dirty="0" smtClean="0"/>
-              <a:t>source": "</a:t>
+              <a:t>"source": "</a:t>
             </a:r>
             <a:r>
               <a:rPr lang="en-US" dirty="0" err="1" smtClean="0"/>
@@ -5730,10 +5697,6 @@
               <a:rPr lang="en-US" dirty="0" smtClean="0"/>
               <a:t>)+1 "  </a:t>
             </a:r>
-            <a:r>
-              <a:rPr lang="en-US" dirty="0" smtClean="0"/>
-              <a:t/>
-            </a:r>
             <a:br>
               <a:rPr lang="en-US" dirty="0" smtClean="0"/>
             </a:br>
@@ -5746,15 +5709,7 @@
             </a:br>
             <a:r>
               <a:rPr lang="en-US" dirty="0" smtClean="0"/>
-              <a:t>"</a:t>
-            </a:r>
-            <a:r>
-              <a:rPr lang="en-US" dirty="0" smtClean="0"/>
-              <a:t>query":  </a:t>
-            </a:r>
-            <a:r>
-              <a:rPr lang="en-US" dirty="0" smtClean="0"/>
-              <a:t/>
+              <a:t>"query":  </a:t>
             </a:r>
             <a:br>
               <a:rPr lang="en-US" dirty="0" smtClean="0"/>
@@ -5768,11 +5723,7 @@
             </a:br>
             <a:r>
               <a:rPr lang="en-US" dirty="0" smtClean="0"/>
-              <a:t>"</a:t>
-            </a:r>
-            <a:r>
-              <a:rPr lang="en-US" dirty="0" smtClean="0"/>
-              <a:t>match": {      "_id": 11    }  }}</a:t>
+              <a:t>"match": {      "_id": 11    }  }}</a:t>
             </a:r>
             <a:endParaRPr lang="en-US" dirty="0"/>
           </a:p>
@@ -5934,11 +5885,7 @@
           <a:p>
             <a:r>
               <a:rPr lang="en-US" dirty="0" smtClean="0"/>
-              <a:t>GET </a:t>
-            </a:r>
-            <a:r>
-              <a:rPr lang="en-US" dirty="0" smtClean="0"/>
-              <a:t>&lt;index&gt;/_doc/&lt;id&gt;</a:t>
+              <a:t>GET &lt;index&gt;/_doc/&lt;id&gt;</a:t>
             </a:r>
             <a:endParaRPr lang="en-US" dirty="0"/>
           </a:p>
@@ -6110,13 +6057,7 @@
               <a:rPr lang="en-US" dirty="0" smtClean="0">
                 <a:hlinkClick r:id="rId2"/>
               </a:rPr>
-              <a:t>https://</a:t>
-            </a:r>
-            <a:r>
-              <a:rPr lang="en-US" dirty="0" smtClean="0">
-                <a:hlinkClick r:id="rId2"/>
-              </a:rPr>
-              <a:t>archive.org/download/stackexchange</a:t>
+              <a:t>https://archive.org/download/stackexchange</a:t>
             </a:r>
             <a:r>
               <a:rPr lang="en-US" dirty="0" smtClean="0"/>
@@ -6473,7 +6414,11 @@
           <a:bodyPr/>
           <a:lstStyle/>
           <a:p>
-            <a:endParaRPr lang="en-US"/>
+            <a:r>
+              <a:rPr lang="en-GB" dirty="0" smtClean="0"/>
+              <a:t>Match Queries</a:t>
+            </a:r>
+            <a:endParaRPr lang="en-US" dirty="0"/>
           </a:p>
         </p:txBody>
       </p:sp>
@@ -6492,49 +6437,7 @@
           <a:bodyPr/>
           <a:lstStyle/>
           <a:p>
-            <a:r>
-              <a:rPr lang="en-GB" dirty="0" smtClean="0"/>
-              <a:t>Questions answered by </a:t>
-            </a:r>
-            <a:r>
-              <a:rPr lang="en-GB" dirty="0" err="1" smtClean="0"/>
-              <a:t>JonSkeet</a:t>
-            </a:r>
-            <a:r>
-              <a:rPr lang="en-GB" dirty="0" smtClean="0"/>
-              <a:t/>
-            </a:r>
-            <a:br>
-              <a:rPr lang="en-GB" dirty="0" smtClean="0"/>
-            </a:br>
-            <a:r>
-              <a:rPr lang="en-GB" dirty="0" smtClean="0"/>
-              <a:t/>
-            </a:r>
-            <a:br>
-              <a:rPr lang="en-GB" dirty="0" smtClean="0"/>
-            </a:br>
-            <a:r>
-              <a:rPr lang="en-GB" dirty="0" smtClean="0"/>
-              <a:t>Get </a:t>
-            </a:r>
-            <a:r>
-              <a:rPr lang="en-GB" dirty="0" err="1" smtClean="0"/>
-              <a:t>stackoverflow</a:t>
-            </a:r>
-            <a:r>
-              <a:rPr lang="en-GB" dirty="0" smtClean="0"/>
-              <a:t>/_search{  "query":  {    "match": {      "</a:t>
-            </a:r>
-            <a:r>
-              <a:rPr lang="en-GB" dirty="0" err="1" smtClean="0"/>
-              <a:t>owneruserid</a:t>
-            </a:r>
-            <a:r>
-              <a:rPr lang="en-GB" dirty="0" smtClean="0"/>
-              <a:t>": "22656"    }  }}</a:t>
-            </a:r>
-            <a:endParaRPr lang="en-US" dirty="0"/>
+            <a:endParaRPr lang="en-US"/>
           </a:p>
         </p:txBody>
       </p:sp>
@@ -6575,87 +6478,61 @@
         </p:nvSpPr>
         <p:spPr/>
         <p:txBody>
-          <a:bodyPr>
-            <a:normAutofit fontScale="90000"/>
-          </a:bodyPr>
-          <a:lstStyle/>
-          <a:p>
-            <a:r>
-              <a:rPr lang="en-GB" dirty="0" smtClean="0"/>
-              <a:t>Get All questions/</a:t>
+          <a:bodyPr/>
+          <a:lstStyle/>
+          <a:p>
+            <a:endParaRPr lang="en-US"/>
+          </a:p>
+        </p:txBody>
+      </p:sp>
+      <p:sp>
+        <p:nvSpPr>
+          <p:cNvPr id="3" name="Content Placeholder 2"/>
+          <p:cNvSpPr>
+            <a:spLocks noGrp="1"/>
+          </p:cNvSpPr>
+          <p:nvPr>
+            <p:ph idx="1"/>
+          </p:nvPr>
+        </p:nvSpPr>
+        <p:spPr/>
+        <p:txBody>
+          <a:bodyPr/>
+          <a:lstStyle/>
+          <a:p>
+            <a:r>
+              <a:rPr lang="en-GB" dirty="0" smtClean="0"/>
+              <a:t>Questions answered by </a:t>
             </a:r>
             <a:r>
               <a:rPr lang="en-GB" dirty="0" err="1" smtClean="0"/>
-              <a:t>ans</a:t>
-            </a:r>
-            <a:r>
-              <a:rPr lang="en-GB" dirty="0" smtClean="0"/>
-              <a:t> by Jon Skeet and has Tags</a:t>
-            </a:r>
-            <a:endParaRPr lang="en-US" dirty="0"/>
-          </a:p>
-        </p:txBody>
-      </p:sp>
-      <p:sp>
-        <p:nvSpPr>
-          <p:cNvPr id="3" name="Content Placeholder 2"/>
-          <p:cNvSpPr>
-            <a:spLocks noGrp="1"/>
-          </p:cNvSpPr>
-          <p:nvPr>
-            <p:ph idx="1"/>
-          </p:nvPr>
-        </p:nvSpPr>
-        <p:spPr/>
-        <p:txBody>
-          <a:bodyPr/>
-          <a:lstStyle/>
-          <a:p>
-            <a:r>
-              <a:rPr lang="en-US" dirty="0" smtClean="0"/>
+              <a:t>JonSkeet</a:t>
+            </a:r>
+            <a:r>
+              <a:rPr lang="en-GB" dirty="0" smtClean="0"/>
+              <a:t/>
+            </a:r>
+            <a:br>
+              <a:rPr lang="en-GB" dirty="0" smtClean="0"/>
+            </a:br>
+            <a:r>
+              <a:rPr lang="en-GB" dirty="0" smtClean="0"/>
+              <a:t/>
+            </a:r>
+            <a:br>
+              <a:rPr lang="en-GB" dirty="0" smtClean="0"/>
+            </a:br>
+            <a:r>
+              <a:rPr lang="en-GB" dirty="0" smtClean="0"/>
               <a:t>Get </a:t>
             </a:r>
             <a:r>
-              <a:rPr lang="en-US" dirty="0" err="1" smtClean="0"/>
+              <a:rPr lang="en-GB" dirty="0" err="1" smtClean="0"/>
               <a:t>stackoverflow</a:t>
             </a:r>
             <a:r>
-              <a:rPr lang="en-US" dirty="0" smtClean="0"/>
-              <a:t>/_search{  "query":  {    "</a:t>
-            </a:r>
-            <a:r>
-              <a:rPr lang="en-US" dirty="0" err="1" smtClean="0"/>
-              <a:t>bool</a:t>
-            </a:r>
-            <a:r>
-              <a:rPr lang="en-US" dirty="0" smtClean="0"/>
-              <a:t>": {      "must": [        {          "match": {            "</a:t>
-            </a:r>
-            <a:r>
-              <a:rPr lang="en-US" dirty="0" err="1" smtClean="0"/>
-              <a:t>owneruserid</a:t>
-            </a:r>
-            <a:r>
-              <a:rPr lang="en-US" dirty="0" smtClean="0"/>
-              <a:t>": "22656"          }        },        {          "exists": {            "field": "tags"          }        }      ]    }  </a:t>
-            </a:r>
-            <a:r>
-              <a:rPr lang="en-US" dirty="0" smtClean="0"/>
-              <a:t>}}</a:t>
-            </a:r>
-            <a:br>
-              <a:rPr lang="en-US" dirty="0" smtClean="0"/>
-            </a:br>
-            <a:r>
-              <a:rPr lang="en-US" dirty="0" smtClean="0"/>
-              <a:t/>
-            </a:r>
-            <a:br>
-              <a:rPr lang="en-US" dirty="0" smtClean="0"/>
-            </a:br>
-            <a:r>
-              <a:rPr lang="en-GB" dirty="0" smtClean="0"/>
-              <a:t>select * from Posts where </a:t>
+              <a:rPr lang="en-GB" dirty="0" smtClean="0"/>
+              <a:t>/_search{  "query":  {    "match": {      "</a:t>
             </a:r>
             <a:r>
               <a:rPr lang="en-GB" dirty="0" err="1" smtClean="0"/>
@@ -6663,7 +6540,7 @@
             </a:r>
             <a:r>
               <a:rPr lang="en-GB" dirty="0" smtClean="0"/>
-              <a:t>=22656 and Tags is not null</a:t>
+              <a:t>": "22656"    }  }}</a:t>
             </a:r>
             <a:endParaRPr lang="en-US" dirty="0"/>
           </a:p>
@@ -6710,90 +6587,149 @@
           <a:lstStyle/>
           <a:p>
             <a:r>
+              <a:rPr lang="en-GB" dirty="0" smtClean="0"/>
+              <a:t>Match Phrase</a:t>
+            </a:r>
+            <a:endParaRPr lang="en-US" dirty="0"/>
+          </a:p>
+        </p:txBody>
+      </p:sp>
+      <p:sp>
+        <p:nvSpPr>
+          <p:cNvPr id="3" name="Content Placeholder 2"/>
+          <p:cNvSpPr>
+            <a:spLocks noGrp="1"/>
+          </p:cNvSpPr>
+          <p:nvPr>
+            <p:ph idx="1"/>
+          </p:nvPr>
+        </p:nvSpPr>
+        <p:spPr/>
+        <p:txBody>
+          <a:bodyPr>
+            <a:normAutofit fontScale="77500" lnSpcReduction="20000"/>
+          </a:bodyPr>
+          <a:lstStyle/>
+          <a:p>
+            <a:r>
+              <a:rPr lang="en-GB" dirty="0" smtClean="0"/>
+              <a:t/>
+            </a:r>
+            <a:br>
+              <a:rPr lang="en-GB" dirty="0" smtClean="0"/>
+            </a:br>
+            <a:r>
+              <a:rPr lang="en-GB" dirty="0" smtClean="0"/>
+              <a:t>The </a:t>
+            </a:r>
+            <a:r>
               <a:rPr lang="en-GB" dirty="0" err="1" smtClean="0"/>
-              <a:t>Bool</a:t>
-            </a:r>
-            <a:r>
-              <a:rPr lang="en-GB" dirty="0" smtClean="0"/>
-              <a:t> Queries</a:t>
-            </a:r>
-            <a:endParaRPr lang="en-US" dirty="0"/>
-          </a:p>
-        </p:txBody>
-      </p:sp>
-      <p:sp>
-        <p:nvSpPr>
-          <p:cNvPr id="3" name="Content Placeholder 2"/>
-          <p:cNvSpPr>
-            <a:spLocks noGrp="1"/>
-          </p:cNvSpPr>
-          <p:nvPr>
-            <p:ph idx="1"/>
-          </p:nvPr>
-        </p:nvSpPr>
-        <p:spPr/>
-        <p:txBody>
-          <a:bodyPr/>
-          <a:lstStyle/>
-          <a:p>
-            <a:r>
-              <a:rPr lang="en-GB" dirty="0" smtClean="0"/>
-              <a:t>A query that matches documents matching </a:t>
+              <a:t>match_phrase</a:t>
+            </a:r>
+            <a:r>
+              <a:rPr lang="en-GB" dirty="0" smtClean="0"/>
+              <a:t> query analyzes the text and creates a phrase query out of the analyzed text</a:t>
+            </a:r>
+            <a:r>
+              <a:rPr lang="en-GB" dirty="0" smtClean="0"/>
+              <a:t>.</a:t>
+            </a:r>
+            <a:br>
+              <a:rPr lang="en-GB" dirty="0" smtClean="0"/>
+            </a:br>
+            <a:r>
+              <a:rPr lang="en-GB" dirty="0" smtClean="0"/>
+              <a:t/>
+            </a:r>
+            <a:br>
+              <a:rPr lang="en-GB" dirty="0" smtClean="0"/>
+            </a:br>
+            <a:r>
+              <a:rPr lang="en-GB" dirty="0" smtClean="0"/>
+              <a:t>GET </a:t>
+            </a:r>
+            <a:r>
+              <a:rPr lang="en-GB" dirty="0" smtClean="0"/>
+              <a:t>/</a:t>
             </a:r>
             <a:r>
               <a:rPr lang="en-GB" dirty="0" err="1" smtClean="0"/>
-              <a:t>boolean</a:t>
-            </a:r>
-            <a:r>
-              <a:rPr lang="en-GB" dirty="0" smtClean="0"/>
-              <a:t> combinations of other queries. The </a:t>
+              <a:t>stackoverflow</a:t>
+            </a:r>
+            <a:r>
+              <a:rPr lang="en-GB" dirty="0" smtClean="0"/>
+              <a:t>/_search</a:t>
+            </a:r>
+          </a:p>
+          <a:p>
+            <a:pPr>
+              <a:buNone/>
+            </a:pPr>
+            <a:r>
+              <a:rPr lang="en-GB" dirty="0" smtClean="0"/>
+              <a:t>{</a:t>
+            </a:r>
+          </a:p>
+          <a:p>
+            <a:pPr>
+              <a:buNone/>
+            </a:pPr>
+            <a:r>
+              <a:rPr lang="en-GB" dirty="0" smtClean="0"/>
+              <a:t>  "query": {</a:t>
+            </a:r>
+          </a:p>
+          <a:p>
+            <a:pPr>
+              <a:buNone/>
+            </a:pPr>
+            <a:r>
+              <a:rPr lang="en-GB" dirty="0" smtClean="0"/>
+              <a:t>    "</a:t>
             </a:r>
             <a:r>
               <a:rPr lang="en-GB" dirty="0" err="1" smtClean="0"/>
-              <a:t>bool</a:t>
-            </a:r>
-            <a:r>
-              <a:rPr lang="en-GB" dirty="0" smtClean="0"/>
-              <a:t> query maps to </a:t>
-            </a:r>
-            <a:r>
-              <a:rPr lang="en-GB" dirty="0" err="1" smtClean="0"/>
-              <a:t>Lucene</a:t>
-            </a:r>
-            <a:r>
-              <a:rPr lang="en-GB" dirty="0" smtClean="0"/>
-              <a:t> </a:t>
-            </a:r>
-            <a:r>
-              <a:rPr lang="en-GB" dirty="0" err="1" smtClean="0"/>
-              <a:t>BooleanQuery</a:t>
-            </a:r>
-            <a:r>
-              <a:rPr lang="en-GB" dirty="0" smtClean="0"/>
-              <a:t>. It is built using one or more </a:t>
-            </a:r>
-            <a:r>
-              <a:rPr lang="en-GB" dirty="0" err="1" smtClean="0"/>
-              <a:t>boolean</a:t>
-            </a:r>
-            <a:r>
-              <a:rPr lang="en-GB" dirty="0" smtClean="0"/>
-              <a:t> clauses, each clause with a typed occurrence. The occurrence types are</a:t>
-            </a:r>
-            <a:r>
-              <a:rPr lang="en-GB" dirty="0" smtClean="0"/>
-              <a:t>:</a:t>
-            </a:r>
-            <a:br>
-              <a:rPr lang="en-GB" dirty="0" smtClean="0"/>
-            </a:br>
-            <a:r>
-              <a:rPr lang="en-GB" dirty="0" smtClean="0"/>
-              <a:t>Must, </a:t>
-            </a:r>
-            <a:r>
-              <a:rPr lang="en-GB" dirty="0" err="1" smtClean="0"/>
-              <a:t>Must_Not,Filter,Should</a:t>
+              <a:t>match_phrase</a:t>
+            </a:r>
+            <a:r>
+              <a:rPr lang="en-GB" dirty="0" smtClean="0"/>
+              <a:t>": {</a:t>
+            </a:r>
+          </a:p>
+          <a:p>
+            <a:pPr>
+              <a:buNone/>
+            </a:pPr>
+            <a:r>
+              <a:rPr lang="en-GB" dirty="0" smtClean="0"/>
+              <a:t>      "body": "This should do"</a:t>
+            </a:r>
+          </a:p>
+          <a:p>
+            <a:pPr>
+              <a:buNone/>
+            </a:pPr>
+            <a:r>
+              <a:rPr lang="en-GB" dirty="0" smtClean="0"/>
+              <a:t>    }</a:t>
+            </a:r>
+          </a:p>
+          <a:p>
+            <a:pPr>
+              <a:buNone/>
+            </a:pPr>
+            <a:r>
+              <a:rPr lang="en-GB" dirty="0" smtClean="0"/>
+              <a:t>  }</a:t>
+            </a:r>
+          </a:p>
+          <a:p>
+            <a:pPr>
+              <a:buNone/>
+            </a:pPr>
+            <a:r>
+              <a:rPr lang="en-GB" dirty="0" smtClean="0"/>
+              <a:t>}</a:t>
             </a:r>
             <a:endParaRPr lang="en-US" dirty="0"/>
           </a:p>
@@ -6836,12 +6772,22 @@
         </p:nvSpPr>
         <p:spPr/>
         <p:txBody>
-          <a:bodyPr/>
-          <a:lstStyle/>
-          <a:p>
-            <a:r>
-              <a:rPr lang="en-GB" dirty="0" smtClean="0"/>
-              <a:t>Range queries</a:t>
+          <a:bodyPr>
+            <a:normAutofit fontScale="90000"/>
+          </a:bodyPr>
+          <a:lstStyle/>
+          <a:p>
+            <a:r>
+              <a:rPr lang="en-GB" dirty="0" smtClean="0"/>
+              <a:t>Get All questions/</a:t>
+            </a:r>
+            <a:r>
+              <a:rPr lang="en-GB" dirty="0" err="1" smtClean="0"/>
+              <a:t>ans</a:t>
+            </a:r>
+            <a:r>
+              <a:rPr lang="en-GB" dirty="0" smtClean="0"/>
+              <a:t> by Jon Skeet and has Tags</a:t>
             </a:r>
             <a:endParaRPr lang="en-US" dirty="0"/>
           </a:p>
@@ -6862,20 +6808,6 @@
           <a:bodyPr/>
           <a:lstStyle/>
           <a:p>
-            <a:r>
-              <a:rPr lang="en-US" dirty="0" smtClean="0"/>
-              <a:t>To find all posts between dates</a:t>
-            </a:r>
-            <a:br>
-              <a:rPr lang="en-US" dirty="0" smtClean="0"/>
-            </a:br>
-            <a:r>
-              <a:rPr lang="en-US" dirty="0" smtClean="0"/>
-              <a:t/>
-            </a:r>
-            <a:br>
-              <a:rPr lang="en-US" dirty="0" smtClean="0"/>
-            </a:br>
             <a:r>
               <a:rPr lang="en-US" dirty="0" smtClean="0"/>
               <a:t>Get </a:t>
@@ -6886,31 +6818,45 @@
             </a:r>
             <a:r>
               <a:rPr lang="en-US" dirty="0" smtClean="0"/>
-              <a:t>/_search{  "query":  {    "range": {      "</a:t>
+              <a:t>/_search{  "query":  {    "</a:t>
             </a:r>
             <a:r>
               <a:rPr lang="en-US" dirty="0" err="1" smtClean="0"/>
-              <a:t>creationdate</a:t>
-            </a:r>
-            <a:r>
-              <a:rPr lang="en-US" dirty="0" smtClean="0"/>
-              <a:t>": {        "</a:t>
+              <a:t>bool</a:t>
+            </a:r>
+            <a:r>
+              <a:rPr lang="en-US" dirty="0" smtClean="0"/>
+              <a:t>": {      "must": [        {          "match": {            "</a:t>
             </a:r>
             <a:r>
               <a:rPr lang="en-US" dirty="0" err="1" smtClean="0"/>
-              <a:t>gte</a:t>
-            </a:r>
-            <a:r>
-              <a:rPr lang="en-US" dirty="0" smtClean="0"/>
-              <a:t>": "2008-01-01T14:39:30.143Z",        "</a:t>
-            </a:r>
-            <a:r>
-              <a:rPr lang="en-US" dirty="0" err="1" smtClean="0"/>
-              <a:t>lte</a:t>
-            </a:r>
-            <a:r>
-              <a:rPr lang="en-US" dirty="0" smtClean="0"/>
-              <a:t>": "2020-01-01T14:39:30.143Z"      }    }  }}</a:t>
+              <a:t>owneruserid</a:t>
+            </a:r>
+            <a:r>
+              <a:rPr lang="en-US" dirty="0" smtClean="0"/>
+              <a:t>": "22656"          }        },        {          "exists": {            "field": "tags"          }        }      ]    }  }}</a:t>
+            </a:r>
+            <a:br>
+              <a:rPr lang="en-US" dirty="0" smtClean="0"/>
+            </a:br>
+            <a:r>
+              <a:rPr lang="en-US" dirty="0" smtClean="0"/>
+              <a:t/>
+            </a:r>
+            <a:br>
+              <a:rPr lang="en-US" dirty="0" smtClean="0"/>
+            </a:br>
+            <a:r>
+              <a:rPr lang="en-GB" dirty="0" smtClean="0"/>
+              <a:t>select * from Posts where </a:t>
+            </a:r>
+            <a:r>
+              <a:rPr lang="en-GB" dirty="0" err="1" smtClean="0"/>
+              <a:t>owneruserid</a:t>
+            </a:r>
+            <a:r>
+              <a:rPr lang="en-GB" dirty="0" smtClean="0"/>
+              <a:t>=22656 and Tags is not null</a:t>
             </a:r>
             <a:endParaRPr lang="en-US" dirty="0"/>
           </a:p>
@@ -6957,8 +6903,12 @@
           <a:lstStyle/>
           <a:p>
             <a:r>
-              <a:rPr lang="en-GB" dirty="0" smtClean="0"/>
-              <a:t>Selecting Specific fields</a:t>
+              <a:rPr lang="en-GB" dirty="0" err="1" smtClean="0"/>
+              <a:t>Bool</a:t>
+            </a:r>
+            <a:r>
+              <a:rPr lang="en-GB" dirty="0" smtClean="0"/>
+              <a:t> Queries</a:t>
             </a:r>
             <a:endParaRPr lang="en-US" dirty="0"/>
           </a:p>
@@ -6980,24 +6930,59 @@
           <a:lstStyle/>
           <a:p>
             <a:r>
-              <a:rPr lang="en-US" dirty="0" smtClean="0"/>
-              <a:t>Get </a:t>
-            </a:r>
-            <a:r>
-              <a:rPr lang="en-US" dirty="0" err="1" smtClean="0"/>
-              <a:t>stackoverflow</a:t>
-            </a:r>
-            <a:r>
-              <a:rPr lang="en-US" dirty="0" smtClean="0"/>
-              <a:t>/_search{  "query":  {    "match": {      "tags": "python"    }  },  "_source":["</a:t>
-            </a:r>
-            <a:r>
-              <a:rPr lang="en-US" dirty="0" err="1" smtClean="0"/>
-              <a:t>commentcount</a:t>
-            </a:r>
-            <a:r>
-              <a:rPr lang="en-US" dirty="0" smtClean="0"/>
-              <a:t>"]}</a:t>
+              <a:rPr lang="en-GB" dirty="0" smtClean="0"/>
+              <a:t>A query that matches documents matching </a:t>
+            </a:r>
+            <a:r>
+              <a:rPr lang="en-GB" dirty="0" err="1" smtClean="0"/>
+              <a:t>boolean</a:t>
+            </a:r>
+            <a:r>
+              <a:rPr lang="en-GB" dirty="0" smtClean="0"/>
+              <a:t> combinations of other queries. The </a:t>
+            </a:r>
+            <a:r>
+              <a:rPr lang="en-GB" dirty="0" err="1" smtClean="0"/>
+              <a:t>bool</a:t>
+            </a:r>
+            <a:r>
+              <a:rPr lang="en-GB" dirty="0" smtClean="0"/>
+              <a:t> query maps to </a:t>
+            </a:r>
+            <a:r>
+              <a:rPr lang="en-GB" dirty="0" err="1" smtClean="0"/>
+              <a:t>Lucene</a:t>
+            </a:r>
+            <a:r>
+              <a:rPr lang="en-GB" dirty="0" smtClean="0"/>
+              <a:t> </a:t>
+            </a:r>
+            <a:r>
+              <a:rPr lang="en-GB" dirty="0" err="1" smtClean="0"/>
+              <a:t>BooleanQuery</a:t>
+            </a:r>
+            <a:r>
+              <a:rPr lang="en-GB" dirty="0" smtClean="0"/>
+              <a:t>. It is built using one or more </a:t>
+            </a:r>
+            <a:r>
+              <a:rPr lang="en-GB" dirty="0" err="1" smtClean="0"/>
+              <a:t>boolean</a:t>
+            </a:r>
+            <a:r>
+              <a:rPr lang="en-GB" dirty="0" smtClean="0"/>
+              <a:t> clauses, each clause with a typed occurrence. The occurrence types are:</a:t>
+            </a:r>
+            <a:br>
+              <a:rPr lang="en-GB" dirty="0" smtClean="0"/>
+            </a:br>
+            <a:r>
+              <a:rPr lang="en-GB" dirty="0" smtClean="0"/>
+              <a:t>Must, </a:t>
+            </a:r>
+            <a:r>
+              <a:rPr lang="en-GB" dirty="0" err="1" smtClean="0"/>
+              <a:t>Must_Not,Filter,Should</a:t>
             </a:r>
             <a:endParaRPr lang="en-US" dirty="0"/>
           </a:p>
@@ -7045,7 +7030,7 @@
           <a:p>
             <a:r>
               <a:rPr lang="en-GB" dirty="0" smtClean="0"/>
-              <a:t>Analyze API</a:t>
+              <a:t>Range queries</a:t>
             </a:r>
             <a:endParaRPr lang="en-US" dirty="0"/>
           </a:p>
@@ -7068,76 +7053,140 @@
           <a:p>
             <a:r>
               <a:rPr lang="en-US" dirty="0" smtClean="0"/>
-              <a:t>Get /_analyze{  "text":"&lt;python&gt;&lt;python-2.6&gt;&lt;python-</a:t>
+              <a:t>To find all posts between dates</a:t>
+            </a:r>
+            <a:br>
+              <a:rPr lang="en-US" dirty="0" smtClean="0"/>
+            </a:br>
+            <a:r>
+              <a:rPr lang="en-US" dirty="0" smtClean="0"/>
+              <a:t/>
+            </a:r>
+            <a:br>
+              <a:rPr lang="en-US" dirty="0" smtClean="0"/>
+            </a:br>
+            <a:r>
+              <a:rPr lang="en-US" dirty="0" smtClean="0"/>
+              <a:t>Get </a:t>
             </a:r>
             <a:r>
               <a:rPr lang="en-US" dirty="0" err="1" smtClean="0"/>
-              <a:t>datamodel</a:t>
-            </a:r>
-            <a:r>
-              <a:rPr lang="en-US" dirty="0" smtClean="0"/>
-              <a:t>&gt;"}</a:t>
-            </a:r>
-            <a:br>
-              <a:rPr lang="en-US" dirty="0" smtClean="0"/>
-            </a:br>
-            <a:r>
-              <a:rPr lang="en-US" dirty="0" smtClean="0"/>
-              <a:t/>
-            </a:r>
-            <a:br>
-              <a:rPr lang="en-US" dirty="0" smtClean="0"/>
-            </a:br>
-            <a:r>
-              <a:rPr lang="en-US" dirty="0" smtClean="0"/>
-              <a:t/>
-            </a:r>
-            <a:br>
-              <a:rPr lang="en-US" dirty="0" smtClean="0"/>
-            </a:br>
-            <a:r>
-              <a:rPr lang="en-US" dirty="0" smtClean="0"/>
-              <a:t> GET /_analyze{  "</a:t>
+              <a:t>stackoverflow</a:t>
+            </a:r>
+            <a:r>
+              <a:rPr lang="en-US" dirty="0" smtClean="0"/>
+              <a:t>/_search{  "query":  {    "range": {      "</a:t>
             </a:r>
             <a:r>
               <a:rPr lang="en-US" dirty="0" err="1" smtClean="0"/>
-              <a:t>tokenizer</a:t>
-            </a:r>
-            <a:r>
-              <a:rPr lang="en-US" dirty="0" smtClean="0"/>
-              <a:t>" : "keyword",  "filter" : ["lowercase"],  "</a:t>
+              <a:t>creationdate</a:t>
+            </a:r>
+            <a:r>
+              <a:rPr lang="en-US" dirty="0" smtClean="0"/>
+              <a:t>": {        "</a:t>
             </a:r>
             <a:r>
               <a:rPr lang="en-US" dirty="0" err="1" smtClean="0"/>
-              <a:t>char_filter</a:t>
-            </a:r>
-            <a:r>
-              <a:rPr lang="en-US" dirty="0" smtClean="0"/>
-              <a:t>" : ["</a:t>
+              <a:t>gte</a:t>
+            </a:r>
+            <a:r>
+              <a:rPr lang="en-US" dirty="0" smtClean="0"/>
+              <a:t>": "2008-01-01T14:39:30.143Z",        "</a:t>
             </a:r>
             <a:r>
               <a:rPr lang="en-US" dirty="0" err="1" smtClean="0"/>
-              <a:t>html_strip</a:t>
-            </a:r>
-            <a:r>
-              <a:rPr lang="en-US" dirty="0" smtClean="0"/>
-              <a:t>"],  "text" : "</a:t>
+              <a:t>lte</a:t>
+            </a:r>
+            <a:r>
+              <a:rPr lang="en-US" dirty="0" smtClean="0"/>
+              <a:t>": "2020-01-01T14:39:30.143Z"      }    }  }}</a:t>
+            </a:r>
+            <a:endParaRPr lang="en-US" dirty="0"/>
+          </a:p>
+        </p:txBody>
+      </p:sp>
+    </p:spTree>
+  </p:cSld>
+  <p:clrMapOvr>
+    <a:masterClrMapping/>
+  </p:clrMapOvr>
+</p:sld>
+</file>
+
+<file path=ppt/slides/slide49.xml><?xml version="1.0" encoding="utf-8"?>
+<p:sld xmlns:a="http://schemas.openxmlformats.org/drawingml/2006/main" xmlns:r="http://schemas.openxmlformats.org/officeDocument/2006/relationships" xmlns:p="http://schemas.openxmlformats.org/presentationml/2006/main">
+  <p:cSld>
+    <p:spTree>
+      <p:nvGrpSpPr>
+        <p:cNvPr id="1" name=""/>
+        <p:cNvGrpSpPr/>
+        <p:nvPr/>
+      </p:nvGrpSpPr>
+      <p:grpSpPr>
+        <a:xfrm>
+          <a:off x="0" y="0"/>
+          <a:ext cx="0" cy="0"/>
+          <a:chOff x="0" y="0"/>
+          <a:chExt cx="0" cy="0"/>
+        </a:xfrm>
+      </p:grpSpPr>
+      <p:sp>
+        <p:nvSpPr>
+          <p:cNvPr id="2" name="Title 1"/>
+          <p:cNvSpPr>
+            <a:spLocks noGrp="1"/>
+          </p:cNvSpPr>
+          <p:nvPr>
+            <p:ph type="title"/>
+          </p:nvPr>
+        </p:nvSpPr>
+        <p:spPr/>
+        <p:txBody>
+          <a:bodyPr/>
+          <a:lstStyle/>
+          <a:p>
+            <a:r>
+              <a:rPr lang="en-GB" dirty="0" smtClean="0"/>
+              <a:t>Selecting Specific fields</a:t>
+            </a:r>
+            <a:endParaRPr lang="en-US" dirty="0"/>
+          </a:p>
+        </p:txBody>
+      </p:sp>
+      <p:sp>
+        <p:nvSpPr>
+          <p:cNvPr id="3" name="Content Placeholder 2"/>
+          <p:cNvSpPr>
+            <a:spLocks noGrp="1"/>
+          </p:cNvSpPr>
+          <p:nvPr>
+            <p:ph idx="1"/>
+          </p:nvPr>
+        </p:nvSpPr>
+        <p:spPr/>
+        <p:txBody>
+          <a:bodyPr/>
+          <a:lstStyle/>
+          <a:p>
+            <a:r>
+              <a:rPr lang="en-US" dirty="0" smtClean="0"/>
+              <a:t>Get </a:t>
             </a:r>
             <a:r>
               <a:rPr lang="en-US" dirty="0" err="1" smtClean="0"/>
-              <a:t>aa</a:t>
-            </a:r>
-            <a:r>
-              <a:rPr lang="en-US" dirty="0" smtClean="0"/>
-              <a:t> &lt;python&gt;&lt;python-2.6&gt;&lt;python-</a:t>
+              <a:t>stackoverflow</a:t>
+            </a:r>
+            <a:r>
+              <a:rPr lang="en-US" dirty="0" smtClean="0"/>
+              <a:t>/_search{  "query":  {    "match": {      "tags": "python"    }  },  "_source":["</a:t>
             </a:r>
             <a:r>
               <a:rPr lang="en-US" dirty="0" err="1" smtClean="0"/>
-              <a:t>datamodel</a:t>
-            </a:r>
-            <a:r>
-              <a:rPr lang="en-US" dirty="0" smtClean="0"/>
-              <a:t>&gt;"}</a:t>
+              <a:t>commentcount</a:t>
+            </a:r>
+            <a:r>
+              <a:rPr lang="en-US" dirty="0" smtClean="0"/>
+              <a:t>"]}</a:t>
             </a:r>
             <a:endParaRPr lang="en-US" dirty="0"/>
           </a:p>
@@ -7254,6 +7303,424 @@
 </p:sld>
 </file>
 
+<file path=ppt/slides/slide50.xml><?xml version="1.0" encoding="utf-8"?>
+<p:sld xmlns:a="http://schemas.openxmlformats.org/drawingml/2006/main" xmlns:r="http://schemas.openxmlformats.org/officeDocument/2006/relationships" xmlns:p="http://schemas.openxmlformats.org/presentationml/2006/main">
+  <p:cSld>
+    <p:spTree>
+      <p:nvGrpSpPr>
+        <p:cNvPr id="1" name=""/>
+        <p:cNvGrpSpPr/>
+        <p:nvPr/>
+      </p:nvGrpSpPr>
+      <p:grpSpPr>
+        <a:xfrm>
+          <a:off x="0" y="0"/>
+          <a:ext cx="0" cy="0"/>
+          <a:chOff x="0" y="0"/>
+          <a:chExt cx="0" cy="0"/>
+        </a:xfrm>
+      </p:grpSpPr>
+      <p:sp>
+        <p:nvSpPr>
+          <p:cNvPr id="2" name="Title 1"/>
+          <p:cNvSpPr>
+            <a:spLocks noGrp="1"/>
+          </p:cNvSpPr>
+          <p:nvPr>
+            <p:ph type="title"/>
+          </p:nvPr>
+        </p:nvSpPr>
+        <p:spPr/>
+        <p:txBody>
+          <a:bodyPr/>
+          <a:lstStyle/>
+          <a:p>
+            <a:r>
+              <a:rPr lang="en-GB" dirty="0" smtClean="0"/>
+              <a:t>Mapping</a:t>
+            </a:r>
+            <a:endParaRPr lang="en-US" dirty="0"/>
+          </a:p>
+        </p:txBody>
+      </p:sp>
+      <p:sp>
+        <p:nvSpPr>
+          <p:cNvPr id="3" name="Content Placeholder 2"/>
+          <p:cNvSpPr>
+            <a:spLocks noGrp="1"/>
+          </p:cNvSpPr>
+          <p:nvPr>
+            <p:ph idx="1"/>
+          </p:nvPr>
+        </p:nvSpPr>
+        <p:spPr/>
+        <p:txBody>
+          <a:bodyPr/>
+          <a:lstStyle/>
+          <a:p>
+            <a:r>
+              <a:rPr lang="en-US" dirty="0" smtClean="0"/>
+              <a:t>PUT /my-index { "mappings": { "properties": { "age": { "type": "integer" }, "email": { "type": "keyword" }, "name": { "type": "text" } } } }</a:t>
+            </a:r>
+            <a:br>
+              <a:rPr lang="en-US" dirty="0" smtClean="0"/>
+            </a:br>
+            <a:r>
+              <a:rPr lang="en-US" dirty="0" smtClean="0"/>
+              <a:t/>
+            </a:r>
+            <a:br>
+              <a:rPr lang="en-US" dirty="0" smtClean="0"/>
+            </a:br>
+            <a:r>
+              <a:rPr lang="en-US" dirty="0" smtClean="0"/>
+              <a:t/>
+            </a:r>
+            <a:br>
+              <a:rPr lang="en-US" dirty="0" smtClean="0"/>
+            </a:br>
+            <a:endParaRPr lang="en-US" dirty="0"/>
+          </a:p>
+        </p:txBody>
+      </p:sp>
+    </p:spTree>
+  </p:cSld>
+  <p:clrMapOvr>
+    <a:masterClrMapping/>
+  </p:clrMapOvr>
+</p:sld>
+</file>
+
+<file path=ppt/slides/slide51.xml><?xml version="1.0" encoding="utf-8"?>
+<p:sld xmlns:a="http://schemas.openxmlformats.org/drawingml/2006/main" xmlns:r="http://schemas.openxmlformats.org/officeDocument/2006/relationships" xmlns:p="http://schemas.openxmlformats.org/presentationml/2006/main">
+  <p:cSld>
+    <p:spTree>
+      <p:nvGrpSpPr>
+        <p:cNvPr id="1" name=""/>
+        <p:cNvGrpSpPr/>
+        <p:nvPr/>
+      </p:nvGrpSpPr>
+      <p:grpSpPr>
+        <a:xfrm>
+          <a:off x="0" y="0"/>
+          <a:ext cx="0" cy="0"/>
+          <a:chOff x="0" y="0"/>
+          <a:chExt cx="0" cy="0"/>
+        </a:xfrm>
+      </p:grpSpPr>
+      <p:sp>
+        <p:nvSpPr>
+          <p:cNvPr id="2" name="Title 1"/>
+          <p:cNvSpPr>
+            <a:spLocks noGrp="1"/>
+          </p:cNvSpPr>
+          <p:nvPr>
+            <p:ph type="title"/>
+          </p:nvPr>
+        </p:nvSpPr>
+        <p:spPr/>
+        <p:txBody>
+          <a:bodyPr/>
+          <a:lstStyle/>
+          <a:p>
+            <a:r>
+              <a:rPr lang="en-GB" dirty="0" smtClean="0"/>
+              <a:t>Add New Mapping</a:t>
+            </a:r>
+            <a:endParaRPr lang="en-US" dirty="0"/>
+          </a:p>
+        </p:txBody>
+      </p:sp>
+      <p:sp>
+        <p:nvSpPr>
+          <p:cNvPr id="3" name="Content Placeholder 2"/>
+          <p:cNvSpPr>
+            <a:spLocks noGrp="1"/>
+          </p:cNvSpPr>
+          <p:nvPr>
+            <p:ph idx="1"/>
+          </p:nvPr>
+        </p:nvSpPr>
+        <p:spPr/>
+        <p:txBody>
+          <a:bodyPr/>
+          <a:lstStyle/>
+          <a:p>
+            <a:r>
+              <a:rPr lang="en-US" dirty="0" smtClean="0"/>
+              <a:t>PUT /my-index/_mapping { "properties": { "employee-id": { "type": "keyword", "index": false } } }</a:t>
+            </a:r>
+            <a:endParaRPr lang="en-US" dirty="0"/>
+          </a:p>
+        </p:txBody>
+      </p:sp>
+    </p:spTree>
+  </p:cSld>
+  <p:clrMapOvr>
+    <a:masterClrMapping/>
+  </p:clrMapOvr>
+</p:sld>
+</file>
+
+<file path=ppt/slides/slide52.xml><?xml version="1.0" encoding="utf-8"?>
+<p:sld xmlns:a="http://schemas.openxmlformats.org/drawingml/2006/main" xmlns:r="http://schemas.openxmlformats.org/officeDocument/2006/relationships" xmlns:p="http://schemas.openxmlformats.org/presentationml/2006/main">
+  <p:cSld>
+    <p:spTree>
+      <p:nvGrpSpPr>
+        <p:cNvPr id="1" name=""/>
+        <p:cNvGrpSpPr/>
+        <p:nvPr/>
+      </p:nvGrpSpPr>
+      <p:grpSpPr>
+        <a:xfrm>
+          <a:off x="0" y="0"/>
+          <a:ext cx="0" cy="0"/>
+          <a:chOff x="0" y="0"/>
+          <a:chExt cx="0" cy="0"/>
+        </a:xfrm>
+      </p:grpSpPr>
+      <p:sp>
+        <p:nvSpPr>
+          <p:cNvPr id="2" name="Title 1"/>
+          <p:cNvSpPr>
+            <a:spLocks noGrp="1"/>
+          </p:cNvSpPr>
+          <p:nvPr>
+            <p:ph type="title"/>
+          </p:nvPr>
+        </p:nvSpPr>
+        <p:spPr/>
+        <p:txBody>
+          <a:bodyPr/>
+          <a:lstStyle/>
+          <a:p>
+            <a:r>
+              <a:rPr lang="en-GB" dirty="0" smtClean="0"/>
+              <a:t>Analyzers</a:t>
+            </a:r>
+            <a:endParaRPr lang="en-US" dirty="0"/>
+          </a:p>
+        </p:txBody>
+      </p:sp>
+      <p:sp>
+        <p:nvSpPr>
+          <p:cNvPr id="3" name="Content Placeholder 2"/>
+          <p:cNvSpPr>
+            <a:spLocks noGrp="1"/>
+          </p:cNvSpPr>
+          <p:nvPr>
+            <p:ph idx="1"/>
+          </p:nvPr>
+        </p:nvSpPr>
+        <p:spPr/>
+        <p:txBody>
+          <a:bodyPr/>
+          <a:lstStyle/>
+          <a:p>
+            <a:r>
+              <a:rPr lang="en-GB" dirty="0" smtClean="0"/>
+              <a:t>POST _analyze { "analyzer": "whitespace", "text": "The quick brown fox." }</a:t>
+            </a:r>
+            <a:br>
+              <a:rPr lang="en-GB" dirty="0" smtClean="0"/>
+            </a:br>
+            <a:r>
+              <a:rPr lang="en-GB" dirty="0" smtClean="0"/>
+              <a:t/>
+            </a:r>
+            <a:br>
+              <a:rPr lang="en-GB" dirty="0" smtClean="0"/>
+            </a:br>
+            <a:r>
+              <a:rPr lang="en-GB" dirty="0" smtClean="0"/>
+              <a:t>POST _analyze { "</a:t>
+            </a:r>
+            <a:r>
+              <a:rPr lang="en-GB" dirty="0" err="1" smtClean="0"/>
+              <a:t>tokenizer</a:t>
+            </a:r>
+            <a:r>
+              <a:rPr lang="en-GB" dirty="0" smtClean="0"/>
+              <a:t>": "standard", "filter": [ "lowercase", "</a:t>
+            </a:r>
+            <a:r>
+              <a:rPr lang="en-GB" dirty="0" err="1" smtClean="0"/>
+              <a:t>asciifolding</a:t>
+            </a:r>
+            <a:r>
+              <a:rPr lang="en-GB" dirty="0" smtClean="0"/>
+              <a:t>" ], "text": "Is this </a:t>
+            </a:r>
+            <a:r>
+              <a:rPr lang="en-GB" dirty="0" err="1" smtClean="0"/>
+              <a:t>déja</a:t>
+            </a:r>
+            <a:r>
+              <a:rPr lang="en-GB" dirty="0" smtClean="0"/>
+              <a:t> vu?" }</a:t>
+            </a:r>
+            <a:br>
+              <a:rPr lang="en-GB" dirty="0" smtClean="0"/>
+            </a:br>
+            <a:r>
+              <a:rPr lang="en-GB" dirty="0" smtClean="0"/>
+              <a:t/>
+            </a:r>
+            <a:br>
+              <a:rPr lang="en-GB" dirty="0" smtClean="0"/>
+            </a:br>
+            <a:endParaRPr lang="en-US" dirty="0"/>
+          </a:p>
+        </p:txBody>
+      </p:sp>
+    </p:spTree>
+  </p:cSld>
+  <p:clrMapOvr>
+    <a:masterClrMapping/>
+  </p:clrMapOvr>
+</p:sld>
+</file>
+
+<file path=ppt/slides/slide53.xml><?xml version="1.0" encoding="utf-8"?>
+<p:sld xmlns:a="http://schemas.openxmlformats.org/drawingml/2006/main" xmlns:r="http://schemas.openxmlformats.org/officeDocument/2006/relationships" xmlns:p="http://schemas.openxmlformats.org/presentationml/2006/main">
+  <p:cSld>
+    <p:spTree>
+      <p:nvGrpSpPr>
+        <p:cNvPr id="1" name=""/>
+        <p:cNvGrpSpPr/>
+        <p:nvPr/>
+      </p:nvGrpSpPr>
+      <p:grpSpPr>
+        <a:xfrm>
+          <a:off x="0" y="0"/>
+          <a:ext cx="0" cy="0"/>
+          <a:chOff x="0" y="0"/>
+          <a:chExt cx="0" cy="0"/>
+        </a:xfrm>
+      </p:grpSpPr>
+      <p:sp>
+        <p:nvSpPr>
+          <p:cNvPr id="2" name="Title 1"/>
+          <p:cNvSpPr>
+            <a:spLocks noGrp="1"/>
+          </p:cNvSpPr>
+          <p:nvPr>
+            <p:ph type="title"/>
+          </p:nvPr>
+        </p:nvSpPr>
+        <p:spPr/>
+        <p:txBody>
+          <a:bodyPr/>
+          <a:lstStyle/>
+          <a:p>
+            <a:r>
+              <a:rPr lang="en-GB" dirty="0" smtClean="0"/>
+              <a:t>Analyze API</a:t>
+            </a:r>
+            <a:endParaRPr lang="en-US" dirty="0"/>
+          </a:p>
+        </p:txBody>
+      </p:sp>
+      <p:sp>
+        <p:nvSpPr>
+          <p:cNvPr id="3" name="Content Placeholder 2"/>
+          <p:cNvSpPr>
+            <a:spLocks noGrp="1"/>
+          </p:cNvSpPr>
+          <p:nvPr>
+            <p:ph idx="1"/>
+          </p:nvPr>
+        </p:nvSpPr>
+        <p:spPr/>
+        <p:txBody>
+          <a:bodyPr/>
+          <a:lstStyle/>
+          <a:p>
+            <a:r>
+              <a:rPr lang="en-US" dirty="0" smtClean="0"/>
+              <a:t>Get /_analyze{  "text":"&lt;python&gt;&lt;python-2.6&gt;&lt;python-</a:t>
+            </a:r>
+            <a:r>
+              <a:rPr lang="en-US" dirty="0" err="1" smtClean="0"/>
+              <a:t>datamodel</a:t>
+            </a:r>
+            <a:r>
+              <a:rPr lang="en-US" dirty="0" smtClean="0"/>
+              <a:t>&gt;"}</a:t>
+            </a:r>
+            <a:br>
+              <a:rPr lang="en-US" dirty="0" smtClean="0"/>
+            </a:br>
+            <a:r>
+              <a:rPr lang="en-US" dirty="0" smtClean="0"/>
+              <a:t/>
+            </a:r>
+            <a:br>
+              <a:rPr lang="en-US" dirty="0" smtClean="0"/>
+            </a:br>
+            <a:r>
+              <a:rPr lang="en-US" dirty="0" smtClean="0"/>
+              <a:t/>
+            </a:r>
+            <a:br>
+              <a:rPr lang="en-US" dirty="0" smtClean="0"/>
+            </a:br>
+            <a:r>
+              <a:rPr lang="en-US" dirty="0" smtClean="0"/>
+              <a:t> GET /_analyze{  "</a:t>
+            </a:r>
+            <a:r>
+              <a:rPr lang="en-US" dirty="0" err="1" smtClean="0"/>
+              <a:t>tokenizer</a:t>
+            </a:r>
+            <a:r>
+              <a:rPr lang="en-US" dirty="0" smtClean="0"/>
+              <a:t>" : "keyword",  "filter" : ["lowercase"],  "</a:t>
+            </a:r>
+            <a:r>
+              <a:rPr lang="en-US" dirty="0" err="1" smtClean="0"/>
+              <a:t>char_filter</a:t>
+            </a:r>
+            <a:r>
+              <a:rPr lang="en-US" dirty="0" smtClean="0"/>
+              <a:t>" : ["</a:t>
+            </a:r>
+            <a:r>
+              <a:rPr lang="en-US" dirty="0" err="1" smtClean="0"/>
+              <a:t>html_strip</a:t>
+            </a:r>
+            <a:r>
+              <a:rPr lang="en-US" dirty="0" smtClean="0"/>
+              <a:t>"],  "text" : "</a:t>
+            </a:r>
+            <a:r>
+              <a:rPr lang="en-US" dirty="0" err="1" smtClean="0"/>
+              <a:t>aa</a:t>
+            </a:r>
+            <a:r>
+              <a:rPr lang="en-US" dirty="0" smtClean="0"/>
+              <a:t> &lt;python&gt;&lt;python-2.6&gt;&lt;python-</a:t>
+            </a:r>
+            <a:r>
+              <a:rPr lang="en-US" dirty="0" err="1" smtClean="0"/>
+              <a:t>datamodel</a:t>
+            </a:r>
+            <a:r>
+              <a:rPr lang="en-US" dirty="0" smtClean="0"/>
+              <a:t>&gt;"}</a:t>
+            </a:r>
+            <a:endParaRPr lang="en-US" dirty="0"/>
+          </a:p>
+        </p:txBody>
+      </p:sp>
+    </p:spTree>
+  </p:cSld>
+  <p:clrMapOvr>
+    <a:masterClrMapping/>
+  </p:clrMapOvr>
+</p:sld>
+</file>
+
 <file path=ppt/slides/slide6.xml><?xml version="1.0" encoding="utf-8"?>
 <p:sld xmlns:a="http://schemas.openxmlformats.org/drawingml/2006/main" xmlns:r="http://schemas.openxmlformats.org/officeDocument/2006/relationships" xmlns:p="http://schemas.openxmlformats.org/presentationml/2006/main">
   <p:cSld>
@@ -7384,11 +7851,7 @@
           <a:p>
             <a:r>
               <a:rPr lang="en-GB" b="1" dirty="0" smtClean="0"/>
-              <a:t>We are expecting to store documents related to a Q&amp;A site. I am expecting that the overall load of my site will never exceed 50GB. My machine size is around 1TB and I gave a good amount of RAM. I am not worried even If my site is down for a certain time(even hrs) and I can restore data from somewhere or ok to loose data during downtime or ok even if the data is completely lost because of a hardware failure</a:t>
-            </a:r>
-            <a:r>
-              <a:rPr lang="en-GB" b="1" dirty="0" smtClean="0"/>
-              <a:t>.</a:t>
+              <a:t>We are expecting to store documents related to a Q&amp;A site. I am expecting that the overall load of my site will never exceed 50GB. My machine size is around 1TB and I gave a good amount of RAM. I am not worried even If my site is down for a certain time(even hrs) and I can restore data from somewhere or ok to loose data during downtime or ok even if the data is completely lost because of a hardware failure.</a:t>
             </a:r>
             <a:r>
               <a:rPr lang="en-GB" dirty="0" smtClean="0"/>

--- a/Elastic Search.pptx
+++ b/Elastic Search.pptx
@@ -29,35 +29,65 @@
     <p:sldId id="276" r:id="rId23"/>
     <p:sldId id="277" r:id="rId24"/>
     <p:sldId id="278" r:id="rId25"/>
-    <p:sldId id="279" r:id="rId26"/>
-    <p:sldId id="280" r:id="rId27"/>
-    <p:sldId id="281" r:id="rId28"/>
-    <p:sldId id="282" r:id="rId29"/>
-    <p:sldId id="284" r:id="rId30"/>
-    <p:sldId id="285" r:id="rId31"/>
-    <p:sldId id="286" r:id="rId32"/>
-    <p:sldId id="287" r:id="rId33"/>
-    <p:sldId id="288" r:id="rId34"/>
-    <p:sldId id="289" r:id="rId35"/>
-    <p:sldId id="290" r:id="rId36"/>
-    <p:sldId id="291" r:id="rId37"/>
-    <p:sldId id="283" r:id="rId38"/>
-    <p:sldId id="293" r:id="rId39"/>
-    <p:sldId id="294" r:id="rId40"/>
-    <p:sldId id="295" r:id="rId41"/>
-    <p:sldId id="296" r:id="rId42"/>
-    <p:sldId id="297" r:id="rId43"/>
-    <p:sldId id="307" r:id="rId44"/>
-    <p:sldId id="298" r:id="rId45"/>
-    <p:sldId id="308" r:id="rId46"/>
-    <p:sldId id="299" r:id="rId47"/>
-    <p:sldId id="301" r:id="rId48"/>
-    <p:sldId id="300" r:id="rId49"/>
-    <p:sldId id="302" r:id="rId50"/>
-    <p:sldId id="304" r:id="rId51"/>
-    <p:sldId id="305" r:id="rId52"/>
-    <p:sldId id="306" r:id="rId53"/>
-    <p:sldId id="303" r:id="rId54"/>
+    <p:sldId id="309" r:id="rId26"/>
+    <p:sldId id="311" r:id="rId27"/>
+    <p:sldId id="315" r:id="rId28"/>
+    <p:sldId id="326" r:id="rId29"/>
+    <p:sldId id="316" r:id="rId30"/>
+    <p:sldId id="317" r:id="rId31"/>
+    <p:sldId id="318" r:id="rId32"/>
+    <p:sldId id="319" r:id="rId33"/>
+    <p:sldId id="320" r:id="rId34"/>
+    <p:sldId id="321" r:id="rId35"/>
+    <p:sldId id="322" r:id="rId36"/>
+    <p:sldId id="323" r:id="rId37"/>
+    <p:sldId id="324" r:id="rId38"/>
+    <p:sldId id="325" r:id="rId39"/>
+    <p:sldId id="310" r:id="rId40"/>
+    <p:sldId id="312" r:id="rId41"/>
+    <p:sldId id="313" r:id="rId42"/>
+    <p:sldId id="314" r:id="rId43"/>
+    <p:sldId id="279" r:id="rId44"/>
+    <p:sldId id="281" r:id="rId45"/>
+    <p:sldId id="282" r:id="rId46"/>
+    <p:sldId id="284" r:id="rId47"/>
+    <p:sldId id="285" r:id="rId48"/>
+    <p:sldId id="286" r:id="rId49"/>
+    <p:sldId id="287" r:id="rId50"/>
+    <p:sldId id="288" r:id="rId51"/>
+    <p:sldId id="289" r:id="rId52"/>
+    <p:sldId id="290" r:id="rId53"/>
+    <p:sldId id="291" r:id="rId54"/>
+    <p:sldId id="283" r:id="rId55"/>
+    <p:sldId id="293" r:id="rId56"/>
+    <p:sldId id="294" r:id="rId57"/>
+    <p:sldId id="295" r:id="rId58"/>
+    <p:sldId id="296" r:id="rId59"/>
+    <p:sldId id="297" r:id="rId60"/>
+    <p:sldId id="327" r:id="rId61"/>
+    <p:sldId id="328" r:id="rId62"/>
+    <p:sldId id="332" r:id="rId63"/>
+    <p:sldId id="333" r:id="rId64"/>
+    <p:sldId id="334" r:id="rId65"/>
+    <p:sldId id="329" r:id="rId66"/>
+    <p:sldId id="330" r:id="rId67"/>
+    <p:sldId id="331" r:id="rId68"/>
+    <p:sldId id="335" r:id="rId69"/>
+    <p:sldId id="339" r:id="rId70"/>
+    <p:sldId id="307" r:id="rId71"/>
+    <p:sldId id="298" r:id="rId72"/>
+    <p:sldId id="336" r:id="rId73"/>
+    <p:sldId id="337" r:id="rId74"/>
+    <p:sldId id="338" r:id="rId75"/>
+    <p:sldId id="308" r:id="rId76"/>
+    <p:sldId id="340" r:id="rId77"/>
+    <p:sldId id="341" r:id="rId78"/>
+    <p:sldId id="299" r:id="rId79"/>
+    <p:sldId id="301" r:id="rId80"/>
+    <p:sldId id="300" r:id="rId81"/>
+    <p:sldId id="302" r:id="rId82"/>
+    <p:sldId id="306" r:id="rId83"/>
+    <p:sldId id="303" r:id="rId84"/>
   </p:sldIdLst>
   <p:sldSz cx="9144000" cy="6858000" type="screen4x3"/>
   <p:notesSz cx="6858000" cy="9144000"/>
@@ -341,7 +371,7 @@
             <a:fld id="{1D8BD707-D9CF-40AE-B4C6-C98DA3205C09}" type="datetimeFigureOut">
               <a:rPr lang="en-US" smtClean="0"/>
               <a:pPr/>
-              <a:t>7/26/2020</a:t>
+              <a:t>8/1/2020</a:t>
             </a:fld>
             <a:endParaRPr lang="en-US"/>
           </a:p>
@@ -508,7 +538,7 @@
             <a:fld id="{1D8BD707-D9CF-40AE-B4C6-C98DA3205C09}" type="datetimeFigureOut">
               <a:rPr lang="en-US" smtClean="0"/>
               <a:pPr/>
-              <a:t>7/26/2020</a:t>
+              <a:t>8/1/2020</a:t>
             </a:fld>
             <a:endParaRPr lang="en-US"/>
           </a:p>
@@ -685,7 +715,7 @@
             <a:fld id="{1D8BD707-D9CF-40AE-B4C6-C98DA3205C09}" type="datetimeFigureOut">
               <a:rPr lang="en-US" smtClean="0"/>
               <a:pPr/>
-              <a:t>7/26/2020</a:t>
+              <a:t>8/1/2020</a:t>
             </a:fld>
             <a:endParaRPr lang="en-US"/>
           </a:p>
@@ -852,7 +882,7 @@
             <a:fld id="{1D8BD707-D9CF-40AE-B4C6-C98DA3205C09}" type="datetimeFigureOut">
               <a:rPr lang="en-US" smtClean="0"/>
               <a:pPr/>
-              <a:t>7/26/2020</a:t>
+              <a:t>8/1/2020</a:t>
             </a:fld>
             <a:endParaRPr lang="en-US"/>
           </a:p>
@@ -1095,7 +1125,7 @@
             <a:fld id="{1D8BD707-D9CF-40AE-B4C6-C98DA3205C09}" type="datetimeFigureOut">
               <a:rPr lang="en-US" smtClean="0"/>
               <a:pPr/>
-              <a:t>7/26/2020</a:t>
+              <a:t>8/1/2020</a:t>
             </a:fld>
             <a:endParaRPr lang="en-US"/>
           </a:p>
@@ -1380,7 +1410,7 @@
             <a:fld id="{1D8BD707-D9CF-40AE-B4C6-C98DA3205C09}" type="datetimeFigureOut">
               <a:rPr lang="en-US" smtClean="0"/>
               <a:pPr/>
-              <a:t>7/26/2020</a:t>
+              <a:t>8/1/2020</a:t>
             </a:fld>
             <a:endParaRPr lang="en-US"/>
           </a:p>
@@ -1799,7 +1829,7 @@
             <a:fld id="{1D8BD707-D9CF-40AE-B4C6-C98DA3205C09}" type="datetimeFigureOut">
               <a:rPr lang="en-US" smtClean="0"/>
               <a:pPr/>
-              <a:t>7/26/2020</a:t>
+              <a:t>8/1/2020</a:t>
             </a:fld>
             <a:endParaRPr lang="en-US"/>
           </a:p>
@@ -1914,7 +1944,7 @@
             <a:fld id="{1D8BD707-D9CF-40AE-B4C6-C98DA3205C09}" type="datetimeFigureOut">
               <a:rPr lang="en-US" smtClean="0"/>
               <a:pPr/>
-              <a:t>7/26/2020</a:t>
+              <a:t>8/1/2020</a:t>
             </a:fld>
             <a:endParaRPr lang="en-US"/>
           </a:p>
@@ -2006,7 +2036,7 @@
             <a:fld id="{1D8BD707-D9CF-40AE-B4C6-C98DA3205C09}" type="datetimeFigureOut">
               <a:rPr lang="en-US" smtClean="0"/>
               <a:pPr/>
-              <a:t>7/26/2020</a:t>
+              <a:t>8/1/2020</a:t>
             </a:fld>
             <a:endParaRPr lang="en-US"/>
           </a:p>
@@ -2280,7 +2310,7 @@
             <a:fld id="{1D8BD707-D9CF-40AE-B4C6-C98DA3205C09}" type="datetimeFigureOut">
               <a:rPr lang="en-US" smtClean="0"/>
               <a:pPr/>
-              <a:t>7/26/2020</a:t>
+              <a:t>8/1/2020</a:t>
             </a:fld>
             <a:endParaRPr lang="en-US"/>
           </a:p>
@@ -2530,7 +2560,7 @@
             <a:fld id="{1D8BD707-D9CF-40AE-B4C6-C98DA3205C09}" type="datetimeFigureOut">
               <a:rPr lang="en-US" smtClean="0"/>
               <a:pPr/>
-              <a:t>7/26/2020</a:t>
+              <a:t>8/1/2020</a:t>
             </a:fld>
             <a:endParaRPr lang="en-US"/>
           </a:p>
@@ -2740,7 +2770,7 @@
             <a:fld id="{1D8BD707-D9CF-40AE-B4C6-C98DA3205C09}" type="datetimeFigureOut">
               <a:rPr lang="en-US" smtClean="0"/>
               <a:pPr/>
-              <a:t>7/26/2020</a:t>
+              <a:t>8/1/2020</a:t>
             </a:fld>
             <a:endParaRPr lang="en-US"/>
           </a:p>
@@ -4535,7 +4565,7 @@
           <a:p>
             <a:r>
               <a:rPr lang="en-GB" dirty="0" smtClean="0"/>
-              <a:t>Demo Luke</a:t>
+              <a:t>Lets Get Into Action</a:t>
             </a:r>
             <a:endParaRPr lang="en-US" dirty="0"/>
           </a:p>
@@ -4557,9 +4587,28 @@
           <a:lstStyle/>
           <a:p>
             <a:r>
-              <a:rPr lang="en-US" dirty="0" smtClean="0"/>
-              <a:t>Post &lt;index&gt;/_refresh</a:t>
-            </a:r>
+              <a:rPr lang="en-GB" dirty="0" smtClean="0"/>
+              <a:t>I think we are done with bulk data upload and Setup.</a:t>
+            </a:r>
+          </a:p>
+          <a:p>
+            <a:r>
+              <a:rPr lang="en-GB" dirty="0" smtClean="0"/>
+              <a:t>Now Lets try playing with </a:t>
+            </a:r>
+            <a:r>
+              <a:rPr lang="en-GB" dirty="0" err="1" smtClean="0"/>
+              <a:t>ElasticSearch</a:t>
+            </a:r>
+            <a:endParaRPr lang="en-GB" dirty="0" smtClean="0"/>
+          </a:p>
+          <a:p>
+            <a:r>
+              <a:rPr lang="en-GB" dirty="0" smtClean="0"/>
+              <a:t>AS I am from RDBMS background, I’ll try to compare Elastic search with RBDMS when ever it is possible.</a:t>
+            </a:r>
+          </a:p>
+          <a:p>
             <a:endParaRPr lang="en-US" dirty="0"/>
           </a:p>
         </p:txBody>
@@ -4606,45 +4655,254 @@
           <a:p>
             <a:r>
               <a:rPr lang="en-GB" dirty="0" smtClean="0"/>
-              <a:t>Create a New Index Add Docs</a:t>
+              <a:t>Create Index in ES</a:t>
             </a:r>
             <a:endParaRPr lang="en-US" dirty="0"/>
           </a:p>
         </p:txBody>
       </p:sp>
-      <p:sp>
-        <p:nvSpPr>
-          <p:cNvPr id="3" name="Content Placeholder 2"/>
-          <p:cNvSpPr>
-            <a:spLocks noGrp="1"/>
-          </p:cNvSpPr>
+      <p:graphicFrame>
+        <p:nvGraphicFramePr>
+          <p:cNvPr id="4" name="Content Placeholder 3"/>
+          <p:cNvGraphicFramePr>
+            <a:graphicFrameLocks noGrp="1"/>
+          </p:cNvGraphicFramePr>
           <p:nvPr>
             <p:ph idx="1"/>
           </p:nvPr>
-        </p:nvSpPr>
-        <p:spPr/>
-        <p:txBody>
-          <a:bodyPr/>
-          <a:lstStyle/>
-          <a:p>
-            <a:r>
-              <a:rPr lang="en-GB" dirty="0" smtClean="0"/>
-              <a:t>In Luke we can see that newly created index results are not shown.</a:t>
-            </a:r>
-            <a:br>
-              <a:rPr lang="en-GB" dirty="0" smtClean="0"/>
-            </a:br>
-            <a:r>
-              <a:rPr lang="en-GB" dirty="0" smtClean="0"/>
-              <a:t/>
-            </a:r>
-            <a:br>
-              <a:rPr lang="en-GB" dirty="0" smtClean="0"/>
-            </a:br>
-            <a:endParaRPr lang="en-US" dirty="0"/>
-          </a:p>
-        </p:txBody>
-      </p:sp>
+        </p:nvGraphicFramePr>
+        <p:xfrm>
+          <a:off x="228600" y="1600200"/>
+          <a:ext cx="8763000" cy="5086727"/>
+        </p:xfrm>
+        <a:graphic>
+          <a:graphicData uri="http://schemas.openxmlformats.org/drawingml/2006/table">
+            <a:tbl>
+              <a:tblPr firstRow="1" bandRow="1">
+                <a:tableStyleId>{5C22544A-7EE6-4342-B048-85BDC9FD1C3A}</a:tableStyleId>
+              </a:tblPr>
+              <a:tblGrid>
+                <a:gridCol w="4381500"/>
+                <a:gridCol w="4381500"/>
+              </a:tblGrid>
+              <a:tr h="1429127">
+                <a:tc>
+                  <a:txBody>
+                    <a:bodyPr/>
+                    <a:lstStyle/>
+                    <a:p>
+                      <a:r>
+                        <a:rPr lang="en-GB" dirty="0" smtClean="0"/>
+                        <a:t>Elastic</a:t>
+                      </a:r>
+                      <a:r>
+                        <a:rPr lang="en-GB" baseline="0" dirty="0" smtClean="0"/>
+                        <a:t> Search (Index)</a:t>
+                      </a:r>
+                      <a:endParaRPr lang="en-US" dirty="0"/>
+                    </a:p>
+                  </a:txBody>
+                  <a:tcPr/>
+                </a:tc>
+                <a:tc>
+                  <a:txBody>
+                    <a:bodyPr/>
+                    <a:lstStyle/>
+                    <a:p>
+                      <a:r>
+                        <a:rPr lang="en-GB" dirty="0" smtClean="0"/>
+                        <a:t>SQL Server(Table)</a:t>
+                      </a:r>
+                      <a:endParaRPr lang="en-US" dirty="0"/>
+                    </a:p>
+                  </a:txBody>
+                  <a:tcPr/>
+                </a:tc>
+              </a:tr>
+              <a:tr h="3523873">
+                <a:tc>
+                  <a:txBody>
+                    <a:bodyPr/>
+                    <a:lstStyle/>
+                    <a:p>
+                      <a:pPr marL="342900" indent="-342900">
+                        <a:buAutoNum type="arabicPeriod"/>
+                      </a:pPr>
+                      <a:r>
+                        <a:rPr lang="en-GB" dirty="0" err="1" smtClean="0"/>
+                        <a:t>Sharding</a:t>
+                      </a:r>
+                      <a:r>
+                        <a:rPr lang="en-GB" baseline="0" dirty="0" smtClean="0"/>
+                        <a:t> – It can be used to distribute data </a:t>
+                      </a:r>
+                      <a:r>
+                        <a:rPr lang="en-GB" b="1" baseline="0" dirty="0" smtClean="0"/>
+                        <a:t>across</a:t>
+                      </a:r>
+                      <a:r>
+                        <a:rPr lang="en-GB" baseline="0" dirty="0" smtClean="0"/>
+                        <a:t> multiple nodes in a cluster</a:t>
+                      </a:r>
+                    </a:p>
+                    <a:p>
+                      <a:pPr marL="342900" indent="-342900">
+                        <a:buAutoNum type="arabicPeriod"/>
+                      </a:pPr>
+                      <a:r>
+                        <a:rPr lang="en-GB" dirty="0" smtClean="0"/>
+                        <a:t>Replication</a:t>
+                      </a:r>
+                      <a:r>
+                        <a:rPr lang="en-GB" baseline="0" dirty="0" smtClean="0"/>
+                        <a:t> can be configured at index level</a:t>
+                      </a:r>
+                    </a:p>
+                    <a:p>
+                      <a:pPr marL="342900" indent="-342900">
+                        <a:buAutoNum type="arabicPeriod"/>
+                      </a:pPr>
+                      <a:r>
+                        <a:rPr lang="en-GB" baseline="0" dirty="0" smtClean="0"/>
+                        <a:t>So we need to specify shard details and replication details at the time of index creation or else it will take default values 1 and 1 for shards and replications</a:t>
+                      </a:r>
+                    </a:p>
+                    <a:p>
+                      <a:pPr marL="342900" indent="-342900">
+                        <a:buAutoNum type="arabicPeriod"/>
+                      </a:pPr>
+                      <a:r>
+                        <a:rPr lang="en-GB" dirty="0" smtClean="0"/>
+                        <a:t>Schema specification is not required</a:t>
+                      </a:r>
+                      <a:r>
+                        <a:rPr lang="en-GB" baseline="0" dirty="0" smtClean="0"/>
+                        <a:t> and It will automatically infers schema from 1</a:t>
+                      </a:r>
+                      <a:r>
+                        <a:rPr lang="en-GB" baseline="30000" dirty="0" smtClean="0"/>
+                        <a:t>st</a:t>
+                      </a:r>
+                      <a:r>
+                        <a:rPr lang="en-GB" baseline="0" dirty="0" smtClean="0"/>
+                        <a:t> inserted record.(They can be prevented by certain settings)</a:t>
+                      </a:r>
+                    </a:p>
+                    <a:p>
+                      <a:pPr marL="342900" indent="-342900">
+                        <a:buAutoNum type="arabicPeriod"/>
+                      </a:pPr>
+                      <a:endParaRPr lang="en-US" dirty="0"/>
+                    </a:p>
+                  </a:txBody>
+                  <a:tcPr/>
+                </a:tc>
+                <a:tc>
+                  <a:txBody>
+                    <a:bodyPr/>
+                    <a:lstStyle/>
+                    <a:p>
+                      <a:r>
+                        <a:rPr lang="en-GB" sz="1800" b="0" i="0" kern="1200" dirty="0" smtClean="0">
+                          <a:solidFill>
+                            <a:schemeClr val="dk1"/>
+                          </a:solidFill>
+                          <a:latin typeface="+mn-lt"/>
+                          <a:ea typeface="+mn-ea"/>
+                          <a:cs typeface="+mn-cs"/>
+                        </a:rPr>
+                        <a:t>1.Fully partitioning data across multiple servers isn’t something that SQL Server does out of the box</a:t>
+                      </a:r>
+                    </a:p>
+                    <a:p>
+                      <a:r>
+                        <a:rPr lang="en-GB" sz="1800" b="0" i="0" kern="1200" dirty="0" smtClean="0">
+                          <a:solidFill>
+                            <a:schemeClr val="dk1"/>
+                          </a:solidFill>
+                          <a:latin typeface="+mn-lt"/>
+                          <a:ea typeface="+mn-ea"/>
+                          <a:cs typeface="+mn-cs"/>
+                        </a:rPr>
+                        <a:t>2.</a:t>
+                      </a:r>
+                      <a:r>
+                        <a:rPr lang="en-GB" sz="1800" b="0" i="0" kern="1200" baseline="0" dirty="0" smtClean="0">
+                          <a:solidFill>
+                            <a:schemeClr val="dk1"/>
+                          </a:solidFill>
+                          <a:latin typeface="+mn-lt"/>
+                          <a:ea typeface="+mn-ea"/>
+                          <a:cs typeface="+mn-cs"/>
+                        </a:rPr>
+                        <a:t> Replication is done at DB level</a:t>
+                      </a:r>
+                    </a:p>
+                    <a:p>
+                      <a:r>
+                        <a:rPr lang="en-GB" sz="1800" b="0" i="0" kern="1200" baseline="0" dirty="0" smtClean="0">
+                          <a:solidFill>
+                            <a:schemeClr val="dk1"/>
+                          </a:solidFill>
+                          <a:latin typeface="+mn-lt"/>
+                          <a:ea typeface="+mn-ea"/>
+                          <a:cs typeface="+mn-cs"/>
+                        </a:rPr>
+                        <a:t>3.It is not required to specify shard or Replication details when creating tables</a:t>
+                      </a:r>
+                    </a:p>
+                    <a:p>
+                      <a:endParaRPr lang="en-GB" sz="1800" b="0" i="0" kern="1200" baseline="0" dirty="0" smtClean="0">
+                        <a:solidFill>
+                          <a:schemeClr val="dk1"/>
+                        </a:solidFill>
+                        <a:latin typeface="+mn-lt"/>
+                        <a:ea typeface="+mn-ea"/>
+                        <a:cs typeface="+mn-cs"/>
+                      </a:endParaRPr>
+                    </a:p>
+                    <a:p>
+                      <a:endParaRPr lang="en-GB" sz="1800" b="0" i="0" kern="1200" baseline="0" dirty="0" smtClean="0">
+                        <a:solidFill>
+                          <a:schemeClr val="dk1"/>
+                        </a:solidFill>
+                        <a:latin typeface="+mn-lt"/>
+                        <a:ea typeface="+mn-ea"/>
+                        <a:cs typeface="+mn-cs"/>
+                      </a:endParaRPr>
+                    </a:p>
+                    <a:p>
+                      <a:endParaRPr lang="en-GB" sz="1800" b="0" i="0" kern="1200" baseline="0" dirty="0" smtClean="0">
+                        <a:solidFill>
+                          <a:schemeClr val="dk1"/>
+                        </a:solidFill>
+                        <a:latin typeface="+mn-lt"/>
+                        <a:ea typeface="+mn-ea"/>
+                        <a:cs typeface="+mn-cs"/>
+                      </a:endParaRPr>
+                    </a:p>
+                    <a:p>
+                      <a:r>
+                        <a:rPr lang="en-GB" sz="1800" b="0" i="0" kern="1200" baseline="0" dirty="0" smtClean="0">
+                          <a:solidFill>
+                            <a:schemeClr val="dk1"/>
+                          </a:solidFill>
+                          <a:latin typeface="+mn-lt"/>
+                          <a:ea typeface="+mn-ea"/>
+                          <a:cs typeface="+mn-cs"/>
+                        </a:rPr>
+                        <a:t>4. Schema needs to be defined at the time of table creation</a:t>
+                      </a:r>
+                      <a:endParaRPr lang="en-US" dirty="0"/>
+                    </a:p>
+                  </a:txBody>
+                  <a:tcPr/>
+                </a:tc>
+              </a:tr>
+            </a:tbl>
+          </a:graphicData>
+        </a:graphic>
+      </p:graphicFrame>
     </p:spTree>
   </p:cSld>
   <p:clrMapOvr>
@@ -4685,7 +4943,11 @@
           <a:bodyPr/>
           <a:lstStyle/>
           <a:p>
-            <a:endParaRPr lang="en-US"/>
+            <a:r>
+              <a:rPr lang="en-GB" dirty="0" smtClean="0"/>
+              <a:t>Mapping</a:t>
+            </a:r>
+            <a:endParaRPr lang="en-US" dirty="0"/>
           </a:p>
         </p:txBody>
       </p:sp>
@@ -4702,77 +4964,171 @@
         <p:spPr/>
         <p:txBody>
           <a:bodyPr>
-            <a:normAutofit fontScale="85000" lnSpcReduction="20000"/>
+            <a:normAutofit fontScale="32500" lnSpcReduction="20000"/>
           </a:bodyPr>
           <a:lstStyle/>
           <a:p>
             <a:r>
-              <a:rPr lang="en-GB" dirty="0" smtClean="0"/>
-              <a:t>Flushing an index is the process of making sure that any data that is currently only stored in the transaction log is also permanently stored in the </a:t>
-            </a:r>
-            <a:r>
-              <a:rPr lang="en-GB" dirty="0" err="1" smtClean="0"/>
-              <a:t>Lucene</a:t>
-            </a:r>
-            <a:r>
-              <a:rPr lang="en-GB" dirty="0" smtClean="0"/>
-              <a:t> index.</a:t>
-            </a:r>
-            <a:br>
-              <a:rPr lang="en-GB" dirty="0" smtClean="0"/>
-            </a:br>
-            <a:r>
-              <a:rPr lang="en-GB" dirty="0" smtClean="0"/>
-              <a:t/>
-            </a:r>
-            <a:br>
-              <a:rPr lang="en-GB" dirty="0" smtClean="0"/>
-            </a:br>
-            <a:r>
-              <a:rPr lang="en-GB" dirty="0" err="1" smtClean="0"/>
-              <a:t>TransLog</a:t>
-            </a:r>
-            <a:r>
-              <a:rPr lang="en-GB" dirty="0" smtClean="0"/>
-              <a:t>:</a:t>
-            </a:r>
-            <a:br>
-              <a:rPr lang="en-GB" dirty="0" smtClean="0"/>
-            </a:br>
-            <a:r>
-              <a:rPr lang="en-GB" dirty="0" smtClean="0"/>
-              <a:t/>
-            </a:r>
-            <a:br>
-              <a:rPr lang="en-GB" dirty="0" smtClean="0"/>
-            </a:br>
-            <a:r>
-              <a:rPr lang="en-GB" dirty="0" smtClean="0"/>
-              <a:t>Changes to </a:t>
-            </a:r>
-            <a:r>
-              <a:rPr lang="en-GB" dirty="0" err="1" smtClean="0"/>
-              <a:t>Lucene</a:t>
-            </a:r>
-            <a:r>
-              <a:rPr lang="en-GB" dirty="0" smtClean="0"/>
-              <a:t> are only persisted to disk during a </a:t>
-            </a:r>
-            <a:r>
-              <a:rPr lang="en-GB" dirty="0" err="1" smtClean="0"/>
-              <a:t>Lucene</a:t>
-            </a:r>
-            <a:r>
-              <a:rPr lang="en-GB" dirty="0" smtClean="0"/>
-              <a:t> commit, which is a relatively expensive operation and so cannot be performed after every index or delete operation. Changes that happen after one commit and before another will be removed from the index by </a:t>
-            </a:r>
-            <a:r>
-              <a:rPr lang="en-GB" dirty="0" err="1" smtClean="0"/>
-              <a:t>Lucene</a:t>
-            </a:r>
-            <a:r>
-              <a:rPr lang="en-GB" dirty="0" smtClean="0"/>
-              <a:t> in the event of process exit or hardware failure</a:t>
+              <a:rPr lang="en-US" dirty="0" smtClean="0"/>
+              <a:t>Put </a:t>
+            </a:r>
+            <a:r>
+              <a:rPr lang="en-US" dirty="0" err="1" smtClean="0"/>
+              <a:t>stackoverflow_top</a:t>
+            </a:r>
+            <a:r>
+              <a:rPr lang="en-US" dirty="0" smtClean="0"/>
+              <a:t>/</a:t>
+            </a:r>
+          </a:p>
+          <a:p>
+            <a:r>
+              <a:rPr lang="en-US" dirty="0" smtClean="0"/>
+              <a:t>{</a:t>
+            </a:r>
+          </a:p>
+          <a:p>
+            <a:r>
+              <a:rPr lang="en-US" dirty="0" smtClean="0"/>
+              <a:t>  "mappings":</a:t>
+            </a:r>
+          </a:p>
+          <a:p>
+            <a:r>
+              <a:rPr lang="en-US" dirty="0" smtClean="0"/>
+              <a:t>  {</a:t>
+            </a:r>
+          </a:p>
+          <a:p>
+            <a:r>
+              <a:rPr lang="en-US" dirty="0" smtClean="0"/>
+              <a:t>    "properties":</a:t>
+            </a:r>
+          </a:p>
+          <a:p>
+            <a:r>
+              <a:rPr lang="en-US" dirty="0" smtClean="0"/>
+              <a:t>    {</a:t>
+            </a:r>
+          </a:p>
+          <a:p>
+            <a:r>
+              <a:rPr lang="en-US" dirty="0" smtClean="0"/>
+              <a:t>      "field1":{</a:t>
+            </a:r>
+          </a:p>
+          <a:p>
+            <a:r>
+              <a:rPr lang="en-US" dirty="0" smtClean="0"/>
+              <a:t>        "type":"text",</a:t>
+            </a:r>
+          </a:p>
+          <a:p>
+            <a:r>
+              <a:rPr lang="en-US" dirty="0" smtClean="0"/>
+              <a:t>        "fields":{</a:t>
+            </a:r>
+          </a:p>
+          <a:p>
+            <a:r>
+              <a:rPr lang="en-US" dirty="0" smtClean="0"/>
+              <a:t>          "keyword":</a:t>
+            </a:r>
+          </a:p>
+          <a:p>
+            <a:r>
+              <a:rPr lang="en-US" dirty="0" smtClean="0"/>
+              <a:t>          {</a:t>
+            </a:r>
+          </a:p>
+          <a:p>
+            <a:r>
+              <a:rPr lang="en-US" dirty="0" smtClean="0"/>
+              <a:t>            "type":"keyword"</a:t>
+            </a:r>
+          </a:p>
+          <a:p>
+            <a:r>
+              <a:rPr lang="en-US" dirty="0" smtClean="0"/>
+              <a:t>          }</a:t>
+            </a:r>
+          </a:p>
+          <a:p>
+            <a:r>
+              <a:rPr lang="en-US" dirty="0" smtClean="0"/>
+              <a:t>        }</a:t>
+            </a:r>
+          </a:p>
+          <a:p>
+            <a:r>
+              <a:rPr lang="en-US" dirty="0" smtClean="0"/>
+              <a:t>      },</a:t>
+            </a:r>
+          </a:p>
+          <a:p>
+            <a:r>
+              <a:rPr lang="en-US" dirty="0" smtClean="0"/>
+              <a:t>      "field2":{</a:t>
+            </a:r>
+          </a:p>
+          <a:p>
+            <a:r>
+              <a:rPr lang="en-US" dirty="0" smtClean="0"/>
+              <a:t>        "type":"integer"</a:t>
+            </a:r>
+          </a:p>
+          <a:p>
+            <a:r>
+              <a:rPr lang="en-US" dirty="0" smtClean="0"/>
+              <a:t>      },</a:t>
+            </a:r>
+          </a:p>
+          <a:p>
+            <a:r>
+              <a:rPr lang="en-US" dirty="0" smtClean="0"/>
+              <a:t>      "field3":</a:t>
+            </a:r>
+          </a:p>
+          <a:p>
+            <a:r>
+              <a:rPr lang="en-US" dirty="0" smtClean="0"/>
+              <a:t>      {</a:t>
+            </a:r>
+          </a:p>
+          <a:p>
+            <a:r>
+              <a:rPr lang="en-US" dirty="0" smtClean="0"/>
+              <a:t>        "type":"float",</a:t>
+            </a:r>
+          </a:p>
+          <a:p>
+            <a:r>
+              <a:rPr lang="en-US" dirty="0" smtClean="0"/>
+              <a:t>        "index":false</a:t>
+            </a:r>
+          </a:p>
+          <a:p>
+            <a:r>
+              <a:rPr lang="en-US" dirty="0" smtClean="0"/>
+              <a:t>      }</a:t>
+            </a:r>
+          </a:p>
+          <a:p>
+            <a:r>
+              <a:rPr lang="en-US" dirty="0" smtClean="0"/>
+              <a:t>    }</a:t>
+            </a:r>
+          </a:p>
+          <a:p>
+            <a:r>
+              <a:rPr lang="en-US" dirty="0" smtClean="0"/>
+              <a:t>  }</a:t>
+            </a:r>
+          </a:p>
+          <a:p>
+            <a:r>
+              <a:rPr lang="en-US" dirty="0" smtClean="0"/>
+              <a:t>}</a:t>
             </a:r>
             <a:endParaRPr lang="en-US" dirty="0"/>
           </a:p>
@@ -4818,7 +5174,11 @@
           <a:bodyPr/>
           <a:lstStyle/>
           <a:p>
-            <a:endParaRPr lang="en-US"/>
+            <a:r>
+              <a:rPr lang="en-GB" dirty="0" err="1" smtClean="0"/>
+              <a:t>Datatypes</a:t>
+            </a:r>
+            <a:endParaRPr lang="en-US" dirty="0"/>
           </a:p>
         </p:txBody>
       </p:sp>
@@ -4834,17 +5194,50 @@
         </p:nvSpPr>
         <p:spPr/>
         <p:txBody>
-          <a:bodyPr/>
-          <a:lstStyle/>
-          <a:p>
-            <a:r>
-              <a:rPr lang="en-US" dirty="0" smtClean="0"/>
-              <a:t>Post &lt;index&gt;/_flush</a:t>
+          <a:bodyPr>
+            <a:normAutofit fontScale="55000" lnSpcReduction="20000"/>
+          </a:bodyPr>
+          <a:lstStyle/>
+          <a:p>
+            <a:r>
+              <a:rPr lang="en-US" b="1" dirty="0" smtClean="0">
+                <a:hlinkClick r:id="rId2" tooltip="Text data type"/>
+              </a:rPr>
+              <a:t>S</a:t>
+            </a:r>
+            <a:r>
+              <a:rPr lang="en-US" b="1" dirty="0" smtClean="0"/>
+              <a:t>tring</a:t>
             </a:r>
             <a:br>
-              <a:rPr lang="en-US" dirty="0" smtClean="0"/>
+              <a:rPr lang="en-US" b="1" dirty="0" smtClean="0"/>
             </a:br>
             <a:r>
+              <a:rPr lang="en-US" dirty="0" smtClean="0">
+                <a:hlinkClick r:id="rId2" tooltip="Text data type"/>
+              </a:rPr>
+              <a:t>text</a:t>
+            </a:r>
+            <a:r>
+              <a:rPr lang="en-US" dirty="0" smtClean="0"/>
+              <a:t> and </a:t>
+            </a:r>
+            <a:r>
+              <a:rPr lang="en-US" dirty="0" smtClean="0">
+                <a:hlinkClick r:id="rId3" tooltip="Keyword data type"/>
+              </a:rPr>
+              <a:t>keyword</a:t>
+            </a:r>
+            <a:endParaRPr lang="en-US" dirty="0" smtClean="0"/>
+          </a:p>
+          <a:p>
+            <a:r>
+              <a:rPr lang="en-US" dirty="0" smtClean="0">
+                <a:hlinkClick r:id="rId4" tooltip="Numeric data types"/>
+              </a:rPr>
+              <a:t>Numeric</a:t>
+            </a:r>
+            <a:r>
               <a:rPr lang="en-US" dirty="0" smtClean="0"/>
               <a:t/>
             </a:r>
@@ -4853,7 +5246,194 @@
             </a:br>
             <a:r>
               <a:rPr lang="en-US" dirty="0" smtClean="0"/>
-              <a:t>Now check Luke</a:t>
+              <a:t>long</a:t>
+            </a:r>
+            <a:r>
+              <a:rPr lang="en-US" dirty="0" smtClean="0"/>
+              <a:t>, integer, short, byte, double, float, </a:t>
+            </a:r>
+            <a:r>
+              <a:rPr lang="en-US" dirty="0" err="1" smtClean="0"/>
+              <a:t>half_float</a:t>
+            </a:r>
+            <a:r>
+              <a:rPr lang="en-US" dirty="0" smtClean="0"/>
+              <a:t>, </a:t>
+            </a:r>
+            <a:r>
+              <a:rPr lang="en-US" dirty="0" err="1" smtClean="0"/>
+              <a:t>scaled_float</a:t>
+            </a:r>
+            <a:endParaRPr lang="en-US" dirty="0" smtClean="0"/>
+          </a:p>
+          <a:p>
+            <a:r>
+              <a:rPr lang="en-US" dirty="0" smtClean="0">
+                <a:hlinkClick r:id="rId5" tooltip="Date data type"/>
+              </a:rPr>
+              <a:t>Date</a:t>
+            </a:r>
+            <a:endParaRPr lang="en-US" dirty="0" smtClean="0"/>
+          </a:p>
+          <a:p>
+            <a:pPr>
+              <a:buNone/>
+            </a:pPr>
+            <a:r>
+              <a:rPr lang="en-US" dirty="0" smtClean="0"/>
+              <a:t>     date</a:t>
+            </a:r>
+          </a:p>
+          <a:p>
+            <a:r>
+              <a:rPr lang="en-US" dirty="0" smtClean="0">
+                <a:hlinkClick r:id="rId6" tooltip="Boolean data type"/>
+              </a:rPr>
+              <a:t>Boolean</a:t>
+            </a:r>
+            <a:r>
+              <a:rPr lang="en-US" dirty="0" smtClean="0"/>
+              <a:t/>
+            </a:r>
+            <a:br>
+              <a:rPr lang="en-US" dirty="0" smtClean="0"/>
+            </a:br>
+            <a:r>
+              <a:rPr lang="en-US" dirty="0" err="1" smtClean="0"/>
+              <a:t>boolean</a:t>
+            </a:r>
+            <a:endParaRPr lang="en-US" dirty="0" smtClean="0"/>
+          </a:p>
+          <a:p>
+            <a:r>
+              <a:rPr lang="en-US" dirty="0" smtClean="0">
+                <a:hlinkClick r:id="rId7" tooltip="Binary data type"/>
+              </a:rPr>
+              <a:t>Binary</a:t>
+            </a:r>
+            <a:r>
+              <a:rPr lang="en-US" dirty="0" smtClean="0"/>
+              <a:t/>
+            </a:r>
+            <a:br>
+              <a:rPr lang="en-US" dirty="0" smtClean="0"/>
+            </a:br>
+            <a:r>
+              <a:rPr lang="en-US" dirty="0" smtClean="0"/>
+              <a:t>binary</a:t>
+            </a:r>
+          </a:p>
+          <a:p>
+            <a:r>
+              <a:rPr lang="en-US" dirty="0" smtClean="0">
+                <a:hlinkClick r:id="rId8" tooltip="Range data types"/>
+              </a:rPr>
+              <a:t>Range</a:t>
+            </a:r>
+            <a:r>
+              <a:rPr lang="en-US" dirty="0" smtClean="0"/>
+              <a:t/>
+            </a:r>
+            <a:br>
+              <a:rPr lang="en-US" dirty="0" smtClean="0"/>
+            </a:br>
+            <a:r>
+              <a:rPr lang="en-US" dirty="0" err="1" smtClean="0"/>
+              <a:t>integer_range</a:t>
+            </a:r>
+            <a:r>
+              <a:rPr lang="en-US" dirty="0" smtClean="0"/>
+              <a:t>, </a:t>
+            </a:r>
+            <a:r>
+              <a:rPr lang="en-US" dirty="0" err="1" smtClean="0"/>
+              <a:t>float_range</a:t>
+            </a:r>
+            <a:r>
+              <a:rPr lang="en-US" dirty="0" smtClean="0"/>
+              <a:t>, </a:t>
+            </a:r>
+            <a:r>
+              <a:rPr lang="en-US" dirty="0" err="1" smtClean="0"/>
+              <a:t>long_range</a:t>
+            </a:r>
+            <a:r>
+              <a:rPr lang="en-US" dirty="0" smtClean="0"/>
+              <a:t>, </a:t>
+            </a:r>
+            <a:r>
+              <a:rPr lang="en-US" dirty="0" err="1" smtClean="0"/>
+              <a:t>double_range</a:t>
+            </a:r>
+            <a:r>
+              <a:rPr lang="en-US" dirty="0" smtClean="0"/>
+              <a:t>, </a:t>
+            </a:r>
+            <a:r>
+              <a:rPr lang="en-US" dirty="0" err="1" smtClean="0"/>
+              <a:t>date_range</a:t>
+            </a:r>
+            <a:r>
+              <a:rPr lang="en-US" dirty="0" smtClean="0"/>
+              <a:t>, </a:t>
+            </a:r>
+            <a:r>
+              <a:rPr lang="en-US" dirty="0" err="1" smtClean="0"/>
+              <a:t>ip_range</a:t>
+            </a:r>
+            <a:endParaRPr lang="en-US" dirty="0" smtClean="0"/>
+          </a:p>
+          <a:p>
+            <a:r>
+              <a:rPr lang="en-GB" dirty="0" smtClean="0">
+                <a:hlinkClick r:id="rId9" tooltip="Object data type"/>
+              </a:rPr>
+              <a:t>Object</a:t>
+            </a:r>
+            <a:r>
+              <a:rPr lang="en-GB" dirty="0" smtClean="0"/>
+              <a:t/>
+            </a:r>
+            <a:br>
+              <a:rPr lang="en-GB" dirty="0" smtClean="0"/>
+            </a:br>
+            <a:r>
+              <a:rPr lang="en-GB" dirty="0" smtClean="0"/>
+              <a:t>object</a:t>
+            </a:r>
+            <a:r>
+              <a:rPr lang="en-GB" dirty="0" smtClean="0"/>
+              <a:t> for single JSON </a:t>
+            </a:r>
+            <a:r>
+              <a:rPr lang="en-GB" dirty="0" smtClean="0"/>
+              <a:t>objects</a:t>
+            </a:r>
+          </a:p>
+          <a:p>
+            <a:r>
+              <a:rPr lang="en-GB" dirty="0" smtClean="0">
+                <a:hlinkClick r:id="rId10" tooltip="Nested data type"/>
+              </a:rPr>
+              <a:t>Nested</a:t>
+            </a:r>
+            <a:endParaRPr lang="en-GB" dirty="0" smtClean="0"/>
+          </a:p>
+          <a:p>
+            <a:pPr>
+              <a:buNone/>
+            </a:pPr>
+            <a:r>
+              <a:rPr lang="en-GB" dirty="0" smtClean="0"/>
+              <a:t>	</a:t>
+            </a:r>
+            <a:r>
+              <a:rPr lang="en-GB" dirty="0" smtClean="0"/>
+              <a:t>nested</a:t>
+            </a:r>
+            <a:r>
+              <a:rPr lang="en-GB" dirty="0" smtClean="0"/>
+              <a:t> for arrays of JSON objects</a:t>
             </a:r>
             <a:endParaRPr lang="en-US" dirty="0"/>
           </a:p>
@@ -4896,67 +5476,141 @@
         </p:nvSpPr>
         <p:spPr/>
         <p:txBody>
+          <a:bodyPr/>
+          <a:lstStyle/>
+          <a:p>
+            <a:r>
+              <a:rPr lang="en-GB" dirty="0" smtClean="0"/>
+              <a:t>Update Mappings</a:t>
+            </a:r>
+            <a:endParaRPr lang="en-US" dirty="0"/>
+          </a:p>
+        </p:txBody>
+      </p:sp>
+      <p:sp>
+        <p:nvSpPr>
+          <p:cNvPr id="3" name="Content Placeholder 2"/>
+          <p:cNvSpPr>
+            <a:spLocks noGrp="1"/>
+          </p:cNvSpPr>
+          <p:nvPr>
+            <p:ph idx="1"/>
+          </p:nvPr>
+        </p:nvSpPr>
+        <p:spPr/>
+        <p:txBody>
           <a:bodyPr>
-            <a:normAutofit/>
+            <a:normAutofit fontScale="47500" lnSpcReduction="20000"/>
           </a:bodyPr>
           <a:lstStyle/>
           <a:p>
             <a:r>
               <a:rPr lang="en-US" dirty="0" smtClean="0"/>
-              <a:t>Automatic Index Creation</a:t>
-            </a:r>
-            <a:endParaRPr lang="en-US" dirty="0"/>
-          </a:p>
-        </p:txBody>
-      </p:sp>
-      <p:sp>
-        <p:nvSpPr>
-          <p:cNvPr id="3" name="Content Placeholder 2"/>
-          <p:cNvSpPr>
-            <a:spLocks noGrp="1"/>
-          </p:cNvSpPr>
-          <p:nvPr>
-            <p:ph idx="1"/>
-          </p:nvPr>
-        </p:nvSpPr>
-        <p:spPr/>
-        <p:txBody>
-          <a:bodyPr/>
-          <a:lstStyle/>
-          <a:p>
-            <a:r>
-              <a:rPr lang="en-GB" dirty="0" smtClean="0"/>
-              <a:t>To disable Automatic index creation we can use in </a:t>
-            </a:r>
-            <a:r>
-              <a:rPr lang="en-US" dirty="0" smtClean="0"/>
-              <a:t>elasticsearch.yml</a:t>
-            </a:r>
-            <a:r>
-              <a:rPr lang="en-GB" dirty="0" smtClean="0"/>
-              <a:t/>
-            </a:r>
-            <a:br>
-              <a:rPr lang="en-GB" dirty="0" smtClean="0"/>
-            </a:br>
-            <a:r>
-              <a:rPr lang="en-GB" dirty="0" smtClean="0"/>
-              <a:t/>
-            </a:r>
-            <a:br>
-              <a:rPr lang="en-GB" dirty="0" smtClean="0"/>
-            </a:br>
+              <a:t>Put </a:t>
+            </a:r>
             <a:r>
               <a:rPr lang="en-US" dirty="0" err="1" smtClean="0"/>
-              <a:t>action.auto_create_index:false</a:t>
-            </a:r>
-            <a:r>
-              <a:rPr lang="en-US" dirty="0" smtClean="0"/>
-              <a:t> </a:t>
-            </a:r>
-            <a:r>
-              <a:rPr lang="en-US" dirty="0" err="1" smtClean="0"/>
-              <a:t>index.mapper.dynamic:false</a:t>
+              <a:t>stackoverflow_top</a:t>
+            </a:r>
+            <a:r>
+              <a:rPr lang="en-US" dirty="0" smtClean="0"/>
+              <a:t>/_mappings</a:t>
+            </a:r>
+          </a:p>
+          <a:p>
+            <a:r>
+              <a:rPr lang="en-US" dirty="0" smtClean="0"/>
+              <a:t>{</a:t>
+            </a:r>
+          </a:p>
+          <a:p>
+            <a:r>
+              <a:rPr lang="en-US" dirty="0" smtClean="0"/>
+              <a:t>    "properties":</a:t>
+            </a:r>
+          </a:p>
+          <a:p>
+            <a:r>
+              <a:rPr lang="en-US" dirty="0" smtClean="0"/>
+              <a:t>    {</a:t>
+            </a:r>
+          </a:p>
+          <a:p>
+            <a:r>
+              <a:rPr lang="en-US" dirty="0" smtClean="0"/>
+              <a:t>      "parentfield4":</a:t>
+            </a:r>
+          </a:p>
+          <a:p>
+            <a:r>
+              <a:rPr lang="en-US" dirty="0" smtClean="0"/>
+              <a:t>      {</a:t>
+            </a:r>
+          </a:p>
+          <a:p>
+            <a:r>
+              <a:rPr lang="en-US" dirty="0" smtClean="0"/>
+              <a:t>        "type":"nested",</a:t>
+            </a:r>
+          </a:p>
+          <a:p>
+            <a:r>
+              <a:rPr lang="en-US" dirty="0" smtClean="0"/>
+              <a:t>          "properties":</a:t>
+            </a:r>
+          </a:p>
+          <a:p>
+            <a:r>
+              <a:rPr lang="en-US" dirty="0" smtClean="0"/>
+              <a:t>          {</a:t>
+            </a:r>
+          </a:p>
+          <a:p>
+            <a:r>
+              <a:rPr lang="en-US" dirty="0" smtClean="0"/>
+              <a:t>            "nestedfield4_1":</a:t>
+            </a:r>
+          </a:p>
+          <a:p>
+            <a:r>
+              <a:rPr lang="en-US" dirty="0" smtClean="0"/>
+              <a:t>            {</a:t>
+            </a:r>
+          </a:p>
+          <a:p>
+            <a:r>
+              <a:rPr lang="en-US" dirty="0" smtClean="0"/>
+              <a:t>              "type":"text"</a:t>
+            </a:r>
+          </a:p>
+          <a:p>
+            <a:r>
+              <a:rPr lang="en-US" dirty="0" smtClean="0"/>
+              <a:t>            }</a:t>
+            </a:r>
+          </a:p>
+          <a:p>
+            <a:r>
+              <a:rPr lang="en-US" dirty="0" smtClean="0"/>
+              <a:t>          }</a:t>
+            </a:r>
+          </a:p>
+          <a:p>
+            <a:r>
+              <a:rPr lang="en-US" dirty="0" smtClean="0"/>
+              <a:t>      }</a:t>
+            </a:r>
+          </a:p>
+          <a:p>
+            <a:r>
+              <a:rPr lang="en-US" dirty="0" smtClean="0"/>
+              <a:t>    }</a:t>
+            </a:r>
+          </a:p>
+          <a:p>
+            <a:r>
+              <a:rPr lang="en-US" dirty="0" smtClean="0"/>
+              <a:t>}</a:t>
             </a:r>
             <a:endParaRPr lang="en-US" dirty="0"/>
           </a:p>
@@ -5082,7 +5736,7 @@
           <a:p>
             <a:r>
               <a:rPr lang="en-GB" dirty="0" smtClean="0"/>
-              <a:t>Insert and Updating Docs</a:t>
+              <a:t>Adding Array Mapping</a:t>
             </a:r>
             <a:endParaRPr lang="en-US" dirty="0"/>
           </a:p>
@@ -5100,9 +5754,89 @@
         </p:nvSpPr>
         <p:spPr/>
         <p:txBody>
-          <a:bodyPr/>
-          <a:lstStyle/>
-          <a:p>
+          <a:bodyPr>
+            <a:normAutofit fontScale="70000" lnSpcReduction="20000"/>
+          </a:bodyPr>
+          <a:lstStyle/>
+          <a:p>
+            <a:r>
+              <a:rPr lang="en-US" dirty="0" smtClean="0"/>
+              <a:t>Put </a:t>
+            </a:r>
+            <a:r>
+              <a:rPr lang="en-US" dirty="0" err="1" smtClean="0"/>
+              <a:t>stackoverflow_top</a:t>
+            </a:r>
+            <a:r>
+              <a:rPr lang="en-US" dirty="0" smtClean="0"/>
+              <a:t>/_mappings</a:t>
+            </a:r>
+          </a:p>
+          <a:p>
+            <a:r>
+              <a:rPr lang="en-US" dirty="0" smtClean="0"/>
+              <a:t>{</a:t>
+            </a:r>
+          </a:p>
+          <a:p>
+            <a:r>
+              <a:rPr lang="en-US" dirty="0" smtClean="0"/>
+              <a:t>  "properties": {</a:t>
+            </a:r>
+          </a:p>
+          <a:p>
+            <a:r>
+              <a:rPr lang="en-US" dirty="0" smtClean="0"/>
+              <a:t>    "parentfield5_array": {</a:t>
+            </a:r>
+          </a:p>
+          <a:p>
+            <a:r>
+              <a:rPr lang="en-US" dirty="0" smtClean="0"/>
+              <a:t>      "properties": {</a:t>
+            </a:r>
+          </a:p>
+          <a:p>
+            <a:r>
+              <a:rPr lang="en-US" dirty="0" smtClean="0"/>
+              <a:t>        "nestedfield5_1": {</a:t>
+            </a:r>
+          </a:p>
+          <a:p>
+            <a:r>
+              <a:rPr lang="en-US" dirty="0" smtClean="0"/>
+              <a:t>          "type": "text"</a:t>
+            </a:r>
+          </a:p>
+          <a:p>
+            <a:r>
+              <a:rPr lang="en-US" dirty="0" smtClean="0"/>
+              <a:t>        }</a:t>
+            </a:r>
+          </a:p>
+          <a:p>
+            <a:r>
+              <a:rPr lang="en-US" dirty="0" smtClean="0"/>
+              <a:t>      }</a:t>
+            </a:r>
+          </a:p>
+          <a:p>
+            <a:r>
+              <a:rPr lang="en-US" dirty="0" smtClean="0"/>
+              <a:t>    }</a:t>
+            </a:r>
+          </a:p>
+          <a:p>
+            <a:r>
+              <a:rPr lang="en-US" dirty="0" smtClean="0"/>
+              <a:t>  }</a:t>
+            </a:r>
+          </a:p>
+          <a:p>
+            <a:r>
+              <a:rPr lang="en-US" dirty="0" smtClean="0"/>
+              <a:t>}</a:t>
+            </a:r>
             <a:endParaRPr lang="en-US" dirty="0"/>
           </a:p>
         </p:txBody>
@@ -5149,7 +5883,7 @@
           <a:p>
             <a:r>
               <a:rPr lang="en-GB" dirty="0" smtClean="0"/>
-              <a:t>Versioning</a:t>
+              <a:t>Why Nested Docs?</a:t>
             </a:r>
             <a:endParaRPr lang="en-US" dirty="0"/>
           </a:p>
@@ -5172,22 +5906,11 @@
           <a:p>
             <a:r>
               <a:rPr lang="en-GB" dirty="0" smtClean="0"/>
-              <a:t>Use of “version”</a:t>
-            </a:r>
-          </a:p>
-          <a:p>
-            <a:r>
-              <a:rPr lang="en-GB" dirty="0" smtClean="0"/>
-              <a:t>Use of “</a:t>
-            </a:r>
-            <a:r>
-              <a:rPr lang="en-GB" dirty="0" err="1" smtClean="0"/>
-              <a:t>if_seq_no</a:t>
-            </a:r>
-            <a:r>
-              <a:rPr lang="en-GB" dirty="0" smtClean="0"/>
-              <a:t>=4&amp;if_primary_term=1”</a:t>
-            </a:r>
+              <a:t>PUT my-index-000001/_doc/1 { "group" : "fans", "user" : [ { "first" : "John", "last" : "Smith" }, { "first" : "Alice", "last" : "White" } ] }</a:t>
+            </a:r>
+            <a:endParaRPr lang="en-US" dirty="0" smtClean="0"/>
+          </a:p>
+          <a:p>
             <a:endParaRPr lang="en-US" dirty="0"/>
           </a:p>
         </p:txBody>
@@ -5234,7 +5957,7 @@
           <a:p>
             <a:r>
               <a:rPr lang="en-GB" dirty="0" smtClean="0"/>
-              <a:t>Update Doc By POST</a:t>
+              <a:t>Fields in Mapping</a:t>
             </a:r>
             <a:endParaRPr lang="en-US" dirty="0"/>
           </a:p>
@@ -5252,62 +5975,163 @@
         </p:nvSpPr>
         <p:spPr/>
         <p:txBody>
-          <a:bodyPr/>
-          <a:lstStyle/>
-          <a:p>
-            <a:r>
-              <a:rPr lang="en-US" dirty="0" smtClean="0"/>
-              <a:t>POST &lt;index/_doc/&lt;id&gt;</a:t>
-            </a:r>
-            <a:br>
-              <a:rPr lang="en-US" dirty="0" smtClean="0"/>
-            </a:br>
+          <a:bodyPr>
+            <a:normAutofit fontScale="32500" lnSpcReduction="20000"/>
+          </a:bodyPr>
+          <a:lstStyle/>
+          <a:p>
+            <a:r>
+              <a:rPr lang="en-US" dirty="0" smtClean="0"/>
+              <a:t>Put </a:t>
+            </a:r>
+            <a:r>
+              <a:rPr lang="en-US" dirty="0" err="1" smtClean="0"/>
+              <a:t>stackoverflow_top</a:t>
+            </a:r>
+            <a:endParaRPr lang="en-US" dirty="0" smtClean="0"/>
+          </a:p>
+          <a:p>
             <a:r>
               <a:rPr lang="en-US" dirty="0" smtClean="0"/>
               <a:t>{</a:t>
             </a:r>
-            <a:br>
-              <a:rPr lang="en-US" dirty="0" smtClean="0"/>
-            </a:br>
-            <a:r>
-              <a:rPr lang="en-US" dirty="0" smtClean="0"/>
-              <a:t>//Need to provide complete </a:t>
-            </a:r>
-            <a:r>
-              <a:rPr lang="en-US" dirty="0" err="1" smtClean="0"/>
-              <a:t>Json</a:t>
-            </a:r>
-            <a:r>
-              <a:rPr lang="en-US" dirty="0" smtClean="0"/>
-              <a:t/>
-            </a:r>
-            <a:br>
-              <a:rPr lang="en-US" dirty="0" smtClean="0"/>
-            </a:br>
+          </a:p>
+          <a:p>
+            <a:r>
+              <a:rPr lang="en-US" dirty="0" smtClean="0"/>
+              <a:t>  "mappings":</a:t>
+            </a:r>
+          </a:p>
+          <a:p>
+            <a:r>
+              <a:rPr lang="en-US" dirty="0" smtClean="0"/>
+              <a:t>  {</a:t>
+            </a:r>
+          </a:p>
+          <a:p>
+            <a:r>
+              <a:rPr lang="en-US" dirty="0" smtClean="0"/>
+              <a:t>    "properties":</a:t>
+            </a:r>
+          </a:p>
+          <a:p>
+            <a:r>
+              <a:rPr lang="en-US" dirty="0" smtClean="0"/>
+              <a:t>    {</a:t>
+            </a:r>
+          </a:p>
+          <a:p>
+            <a:r>
+              <a:rPr lang="en-US" dirty="0" smtClean="0"/>
+              <a:t>      "field1":</a:t>
+            </a:r>
+          </a:p>
+          <a:p>
+            <a:r>
+              <a:rPr lang="en-US" dirty="0" smtClean="0"/>
+              <a:t>      {</a:t>
+            </a:r>
+          </a:p>
+          <a:p>
+            <a:r>
+              <a:rPr lang="en-US" dirty="0" smtClean="0"/>
+              <a:t>        "type":"text",</a:t>
+            </a:r>
+          </a:p>
+          <a:p>
+            <a:r>
+              <a:rPr lang="en-US" dirty="0" smtClean="0"/>
+              <a:t>        "fields":</a:t>
+            </a:r>
+          </a:p>
+          <a:p>
+            <a:r>
+              <a:rPr lang="en-US" dirty="0" smtClean="0"/>
+              <a:t>        {</a:t>
+            </a:r>
+          </a:p>
+          <a:p>
+            <a:r>
+              <a:rPr lang="en-US" dirty="0" smtClean="0"/>
+              <a:t>          "raw":</a:t>
+            </a:r>
+          </a:p>
+          <a:p>
+            <a:r>
+              <a:rPr lang="en-US" dirty="0" smtClean="0"/>
+              <a:t>          {</a:t>
+            </a:r>
+          </a:p>
+          <a:p>
+            <a:r>
+              <a:rPr lang="en-US" dirty="0" smtClean="0"/>
+              <a:t>            "type":"keyword"</a:t>
+            </a:r>
+          </a:p>
+          <a:p>
+            <a:r>
+              <a:rPr lang="en-US" dirty="0" smtClean="0"/>
+              <a:t>          },</a:t>
+            </a:r>
+          </a:p>
+          <a:p>
+            <a:r>
+              <a:rPr lang="en-US" dirty="0" smtClean="0"/>
+              <a:t>          "whitespace":</a:t>
+            </a:r>
+          </a:p>
+          <a:p>
+            <a:r>
+              <a:rPr lang="en-US" dirty="0" smtClean="0"/>
+              <a:t>          {</a:t>
+            </a:r>
+          </a:p>
+          <a:p>
+            <a:r>
+              <a:rPr lang="en-US" dirty="0" smtClean="0"/>
+              <a:t>            "type":"text",</a:t>
+            </a:r>
+          </a:p>
+          <a:p>
+            <a:r>
+              <a:rPr lang="en-US" dirty="0" smtClean="0"/>
+              <a:t>            "analyzer":"whitespace"</a:t>
+            </a:r>
+          </a:p>
+          <a:p>
+            <a:r>
+              <a:rPr lang="en-US" dirty="0" smtClean="0"/>
+              <a:t>          }</a:t>
+            </a:r>
+          </a:p>
+          <a:p>
+            <a:r>
+              <a:rPr lang="en-US" dirty="0" smtClean="0"/>
+              <a:t>        }</a:t>
+            </a:r>
+          </a:p>
+          <a:p>
+            <a:r>
+              <a:rPr lang="en-US" dirty="0" smtClean="0"/>
+              <a:t>      }</a:t>
+            </a:r>
+          </a:p>
+          <a:p>
+            <a:r>
+              <a:rPr lang="en-US" dirty="0" smtClean="0"/>
+              <a:t>    }</a:t>
+            </a:r>
+          </a:p>
+          <a:p>
+            <a:r>
+              <a:rPr lang="en-US" dirty="0" smtClean="0"/>
+              <a:t>  }</a:t>
+            </a:r>
+          </a:p>
+          <a:p>
             <a:r>
               <a:rPr lang="en-US" dirty="0" smtClean="0"/>
               <a:t>}</a:t>
-            </a:r>
-            <a:br>
-              <a:rPr lang="en-US" dirty="0" smtClean="0"/>
-            </a:br>
-            <a:r>
-              <a:rPr lang="en-US" dirty="0" smtClean="0"/>
-              <a:t/>
-            </a:r>
-            <a:br>
-              <a:rPr lang="en-US" dirty="0" smtClean="0"/>
-            </a:br>
-            <a:r>
-              <a:rPr lang="en-US" dirty="0" smtClean="0"/>
-              <a:t>If not present , It will add else update.</a:t>
-            </a:r>
-            <a:br>
-              <a:rPr lang="en-US" dirty="0" smtClean="0"/>
-            </a:br>
-            <a:r>
-              <a:rPr lang="en-US" dirty="0" smtClean="0"/>
-              <a:t>So problem here is it will update entire doc. Just remove few fields and update, we can see some data is lost</a:t>
             </a:r>
             <a:endParaRPr lang="en-US" dirty="0"/>
           </a:p>
@@ -5355,7 +6179,7 @@
           <a:p>
             <a:r>
               <a:rPr lang="en-GB" dirty="0" smtClean="0"/>
-              <a:t>Update API</a:t>
+              <a:t>Analyzers</a:t>
             </a:r>
             <a:endParaRPr lang="en-US" dirty="0"/>
           </a:p>
@@ -5378,63 +6202,31 @@
           <a:p>
             <a:r>
               <a:rPr lang="en-GB" dirty="0" smtClean="0"/>
-              <a:t>In contrast to previous example</a:t>
-            </a:r>
-            <a:br>
-              <a:rPr lang="en-GB" dirty="0" smtClean="0"/>
-            </a:br>
-            <a:r>
-              <a:rPr lang="en-GB" dirty="0" smtClean="0"/>
-              <a:t/>
-            </a:r>
-            <a:br>
-              <a:rPr lang="en-GB" dirty="0" smtClean="0"/>
-            </a:br>
-            <a:r>
-              <a:rPr lang="en-GB" dirty="0" smtClean="0"/>
-              <a:t>Put &lt;index&gt;/_update/&lt;id&gt;</a:t>
-            </a:r>
-            <a:br>
-              <a:rPr lang="en-GB" dirty="0" smtClean="0"/>
-            </a:br>
-            <a:r>
-              <a:rPr lang="en-GB" dirty="0" smtClean="0"/>
-              <a:t>{</a:t>
-            </a:r>
-            <a:br>
-              <a:rPr lang="en-GB" dirty="0" smtClean="0"/>
-            </a:br>
-            <a:r>
-              <a:rPr lang="en-GB" dirty="0" smtClean="0"/>
-              <a:t>“doc”:</a:t>
-            </a:r>
-            <a:br>
-              <a:rPr lang="en-GB" dirty="0" smtClean="0"/>
-            </a:br>
-            <a:r>
-              <a:rPr lang="en-GB" dirty="0" smtClean="0"/>
-              <a:t>{</a:t>
-            </a:r>
-            <a:br>
-              <a:rPr lang="en-GB" dirty="0" smtClean="0"/>
-            </a:br>
-            <a:r>
-              <a:rPr lang="en-GB" dirty="0" smtClean="0"/>
-              <a:t>   //fields to update</a:t>
-            </a:r>
-            <a:br>
-              <a:rPr lang="en-GB" dirty="0" smtClean="0"/>
-            </a:br>
-            <a:r>
-              <a:rPr lang="en-GB" dirty="0" smtClean="0"/>
-              <a:t>}</a:t>
-            </a:r>
-            <a:br>
-              <a:rPr lang="en-GB" dirty="0" smtClean="0"/>
-            </a:br>
-            <a:r>
-              <a:rPr lang="en-GB" dirty="0" smtClean="0"/>
-              <a:t>}</a:t>
+              <a:t>Only</a:t>
+            </a:r>
+            <a:r>
+              <a:rPr lang="en-GB" dirty="0" smtClean="0"/>
+              <a:t> </a:t>
+            </a:r>
+            <a:r>
+              <a:rPr lang="en-GB" dirty="0" smtClean="0">
+                <a:hlinkClick r:id="rId2" tooltip="Text data type"/>
+              </a:rPr>
+              <a:t>text</a:t>
+            </a:r>
+            <a:r>
+              <a:rPr lang="en-GB" dirty="0" smtClean="0"/>
+              <a:t> fields support the analyzer mapping parameter</a:t>
+            </a:r>
+            <a:r>
+              <a:rPr lang="en-GB" dirty="0" smtClean="0"/>
+              <a:t>.</a:t>
+            </a:r>
+          </a:p>
+          <a:p>
+            <a:r>
+              <a:rPr lang="en-GB" dirty="0" smtClean="0"/>
+              <a:t>It is mainly used for analyzing the content we are trying to index</a:t>
             </a:r>
             <a:endParaRPr lang="en-US" dirty="0"/>
           </a:p>
@@ -5477,12 +6269,22 @@
         </p:nvSpPr>
         <p:spPr/>
         <p:txBody>
-          <a:bodyPr/>
-          <a:lstStyle/>
-          <a:p>
-            <a:r>
-              <a:rPr lang="en-GB" dirty="0" smtClean="0"/>
-              <a:t>Update By script</a:t>
+          <a:bodyPr>
+            <a:normAutofit fontScale="90000"/>
+          </a:bodyPr>
+          <a:lstStyle/>
+          <a:p>
+            <a:r>
+              <a:rPr lang="en-GB" dirty="0" smtClean="0"/>
+              <a:t>Using </a:t>
+            </a:r>
+            <a:r>
+              <a:rPr lang="en-GB" dirty="0" err="1" smtClean="0"/>
+              <a:t>Stopword</a:t>
+            </a:r>
+            <a:r>
+              <a:rPr lang="en-GB" dirty="0" smtClean="0"/>
+              <a:t> analyzer along with others</a:t>
             </a:r>
             <a:endParaRPr lang="en-US" dirty="0"/>
           </a:p>
@@ -5500,80 +6302,166 @@
         </p:nvSpPr>
         <p:spPr/>
         <p:txBody>
-          <a:bodyPr/>
-          <a:lstStyle/>
-          <a:p>
-            <a:r>
-              <a:rPr lang="en-US" dirty="0" smtClean="0"/>
-              <a:t>Post school/_update/10</a:t>
+          <a:bodyPr>
+            <a:normAutofit fontScale="40000" lnSpcReduction="20000"/>
+          </a:bodyPr>
+          <a:lstStyle/>
+          <a:p>
+            <a:r>
+              <a:rPr lang="en-GB" dirty="0" smtClean="0"/>
+              <a:t>Put </a:t>
+            </a:r>
+            <a:r>
+              <a:rPr lang="en-GB" dirty="0" err="1" smtClean="0"/>
+              <a:t>stackoverflow_top</a:t>
+            </a:r>
+            <a:endParaRPr lang="en-GB" dirty="0" smtClean="0"/>
+          </a:p>
+          <a:p>
+            <a:r>
+              <a:rPr lang="en-GB" dirty="0" smtClean="0"/>
+              <a:t>{</a:t>
+            </a:r>
+          </a:p>
+          <a:p>
+            <a:r>
+              <a:rPr lang="en-GB" dirty="0" smtClean="0"/>
+              <a:t>  "mappings": {</a:t>
+            </a:r>
+          </a:p>
+          <a:p>
+            <a:r>
+              <a:rPr lang="en-GB" dirty="0" smtClean="0"/>
+              <a:t>    "properties": {</a:t>
+            </a:r>
+          </a:p>
+          <a:p>
+            <a:r>
+              <a:rPr lang="en-GB" dirty="0" smtClean="0"/>
+              <a:t>      "field1": {</a:t>
+            </a:r>
+          </a:p>
+          <a:p>
+            <a:r>
+              <a:rPr lang="en-GB" dirty="0" smtClean="0"/>
+              <a:t>        "type": "text",</a:t>
+            </a:r>
+          </a:p>
+          <a:p>
+            <a:r>
+              <a:rPr lang="en-GB" dirty="0" smtClean="0"/>
+              <a:t>        "fields": {</a:t>
+            </a:r>
+          </a:p>
+          <a:p>
+            <a:r>
+              <a:rPr lang="en-GB" dirty="0" smtClean="0"/>
+              <a:t>          "</a:t>
+            </a:r>
+            <a:r>
+              <a:rPr lang="en-GB" dirty="0" err="1" smtClean="0"/>
+              <a:t>stopword</a:t>
+            </a:r>
+            <a:r>
+              <a:rPr lang="en-GB" dirty="0" smtClean="0"/>
+              <a:t>": {</a:t>
+            </a:r>
+          </a:p>
+          <a:p>
+            <a:r>
+              <a:rPr lang="en-GB" dirty="0" smtClean="0"/>
+              <a:t>            "type": "text",</a:t>
+            </a:r>
+          </a:p>
+          <a:p>
+            <a:r>
+              <a:rPr lang="en-GB" dirty="0" smtClean="0"/>
+              <a:t>            "analyzer": "stop"</a:t>
+            </a:r>
+          </a:p>
+          <a:p>
+            <a:r>
+              <a:rPr lang="en-GB" dirty="0" smtClean="0"/>
+              <a:t>          },</a:t>
+            </a:r>
+          </a:p>
+          <a:p>
+            <a:r>
+              <a:rPr lang="en-GB" dirty="0" smtClean="0"/>
+              <a:t>          "raw": {</a:t>
+            </a:r>
+          </a:p>
+          <a:p>
+            <a:r>
+              <a:rPr lang="en-GB" dirty="0" smtClean="0"/>
+              <a:t>            "type": "keyword"</a:t>
+            </a:r>
+          </a:p>
+          <a:p>
+            <a:r>
+              <a:rPr lang="en-GB" dirty="0" smtClean="0"/>
+              <a:t>          }</a:t>
+            </a:r>
+          </a:p>
+          <a:p>
+            <a:r>
+              <a:rPr lang="en-GB" dirty="0" smtClean="0"/>
+              <a:t>        }</a:t>
+            </a:r>
+          </a:p>
+          <a:p>
+            <a:r>
+              <a:rPr lang="en-GB" dirty="0" smtClean="0"/>
+              <a:t>      }</a:t>
+            </a:r>
+          </a:p>
+          <a:p>
+            <a:r>
+              <a:rPr lang="en-GB" dirty="0" smtClean="0"/>
+              <a:t>    }</a:t>
+            </a:r>
+          </a:p>
+          <a:p>
+            <a:r>
+              <a:rPr lang="en-GB" dirty="0" smtClean="0"/>
+              <a:t>  }</a:t>
+            </a:r>
+          </a:p>
+          <a:p>
+            <a:r>
+              <a:rPr lang="en-GB" dirty="0" smtClean="0"/>
+              <a:t>}</a:t>
+            </a:r>
+          </a:p>
+          <a:p>
+            <a:r>
+              <a:rPr lang="en-GB" dirty="0" smtClean="0"/>
+              <a:t>}</a:t>
             </a:r>
             <a:br>
-              <a:rPr lang="en-US" dirty="0" smtClean="0"/>
+              <a:rPr lang="en-GB" dirty="0" smtClean="0"/>
             </a:br>
             <a:r>
-              <a:rPr lang="en-US" dirty="0" smtClean="0"/>
-              <a:t>{  </a:t>
+              <a:rPr lang="en-GB" dirty="0" smtClean="0"/>
+              <a:t/>
             </a:r>
             <a:br>
-              <a:rPr lang="en-US" dirty="0" smtClean="0"/>
+              <a:rPr lang="en-GB" dirty="0" smtClean="0"/>
             </a:br>
             <a:r>
-              <a:rPr lang="en-US" dirty="0" smtClean="0"/>
-              <a:t>"script":  </a:t>
+              <a:rPr lang="en-GB" dirty="0" smtClean="0"/>
+              <a:t/>
             </a:r>
             <a:br>
-              <a:rPr lang="en-US" dirty="0" smtClean="0"/>
+              <a:rPr lang="en-GB" dirty="0" smtClean="0"/>
             </a:br>
             <a:r>
-              <a:rPr lang="en-US" dirty="0" smtClean="0"/>
-              <a:t>{    </a:t>
-            </a:r>
-            <a:br>
-              <a:rPr lang="en-US" dirty="0" smtClean="0"/>
-            </a:br>
-            <a:r>
-              <a:rPr lang="en-US" dirty="0" smtClean="0"/>
-              <a:t>"source": "</a:t>
-            </a:r>
-            <a:r>
-              <a:rPr lang="en-US" dirty="0" err="1" smtClean="0"/>
-              <a:t>ctx._source.rating</a:t>
-            </a:r>
-            <a:r>
-              <a:rPr lang="en-US" dirty="0" smtClean="0"/>
-              <a:t> = </a:t>
-            </a:r>
-            <a:r>
-              <a:rPr lang="en-US" dirty="0" err="1" smtClean="0"/>
-              <a:t>Float.parseFloat</a:t>
-            </a:r>
-            <a:r>
-              <a:rPr lang="en-US" dirty="0" smtClean="0"/>
-              <a:t>(</a:t>
-            </a:r>
-            <a:r>
-              <a:rPr lang="en-US" dirty="0" err="1" smtClean="0"/>
-              <a:t>ctx._source.rating</a:t>
-            </a:r>
-            <a:r>
-              <a:rPr lang="en-US" dirty="0" smtClean="0"/>
-              <a:t>)+1 "  </a:t>
-            </a:r>
-            <a:br>
-              <a:rPr lang="en-US" dirty="0" smtClean="0"/>
-            </a:br>
-            <a:r>
-              <a:rPr lang="en-US" dirty="0" smtClean="0"/>
-              <a:t>}</a:t>
-            </a:r>
-            <a:br>
-              <a:rPr lang="en-US" dirty="0" smtClean="0"/>
-            </a:br>
-            <a:r>
-              <a:rPr lang="en-US" dirty="0" smtClean="0"/>
-              <a:t>}</a:t>
-            </a:r>
-            <a:endParaRPr lang="en-US" dirty="0"/>
+              <a:rPr lang="en-US" dirty="0" smtClean="0">
+                <a:hlinkClick r:id="rId2"/>
+              </a:rPr>
+              <a:t>https://www.elastic.co/guide/en/elasticsearch/reference/6.8/analysis-analyzers.html</a:t>
+            </a:r>
+            <a:endParaRPr lang="en-GB" dirty="0" smtClean="0"/>
           </a:p>
         </p:txBody>
       </p:sp>
@@ -5619,116 +6507,35 @@
           <a:p>
             <a:r>
               <a:rPr lang="en-GB" dirty="0" smtClean="0"/>
-              <a:t>Update by query</a:t>
+              <a:t>Components of an Analyzer</a:t>
             </a:r>
             <a:endParaRPr lang="en-US" dirty="0"/>
           </a:p>
         </p:txBody>
       </p:sp>
-      <p:sp>
-        <p:nvSpPr>
-          <p:cNvPr id="3" name="Content Placeholder 2"/>
-          <p:cNvSpPr>
-            <a:spLocks noGrp="1"/>
-          </p:cNvSpPr>
+      <p:pic>
+        <p:nvPicPr>
+          <p:cNvPr id="4" name="Content Placeholder 3" descr="analyzer.png"/>
+          <p:cNvPicPr>
+            <a:picLocks noGrp="1" noChangeAspect="1"/>
+          </p:cNvPicPr>
           <p:nvPr>
             <p:ph idx="1"/>
           </p:nvPr>
-        </p:nvSpPr>
-        <p:spPr/>
-        <p:txBody>
-          <a:bodyPr/>
-          <a:lstStyle/>
-          <a:p>
-            <a:r>
-              <a:rPr lang="en-US" dirty="0" smtClean="0"/>
-              <a:t>Post school/_</a:t>
-            </a:r>
-            <a:r>
-              <a:rPr lang="en-US" dirty="0" err="1" smtClean="0"/>
-              <a:t>update_by_query</a:t>
-            </a:r>
-            <a:r>
-              <a:rPr lang="en-US" dirty="0" smtClean="0"/>
-              <a:t/>
-            </a:r>
-            <a:br>
-              <a:rPr lang="en-US" dirty="0" smtClean="0"/>
-            </a:br>
-            <a:r>
-              <a:rPr lang="en-US" dirty="0" smtClean="0"/>
-              <a:t>{  "script":  </a:t>
-            </a:r>
-            <a:br>
-              <a:rPr lang="en-US" dirty="0" smtClean="0"/>
-            </a:br>
-            <a:r>
-              <a:rPr lang="en-US" dirty="0" smtClean="0"/>
-              <a:t>{    </a:t>
-            </a:r>
-            <a:br>
-              <a:rPr lang="en-US" dirty="0" smtClean="0"/>
-            </a:br>
-            <a:r>
-              <a:rPr lang="en-US" dirty="0" smtClean="0"/>
-              <a:t>"source": "</a:t>
-            </a:r>
-            <a:r>
-              <a:rPr lang="en-US" dirty="0" err="1" smtClean="0"/>
-              <a:t>ctx._source.rating</a:t>
-            </a:r>
-            <a:r>
-              <a:rPr lang="en-US" dirty="0" smtClean="0"/>
-              <a:t> = </a:t>
-            </a:r>
-            <a:r>
-              <a:rPr lang="en-US" dirty="0" err="1" smtClean="0"/>
-              <a:t>Float.parseFloat</a:t>
-            </a:r>
-            <a:r>
-              <a:rPr lang="en-US" dirty="0" smtClean="0"/>
-              <a:t>(</a:t>
-            </a:r>
-            <a:r>
-              <a:rPr lang="en-US" dirty="0" err="1" smtClean="0"/>
-              <a:t>ctx._source.rating</a:t>
-            </a:r>
-            <a:r>
-              <a:rPr lang="en-US" dirty="0" smtClean="0"/>
-              <a:t>)+1 "  </a:t>
-            </a:r>
-            <a:br>
-              <a:rPr lang="en-US" dirty="0" smtClean="0"/>
-            </a:br>
-            <a:r>
-              <a:rPr lang="en-US" dirty="0" smtClean="0"/>
-              <a:t>},  </a:t>
-            </a:r>
-            <a:br>
-              <a:rPr lang="en-US" dirty="0" smtClean="0"/>
-            </a:br>
-            <a:r>
-              <a:rPr lang="en-US" dirty="0" smtClean="0"/>
-              <a:t>"query":  </a:t>
-            </a:r>
-            <a:br>
-              <a:rPr lang="en-US" dirty="0" smtClean="0"/>
-            </a:br>
-            <a:r>
-              <a:rPr lang="en-US" dirty="0" smtClean="0"/>
-              <a:t>{    </a:t>
-            </a:r>
-            <a:br>
-              <a:rPr lang="en-US" dirty="0" smtClean="0"/>
-            </a:br>
-            <a:r>
-              <a:rPr lang="en-US" dirty="0" smtClean="0"/>
-              <a:t>"match": {      "_id": 11    }  }}</a:t>
-            </a:r>
-            <a:endParaRPr lang="en-US" dirty="0"/>
-          </a:p>
-        </p:txBody>
-      </p:sp>
+        </p:nvPicPr>
+        <p:blipFill>
+          <a:blip r:embed="rId2"/>
+          <a:stretch>
+            <a:fillRect/>
+          </a:stretch>
+        </p:blipFill>
+        <p:spPr>
+          <a:xfrm>
+            <a:off x="609600" y="2362200"/>
+            <a:ext cx="8229600" cy="851836"/>
+          </a:xfrm>
+        </p:spPr>
+      </p:pic>
     </p:spTree>
   </p:cSld>
   <p:clrMapOvr>
@@ -5771,7 +6578,7 @@
           <a:p>
             <a:r>
               <a:rPr lang="en-GB" dirty="0" smtClean="0"/>
-              <a:t>Delete Doc</a:t>
+              <a:t>Custom Analyzer</a:t>
             </a:r>
             <a:endParaRPr lang="en-US" dirty="0"/>
           </a:p>
@@ -5789,32 +6596,304 @@
         </p:nvSpPr>
         <p:spPr/>
         <p:txBody>
-          <a:bodyPr/>
-          <a:lstStyle/>
-          <a:p>
-            <a:r>
-              <a:rPr lang="en-GB" dirty="0" smtClean="0"/>
-              <a:t>Delete by query</a:t>
-            </a:r>
-          </a:p>
-          <a:p>
-            <a:r>
-              <a:rPr lang="en-GB" dirty="0" smtClean="0"/>
-              <a:t>Delete by id</a:t>
-            </a:r>
-            <a:br>
-              <a:rPr lang="en-GB" dirty="0" smtClean="0"/>
-            </a:br>
-            <a:r>
-              <a:rPr lang="en-GB" dirty="0" smtClean="0"/>
-              <a:t/>
-            </a:r>
-            <a:br>
-              <a:rPr lang="en-GB" dirty="0" smtClean="0"/>
-            </a:br>
-            <a:r>
-              <a:rPr lang="en-GB" dirty="0" smtClean="0"/>
-              <a:t>delete &lt;index&gt;/_doc/&lt;id&gt;</a:t>
+          <a:bodyPr>
+            <a:normAutofit fontScale="25000" lnSpcReduction="20000"/>
+          </a:bodyPr>
+          <a:lstStyle/>
+          <a:p>
+            <a:r>
+              <a:rPr lang="en-US" dirty="0" smtClean="0"/>
+              <a:t>PUT /</a:t>
+            </a:r>
+            <a:r>
+              <a:rPr lang="en-US" dirty="0" err="1" smtClean="0"/>
+              <a:t>stackoverflow_top</a:t>
+            </a:r>
+            <a:r>
+              <a:rPr lang="en-US" dirty="0" smtClean="0"/>
+              <a:t>/</a:t>
+            </a:r>
+          </a:p>
+          <a:p>
+            <a:r>
+              <a:rPr lang="en-US" dirty="0" smtClean="0"/>
+              <a:t>{</a:t>
+            </a:r>
+          </a:p>
+          <a:p>
+            <a:r>
+              <a:rPr lang="en-US" dirty="0" smtClean="0"/>
+              <a:t>  "settings": {</a:t>
+            </a:r>
+          </a:p>
+          <a:p>
+            <a:r>
+              <a:rPr lang="en-US" dirty="0" smtClean="0"/>
+              <a:t>    "analysis": {</a:t>
+            </a:r>
+          </a:p>
+          <a:p>
+            <a:r>
+              <a:rPr lang="en-US" dirty="0" smtClean="0"/>
+              <a:t>      "analyzer": {</a:t>
+            </a:r>
+          </a:p>
+          <a:p>
+            <a:r>
+              <a:rPr lang="en-US" dirty="0" smtClean="0"/>
+              <a:t>        "</a:t>
+            </a:r>
+            <a:r>
+              <a:rPr lang="en-US" dirty="0" err="1" smtClean="0"/>
+              <a:t>customHTMLSnowball</a:t>
+            </a:r>
+            <a:r>
+              <a:rPr lang="en-US" dirty="0" smtClean="0"/>
+              <a:t>": {</a:t>
+            </a:r>
+          </a:p>
+          <a:p>
+            <a:r>
+              <a:rPr lang="en-US" dirty="0" smtClean="0"/>
+              <a:t>          "type": "custom",</a:t>
+            </a:r>
+          </a:p>
+          <a:p>
+            <a:r>
+              <a:rPr lang="en-US" dirty="0" smtClean="0"/>
+              <a:t>          "</a:t>
+            </a:r>
+            <a:r>
+              <a:rPr lang="en-US" dirty="0" err="1" smtClean="0"/>
+              <a:t>char_filter</a:t>
+            </a:r>
+            <a:r>
+              <a:rPr lang="en-US" dirty="0" smtClean="0"/>
+              <a:t>": [</a:t>
+            </a:r>
+          </a:p>
+          <a:p>
+            <a:r>
+              <a:rPr lang="en-US" dirty="0" smtClean="0"/>
+              <a:t>            "</a:t>
+            </a:r>
+            <a:r>
+              <a:rPr lang="en-US" dirty="0" err="1" smtClean="0"/>
+              <a:t>html_strip</a:t>
+            </a:r>
+            <a:r>
+              <a:rPr lang="en-US" dirty="0" smtClean="0"/>
+              <a:t>"</a:t>
+            </a:r>
+          </a:p>
+          <a:p>
+            <a:r>
+              <a:rPr lang="en-US" dirty="0" smtClean="0"/>
+              <a:t>          ],</a:t>
+            </a:r>
+          </a:p>
+          <a:p>
+            <a:r>
+              <a:rPr lang="en-US" dirty="0" smtClean="0"/>
+              <a:t>          "</a:t>
+            </a:r>
+            <a:r>
+              <a:rPr lang="en-US" dirty="0" err="1" smtClean="0"/>
+              <a:t>tokenizer</a:t>
+            </a:r>
+            <a:r>
+              <a:rPr lang="en-US" dirty="0" smtClean="0"/>
+              <a:t>": "standard",</a:t>
+            </a:r>
+          </a:p>
+          <a:p>
+            <a:r>
+              <a:rPr lang="en-US" dirty="0" smtClean="0"/>
+              <a:t>          "filter": [</a:t>
+            </a:r>
+          </a:p>
+          <a:p>
+            <a:r>
+              <a:rPr lang="en-US" dirty="0" smtClean="0"/>
+              <a:t>            "lowercase",</a:t>
+            </a:r>
+          </a:p>
+          <a:p>
+            <a:r>
+              <a:rPr lang="en-US" dirty="0" smtClean="0"/>
+              <a:t>            "stop",</a:t>
+            </a:r>
+          </a:p>
+          <a:p>
+            <a:r>
+              <a:rPr lang="en-US" dirty="0" smtClean="0"/>
+              <a:t>            "snowball"</a:t>
+            </a:r>
+          </a:p>
+          <a:p>
+            <a:r>
+              <a:rPr lang="en-US" dirty="0" smtClean="0"/>
+              <a:t>          ]</a:t>
+            </a:r>
+          </a:p>
+          <a:p>
+            <a:r>
+              <a:rPr lang="en-US" dirty="0" smtClean="0"/>
+              <a:t>        }</a:t>
+            </a:r>
+          </a:p>
+          <a:p>
+            <a:r>
+              <a:rPr lang="en-US" dirty="0" smtClean="0"/>
+              <a:t>      }</a:t>
+            </a:r>
+          </a:p>
+          <a:p>
+            <a:r>
+              <a:rPr lang="en-US" dirty="0" smtClean="0"/>
+              <a:t>    }</a:t>
+            </a:r>
+          </a:p>
+          <a:p>
+            <a:r>
+              <a:rPr lang="en-US" dirty="0" smtClean="0"/>
+              <a:t>  },</a:t>
+            </a:r>
+          </a:p>
+          <a:p>
+            <a:r>
+              <a:rPr lang="en-US" dirty="0" smtClean="0"/>
+              <a:t>  "mappings": {</a:t>
+            </a:r>
+          </a:p>
+          <a:p>
+            <a:r>
+              <a:rPr lang="en-US" dirty="0" smtClean="0"/>
+              <a:t>    "properties": {</a:t>
+            </a:r>
+          </a:p>
+          <a:p>
+            <a:r>
+              <a:rPr lang="en-US" dirty="0" smtClean="0"/>
+              <a:t>      "field1":</a:t>
+            </a:r>
+          </a:p>
+          <a:p>
+            <a:r>
+              <a:rPr lang="en-US" dirty="0" smtClean="0"/>
+              <a:t>      {</a:t>
+            </a:r>
+          </a:p>
+          <a:p>
+            <a:r>
+              <a:rPr lang="en-US" dirty="0" smtClean="0"/>
+              <a:t>        "type": "text",</a:t>
+            </a:r>
+          </a:p>
+          <a:p>
+            <a:r>
+              <a:rPr lang="en-US" dirty="0" smtClean="0"/>
+              <a:t>        "fields": {</a:t>
+            </a:r>
+          </a:p>
+          <a:p>
+            <a:r>
+              <a:rPr lang="en-US" dirty="0" smtClean="0"/>
+              <a:t>          "</a:t>
+            </a:r>
+            <a:r>
+              <a:rPr lang="en-US" dirty="0" err="1" smtClean="0"/>
+              <a:t>html_strip</a:t>
+            </a:r>
+            <a:r>
+              <a:rPr lang="en-US" dirty="0" smtClean="0"/>
+              <a:t>":</a:t>
+            </a:r>
+          </a:p>
+          <a:p>
+            <a:r>
+              <a:rPr lang="en-US" dirty="0" smtClean="0"/>
+              <a:t>          {</a:t>
+            </a:r>
+          </a:p>
+          <a:p>
+            <a:r>
+              <a:rPr lang="en-US" dirty="0" smtClean="0"/>
+              <a:t>            "type":"text",</a:t>
+            </a:r>
+          </a:p>
+          <a:p>
+            <a:r>
+              <a:rPr lang="en-US" dirty="0" smtClean="0"/>
+              <a:t>            "analyzer":"</a:t>
+            </a:r>
+            <a:r>
+              <a:rPr lang="en-US" dirty="0" err="1" smtClean="0"/>
+              <a:t>customHTMLSnowball</a:t>
+            </a:r>
+            <a:r>
+              <a:rPr lang="en-US" dirty="0" smtClean="0"/>
+              <a:t>"</a:t>
+            </a:r>
+          </a:p>
+          <a:p>
+            <a:r>
+              <a:rPr lang="en-US" dirty="0" smtClean="0"/>
+              <a:t>          },</a:t>
+            </a:r>
+          </a:p>
+          <a:p>
+            <a:r>
+              <a:rPr lang="en-US" dirty="0" smtClean="0"/>
+              <a:t>          "raw":</a:t>
+            </a:r>
+          </a:p>
+          <a:p>
+            <a:r>
+              <a:rPr lang="en-US" dirty="0" smtClean="0"/>
+              <a:t>          {</a:t>
+            </a:r>
+          </a:p>
+          <a:p>
+            <a:r>
+              <a:rPr lang="en-US" dirty="0" smtClean="0"/>
+              <a:t>            "type":"keyword"</a:t>
+            </a:r>
+          </a:p>
+          <a:p>
+            <a:r>
+              <a:rPr lang="en-US" dirty="0" smtClean="0"/>
+              <a:t>          }</a:t>
+            </a:r>
+          </a:p>
+          <a:p>
+            <a:r>
+              <a:rPr lang="en-US" dirty="0" smtClean="0"/>
+              <a:t>        }</a:t>
+            </a:r>
+          </a:p>
+          <a:p>
+            <a:r>
+              <a:rPr lang="en-US" dirty="0" smtClean="0"/>
+              <a:t>      }</a:t>
+            </a:r>
+          </a:p>
+          <a:p>
+            <a:r>
+              <a:rPr lang="en-US" dirty="0" smtClean="0"/>
+              <a:t>    }</a:t>
+            </a:r>
+          </a:p>
+          <a:p>
+            <a:r>
+              <a:rPr lang="en-US" dirty="0" smtClean="0"/>
+              <a:t>  }</a:t>
+            </a:r>
+          </a:p>
+          <a:p>
+            <a:r>
+              <a:rPr lang="en-US" dirty="0" smtClean="0"/>
+              <a:t>}</a:t>
             </a:r>
             <a:endParaRPr lang="en-US" dirty="0"/>
           </a:p>
@@ -5860,11 +6939,7 @@
           <a:bodyPr/>
           <a:lstStyle/>
           <a:p>
-            <a:r>
-              <a:rPr lang="en-GB" dirty="0" smtClean="0"/>
-              <a:t>Retrieve Doc by Id</a:t>
-            </a:r>
-            <a:endParaRPr lang="en-US" dirty="0"/>
+            <a:endParaRPr lang="en-US"/>
           </a:p>
         </p:txBody>
       </p:sp>
@@ -5884,9 +6959,51 @@
           <a:lstStyle/>
           <a:p>
             <a:r>
-              <a:rPr lang="en-US" dirty="0" smtClean="0"/>
-              <a:t>GET &lt;index&gt;/_doc/&lt;id&gt;</a:t>
-            </a:r>
+              <a:rPr lang="en-GB" dirty="0" smtClean="0"/>
+              <a:t>The two &lt;</a:t>
+            </a:r>
+            <a:r>
+              <a:rPr lang="en-GB" dirty="0" err="1" smtClean="0"/>
+              <a:t>em</a:t>
+            </a:r>
+            <a:r>
+              <a:rPr lang="en-GB" dirty="0" smtClean="0"/>
+              <a:t>&gt;lazy&lt;/</a:t>
+            </a:r>
+            <a:r>
+              <a:rPr lang="en-GB" dirty="0" err="1" smtClean="0"/>
+              <a:t>em</a:t>
+            </a:r>
+            <a:r>
+              <a:rPr lang="en-GB" dirty="0" smtClean="0"/>
+              <a:t>&gt; dogs, were slower than the less lazy &lt;</a:t>
+            </a:r>
+            <a:r>
+              <a:rPr lang="en-GB" dirty="0" err="1" smtClean="0"/>
+              <a:t>em</a:t>
+            </a:r>
+            <a:r>
+              <a:rPr lang="en-GB" dirty="0" smtClean="0"/>
+              <a:t>&gt;dog&lt;/</a:t>
+            </a:r>
+            <a:r>
+              <a:rPr lang="en-GB" dirty="0" err="1" smtClean="0"/>
+              <a:t>em</a:t>
+            </a:r>
+            <a:r>
+              <a:rPr lang="en-GB" dirty="0" smtClean="0"/>
+              <a:t>&gt;</a:t>
+            </a:r>
+            <a:br>
+              <a:rPr lang="en-GB" dirty="0" smtClean="0"/>
+            </a:br>
+            <a:r>
+              <a:rPr lang="en-GB" dirty="0" smtClean="0"/>
+              <a:t/>
+            </a:r>
+            <a:br>
+              <a:rPr lang="en-GB" dirty="0" smtClean="0"/>
+            </a:br>
             <a:endParaRPr lang="en-US" dirty="0"/>
           </a:p>
         </p:txBody>
@@ -5900,6 +7017,2161 @@
 </file>
 
 <file path=ppt/slides/slide38.xml><?xml version="1.0" encoding="utf-8"?>
+<p:sld xmlns:a="http://schemas.openxmlformats.org/drawingml/2006/main" xmlns:r="http://schemas.openxmlformats.org/officeDocument/2006/relationships" xmlns:p="http://schemas.openxmlformats.org/presentationml/2006/main">
+  <p:cSld>
+    <p:spTree>
+      <p:nvGrpSpPr>
+        <p:cNvPr id="1" name=""/>
+        <p:cNvGrpSpPr/>
+        <p:nvPr/>
+      </p:nvGrpSpPr>
+      <p:grpSpPr>
+        <a:xfrm>
+          <a:off x="0" y="0"/>
+          <a:ext cx="0" cy="0"/>
+          <a:chOff x="0" y="0"/>
+          <a:chExt cx="0" cy="0"/>
+        </a:xfrm>
+      </p:grpSpPr>
+      <p:sp>
+        <p:nvSpPr>
+          <p:cNvPr id="2" name="Title 1"/>
+          <p:cNvSpPr>
+            <a:spLocks noGrp="1"/>
+          </p:cNvSpPr>
+          <p:nvPr>
+            <p:ph type="title"/>
+          </p:nvPr>
+        </p:nvSpPr>
+        <p:spPr/>
+        <p:txBody>
+          <a:bodyPr/>
+          <a:lstStyle/>
+          <a:p>
+            <a:endParaRPr lang="en-US"/>
+          </a:p>
+        </p:txBody>
+      </p:sp>
+      <p:pic>
+        <p:nvPicPr>
+          <p:cNvPr id="5" name="Picture 2" descr="A Custom Analyzer"/>
+          <p:cNvPicPr>
+            <a:picLocks noGrp="1" noChangeAspect="1" noChangeArrowheads="1"/>
+          </p:cNvPicPr>
+          <p:nvPr>
+            <p:ph idx="1"/>
+          </p:nvPr>
+        </p:nvPicPr>
+        <p:blipFill>
+          <a:blip r:embed="rId2"/>
+          <a:srcRect/>
+          <a:stretch>
+            <a:fillRect/>
+          </a:stretch>
+        </p:blipFill>
+        <p:spPr bwMode="auto">
+          <a:xfrm>
+            <a:off x="2897784" y="1600200"/>
+            <a:ext cx="3348431" cy="4525963"/>
+          </a:xfrm>
+          <a:prstGeom prst="rect">
+            <a:avLst/>
+          </a:prstGeom>
+          <a:noFill/>
+        </p:spPr>
+      </p:pic>
+    </p:spTree>
+  </p:cSld>
+  <p:clrMapOvr>
+    <a:masterClrMapping/>
+  </p:clrMapOvr>
+  <p:timing>
+    <p:tnLst>
+      <p:par>
+        <p:cTn id="1" dur="indefinite" restart="never" nodeType="tmRoot"/>
+      </p:par>
+    </p:tnLst>
+  </p:timing>
+</p:sld>
+</file>
+
+<file path=ppt/slides/slide39.xml><?xml version="1.0" encoding="utf-8"?>
+<p:sld xmlns:a="http://schemas.openxmlformats.org/drawingml/2006/main" xmlns:r="http://schemas.openxmlformats.org/officeDocument/2006/relationships" xmlns:p="http://schemas.openxmlformats.org/presentationml/2006/main">
+  <p:cSld>
+    <p:spTree>
+      <p:nvGrpSpPr>
+        <p:cNvPr id="1" name=""/>
+        <p:cNvGrpSpPr/>
+        <p:nvPr/>
+      </p:nvGrpSpPr>
+      <p:grpSpPr>
+        <a:xfrm>
+          <a:off x="0" y="0"/>
+          <a:ext cx="0" cy="0"/>
+          <a:chOff x="0" y="0"/>
+          <a:chExt cx="0" cy="0"/>
+        </a:xfrm>
+      </p:grpSpPr>
+      <p:sp>
+        <p:nvSpPr>
+          <p:cNvPr id="2" name="Title 1"/>
+          <p:cNvSpPr>
+            <a:spLocks noGrp="1"/>
+          </p:cNvSpPr>
+          <p:nvPr>
+            <p:ph type="title"/>
+          </p:nvPr>
+        </p:nvSpPr>
+        <p:spPr/>
+        <p:txBody>
+          <a:bodyPr>
+            <a:normAutofit fontScale="90000"/>
+          </a:bodyPr>
+          <a:lstStyle/>
+          <a:p>
+            <a:r>
+              <a:rPr lang="en-GB" dirty="0" smtClean="0"/>
+              <a:t>Stop Auto Index creation when we post data first time</a:t>
+            </a:r>
+            <a:endParaRPr lang="en-US" dirty="0"/>
+          </a:p>
+        </p:txBody>
+      </p:sp>
+      <p:sp>
+        <p:nvSpPr>
+          <p:cNvPr id="3" name="Content Placeholder 2"/>
+          <p:cNvSpPr>
+            <a:spLocks noGrp="1"/>
+          </p:cNvSpPr>
+          <p:nvPr>
+            <p:ph idx="1"/>
+          </p:nvPr>
+        </p:nvSpPr>
+        <p:spPr/>
+        <p:txBody>
+          <a:bodyPr>
+            <a:normAutofit fontScale="92500" lnSpcReduction="20000"/>
+          </a:bodyPr>
+          <a:lstStyle/>
+          <a:p>
+            <a:pPr fontAlgn="base"/>
+            <a:r>
+              <a:rPr lang="en-US" dirty="0" smtClean="0"/>
+              <a:t>PUT _cluster/settings { "persistent": { "</a:t>
+            </a:r>
+            <a:r>
+              <a:rPr lang="en-US" dirty="0" err="1" smtClean="0"/>
+              <a:t>action.auto_create_index</a:t>
+            </a:r>
+            <a:r>
+              <a:rPr lang="en-US" dirty="0" smtClean="0"/>
+              <a:t>": "false" } </a:t>
+            </a:r>
+            <a:r>
+              <a:rPr lang="en-US" dirty="0" smtClean="0"/>
+              <a:t>}</a:t>
+            </a:r>
+            <a:br>
+              <a:rPr lang="en-US" dirty="0" smtClean="0"/>
+            </a:br>
+            <a:r>
+              <a:rPr lang="en-US" dirty="0" smtClean="0"/>
+              <a:t/>
+            </a:r>
+            <a:br>
+              <a:rPr lang="en-US" dirty="0" smtClean="0"/>
+            </a:br>
+            <a:r>
+              <a:rPr lang="en-US" dirty="0" smtClean="0"/>
+              <a:t>Can be used to prevent auto index creations.</a:t>
+            </a:r>
+            <a:br>
+              <a:rPr lang="en-US" dirty="0" smtClean="0"/>
+            </a:br>
+            <a:r>
+              <a:rPr lang="en-US" dirty="0" smtClean="0"/>
+              <a:t/>
+            </a:r>
+            <a:br>
+              <a:rPr lang="en-US" dirty="0" smtClean="0"/>
+            </a:br>
+            <a:r>
+              <a:rPr lang="en-GB" dirty="0" smtClean="0"/>
+              <a:t>Options for restricting dynamic mappings:</a:t>
+            </a:r>
+          </a:p>
+          <a:p>
+            <a:pPr fontAlgn="base"/>
+            <a:r>
+              <a:rPr lang="en-GB" b="1" dirty="0" smtClean="0"/>
+              <a:t>1. Globally</a:t>
+            </a:r>
+            <a:endParaRPr lang="en-GB" dirty="0" smtClean="0"/>
+          </a:p>
+          <a:p>
+            <a:pPr fontAlgn="base">
+              <a:buNone/>
+            </a:pPr>
+            <a:r>
+              <a:rPr lang="en-GB" dirty="0" smtClean="0"/>
+              <a:t>    Set </a:t>
+            </a:r>
+            <a:r>
+              <a:rPr lang="en-GB" dirty="0" smtClean="0"/>
+              <a:t>property </a:t>
+            </a:r>
+            <a:r>
+              <a:rPr lang="en-GB" dirty="0" err="1" smtClean="0"/>
+              <a:t>index.mapper.dynamic</a:t>
+            </a:r>
+            <a:r>
+              <a:rPr lang="en-GB" dirty="0" smtClean="0"/>
+              <a:t>: false in file elasticsearch.yml and it will apply to </a:t>
+            </a:r>
+            <a:r>
+              <a:rPr lang="en-GB" b="1" dirty="0" smtClean="0"/>
+              <a:t>all indexes in the </a:t>
+            </a:r>
+            <a:r>
+              <a:rPr lang="en-GB" b="1" dirty="0" smtClean="0"/>
+              <a:t>system</a:t>
+            </a:r>
+            <a:endParaRPr lang="en-GB" b="1" dirty="0" smtClean="0"/>
+          </a:p>
+          <a:p>
+            <a:pPr fontAlgn="base">
+              <a:buNone/>
+            </a:pPr>
+            <a:r>
+              <a:rPr lang="en-GB" b="1" dirty="0" smtClean="0"/>
+              <a:t>     </a:t>
+            </a:r>
+            <a:endParaRPr lang="en-GB" dirty="0" smtClean="0"/>
+          </a:p>
+          <a:p>
+            <a:endParaRPr lang="en-US" dirty="0"/>
+          </a:p>
+        </p:txBody>
+      </p:sp>
+    </p:spTree>
+  </p:cSld>
+  <p:clrMapOvr>
+    <a:masterClrMapping/>
+  </p:clrMapOvr>
+  <p:timing>
+    <p:tnLst>
+      <p:par>
+        <p:cTn id="1" dur="indefinite" restart="never" nodeType="tmRoot"/>
+      </p:par>
+    </p:tnLst>
+  </p:timing>
+</p:sld>
+</file>
+
+<file path=ppt/slides/slide4.xml><?xml version="1.0" encoding="utf-8"?>
+<p:sld xmlns:a="http://schemas.openxmlformats.org/drawingml/2006/main" xmlns:r="http://schemas.openxmlformats.org/officeDocument/2006/relationships" xmlns:p="http://schemas.openxmlformats.org/presentationml/2006/main">
+  <p:cSld>
+    <p:spTree>
+      <p:nvGrpSpPr>
+        <p:cNvPr id="1" name=""/>
+        <p:cNvGrpSpPr/>
+        <p:nvPr/>
+      </p:nvGrpSpPr>
+      <p:grpSpPr>
+        <a:xfrm>
+          <a:off x="0" y="0"/>
+          <a:ext cx="0" cy="0"/>
+          <a:chOff x="0" y="0"/>
+          <a:chExt cx="0" cy="0"/>
+        </a:xfrm>
+      </p:grpSpPr>
+      <p:sp>
+        <p:nvSpPr>
+          <p:cNvPr id="2" name="Title 1"/>
+          <p:cNvSpPr>
+            <a:spLocks noGrp="1"/>
+          </p:cNvSpPr>
+          <p:nvPr>
+            <p:ph type="ctrTitle"/>
+          </p:nvPr>
+        </p:nvSpPr>
+        <p:spPr/>
+        <p:txBody>
+          <a:bodyPr/>
+          <a:lstStyle/>
+          <a:p>
+            <a:r>
+              <a:rPr lang="en-GB" dirty="0" smtClean="0"/>
+              <a:t>Installing </a:t>
+            </a:r>
+            <a:r>
+              <a:rPr lang="en-GB" dirty="0" err="1" smtClean="0"/>
+              <a:t>ElasticSearch</a:t>
+            </a:r>
+            <a:r>
+              <a:rPr lang="en-GB" dirty="0" smtClean="0"/>
+              <a:t> Using </a:t>
+            </a:r>
+            <a:r>
+              <a:rPr lang="en-GB" dirty="0" err="1" smtClean="0"/>
+              <a:t>Docker</a:t>
+            </a:r>
+            <a:endParaRPr lang="en-US" dirty="0"/>
+          </a:p>
+        </p:txBody>
+      </p:sp>
+      <p:sp>
+        <p:nvSpPr>
+          <p:cNvPr id="3" name="Subtitle 2"/>
+          <p:cNvSpPr>
+            <a:spLocks noGrp="1"/>
+          </p:cNvSpPr>
+          <p:nvPr>
+            <p:ph type="subTitle" idx="1"/>
+          </p:nvPr>
+        </p:nvSpPr>
+        <p:spPr/>
+        <p:txBody>
+          <a:bodyPr/>
+          <a:lstStyle/>
+          <a:p>
+            <a:endParaRPr lang="en-US" dirty="0"/>
+          </a:p>
+        </p:txBody>
+      </p:sp>
+    </p:spTree>
+  </p:cSld>
+  <p:clrMapOvr>
+    <a:masterClrMapping/>
+  </p:clrMapOvr>
+  <p:timing>
+    <p:tnLst>
+      <p:par>
+        <p:cTn id="1" dur="indefinite" restart="never" nodeType="tmRoot"/>
+      </p:par>
+    </p:tnLst>
+  </p:timing>
+</p:sld>
+</file>
+
+<file path=ppt/slides/slide40.xml><?xml version="1.0" encoding="utf-8"?>
+<p:sld xmlns:a="http://schemas.openxmlformats.org/drawingml/2006/main" xmlns:r="http://schemas.openxmlformats.org/officeDocument/2006/relationships" xmlns:p="http://schemas.openxmlformats.org/presentationml/2006/main">
+  <p:cSld>
+    <p:spTree>
+      <p:nvGrpSpPr>
+        <p:cNvPr id="1" name=""/>
+        <p:cNvGrpSpPr/>
+        <p:nvPr/>
+      </p:nvGrpSpPr>
+      <p:grpSpPr>
+        <a:xfrm>
+          <a:off x="0" y="0"/>
+          <a:ext cx="0" cy="0"/>
+          <a:chOff x="0" y="0"/>
+          <a:chExt cx="0" cy="0"/>
+        </a:xfrm>
+      </p:grpSpPr>
+      <p:sp>
+        <p:nvSpPr>
+          <p:cNvPr id="2" name="Title 1"/>
+          <p:cNvSpPr>
+            <a:spLocks noGrp="1"/>
+          </p:cNvSpPr>
+          <p:nvPr>
+            <p:ph type="title"/>
+          </p:nvPr>
+        </p:nvSpPr>
+        <p:spPr/>
+        <p:txBody>
+          <a:bodyPr>
+            <a:normAutofit fontScale="90000"/>
+          </a:bodyPr>
+          <a:lstStyle/>
+          <a:p>
+            <a:r>
+              <a:rPr lang="en-GB" dirty="0" smtClean="0"/>
+              <a:t>Restricting at Mapping level. This way we are making sure that we </a:t>
+            </a:r>
+            <a:r>
+              <a:rPr lang="en-GB" dirty="0" err="1" smtClean="0"/>
+              <a:t>dont</a:t>
+            </a:r>
+            <a:r>
+              <a:rPr lang="en-GB" dirty="0" smtClean="0"/>
+              <a:t> get unwanted fields</a:t>
+            </a:r>
+            <a:endParaRPr lang="en-US" dirty="0"/>
+          </a:p>
+        </p:txBody>
+      </p:sp>
+      <p:sp>
+        <p:nvSpPr>
+          <p:cNvPr id="3" name="Content Placeholder 2"/>
+          <p:cNvSpPr>
+            <a:spLocks noGrp="1"/>
+          </p:cNvSpPr>
+          <p:nvPr>
+            <p:ph idx="1"/>
+          </p:nvPr>
+        </p:nvSpPr>
+        <p:spPr/>
+        <p:txBody>
+          <a:bodyPr>
+            <a:normAutofit fontScale="47500" lnSpcReduction="20000"/>
+          </a:bodyPr>
+          <a:lstStyle/>
+          <a:p>
+            <a:r>
+              <a:rPr lang="en-US" dirty="0" smtClean="0"/>
+              <a:t>PUT </a:t>
+            </a:r>
+            <a:r>
+              <a:rPr lang="en-US" dirty="0" err="1" smtClean="0"/>
+              <a:t>stackoverflow_top</a:t>
+            </a:r>
+            <a:r>
+              <a:rPr lang="en-US" dirty="0" smtClean="0"/>
+              <a:t>/</a:t>
+            </a:r>
+          </a:p>
+          <a:p>
+            <a:r>
+              <a:rPr lang="en-US" dirty="0" smtClean="0"/>
+              <a:t>{</a:t>
+            </a:r>
+          </a:p>
+          <a:p>
+            <a:r>
+              <a:rPr lang="en-US" dirty="0" smtClean="0"/>
+              <a:t>  "mappings": {</a:t>
+            </a:r>
+          </a:p>
+          <a:p>
+            <a:r>
+              <a:rPr lang="en-US" dirty="0" smtClean="0"/>
+              <a:t>       "dynamic": "strict",</a:t>
+            </a:r>
+          </a:p>
+          <a:p>
+            <a:r>
+              <a:rPr lang="en-US" dirty="0" smtClean="0"/>
+              <a:t>       "properties": {</a:t>
+            </a:r>
+          </a:p>
+          <a:p>
+            <a:r>
+              <a:rPr lang="en-US" dirty="0" smtClean="0"/>
+              <a:t>         "test": {</a:t>
+            </a:r>
+          </a:p>
+          <a:p>
+            <a:r>
+              <a:rPr lang="en-US" dirty="0" smtClean="0"/>
+              <a:t>           "properties": {</a:t>
+            </a:r>
+          </a:p>
+          <a:p>
+            <a:r>
+              <a:rPr lang="en-US" dirty="0" smtClean="0"/>
+              <a:t>               "</a:t>
+            </a:r>
+            <a:r>
+              <a:rPr lang="en-US" dirty="0" err="1" smtClean="0"/>
+              <a:t>foo</a:t>
+            </a:r>
+            <a:r>
+              <a:rPr lang="en-US" dirty="0" smtClean="0"/>
+              <a:t>": { "type": "text" },</a:t>
+            </a:r>
+          </a:p>
+          <a:p>
+            <a:r>
+              <a:rPr lang="en-US" dirty="0" smtClean="0"/>
+              <a:t>               "bar": { </a:t>
+            </a:r>
+          </a:p>
+          <a:p>
+            <a:r>
+              <a:rPr lang="en-US" dirty="0" smtClean="0"/>
+              <a:t>                      "type": "nested",</a:t>
+            </a:r>
+          </a:p>
+          <a:p>
+            <a:r>
+              <a:rPr lang="en-US" dirty="0" smtClean="0"/>
+              <a:t>                      "properties": {</a:t>
+            </a:r>
+          </a:p>
+          <a:p>
+            <a:r>
+              <a:rPr lang="en-US" dirty="0" smtClean="0"/>
+              <a:t>                         "bell": { "type": "text" }</a:t>
+            </a:r>
+          </a:p>
+          <a:p>
+            <a:r>
+              <a:rPr lang="en-US" dirty="0" smtClean="0"/>
+              <a:t>                      }</a:t>
+            </a:r>
+          </a:p>
+          <a:p>
+            <a:r>
+              <a:rPr lang="en-US" dirty="0" smtClean="0"/>
+              <a:t>               }</a:t>
+            </a:r>
+          </a:p>
+          <a:p>
+            <a:r>
+              <a:rPr lang="en-US" dirty="0" smtClean="0"/>
+              <a:t>           }</a:t>
+            </a:r>
+          </a:p>
+          <a:p>
+            <a:r>
+              <a:rPr lang="en-US" dirty="0" smtClean="0"/>
+              <a:t>       }</a:t>
+            </a:r>
+          </a:p>
+          <a:p>
+            <a:r>
+              <a:rPr lang="en-US" dirty="0" smtClean="0"/>
+              <a:t>       }</a:t>
+            </a:r>
+          </a:p>
+          <a:p>
+            <a:r>
+              <a:rPr lang="en-US" dirty="0" smtClean="0"/>
+              <a:t>     }</a:t>
+            </a:r>
+          </a:p>
+          <a:p>
+            <a:r>
+              <a:rPr lang="en-US" dirty="0" smtClean="0"/>
+              <a:t>}</a:t>
+            </a:r>
+            <a:endParaRPr lang="en-US" dirty="0"/>
+          </a:p>
+        </p:txBody>
+      </p:sp>
+    </p:spTree>
+  </p:cSld>
+  <p:clrMapOvr>
+    <a:masterClrMapping/>
+  </p:clrMapOvr>
+  <p:timing>
+    <p:tnLst>
+      <p:par>
+        <p:cTn id="1" dur="indefinite" restart="never" nodeType="tmRoot"/>
+      </p:par>
+    </p:tnLst>
+  </p:timing>
+</p:sld>
+</file>
+
+<file path=ppt/slides/slide41.xml><?xml version="1.0" encoding="utf-8"?>
+<p:sld xmlns:a="http://schemas.openxmlformats.org/drawingml/2006/main" xmlns:r="http://schemas.openxmlformats.org/officeDocument/2006/relationships" xmlns:p="http://schemas.openxmlformats.org/presentationml/2006/main">
+  <p:cSld>
+    <p:spTree>
+      <p:nvGrpSpPr>
+        <p:cNvPr id="1" name=""/>
+        <p:cNvGrpSpPr/>
+        <p:nvPr/>
+      </p:nvGrpSpPr>
+      <p:grpSpPr>
+        <a:xfrm>
+          <a:off x="0" y="0"/>
+          <a:ext cx="0" cy="0"/>
+          <a:chOff x="0" y="0"/>
+          <a:chExt cx="0" cy="0"/>
+        </a:xfrm>
+      </p:grpSpPr>
+      <p:sp>
+        <p:nvSpPr>
+          <p:cNvPr id="2" name="Title 1"/>
+          <p:cNvSpPr>
+            <a:spLocks noGrp="1"/>
+          </p:cNvSpPr>
+          <p:nvPr>
+            <p:ph type="title"/>
+          </p:nvPr>
+        </p:nvSpPr>
+        <p:spPr/>
+        <p:txBody>
+          <a:bodyPr/>
+          <a:lstStyle/>
+          <a:p>
+            <a:r>
+              <a:rPr lang="en-GB" dirty="0" smtClean="0"/>
+              <a:t>To make it dynamic again</a:t>
+            </a:r>
+            <a:endParaRPr lang="en-US" dirty="0"/>
+          </a:p>
+        </p:txBody>
+      </p:sp>
+      <p:sp>
+        <p:nvSpPr>
+          <p:cNvPr id="3" name="Content Placeholder 2"/>
+          <p:cNvSpPr>
+            <a:spLocks noGrp="1"/>
+          </p:cNvSpPr>
+          <p:nvPr>
+            <p:ph idx="1"/>
+          </p:nvPr>
+        </p:nvSpPr>
+        <p:spPr/>
+        <p:txBody>
+          <a:bodyPr/>
+          <a:lstStyle/>
+          <a:p>
+            <a:r>
+              <a:rPr lang="en-GB" dirty="0" smtClean="0"/>
+              <a:t>PUT /</a:t>
+            </a:r>
+            <a:r>
+              <a:rPr lang="en-GB" dirty="0" err="1" smtClean="0"/>
+              <a:t>stackoverflow_top</a:t>
+            </a:r>
+            <a:r>
+              <a:rPr lang="en-GB" dirty="0" smtClean="0"/>
+              <a:t>/_mapping</a:t>
+            </a:r>
+          </a:p>
+          <a:p>
+            <a:r>
+              <a:rPr lang="en-GB" dirty="0" smtClean="0"/>
+              <a:t>{</a:t>
+            </a:r>
+          </a:p>
+          <a:p>
+            <a:r>
+              <a:rPr lang="en-GB" dirty="0" smtClean="0"/>
+              <a:t>  "dynamic": </a:t>
+            </a:r>
+            <a:r>
+              <a:rPr lang="en-GB" dirty="0" smtClean="0"/>
+              <a:t>“true"</a:t>
+            </a:r>
+            <a:endParaRPr lang="en-GB" dirty="0" smtClean="0"/>
+          </a:p>
+          <a:p>
+            <a:r>
+              <a:rPr lang="en-GB" dirty="0" smtClean="0"/>
+              <a:t>}</a:t>
+            </a:r>
+            <a:endParaRPr lang="en-US" dirty="0"/>
+          </a:p>
+        </p:txBody>
+      </p:sp>
+    </p:spTree>
+  </p:cSld>
+  <p:clrMapOvr>
+    <a:masterClrMapping/>
+  </p:clrMapOvr>
+</p:sld>
+</file>
+
+<file path=ppt/slides/slide42.xml><?xml version="1.0" encoding="utf-8"?>
+<p:sld xmlns:a="http://schemas.openxmlformats.org/drawingml/2006/main" xmlns:r="http://schemas.openxmlformats.org/officeDocument/2006/relationships" xmlns:p="http://schemas.openxmlformats.org/presentationml/2006/main">
+  <p:cSld>
+    <p:spTree>
+      <p:nvGrpSpPr>
+        <p:cNvPr id="1" name=""/>
+        <p:cNvGrpSpPr/>
+        <p:nvPr/>
+      </p:nvGrpSpPr>
+      <p:grpSpPr>
+        <a:xfrm>
+          <a:off x="0" y="0"/>
+          <a:ext cx="0" cy="0"/>
+          <a:chOff x="0" y="0"/>
+          <a:chExt cx="0" cy="0"/>
+        </a:xfrm>
+      </p:grpSpPr>
+      <p:sp>
+        <p:nvSpPr>
+          <p:cNvPr id="2" name="Title 1"/>
+          <p:cNvSpPr>
+            <a:spLocks noGrp="1"/>
+          </p:cNvSpPr>
+          <p:nvPr>
+            <p:ph type="title"/>
+          </p:nvPr>
+        </p:nvSpPr>
+        <p:spPr/>
+        <p:txBody>
+          <a:bodyPr/>
+          <a:lstStyle/>
+          <a:p>
+            <a:r>
+              <a:rPr lang="en-GB" dirty="0" smtClean="0"/>
+              <a:t>Dynamic =false</a:t>
+            </a:r>
+            <a:endParaRPr lang="en-US" dirty="0"/>
+          </a:p>
+        </p:txBody>
+      </p:sp>
+      <p:sp>
+        <p:nvSpPr>
+          <p:cNvPr id="3" name="Content Placeholder 2"/>
+          <p:cNvSpPr>
+            <a:spLocks noGrp="1"/>
+          </p:cNvSpPr>
+          <p:nvPr>
+            <p:ph idx="1"/>
+          </p:nvPr>
+        </p:nvSpPr>
+        <p:spPr/>
+        <p:txBody>
+          <a:bodyPr/>
+          <a:lstStyle/>
+          <a:p>
+            <a:r>
+              <a:rPr lang="en-GB" dirty="0" smtClean="0"/>
+              <a:t>PUT /</a:t>
+            </a:r>
+            <a:r>
+              <a:rPr lang="en-GB" dirty="0" err="1" smtClean="0"/>
+              <a:t>stackoverflow_top</a:t>
+            </a:r>
+            <a:r>
+              <a:rPr lang="en-GB" dirty="0" smtClean="0"/>
+              <a:t>/_mapping</a:t>
+            </a:r>
+          </a:p>
+          <a:p>
+            <a:r>
+              <a:rPr lang="en-GB" dirty="0" smtClean="0"/>
+              <a:t>{</a:t>
+            </a:r>
+          </a:p>
+          <a:p>
+            <a:r>
+              <a:rPr lang="en-GB" dirty="0" smtClean="0"/>
+              <a:t>  "dynamic": </a:t>
+            </a:r>
+            <a:r>
+              <a:rPr lang="en-GB" dirty="0" smtClean="0"/>
+              <a:t>“false"</a:t>
+            </a:r>
+            <a:endParaRPr lang="en-GB" dirty="0" smtClean="0"/>
+          </a:p>
+          <a:p>
+            <a:r>
+              <a:rPr lang="en-GB" dirty="0" smtClean="0"/>
+              <a:t>}</a:t>
+            </a:r>
+            <a:br>
+              <a:rPr lang="en-GB" dirty="0" smtClean="0"/>
+            </a:br>
+            <a:r>
+              <a:rPr lang="en-GB" dirty="0" smtClean="0"/>
+              <a:t/>
+            </a:r>
+            <a:br>
+              <a:rPr lang="en-GB" dirty="0" smtClean="0"/>
+            </a:br>
+            <a:r>
+              <a:rPr lang="en-GB" dirty="0" smtClean="0"/>
+              <a:t>Usually these fields are not indexed and cannot be queried.</a:t>
+            </a:r>
+            <a:br>
+              <a:rPr lang="en-GB" dirty="0" smtClean="0"/>
+            </a:br>
+            <a:r>
+              <a:rPr lang="en-GB" dirty="0" smtClean="0"/>
+              <a:t>Show demo on Luke</a:t>
+            </a:r>
+            <a:endParaRPr lang="en-US" dirty="0"/>
+          </a:p>
+        </p:txBody>
+      </p:sp>
+    </p:spTree>
+  </p:cSld>
+  <p:clrMapOvr>
+    <a:masterClrMapping/>
+  </p:clrMapOvr>
+</p:sld>
+</file>
+
+<file path=ppt/slides/slide43.xml><?xml version="1.0" encoding="utf-8"?>
+<p:sld xmlns:a="http://schemas.openxmlformats.org/drawingml/2006/main" xmlns:r="http://schemas.openxmlformats.org/officeDocument/2006/relationships" xmlns:p="http://schemas.openxmlformats.org/presentationml/2006/main">
+  <p:cSld>
+    <p:spTree>
+      <p:nvGrpSpPr>
+        <p:cNvPr id="1" name=""/>
+        <p:cNvGrpSpPr/>
+        <p:nvPr/>
+      </p:nvGrpSpPr>
+      <p:grpSpPr>
+        <a:xfrm>
+          <a:off x="0" y="0"/>
+          <a:ext cx="0" cy="0"/>
+          <a:chOff x="0" y="0"/>
+          <a:chExt cx="0" cy="0"/>
+        </a:xfrm>
+      </p:grpSpPr>
+      <p:sp>
+        <p:nvSpPr>
+          <p:cNvPr id="2" name="Title 1"/>
+          <p:cNvSpPr>
+            <a:spLocks noGrp="1"/>
+          </p:cNvSpPr>
+          <p:nvPr>
+            <p:ph type="title"/>
+          </p:nvPr>
+        </p:nvSpPr>
+        <p:spPr/>
+        <p:txBody>
+          <a:bodyPr/>
+          <a:lstStyle/>
+          <a:p>
+            <a:r>
+              <a:rPr lang="en-GB" dirty="0" smtClean="0"/>
+              <a:t>Demo Luke</a:t>
+            </a:r>
+            <a:endParaRPr lang="en-US" dirty="0"/>
+          </a:p>
+        </p:txBody>
+      </p:sp>
+      <p:sp>
+        <p:nvSpPr>
+          <p:cNvPr id="3" name="Content Placeholder 2"/>
+          <p:cNvSpPr>
+            <a:spLocks noGrp="1"/>
+          </p:cNvSpPr>
+          <p:nvPr>
+            <p:ph idx="1"/>
+          </p:nvPr>
+        </p:nvSpPr>
+        <p:spPr/>
+        <p:txBody>
+          <a:bodyPr/>
+          <a:lstStyle/>
+          <a:p>
+            <a:r>
+              <a:rPr lang="en-US" dirty="0" smtClean="0"/>
+              <a:t>Post &lt;index&gt;/_refresh</a:t>
+            </a:r>
+            <a:endParaRPr lang="en-US" dirty="0"/>
+          </a:p>
+        </p:txBody>
+      </p:sp>
+    </p:spTree>
+  </p:cSld>
+  <p:clrMapOvr>
+    <a:masterClrMapping/>
+  </p:clrMapOvr>
+  <p:timing>
+    <p:tnLst>
+      <p:par>
+        <p:cTn id="1" dur="indefinite" restart="never" nodeType="tmRoot"/>
+      </p:par>
+    </p:tnLst>
+  </p:timing>
+</p:sld>
+</file>
+
+<file path=ppt/slides/slide44.xml><?xml version="1.0" encoding="utf-8"?>
+<p:sld xmlns:a="http://schemas.openxmlformats.org/drawingml/2006/main" xmlns:r="http://schemas.openxmlformats.org/officeDocument/2006/relationships" xmlns:p="http://schemas.openxmlformats.org/presentationml/2006/main">
+  <p:cSld>
+    <p:spTree>
+      <p:nvGrpSpPr>
+        <p:cNvPr id="1" name=""/>
+        <p:cNvGrpSpPr/>
+        <p:nvPr/>
+      </p:nvGrpSpPr>
+      <p:grpSpPr>
+        <a:xfrm>
+          <a:off x="0" y="0"/>
+          <a:ext cx="0" cy="0"/>
+          <a:chOff x="0" y="0"/>
+          <a:chExt cx="0" cy="0"/>
+        </a:xfrm>
+      </p:grpSpPr>
+      <p:sp>
+        <p:nvSpPr>
+          <p:cNvPr id="2" name="Title 1"/>
+          <p:cNvSpPr>
+            <a:spLocks noGrp="1"/>
+          </p:cNvSpPr>
+          <p:nvPr>
+            <p:ph type="title"/>
+          </p:nvPr>
+        </p:nvSpPr>
+        <p:spPr/>
+        <p:txBody>
+          <a:bodyPr/>
+          <a:lstStyle/>
+          <a:p>
+            <a:r>
+              <a:rPr lang="en-GB" dirty="0" smtClean="0"/>
+              <a:t>Flush</a:t>
+            </a:r>
+            <a:endParaRPr lang="en-US" dirty="0"/>
+          </a:p>
+        </p:txBody>
+      </p:sp>
+      <p:sp>
+        <p:nvSpPr>
+          <p:cNvPr id="3" name="Content Placeholder 2"/>
+          <p:cNvSpPr>
+            <a:spLocks noGrp="1"/>
+          </p:cNvSpPr>
+          <p:nvPr>
+            <p:ph idx="1"/>
+          </p:nvPr>
+        </p:nvSpPr>
+        <p:spPr/>
+        <p:txBody>
+          <a:bodyPr>
+            <a:normAutofit fontScale="85000" lnSpcReduction="20000"/>
+          </a:bodyPr>
+          <a:lstStyle/>
+          <a:p>
+            <a:r>
+              <a:rPr lang="en-GB" dirty="0" smtClean="0"/>
+              <a:t>Flushing an index is the process of making sure that any data that is currently only stored in the transaction log is also permanently stored in the </a:t>
+            </a:r>
+            <a:r>
+              <a:rPr lang="en-GB" dirty="0" err="1" smtClean="0"/>
+              <a:t>Lucene</a:t>
+            </a:r>
+            <a:r>
+              <a:rPr lang="en-GB" dirty="0" smtClean="0"/>
+              <a:t> index.</a:t>
+            </a:r>
+            <a:br>
+              <a:rPr lang="en-GB" dirty="0" smtClean="0"/>
+            </a:br>
+            <a:r>
+              <a:rPr lang="en-GB" dirty="0" smtClean="0"/>
+              <a:t/>
+            </a:r>
+            <a:br>
+              <a:rPr lang="en-GB" dirty="0" smtClean="0"/>
+            </a:br>
+            <a:r>
+              <a:rPr lang="en-GB" dirty="0" err="1" smtClean="0"/>
+              <a:t>TransLog</a:t>
+            </a:r>
+            <a:r>
+              <a:rPr lang="en-GB" dirty="0" smtClean="0"/>
+              <a:t>:</a:t>
+            </a:r>
+            <a:br>
+              <a:rPr lang="en-GB" dirty="0" smtClean="0"/>
+            </a:br>
+            <a:r>
+              <a:rPr lang="en-GB" dirty="0" smtClean="0"/>
+              <a:t/>
+            </a:r>
+            <a:br>
+              <a:rPr lang="en-GB" dirty="0" smtClean="0"/>
+            </a:br>
+            <a:r>
+              <a:rPr lang="en-GB" dirty="0" smtClean="0"/>
+              <a:t>Changes to </a:t>
+            </a:r>
+            <a:r>
+              <a:rPr lang="en-GB" dirty="0" err="1" smtClean="0"/>
+              <a:t>Lucene</a:t>
+            </a:r>
+            <a:r>
+              <a:rPr lang="en-GB" dirty="0" smtClean="0"/>
+              <a:t> are only persisted to disk during a </a:t>
+            </a:r>
+            <a:r>
+              <a:rPr lang="en-GB" dirty="0" err="1" smtClean="0"/>
+              <a:t>Lucene</a:t>
+            </a:r>
+            <a:r>
+              <a:rPr lang="en-GB" dirty="0" smtClean="0"/>
+              <a:t> commit, which is a relatively expensive operation and so cannot be performed after every index or delete operation. Changes that happen after one commit and before another will be removed from the index by </a:t>
+            </a:r>
+            <a:r>
+              <a:rPr lang="en-GB" dirty="0" err="1" smtClean="0"/>
+              <a:t>Lucene</a:t>
+            </a:r>
+            <a:r>
+              <a:rPr lang="en-GB" dirty="0" smtClean="0"/>
+              <a:t> in the event of process exit or hardware failure</a:t>
+            </a:r>
+            <a:endParaRPr lang="en-US" dirty="0"/>
+          </a:p>
+        </p:txBody>
+      </p:sp>
+    </p:spTree>
+  </p:cSld>
+  <p:clrMapOvr>
+    <a:masterClrMapping/>
+  </p:clrMapOvr>
+  <p:timing>
+    <p:tnLst>
+      <p:par>
+        <p:cTn id="1" dur="indefinite" restart="never" nodeType="tmRoot"/>
+      </p:par>
+    </p:tnLst>
+  </p:timing>
+</p:sld>
+</file>
+
+<file path=ppt/slides/slide45.xml><?xml version="1.0" encoding="utf-8"?>
+<p:sld xmlns:a="http://schemas.openxmlformats.org/drawingml/2006/main" xmlns:r="http://schemas.openxmlformats.org/officeDocument/2006/relationships" xmlns:p="http://schemas.openxmlformats.org/presentationml/2006/main">
+  <p:cSld>
+    <p:spTree>
+      <p:nvGrpSpPr>
+        <p:cNvPr id="1" name=""/>
+        <p:cNvGrpSpPr/>
+        <p:nvPr/>
+      </p:nvGrpSpPr>
+      <p:grpSpPr>
+        <a:xfrm>
+          <a:off x="0" y="0"/>
+          <a:ext cx="0" cy="0"/>
+          <a:chOff x="0" y="0"/>
+          <a:chExt cx="0" cy="0"/>
+        </a:xfrm>
+      </p:grpSpPr>
+      <p:sp>
+        <p:nvSpPr>
+          <p:cNvPr id="2" name="Title 1"/>
+          <p:cNvSpPr>
+            <a:spLocks noGrp="1"/>
+          </p:cNvSpPr>
+          <p:nvPr>
+            <p:ph type="title"/>
+          </p:nvPr>
+        </p:nvSpPr>
+        <p:spPr/>
+        <p:txBody>
+          <a:bodyPr/>
+          <a:lstStyle/>
+          <a:p>
+            <a:endParaRPr lang="en-US"/>
+          </a:p>
+        </p:txBody>
+      </p:sp>
+      <p:sp>
+        <p:nvSpPr>
+          <p:cNvPr id="3" name="Content Placeholder 2"/>
+          <p:cNvSpPr>
+            <a:spLocks noGrp="1"/>
+          </p:cNvSpPr>
+          <p:nvPr>
+            <p:ph idx="1"/>
+          </p:nvPr>
+        </p:nvSpPr>
+        <p:spPr/>
+        <p:txBody>
+          <a:bodyPr/>
+          <a:lstStyle/>
+          <a:p>
+            <a:r>
+              <a:rPr lang="en-US" dirty="0" smtClean="0"/>
+              <a:t>Post &lt;index&gt;/_flush</a:t>
+            </a:r>
+            <a:br>
+              <a:rPr lang="en-US" dirty="0" smtClean="0"/>
+            </a:br>
+            <a:r>
+              <a:rPr lang="en-US" dirty="0" smtClean="0"/>
+              <a:t/>
+            </a:r>
+            <a:br>
+              <a:rPr lang="en-US" dirty="0" smtClean="0"/>
+            </a:br>
+            <a:r>
+              <a:rPr lang="en-US" dirty="0" smtClean="0"/>
+              <a:t>Now check Luke</a:t>
+            </a:r>
+            <a:endParaRPr lang="en-US" dirty="0"/>
+          </a:p>
+        </p:txBody>
+      </p:sp>
+    </p:spTree>
+  </p:cSld>
+  <p:clrMapOvr>
+    <a:masterClrMapping/>
+  </p:clrMapOvr>
+</p:sld>
+</file>
+
+<file path=ppt/slides/slide46.xml><?xml version="1.0" encoding="utf-8"?>
+<p:sld xmlns:a="http://schemas.openxmlformats.org/drawingml/2006/main" xmlns:r="http://schemas.openxmlformats.org/officeDocument/2006/relationships" xmlns:p="http://schemas.openxmlformats.org/presentationml/2006/main">
+  <p:cSld>
+    <p:spTree>
+      <p:nvGrpSpPr>
+        <p:cNvPr id="1" name=""/>
+        <p:cNvGrpSpPr/>
+        <p:nvPr/>
+      </p:nvGrpSpPr>
+      <p:grpSpPr>
+        <a:xfrm>
+          <a:off x="0" y="0"/>
+          <a:ext cx="0" cy="0"/>
+          <a:chOff x="0" y="0"/>
+          <a:chExt cx="0" cy="0"/>
+        </a:xfrm>
+      </p:grpSpPr>
+      <p:sp>
+        <p:nvSpPr>
+          <p:cNvPr id="2" name="Title 1"/>
+          <p:cNvSpPr>
+            <a:spLocks noGrp="1"/>
+          </p:cNvSpPr>
+          <p:nvPr>
+            <p:ph type="title"/>
+          </p:nvPr>
+        </p:nvSpPr>
+        <p:spPr/>
+        <p:txBody>
+          <a:bodyPr>
+            <a:normAutofit/>
+          </a:bodyPr>
+          <a:lstStyle/>
+          <a:p>
+            <a:r>
+              <a:rPr lang="en-US" dirty="0" smtClean="0"/>
+              <a:t>Automatic Index Creation</a:t>
+            </a:r>
+            <a:endParaRPr lang="en-US" dirty="0"/>
+          </a:p>
+        </p:txBody>
+      </p:sp>
+      <p:sp>
+        <p:nvSpPr>
+          <p:cNvPr id="3" name="Content Placeholder 2"/>
+          <p:cNvSpPr>
+            <a:spLocks noGrp="1"/>
+          </p:cNvSpPr>
+          <p:nvPr>
+            <p:ph idx="1"/>
+          </p:nvPr>
+        </p:nvSpPr>
+        <p:spPr/>
+        <p:txBody>
+          <a:bodyPr/>
+          <a:lstStyle/>
+          <a:p>
+            <a:r>
+              <a:rPr lang="en-GB" dirty="0" smtClean="0"/>
+              <a:t>To disable Automatic index creation we can use in </a:t>
+            </a:r>
+            <a:r>
+              <a:rPr lang="en-US" dirty="0" smtClean="0"/>
+              <a:t>elasticsearch.yml</a:t>
+            </a:r>
+            <a:r>
+              <a:rPr lang="en-GB" dirty="0" smtClean="0"/>
+              <a:t/>
+            </a:r>
+            <a:br>
+              <a:rPr lang="en-GB" dirty="0" smtClean="0"/>
+            </a:br>
+            <a:r>
+              <a:rPr lang="en-GB" dirty="0" smtClean="0"/>
+              <a:t/>
+            </a:r>
+            <a:br>
+              <a:rPr lang="en-GB" dirty="0" smtClean="0"/>
+            </a:br>
+            <a:r>
+              <a:rPr lang="en-US" dirty="0" err="1" smtClean="0"/>
+              <a:t>action.auto_create_index:false</a:t>
+            </a:r>
+            <a:r>
+              <a:rPr lang="en-US" dirty="0" smtClean="0"/>
+              <a:t> </a:t>
+            </a:r>
+            <a:r>
+              <a:rPr lang="en-US" dirty="0" err="1" smtClean="0"/>
+              <a:t>index.mapper.dynamic:false</a:t>
+            </a:r>
+            <a:endParaRPr lang="en-US" dirty="0"/>
+          </a:p>
+        </p:txBody>
+      </p:sp>
+    </p:spTree>
+  </p:cSld>
+  <p:clrMapOvr>
+    <a:masterClrMapping/>
+  </p:clrMapOvr>
+</p:sld>
+</file>
+
+<file path=ppt/slides/slide47.xml><?xml version="1.0" encoding="utf-8"?>
+<p:sld xmlns:a="http://schemas.openxmlformats.org/drawingml/2006/main" xmlns:r="http://schemas.openxmlformats.org/officeDocument/2006/relationships" xmlns:p="http://schemas.openxmlformats.org/presentationml/2006/main">
+  <p:cSld>
+    <p:spTree>
+      <p:nvGrpSpPr>
+        <p:cNvPr id="1" name=""/>
+        <p:cNvGrpSpPr/>
+        <p:nvPr/>
+      </p:nvGrpSpPr>
+      <p:grpSpPr>
+        <a:xfrm>
+          <a:off x="0" y="0"/>
+          <a:ext cx="0" cy="0"/>
+          <a:chOff x="0" y="0"/>
+          <a:chExt cx="0" cy="0"/>
+        </a:xfrm>
+      </p:grpSpPr>
+      <p:sp>
+        <p:nvSpPr>
+          <p:cNvPr id="2" name="Title 1"/>
+          <p:cNvSpPr>
+            <a:spLocks noGrp="1"/>
+          </p:cNvSpPr>
+          <p:nvPr>
+            <p:ph type="title"/>
+          </p:nvPr>
+        </p:nvSpPr>
+        <p:spPr/>
+        <p:txBody>
+          <a:bodyPr/>
+          <a:lstStyle/>
+          <a:p>
+            <a:r>
+              <a:rPr lang="en-GB" dirty="0" smtClean="0"/>
+              <a:t>Insert and Updating Docs</a:t>
+            </a:r>
+            <a:endParaRPr lang="en-US" dirty="0"/>
+          </a:p>
+        </p:txBody>
+      </p:sp>
+      <p:sp>
+        <p:nvSpPr>
+          <p:cNvPr id="3" name="Content Placeholder 2"/>
+          <p:cNvSpPr>
+            <a:spLocks noGrp="1"/>
+          </p:cNvSpPr>
+          <p:nvPr>
+            <p:ph idx="1"/>
+          </p:nvPr>
+        </p:nvSpPr>
+        <p:spPr/>
+        <p:txBody>
+          <a:bodyPr/>
+          <a:lstStyle/>
+          <a:p>
+            <a:endParaRPr lang="en-US" dirty="0"/>
+          </a:p>
+        </p:txBody>
+      </p:sp>
+    </p:spTree>
+  </p:cSld>
+  <p:clrMapOvr>
+    <a:masterClrMapping/>
+  </p:clrMapOvr>
+</p:sld>
+</file>
+
+<file path=ppt/slides/slide48.xml><?xml version="1.0" encoding="utf-8"?>
+<p:sld xmlns:a="http://schemas.openxmlformats.org/drawingml/2006/main" xmlns:r="http://schemas.openxmlformats.org/officeDocument/2006/relationships" xmlns:p="http://schemas.openxmlformats.org/presentationml/2006/main">
+  <p:cSld>
+    <p:spTree>
+      <p:nvGrpSpPr>
+        <p:cNvPr id="1" name=""/>
+        <p:cNvGrpSpPr/>
+        <p:nvPr/>
+      </p:nvGrpSpPr>
+      <p:grpSpPr>
+        <a:xfrm>
+          <a:off x="0" y="0"/>
+          <a:ext cx="0" cy="0"/>
+          <a:chOff x="0" y="0"/>
+          <a:chExt cx="0" cy="0"/>
+        </a:xfrm>
+      </p:grpSpPr>
+      <p:sp>
+        <p:nvSpPr>
+          <p:cNvPr id="2" name="Title 1"/>
+          <p:cNvSpPr>
+            <a:spLocks noGrp="1"/>
+          </p:cNvSpPr>
+          <p:nvPr>
+            <p:ph type="title"/>
+          </p:nvPr>
+        </p:nvSpPr>
+        <p:spPr/>
+        <p:txBody>
+          <a:bodyPr/>
+          <a:lstStyle/>
+          <a:p>
+            <a:r>
+              <a:rPr lang="en-GB" dirty="0" smtClean="0"/>
+              <a:t>Versioning</a:t>
+            </a:r>
+            <a:endParaRPr lang="en-US" dirty="0"/>
+          </a:p>
+        </p:txBody>
+      </p:sp>
+      <p:sp>
+        <p:nvSpPr>
+          <p:cNvPr id="3" name="Content Placeholder 2"/>
+          <p:cNvSpPr>
+            <a:spLocks noGrp="1"/>
+          </p:cNvSpPr>
+          <p:nvPr>
+            <p:ph idx="1"/>
+          </p:nvPr>
+        </p:nvSpPr>
+        <p:spPr/>
+        <p:txBody>
+          <a:bodyPr/>
+          <a:lstStyle/>
+          <a:p>
+            <a:r>
+              <a:rPr lang="en-GB" dirty="0" smtClean="0"/>
+              <a:t>Use of “version”</a:t>
+            </a:r>
+          </a:p>
+          <a:p>
+            <a:r>
+              <a:rPr lang="en-GB" dirty="0" smtClean="0"/>
+              <a:t>Use of “</a:t>
+            </a:r>
+            <a:r>
+              <a:rPr lang="en-GB" dirty="0" err="1" smtClean="0"/>
+              <a:t>if_seq_no</a:t>
+            </a:r>
+            <a:r>
+              <a:rPr lang="en-GB" dirty="0" smtClean="0"/>
+              <a:t>=4&amp;if_primary_term=1</a:t>
+            </a:r>
+            <a:r>
+              <a:rPr lang="en-GB" dirty="0" smtClean="0"/>
+              <a:t>”</a:t>
+            </a:r>
+            <a:br>
+              <a:rPr lang="en-GB" dirty="0" smtClean="0"/>
+            </a:br>
+            <a:r>
+              <a:rPr lang="en-GB" dirty="0" smtClean="0"/>
+              <a:t/>
+            </a:r>
+            <a:br>
+              <a:rPr lang="en-GB" dirty="0" smtClean="0"/>
+            </a:br>
+            <a:r>
+              <a:rPr lang="en-GB" dirty="0" smtClean="0"/>
+              <a:t>PUT test/_doc/1?if_seq_no=0&amp;if_primary_term=1&amp;error_trace=true { "test": 1 }</a:t>
+            </a:r>
+            <a:endParaRPr lang="en-US" dirty="0"/>
+          </a:p>
+        </p:txBody>
+      </p:sp>
+    </p:spTree>
+  </p:cSld>
+  <p:clrMapOvr>
+    <a:masterClrMapping/>
+  </p:clrMapOvr>
+</p:sld>
+</file>
+
+<file path=ppt/slides/slide49.xml><?xml version="1.0" encoding="utf-8"?>
+<p:sld xmlns:a="http://schemas.openxmlformats.org/drawingml/2006/main" xmlns:r="http://schemas.openxmlformats.org/officeDocument/2006/relationships" xmlns:p="http://schemas.openxmlformats.org/presentationml/2006/main">
+  <p:cSld>
+    <p:spTree>
+      <p:nvGrpSpPr>
+        <p:cNvPr id="1" name=""/>
+        <p:cNvGrpSpPr/>
+        <p:nvPr/>
+      </p:nvGrpSpPr>
+      <p:grpSpPr>
+        <a:xfrm>
+          <a:off x="0" y="0"/>
+          <a:ext cx="0" cy="0"/>
+          <a:chOff x="0" y="0"/>
+          <a:chExt cx="0" cy="0"/>
+        </a:xfrm>
+      </p:grpSpPr>
+      <p:sp>
+        <p:nvSpPr>
+          <p:cNvPr id="2" name="Title 1"/>
+          <p:cNvSpPr>
+            <a:spLocks noGrp="1"/>
+          </p:cNvSpPr>
+          <p:nvPr>
+            <p:ph type="title"/>
+          </p:nvPr>
+        </p:nvSpPr>
+        <p:spPr/>
+        <p:txBody>
+          <a:bodyPr/>
+          <a:lstStyle/>
+          <a:p>
+            <a:r>
+              <a:rPr lang="en-GB" dirty="0" smtClean="0"/>
+              <a:t>Update Doc By POST</a:t>
+            </a:r>
+            <a:endParaRPr lang="en-US" dirty="0"/>
+          </a:p>
+        </p:txBody>
+      </p:sp>
+      <p:sp>
+        <p:nvSpPr>
+          <p:cNvPr id="3" name="Content Placeholder 2"/>
+          <p:cNvSpPr>
+            <a:spLocks noGrp="1"/>
+          </p:cNvSpPr>
+          <p:nvPr>
+            <p:ph idx="1"/>
+          </p:nvPr>
+        </p:nvSpPr>
+        <p:spPr/>
+        <p:txBody>
+          <a:bodyPr/>
+          <a:lstStyle/>
+          <a:p>
+            <a:r>
+              <a:rPr lang="en-US" dirty="0" smtClean="0"/>
+              <a:t>POST &lt;index/_doc/&lt;id&gt;</a:t>
+            </a:r>
+            <a:br>
+              <a:rPr lang="en-US" dirty="0" smtClean="0"/>
+            </a:br>
+            <a:r>
+              <a:rPr lang="en-US" dirty="0" smtClean="0"/>
+              <a:t>{</a:t>
+            </a:r>
+            <a:br>
+              <a:rPr lang="en-US" dirty="0" smtClean="0"/>
+            </a:br>
+            <a:r>
+              <a:rPr lang="en-US" dirty="0" smtClean="0"/>
+              <a:t>//Need to provide complete </a:t>
+            </a:r>
+            <a:r>
+              <a:rPr lang="en-US" dirty="0" err="1" smtClean="0"/>
+              <a:t>Json</a:t>
+            </a:r>
+            <a:r>
+              <a:rPr lang="en-US" dirty="0" smtClean="0"/>
+              <a:t/>
+            </a:r>
+            <a:br>
+              <a:rPr lang="en-US" dirty="0" smtClean="0"/>
+            </a:br>
+            <a:r>
+              <a:rPr lang="en-US" dirty="0" smtClean="0"/>
+              <a:t>}</a:t>
+            </a:r>
+            <a:br>
+              <a:rPr lang="en-US" dirty="0" smtClean="0"/>
+            </a:br>
+            <a:r>
+              <a:rPr lang="en-US" dirty="0" smtClean="0"/>
+              <a:t/>
+            </a:r>
+            <a:br>
+              <a:rPr lang="en-US" dirty="0" smtClean="0"/>
+            </a:br>
+            <a:r>
+              <a:rPr lang="en-US" dirty="0" smtClean="0"/>
+              <a:t>If not present , It will add else update.</a:t>
+            </a:r>
+            <a:br>
+              <a:rPr lang="en-US" dirty="0" smtClean="0"/>
+            </a:br>
+            <a:r>
+              <a:rPr lang="en-US" dirty="0" smtClean="0"/>
+              <a:t>So problem here is it will update entire doc. Just remove few fields and update, we can see some data is lost</a:t>
+            </a:r>
+            <a:endParaRPr lang="en-US" dirty="0"/>
+          </a:p>
+        </p:txBody>
+      </p:sp>
+    </p:spTree>
+  </p:cSld>
+  <p:clrMapOvr>
+    <a:masterClrMapping/>
+  </p:clrMapOvr>
+</p:sld>
+</file>
+
+<file path=ppt/slides/slide5.xml><?xml version="1.0" encoding="utf-8"?>
+<p:sld xmlns:a="http://schemas.openxmlformats.org/drawingml/2006/main" xmlns:r="http://schemas.openxmlformats.org/officeDocument/2006/relationships" xmlns:p="http://schemas.openxmlformats.org/presentationml/2006/main">
+  <p:cSld>
+    <p:spTree>
+      <p:nvGrpSpPr>
+        <p:cNvPr id="1" name=""/>
+        <p:cNvGrpSpPr/>
+        <p:nvPr/>
+      </p:nvGrpSpPr>
+      <p:grpSpPr>
+        <a:xfrm>
+          <a:off x="0" y="0"/>
+          <a:ext cx="0" cy="0"/>
+          <a:chOff x="0" y="0"/>
+          <a:chExt cx="0" cy="0"/>
+        </a:xfrm>
+      </p:grpSpPr>
+      <p:sp>
+        <p:nvSpPr>
+          <p:cNvPr id="2" name="Title 1"/>
+          <p:cNvSpPr>
+            <a:spLocks noGrp="1"/>
+          </p:cNvSpPr>
+          <p:nvPr>
+            <p:ph type="title"/>
+          </p:nvPr>
+        </p:nvSpPr>
+        <p:spPr/>
+        <p:txBody>
+          <a:bodyPr/>
+          <a:lstStyle/>
+          <a:p>
+            <a:r>
+              <a:rPr lang="en-GB" dirty="0" smtClean="0"/>
+              <a:t>Key Terminologies</a:t>
+            </a:r>
+            <a:endParaRPr lang="en-US" dirty="0"/>
+          </a:p>
+        </p:txBody>
+      </p:sp>
+      <p:sp>
+        <p:nvSpPr>
+          <p:cNvPr id="3" name="Content Placeholder 2"/>
+          <p:cNvSpPr>
+            <a:spLocks noGrp="1"/>
+          </p:cNvSpPr>
+          <p:nvPr>
+            <p:ph idx="1"/>
+          </p:nvPr>
+        </p:nvSpPr>
+        <p:spPr/>
+        <p:txBody>
+          <a:bodyPr/>
+          <a:lstStyle/>
+          <a:p>
+            <a:r>
+              <a:rPr lang="en-GB" dirty="0" smtClean="0"/>
+              <a:t>Document: It is the basic component of ES. It contains data.</a:t>
+            </a:r>
+          </a:p>
+          <a:p>
+            <a:r>
+              <a:rPr lang="en-GB" dirty="0" smtClean="0"/>
+              <a:t>Index: Collection of documents</a:t>
+            </a:r>
+          </a:p>
+          <a:p>
+            <a:r>
+              <a:rPr lang="en-GB" dirty="0" smtClean="0"/>
+              <a:t>Shard is a </a:t>
+            </a:r>
+            <a:r>
+              <a:rPr lang="en-GB" dirty="0" err="1" smtClean="0"/>
+              <a:t>Lucene</a:t>
+            </a:r>
+            <a:r>
+              <a:rPr lang="en-GB" dirty="0" smtClean="0"/>
+              <a:t> Index which contains documents</a:t>
+            </a:r>
+          </a:p>
+          <a:p>
+            <a:r>
+              <a:rPr lang="en-GB" dirty="0" smtClean="0"/>
+              <a:t>Node: A single server which contains multiple shards</a:t>
+            </a:r>
+          </a:p>
+          <a:p>
+            <a:r>
+              <a:rPr lang="en-GB" dirty="0" smtClean="0"/>
+              <a:t>Cluster: A collections of Nodes</a:t>
+            </a:r>
+            <a:endParaRPr lang="en-US" dirty="0"/>
+          </a:p>
+        </p:txBody>
+      </p:sp>
+    </p:spTree>
+  </p:cSld>
+  <p:clrMapOvr>
+    <a:masterClrMapping/>
+  </p:clrMapOvr>
+</p:sld>
+</file>
+
+<file path=ppt/slides/slide50.xml><?xml version="1.0" encoding="utf-8"?>
+<p:sld xmlns:a="http://schemas.openxmlformats.org/drawingml/2006/main" xmlns:r="http://schemas.openxmlformats.org/officeDocument/2006/relationships" xmlns:p="http://schemas.openxmlformats.org/presentationml/2006/main">
+  <p:cSld>
+    <p:spTree>
+      <p:nvGrpSpPr>
+        <p:cNvPr id="1" name=""/>
+        <p:cNvGrpSpPr/>
+        <p:nvPr/>
+      </p:nvGrpSpPr>
+      <p:grpSpPr>
+        <a:xfrm>
+          <a:off x="0" y="0"/>
+          <a:ext cx="0" cy="0"/>
+          <a:chOff x="0" y="0"/>
+          <a:chExt cx="0" cy="0"/>
+        </a:xfrm>
+      </p:grpSpPr>
+      <p:sp>
+        <p:nvSpPr>
+          <p:cNvPr id="2" name="Title 1"/>
+          <p:cNvSpPr>
+            <a:spLocks noGrp="1"/>
+          </p:cNvSpPr>
+          <p:nvPr>
+            <p:ph type="title"/>
+          </p:nvPr>
+        </p:nvSpPr>
+        <p:spPr/>
+        <p:txBody>
+          <a:bodyPr/>
+          <a:lstStyle/>
+          <a:p>
+            <a:r>
+              <a:rPr lang="en-GB" dirty="0" smtClean="0"/>
+              <a:t>Update API</a:t>
+            </a:r>
+            <a:endParaRPr lang="en-US" dirty="0"/>
+          </a:p>
+        </p:txBody>
+      </p:sp>
+      <p:sp>
+        <p:nvSpPr>
+          <p:cNvPr id="3" name="Content Placeholder 2"/>
+          <p:cNvSpPr>
+            <a:spLocks noGrp="1"/>
+          </p:cNvSpPr>
+          <p:nvPr>
+            <p:ph idx="1"/>
+          </p:nvPr>
+        </p:nvSpPr>
+        <p:spPr/>
+        <p:txBody>
+          <a:bodyPr/>
+          <a:lstStyle/>
+          <a:p>
+            <a:r>
+              <a:rPr lang="en-GB" dirty="0" smtClean="0"/>
+              <a:t>In contrast to previous example</a:t>
+            </a:r>
+            <a:br>
+              <a:rPr lang="en-GB" dirty="0" smtClean="0"/>
+            </a:br>
+            <a:r>
+              <a:rPr lang="en-GB" dirty="0" smtClean="0"/>
+              <a:t/>
+            </a:r>
+            <a:br>
+              <a:rPr lang="en-GB" dirty="0" smtClean="0"/>
+            </a:br>
+            <a:r>
+              <a:rPr lang="en-GB" dirty="0" smtClean="0"/>
+              <a:t>Put &lt;index&gt;/_update/&lt;id&gt;</a:t>
+            </a:r>
+            <a:br>
+              <a:rPr lang="en-GB" dirty="0" smtClean="0"/>
+            </a:br>
+            <a:r>
+              <a:rPr lang="en-GB" dirty="0" smtClean="0"/>
+              <a:t>{</a:t>
+            </a:r>
+            <a:br>
+              <a:rPr lang="en-GB" dirty="0" smtClean="0"/>
+            </a:br>
+            <a:r>
+              <a:rPr lang="en-GB" dirty="0" smtClean="0"/>
+              <a:t>“doc”:</a:t>
+            </a:r>
+            <a:br>
+              <a:rPr lang="en-GB" dirty="0" smtClean="0"/>
+            </a:br>
+            <a:r>
+              <a:rPr lang="en-GB" dirty="0" smtClean="0"/>
+              <a:t>{</a:t>
+            </a:r>
+            <a:br>
+              <a:rPr lang="en-GB" dirty="0" smtClean="0"/>
+            </a:br>
+            <a:r>
+              <a:rPr lang="en-GB" dirty="0" smtClean="0"/>
+              <a:t>   //fields to update</a:t>
+            </a:r>
+            <a:br>
+              <a:rPr lang="en-GB" dirty="0" smtClean="0"/>
+            </a:br>
+            <a:r>
+              <a:rPr lang="en-GB" dirty="0" smtClean="0"/>
+              <a:t>}</a:t>
+            </a:r>
+            <a:br>
+              <a:rPr lang="en-GB" dirty="0" smtClean="0"/>
+            </a:br>
+            <a:r>
+              <a:rPr lang="en-GB" dirty="0" smtClean="0"/>
+              <a:t>}</a:t>
+            </a:r>
+            <a:endParaRPr lang="en-US" dirty="0"/>
+          </a:p>
+        </p:txBody>
+      </p:sp>
+    </p:spTree>
+  </p:cSld>
+  <p:clrMapOvr>
+    <a:masterClrMapping/>
+  </p:clrMapOvr>
+</p:sld>
+</file>
+
+<file path=ppt/slides/slide51.xml><?xml version="1.0" encoding="utf-8"?>
+<p:sld xmlns:a="http://schemas.openxmlformats.org/drawingml/2006/main" xmlns:r="http://schemas.openxmlformats.org/officeDocument/2006/relationships" xmlns:p="http://schemas.openxmlformats.org/presentationml/2006/main">
+  <p:cSld>
+    <p:spTree>
+      <p:nvGrpSpPr>
+        <p:cNvPr id="1" name=""/>
+        <p:cNvGrpSpPr/>
+        <p:nvPr/>
+      </p:nvGrpSpPr>
+      <p:grpSpPr>
+        <a:xfrm>
+          <a:off x="0" y="0"/>
+          <a:ext cx="0" cy="0"/>
+          <a:chOff x="0" y="0"/>
+          <a:chExt cx="0" cy="0"/>
+        </a:xfrm>
+      </p:grpSpPr>
+      <p:sp>
+        <p:nvSpPr>
+          <p:cNvPr id="2" name="Title 1"/>
+          <p:cNvSpPr>
+            <a:spLocks noGrp="1"/>
+          </p:cNvSpPr>
+          <p:nvPr>
+            <p:ph type="title"/>
+          </p:nvPr>
+        </p:nvSpPr>
+        <p:spPr/>
+        <p:txBody>
+          <a:bodyPr/>
+          <a:lstStyle/>
+          <a:p>
+            <a:r>
+              <a:rPr lang="en-GB" dirty="0" smtClean="0"/>
+              <a:t>Update By script</a:t>
+            </a:r>
+            <a:endParaRPr lang="en-US" dirty="0"/>
+          </a:p>
+        </p:txBody>
+      </p:sp>
+      <p:sp>
+        <p:nvSpPr>
+          <p:cNvPr id="3" name="Content Placeholder 2"/>
+          <p:cNvSpPr>
+            <a:spLocks noGrp="1"/>
+          </p:cNvSpPr>
+          <p:nvPr>
+            <p:ph idx="1"/>
+          </p:nvPr>
+        </p:nvSpPr>
+        <p:spPr/>
+        <p:txBody>
+          <a:bodyPr/>
+          <a:lstStyle/>
+          <a:p>
+            <a:r>
+              <a:rPr lang="en-US" dirty="0" smtClean="0"/>
+              <a:t>Post school/_update/10</a:t>
+            </a:r>
+            <a:br>
+              <a:rPr lang="en-US" dirty="0" smtClean="0"/>
+            </a:br>
+            <a:r>
+              <a:rPr lang="en-US" dirty="0" smtClean="0"/>
+              <a:t>{  </a:t>
+            </a:r>
+            <a:br>
+              <a:rPr lang="en-US" dirty="0" smtClean="0"/>
+            </a:br>
+            <a:r>
+              <a:rPr lang="en-US" dirty="0" smtClean="0"/>
+              <a:t>"script":  </a:t>
+            </a:r>
+            <a:br>
+              <a:rPr lang="en-US" dirty="0" smtClean="0"/>
+            </a:br>
+            <a:r>
+              <a:rPr lang="en-US" dirty="0" smtClean="0"/>
+              <a:t>{    </a:t>
+            </a:r>
+            <a:br>
+              <a:rPr lang="en-US" dirty="0" smtClean="0"/>
+            </a:br>
+            <a:r>
+              <a:rPr lang="en-US" dirty="0" smtClean="0"/>
+              <a:t>"source": "</a:t>
+            </a:r>
+            <a:r>
+              <a:rPr lang="en-US" dirty="0" err="1" smtClean="0"/>
+              <a:t>ctx._source.rating</a:t>
+            </a:r>
+            <a:r>
+              <a:rPr lang="en-US" dirty="0" smtClean="0"/>
+              <a:t> = </a:t>
+            </a:r>
+            <a:r>
+              <a:rPr lang="en-US" dirty="0" err="1" smtClean="0"/>
+              <a:t>Float.parseFloat</a:t>
+            </a:r>
+            <a:r>
+              <a:rPr lang="en-US" dirty="0" smtClean="0"/>
+              <a:t>(</a:t>
+            </a:r>
+            <a:r>
+              <a:rPr lang="en-US" dirty="0" err="1" smtClean="0"/>
+              <a:t>ctx._source.rating</a:t>
+            </a:r>
+            <a:r>
+              <a:rPr lang="en-US" dirty="0" smtClean="0"/>
+              <a:t>)+1 "  </a:t>
+            </a:r>
+            <a:br>
+              <a:rPr lang="en-US" dirty="0" smtClean="0"/>
+            </a:br>
+            <a:r>
+              <a:rPr lang="en-US" dirty="0" smtClean="0"/>
+              <a:t>}</a:t>
+            </a:r>
+            <a:br>
+              <a:rPr lang="en-US" dirty="0" smtClean="0"/>
+            </a:br>
+            <a:r>
+              <a:rPr lang="en-US" dirty="0" smtClean="0"/>
+              <a:t>}</a:t>
+            </a:r>
+            <a:endParaRPr lang="en-US" dirty="0"/>
+          </a:p>
+        </p:txBody>
+      </p:sp>
+    </p:spTree>
+  </p:cSld>
+  <p:clrMapOvr>
+    <a:masterClrMapping/>
+  </p:clrMapOvr>
+</p:sld>
+</file>
+
+<file path=ppt/slides/slide52.xml><?xml version="1.0" encoding="utf-8"?>
+<p:sld xmlns:a="http://schemas.openxmlformats.org/drawingml/2006/main" xmlns:r="http://schemas.openxmlformats.org/officeDocument/2006/relationships" xmlns:p="http://schemas.openxmlformats.org/presentationml/2006/main">
+  <p:cSld>
+    <p:spTree>
+      <p:nvGrpSpPr>
+        <p:cNvPr id="1" name=""/>
+        <p:cNvGrpSpPr/>
+        <p:nvPr/>
+      </p:nvGrpSpPr>
+      <p:grpSpPr>
+        <a:xfrm>
+          <a:off x="0" y="0"/>
+          <a:ext cx="0" cy="0"/>
+          <a:chOff x="0" y="0"/>
+          <a:chExt cx="0" cy="0"/>
+        </a:xfrm>
+      </p:grpSpPr>
+      <p:sp>
+        <p:nvSpPr>
+          <p:cNvPr id="2" name="Title 1"/>
+          <p:cNvSpPr>
+            <a:spLocks noGrp="1"/>
+          </p:cNvSpPr>
+          <p:nvPr>
+            <p:ph type="title"/>
+          </p:nvPr>
+        </p:nvSpPr>
+        <p:spPr/>
+        <p:txBody>
+          <a:bodyPr/>
+          <a:lstStyle/>
+          <a:p>
+            <a:r>
+              <a:rPr lang="en-GB" dirty="0" smtClean="0"/>
+              <a:t>Update by query</a:t>
+            </a:r>
+            <a:endParaRPr lang="en-US" dirty="0"/>
+          </a:p>
+        </p:txBody>
+      </p:sp>
+      <p:sp>
+        <p:nvSpPr>
+          <p:cNvPr id="3" name="Content Placeholder 2"/>
+          <p:cNvSpPr>
+            <a:spLocks noGrp="1"/>
+          </p:cNvSpPr>
+          <p:nvPr>
+            <p:ph idx="1"/>
+          </p:nvPr>
+        </p:nvSpPr>
+        <p:spPr/>
+        <p:txBody>
+          <a:bodyPr/>
+          <a:lstStyle/>
+          <a:p>
+            <a:r>
+              <a:rPr lang="en-US" dirty="0" smtClean="0"/>
+              <a:t>Post school/_</a:t>
+            </a:r>
+            <a:r>
+              <a:rPr lang="en-US" dirty="0" err="1" smtClean="0"/>
+              <a:t>update_by_query</a:t>
+            </a:r>
+            <a:r>
+              <a:rPr lang="en-US" dirty="0" smtClean="0"/>
+              <a:t/>
+            </a:r>
+            <a:br>
+              <a:rPr lang="en-US" dirty="0" smtClean="0"/>
+            </a:br>
+            <a:r>
+              <a:rPr lang="en-US" dirty="0" smtClean="0"/>
+              <a:t>{  "script":  </a:t>
+            </a:r>
+            <a:br>
+              <a:rPr lang="en-US" dirty="0" smtClean="0"/>
+            </a:br>
+            <a:r>
+              <a:rPr lang="en-US" dirty="0" smtClean="0"/>
+              <a:t>{    </a:t>
+            </a:r>
+            <a:br>
+              <a:rPr lang="en-US" dirty="0" smtClean="0"/>
+            </a:br>
+            <a:r>
+              <a:rPr lang="en-US" dirty="0" smtClean="0"/>
+              <a:t>"source": "</a:t>
+            </a:r>
+            <a:r>
+              <a:rPr lang="en-US" dirty="0" err="1" smtClean="0"/>
+              <a:t>ctx._source.rating</a:t>
+            </a:r>
+            <a:r>
+              <a:rPr lang="en-US" dirty="0" smtClean="0"/>
+              <a:t> = </a:t>
+            </a:r>
+            <a:r>
+              <a:rPr lang="en-US" dirty="0" err="1" smtClean="0"/>
+              <a:t>Float.parseFloat</a:t>
+            </a:r>
+            <a:r>
+              <a:rPr lang="en-US" dirty="0" smtClean="0"/>
+              <a:t>(</a:t>
+            </a:r>
+            <a:r>
+              <a:rPr lang="en-US" dirty="0" err="1" smtClean="0"/>
+              <a:t>ctx._source.rating</a:t>
+            </a:r>
+            <a:r>
+              <a:rPr lang="en-US" dirty="0" smtClean="0"/>
+              <a:t>)+1 "  </a:t>
+            </a:r>
+            <a:br>
+              <a:rPr lang="en-US" dirty="0" smtClean="0"/>
+            </a:br>
+            <a:r>
+              <a:rPr lang="en-US" dirty="0" smtClean="0"/>
+              <a:t>},  </a:t>
+            </a:r>
+            <a:br>
+              <a:rPr lang="en-US" dirty="0" smtClean="0"/>
+            </a:br>
+            <a:r>
+              <a:rPr lang="en-US" dirty="0" smtClean="0"/>
+              <a:t>"query":  </a:t>
+            </a:r>
+            <a:br>
+              <a:rPr lang="en-US" dirty="0" smtClean="0"/>
+            </a:br>
+            <a:r>
+              <a:rPr lang="en-US" dirty="0" smtClean="0"/>
+              <a:t>{    </a:t>
+            </a:r>
+            <a:br>
+              <a:rPr lang="en-US" dirty="0" smtClean="0"/>
+            </a:br>
+            <a:r>
+              <a:rPr lang="en-US" dirty="0" smtClean="0"/>
+              <a:t>"match": {      "_id": 11    }  }}</a:t>
+            </a:r>
+            <a:endParaRPr lang="en-US" dirty="0"/>
+          </a:p>
+        </p:txBody>
+      </p:sp>
+    </p:spTree>
+  </p:cSld>
+  <p:clrMapOvr>
+    <a:masterClrMapping/>
+  </p:clrMapOvr>
+</p:sld>
+</file>
+
+<file path=ppt/slides/slide53.xml><?xml version="1.0" encoding="utf-8"?>
+<p:sld xmlns:a="http://schemas.openxmlformats.org/drawingml/2006/main" xmlns:r="http://schemas.openxmlformats.org/officeDocument/2006/relationships" xmlns:p="http://schemas.openxmlformats.org/presentationml/2006/main">
+  <p:cSld>
+    <p:spTree>
+      <p:nvGrpSpPr>
+        <p:cNvPr id="1" name=""/>
+        <p:cNvGrpSpPr/>
+        <p:nvPr/>
+      </p:nvGrpSpPr>
+      <p:grpSpPr>
+        <a:xfrm>
+          <a:off x="0" y="0"/>
+          <a:ext cx="0" cy="0"/>
+          <a:chOff x="0" y="0"/>
+          <a:chExt cx="0" cy="0"/>
+        </a:xfrm>
+      </p:grpSpPr>
+      <p:sp>
+        <p:nvSpPr>
+          <p:cNvPr id="2" name="Title 1"/>
+          <p:cNvSpPr>
+            <a:spLocks noGrp="1"/>
+          </p:cNvSpPr>
+          <p:nvPr>
+            <p:ph type="title"/>
+          </p:nvPr>
+        </p:nvSpPr>
+        <p:spPr/>
+        <p:txBody>
+          <a:bodyPr/>
+          <a:lstStyle/>
+          <a:p>
+            <a:r>
+              <a:rPr lang="en-GB" dirty="0" smtClean="0"/>
+              <a:t>Delete Doc</a:t>
+            </a:r>
+            <a:endParaRPr lang="en-US" dirty="0"/>
+          </a:p>
+        </p:txBody>
+      </p:sp>
+      <p:sp>
+        <p:nvSpPr>
+          <p:cNvPr id="3" name="Content Placeholder 2"/>
+          <p:cNvSpPr>
+            <a:spLocks noGrp="1"/>
+          </p:cNvSpPr>
+          <p:nvPr>
+            <p:ph idx="1"/>
+          </p:nvPr>
+        </p:nvSpPr>
+        <p:spPr/>
+        <p:txBody>
+          <a:bodyPr/>
+          <a:lstStyle/>
+          <a:p>
+            <a:r>
+              <a:rPr lang="en-GB" dirty="0" smtClean="0"/>
+              <a:t>Delete by query</a:t>
+            </a:r>
+          </a:p>
+          <a:p>
+            <a:r>
+              <a:rPr lang="en-GB" dirty="0" smtClean="0"/>
+              <a:t>Delete by id</a:t>
+            </a:r>
+            <a:br>
+              <a:rPr lang="en-GB" dirty="0" smtClean="0"/>
+            </a:br>
+            <a:r>
+              <a:rPr lang="en-GB" dirty="0" smtClean="0"/>
+              <a:t/>
+            </a:r>
+            <a:br>
+              <a:rPr lang="en-GB" dirty="0" smtClean="0"/>
+            </a:br>
+            <a:r>
+              <a:rPr lang="en-GB" dirty="0" smtClean="0"/>
+              <a:t>delete &lt;index&gt;/_doc/&lt;id&gt;</a:t>
+            </a:r>
+            <a:endParaRPr lang="en-US" dirty="0"/>
+          </a:p>
+        </p:txBody>
+      </p:sp>
+    </p:spTree>
+  </p:cSld>
+  <p:clrMapOvr>
+    <a:masterClrMapping/>
+  </p:clrMapOvr>
+</p:sld>
+</file>
+
+<file path=ppt/slides/slide54.xml><?xml version="1.0" encoding="utf-8"?>
+<p:sld xmlns:a="http://schemas.openxmlformats.org/drawingml/2006/main" xmlns:r="http://schemas.openxmlformats.org/officeDocument/2006/relationships" xmlns:p="http://schemas.openxmlformats.org/presentationml/2006/main">
+  <p:cSld>
+    <p:spTree>
+      <p:nvGrpSpPr>
+        <p:cNvPr id="1" name=""/>
+        <p:cNvGrpSpPr/>
+        <p:nvPr/>
+      </p:nvGrpSpPr>
+      <p:grpSpPr>
+        <a:xfrm>
+          <a:off x="0" y="0"/>
+          <a:ext cx="0" cy="0"/>
+          <a:chOff x="0" y="0"/>
+          <a:chExt cx="0" cy="0"/>
+        </a:xfrm>
+      </p:grpSpPr>
+      <p:sp>
+        <p:nvSpPr>
+          <p:cNvPr id="2" name="Title 1"/>
+          <p:cNvSpPr>
+            <a:spLocks noGrp="1"/>
+          </p:cNvSpPr>
+          <p:nvPr>
+            <p:ph type="title"/>
+          </p:nvPr>
+        </p:nvSpPr>
+        <p:spPr/>
+        <p:txBody>
+          <a:bodyPr/>
+          <a:lstStyle/>
+          <a:p>
+            <a:r>
+              <a:rPr lang="en-GB" dirty="0" smtClean="0"/>
+              <a:t>Retrieve Doc by Id</a:t>
+            </a:r>
+            <a:endParaRPr lang="en-US" dirty="0"/>
+          </a:p>
+        </p:txBody>
+      </p:sp>
+      <p:sp>
+        <p:nvSpPr>
+          <p:cNvPr id="3" name="Content Placeholder 2"/>
+          <p:cNvSpPr>
+            <a:spLocks noGrp="1"/>
+          </p:cNvSpPr>
+          <p:nvPr>
+            <p:ph idx="1"/>
+          </p:nvPr>
+        </p:nvSpPr>
+        <p:spPr/>
+        <p:txBody>
+          <a:bodyPr/>
+          <a:lstStyle/>
+          <a:p>
+            <a:r>
+              <a:rPr lang="en-US" dirty="0" smtClean="0"/>
+              <a:t>GET &lt;index&gt;/_doc/&lt;id&gt;</a:t>
+            </a:r>
+            <a:endParaRPr lang="en-US" dirty="0"/>
+          </a:p>
+        </p:txBody>
+      </p:sp>
+    </p:spTree>
+  </p:cSld>
+  <p:clrMapOvr>
+    <a:masterClrMapping/>
+  </p:clrMapOvr>
+</p:sld>
+</file>
+
+<file path=ppt/slides/slide55.xml><?xml version="1.0" encoding="utf-8"?>
 <p:sld xmlns:a="http://schemas.openxmlformats.org/drawingml/2006/main" xmlns:r="http://schemas.openxmlformats.org/officeDocument/2006/relationships" xmlns:p="http://schemas.openxmlformats.org/presentationml/2006/main">
   <p:cSld>
     <p:spTree>
@@ -6002,7 +9274,7 @@
 </p:sld>
 </file>
 
-<file path=ppt/slides/slide39.xml><?xml version="1.0" encoding="utf-8"?>
+<file path=ppt/slides/slide56.xml><?xml version="1.0" encoding="utf-8"?>
 <p:sld xmlns:a="http://schemas.openxmlformats.org/drawingml/2006/main" xmlns:r="http://schemas.openxmlformats.org/officeDocument/2006/relationships" xmlns:p="http://schemas.openxmlformats.org/presentationml/2006/main">
   <p:cSld>
     <p:spTree>
@@ -6091,7 +9363,7 @@
 </p:sld>
 </file>
 
-<file path=ppt/slides/slide4.xml><?xml version="1.0" encoding="utf-8"?>
+<file path=ppt/slides/slide57.xml><?xml version="1.0" encoding="utf-8"?>
 <p:sld xmlns:a="http://schemas.openxmlformats.org/drawingml/2006/main" xmlns:r="http://schemas.openxmlformats.org/officeDocument/2006/relationships" xmlns:p="http://schemas.openxmlformats.org/presentationml/2006/main">
   <p:cSld>
     <p:spTree>
@@ -6115,92 +9387,6 @@
             <a:spLocks noGrp="1"/>
           </p:cNvSpPr>
           <p:nvPr>
-            <p:ph type="ctrTitle"/>
-          </p:nvPr>
-        </p:nvSpPr>
-        <p:spPr/>
-        <p:txBody>
-          <a:bodyPr/>
-          <a:lstStyle/>
-          <a:p>
-            <a:r>
-              <a:rPr lang="en-GB" dirty="0" smtClean="0"/>
-              <a:t>Installing </a:t>
-            </a:r>
-            <a:r>
-              <a:rPr lang="en-GB" dirty="0" err="1" smtClean="0"/>
-              <a:t>ElasticSearch</a:t>
-            </a:r>
-            <a:r>
-              <a:rPr lang="en-GB" dirty="0" smtClean="0"/>
-              <a:t> Using </a:t>
-            </a:r>
-            <a:r>
-              <a:rPr lang="en-GB" dirty="0" err="1" smtClean="0"/>
-              <a:t>Docker</a:t>
-            </a:r>
-            <a:endParaRPr lang="en-US" dirty="0"/>
-          </a:p>
-        </p:txBody>
-      </p:sp>
-      <p:sp>
-        <p:nvSpPr>
-          <p:cNvPr id="3" name="Subtitle 2"/>
-          <p:cNvSpPr>
-            <a:spLocks noGrp="1"/>
-          </p:cNvSpPr>
-          <p:nvPr>
-            <p:ph type="subTitle" idx="1"/>
-          </p:nvPr>
-        </p:nvSpPr>
-        <p:spPr/>
-        <p:txBody>
-          <a:bodyPr/>
-          <a:lstStyle/>
-          <a:p>
-            <a:endParaRPr lang="en-US" dirty="0"/>
-          </a:p>
-        </p:txBody>
-      </p:sp>
-    </p:spTree>
-  </p:cSld>
-  <p:clrMapOvr>
-    <a:masterClrMapping/>
-  </p:clrMapOvr>
-  <p:timing>
-    <p:tnLst>
-      <p:par>
-        <p:cTn id="1" dur="indefinite" restart="never" nodeType="tmRoot"/>
-      </p:par>
-    </p:tnLst>
-  </p:timing>
-</p:sld>
-</file>
-
-<file path=ppt/slides/slide40.xml><?xml version="1.0" encoding="utf-8"?>
-<p:sld xmlns:a="http://schemas.openxmlformats.org/drawingml/2006/main" xmlns:r="http://schemas.openxmlformats.org/officeDocument/2006/relationships" xmlns:p="http://schemas.openxmlformats.org/presentationml/2006/main">
-  <p:cSld>
-    <p:spTree>
-      <p:nvGrpSpPr>
-        <p:cNvPr id="1" name=""/>
-        <p:cNvGrpSpPr/>
-        <p:nvPr/>
-      </p:nvGrpSpPr>
-      <p:grpSpPr>
-        <a:xfrm>
-          <a:off x="0" y="0"/>
-          <a:ext cx="0" cy="0"/>
-          <a:chOff x="0" y="0"/>
-          <a:chExt cx="0" cy="0"/>
-        </a:xfrm>
-      </p:grpSpPr>
-      <p:sp>
-        <p:nvSpPr>
-          <p:cNvPr id="2" name="Title 1"/>
-          <p:cNvSpPr>
-            <a:spLocks noGrp="1"/>
-          </p:cNvSpPr>
-          <p:nvPr>
             <p:ph type="title"/>
           </p:nvPr>
         </p:nvSpPr>
@@ -6246,7 +9432,7 @@
 </p:sld>
 </file>
 
-<file path=ppt/slides/slide41.xml><?xml version="1.0" encoding="utf-8"?>
+<file path=ppt/slides/slide58.xml><?xml version="1.0" encoding="utf-8"?>
 <p:sld xmlns:a="http://schemas.openxmlformats.org/drawingml/2006/main" xmlns:r="http://schemas.openxmlformats.org/officeDocument/2006/relationships" xmlns:p="http://schemas.openxmlformats.org/presentationml/2006/main">
   <p:cSld>
     <p:spTree>
@@ -6313,7 +9499,7 @@
 </p:sld>
 </file>
 
-<file path=ppt/slides/slide42.xml><?xml version="1.0" encoding="utf-8"?>
+<file path=ppt/slides/slide59.xml><?xml version="1.0" encoding="utf-8"?>
 <p:sld xmlns:a="http://schemas.openxmlformats.org/drawingml/2006/main" xmlns:r="http://schemas.openxmlformats.org/officeDocument/2006/relationships" xmlns:p="http://schemas.openxmlformats.org/presentationml/2006/main">
   <p:cSld>
     <p:spTree>
@@ -6369,1345 +9555,6 @@
                 <a:hlinkClick r:id="rId2"/>
               </a:rPr>
               <a:t>http://askjonskeet.com/</a:t>
-            </a:r>
-            <a:endParaRPr lang="en-US" dirty="0"/>
-          </a:p>
-        </p:txBody>
-      </p:sp>
-    </p:spTree>
-  </p:cSld>
-  <p:clrMapOvr>
-    <a:masterClrMapping/>
-  </p:clrMapOvr>
-</p:sld>
-</file>
-
-<file path=ppt/slides/slide43.xml><?xml version="1.0" encoding="utf-8"?>
-<p:sld xmlns:a="http://schemas.openxmlformats.org/drawingml/2006/main" xmlns:r="http://schemas.openxmlformats.org/officeDocument/2006/relationships" xmlns:p="http://schemas.openxmlformats.org/presentationml/2006/main">
-  <p:cSld>
-    <p:spTree>
-      <p:nvGrpSpPr>
-        <p:cNvPr id="1" name=""/>
-        <p:cNvGrpSpPr/>
-        <p:nvPr/>
-      </p:nvGrpSpPr>
-      <p:grpSpPr>
-        <a:xfrm>
-          <a:off x="0" y="0"/>
-          <a:ext cx="0" cy="0"/>
-          <a:chOff x="0" y="0"/>
-          <a:chExt cx="0" cy="0"/>
-        </a:xfrm>
-      </p:grpSpPr>
-      <p:sp>
-        <p:nvSpPr>
-          <p:cNvPr id="2" name="Title 1"/>
-          <p:cNvSpPr>
-            <a:spLocks noGrp="1"/>
-          </p:cNvSpPr>
-          <p:nvPr>
-            <p:ph type="title"/>
-          </p:nvPr>
-        </p:nvSpPr>
-        <p:spPr/>
-        <p:txBody>
-          <a:bodyPr/>
-          <a:lstStyle/>
-          <a:p>
-            <a:r>
-              <a:rPr lang="en-GB" dirty="0" smtClean="0"/>
-              <a:t>Match Queries</a:t>
-            </a:r>
-            <a:endParaRPr lang="en-US" dirty="0"/>
-          </a:p>
-        </p:txBody>
-      </p:sp>
-      <p:sp>
-        <p:nvSpPr>
-          <p:cNvPr id="3" name="Content Placeholder 2"/>
-          <p:cNvSpPr>
-            <a:spLocks noGrp="1"/>
-          </p:cNvSpPr>
-          <p:nvPr>
-            <p:ph idx="1"/>
-          </p:nvPr>
-        </p:nvSpPr>
-        <p:spPr/>
-        <p:txBody>
-          <a:bodyPr/>
-          <a:lstStyle/>
-          <a:p>
-            <a:endParaRPr lang="en-US"/>
-          </a:p>
-        </p:txBody>
-      </p:sp>
-    </p:spTree>
-  </p:cSld>
-  <p:clrMapOvr>
-    <a:masterClrMapping/>
-  </p:clrMapOvr>
-</p:sld>
-</file>
-
-<file path=ppt/slides/slide44.xml><?xml version="1.0" encoding="utf-8"?>
-<p:sld xmlns:a="http://schemas.openxmlformats.org/drawingml/2006/main" xmlns:r="http://schemas.openxmlformats.org/officeDocument/2006/relationships" xmlns:p="http://schemas.openxmlformats.org/presentationml/2006/main">
-  <p:cSld>
-    <p:spTree>
-      <p:nvGrpSpPr>
-        <p:cNvPr id="1" name=""/>
-        <p:cNvGrpSpPr/>
-        <p:nvPr/>
-      </p:nvGrpSpPr>
-      <p:grpSpPr>
-        <a:xfrm>
-          <a:off x="0" y="0"/>
-          <a:ext cx="0" cy="0"/>
-          <a:chOff x="0" y="0"/>
-          <a:chExt cx="0" cy="0"/>
-        </a:xfrm>
-      </p:grpSpPr>
-      <p:sp>
-        <p:nvSpPr>
-          <p:cNvPr id="2" name="Title 1"/>
-          <p:cNvSpPr>
-            <a:spLocks noGrp="1"/>
-          </p:cNvSpPr>
-          <p:nvPr>
-            <p:ph type="title"/>
-          </p:nvPr>
-        </p:nvSpPr>
-        <p:spPr/>
-        <p:txBody>
-          <a:bodyPr/>
-          <a:lstStyle/>
-          <a:p>
-            <a:endParaRPr lang="en-US"/>
-          </a:p>
-        </p:txBody>
-      </p:sp>
-      <p:sp>
-        <p:nvSpPr>
-          <p:cNvPr id="3" name="Content Placeholder 2"/>
-          <p:cNvSpPr>
-            <a:spLocks noGrp="1"/>
-          </p:cNvSpPr>
-          <p:nvPr>
-            <p:ph idx="1"/>
-          </p:nvPr>
-        </p:nvSpPr>
-        <p:spPr/>
-        <p:txBody>
-          <a:bodyPr/>
-          <a:lstStyle/>
-          <a:p>
-            <a:r>
-              <a:rPr lang="en-GB" dirty="0" smtClean="0"/>
-              <a:t>Questions answered by </a:t>
-            </a:r>
-            <a:r>
-              <a:rPr lang="en-GB" dirty="0" err="1" smtClean="0"/>
-              <a:t>JonSkeet</a:t>
-            </a:r>
-            <a:r>
-              <a:rPr lang="en-GB" dirty="0" smtClean="0"/>
-              <a:t/>
-            </a:r>
-            <a:br>
-              <a:rPr lang="en-GB" dirty="0" smtClean="0"/>
-            </a:br>
-            <a:r>
-              <a:rPr lang="en-GB" dirty="0" smtClean="0"/>
-              <a:t/>
-            </a:r>
-            <a:br>
-              <a:rPr lang="en-GB" dirty="0" smtClean="0"/>
-            </a:br>
-            <a:r>
-              <a:rPr lang="en-GB" dirty="0" smtClean="0"/>
-              <a:t>Get </a:t>
-            </a:r>
-            <a:r>
-              <a:rPr lang="en-GB" dirty="0" err="1" smtClean="0"/>
-              <a:t>stackoverflow</a:t>
-            </a:r>
-            <a:r>
-              <a:rPr lang="en-GB" dirty="0" smtClean="0"/>
-              <a:t>/_search{  "query":  {    "match": {      "</a:t>
-            </a:r>
-            <a:r>
-              <a:rPr lang="en-GB" dirty="0" err="1" smtClean="0"/>
-              <a:t>owneruserid</a:t>
-            </a:r>
-            <a:r>
-              <a:rPr lang="en-GB" dirty="0" smtClean="0"/>
-              <a:t>": "22656"    }  }}</a:t>
-            </a:r>
-            <a:endParaRPr lang="en-US" dirty="0"/>
-          </a:p>
-        </p:txBody>
-      </p:sp>
-    </p:spTree>
-  </p:cSld>
-  <p:clrMapOvr>
-    <a:masterClrMapping/>
-  </p:clrMapOvr>
-</p:sld>
-</file>
-
-<file path=ppt/slides/slide45.xml><?xml version="1.0" encoding="utf-8"?>
-<p:sld xmlns:a="http://schemas.openxmlformats.org/drawingml/2006/main" xmlns:r="http://schemas.openxmlformats.org/officeDocument/2006/relationships" xmlns:p="http://schemas.openxmlformats.org/presentationml/2006/main">
-  <p:cSld>
-    <p:spTree>
-      <p:nvGrpSpPr>
-        <p:cNvPr id="1" name=""/>
-        <p:cNvGrpSpPr/>
-        <p:nvPr/>
-      </p:nvGrpSpPr>
-      <p:grpSpPr>
-        <a:xfrm>
-          <a:off x="0" y="0"/>
-          <a:ext cx="0" cy="0"/>
-          <a:chOff x="0" y="0"/>
-          <a:chExt cx="0" cy="0"/>
-        </a:xfrm>
-      </p:grpSpPr>
-      <p:sp>
-        <p:nvSpPr>
-          <p:cNvPr id="2" name="Title 1"/>
-          <p:cNvSpPr>
-            <a:spLocks noGrp="1"/>
-          </p:cNvSpPr>
-          <p:nvPr>
-            <p:ph type="title"/>
-          </p:nvPr>
-        </p:nvSpPr>
-        <p:spPr/>
-        <p:txBody>
-          <a:bodyPr/>
-          <a:lstStyle/>
-          <a:p>
-            <a:r>
-              <a:rPr lang="en-GB" dirty="0" smtClean="0"/>
-              <a:t>Match Phrase</a:t>
-            </a:r>
-            <a:endParaRPr lang="en-US" dirty="0"/>
-          </a:p>
-        </p:txBody>
-      </p:sp>
-      <p:sp>
-        <p:nvSpPr>
-          <p:cNvPr id="3" name="Content Placeholder 2"/>
-          <p:cNvSpPr>
-            <a:spLocks noGrp="1"/>
-          </p:cNvSpPr>
-          <p:nvPr>
-            <p:ph idx="1"/>
-          </p:nvPr>
-        </p:nvSpPr>
-        <p:spPr/>
-        <p:txBody>
-          <a:bodyPr>
-            <a:normAutofit fontScale="77500" lnSpcReduction="20000"/>
-          </a:bodyPr>
-          <a:lstStyle/>
-          <a:p>
-            <a:r>
-              <a:rPr lang="en-GB" dirty="0" smtClean="0"/>
-              <a:t/>
-            </a:r>
-            <a:br>
-              <a:rPr lang="en-GB" dirty="0" smtClean="0"/>
-            </a:br>
-            <a:r>
-              <a:rPr lang="en-GB" dirty="0" smtClean="0"/>
-              <a:t>The </a:t>
-            </a:r>
-            <a:r>
-              <a:rPr lang="en-GB" dirty="0" err="1" smtClean="0"/>
-              <a:t>match_phrase</a:t>
-            </a:r>
-            <a:r>
-              <a:rPr lang="en-GB" dirty="0" smtClean="0"/>
-              <a:t> query analyzes the text and creates a phrase query out of the analyzed text</a:t>
-            </a:r>
-            <a:r>
-              <a:rPr lang="en-GB" dirty="0" smtClean="0"/>
-              <a:t>.</a:t>
-            </a:r>
-            <a:br>
-              <a:rPr lang="en-GB" dirty="0" smtClean="0"/>
-            </a:br>
-            <a:r>
-              <a:rPr lang="en-GB" dirty="0" smtClean="0"/>
-              <a:t/>
-            </a:r>
-            <a:br>
-              <a:rPr lang="en-GB" dirty="0" smtClean="0"/>
-            </a:br>
-            <a:r>
-              <a:rPr lang="en-GB" dirty="0" smtClean="0"/>
-              <a:t>GET </a:t>
-            </a:r>
-            <a:r>
-              <a:rPr lang="en-GB" dirty="0" smtClean="0"/>
-              <a:t>/</a:t>
-            </a:r>
-            <a:r>
-              <a:rPr lang="en-GB" dirty="0" err="1" smtClean="0"/>
-              <a:t>stackoverflow</a:t>
-            </a:r>
-            <a:r>
-              <a:rPr lang="en-GB" dirty="0" smtClean="0"/>
-              <a:t>/_search</a:t>
-            </a:r>
-          </a:p>
-          <a:p>
-            <a:pPr>
-              <a:buNone/>
-            </a:pPr>
-            <a:r>
-              <a:rPr lang="en-GB" dirty="0" smtClean="0"/>
-              <a:t>{</a:t>
-            </a:r>
-          </a:p>
-          <a:p>
-            <a:pPr>
-              <a:buNone/>
-            </a:pPr>
-            <a:r>
-              <a:rPr lang="en-GB" dirty="0" smtClean="0"/>
-              <a:t>  "query": {</a:t>
-            </a:r>
-          </a:p>
-          <a:p>
-            <a:pPr>
-              <a:buNone/>
-            </a:pPr>
-            <a:r>
-              <a:rPr lang="en-GB" dirty="0" smtClean="0"/>
-              <a:t>    "</a:t>
-            </a:r>
-            <a:r>
-              <a:rPr lang="en-GB" dirty="0" err="1" smtClean="0"/>
-              <a:t>match_phrase</a:t>
-            </a:r>
-            <a:r>
-              <a:rPr lang="en-GB" dirty="0" smtClean="0"/>
-              <a:t>": {</a:t>
-            </a:r>
-          </a:p>
-          <a:p>
-            <a:pPr>
-              <a:buNone/>
-            </a:pPr>
-            <a:r>
-              <a:rPr lang="en-GB" dirty="0" smtClean="0"/>
-              <a:t>      "body": "This should do"</a:t>
-            </a:r>
-          </a:p>
-          <a:p>
-            <a:pPr>
-              <a:buNone/>
-            </a:pPr>
-            <a:r>
-              <a:rPr lang="en-GB" dirty="0" smtClean="0"/>
-              <a:t>    }</a:t>
-            </a:r>
-          </a:p>
-          <a:p>
-            <a:pPr>
-              <a:buNone/>
-            </a:pPr>
-            <a:r>
-              <a:rPr lang="en-GB" dirty="0" smtClean="0"/>
-              <a:t>  }</a:t>
-            </a:r>
-          </a:p>
-          <a:p>
-            <a:pPr>
-              <a:buNone/>
-            </a:pPr>
-            <a:r>
-              <a:rPr lang="en-GB" dirty="0" smtClean="0"/>
-              <a:t>}</a:t>
-            </a:r>
-            <a:endParaRPr lang="en-US" dirty="0"/>
-          </a:p>
-        </p:txBody>
-      </p:sp>
-    </p:spTree>
-  </p:cSld>
-  <p:clrMapOvr>
-    <a:masterClrMapping/>
-  </p:clrMapOvr>
-</p:sld>
-</file>
-
-<file path=ppt/slides/slide46.xml><?xml version="1.0" encoding="utf-8"?>
-<p:sld xmlns:a="http://schemas.openxmlformats.org/drawingml/2006/main" xmlns:r="http://schemas.openxmlformats.org/officeDocument/2006/relationships" xmlns:p="http://schemas.openxmlformats.org/presentationml/2006/main">
-  <p:cSld>
-    <p:spTree>
-      <p:nvGrpSpPr>
-        <p:cNvPr id="1" name=""/>
-        <p:cNvGrpSpPr/>
-        <p:nvPr/>
-      </p:nvGrpSpPr>
-      <p:grpSpPr>
-        <a:xfrm>
-          <a:off x="0" y="0"/>
-          <a:ext cx="0" cy="0"/>
-          <a:chOff x="0" y="0"/>
-          <a:chExt cx="0" cy="0"/>
-        </a:xfrm>
-      </p:grpSpPr>
-      <p:sp>
-        <p:nvSpPr>
-          <p:cNvPr id="2" name="Title 1"/>
-          <p:cNvSpPr>
-            <a:spLocks noGrp="1"/>
-          </p:cNvSpPr>
-          <p:nvPr>
-            <p:ph type="title"/>
-          </p:nvPr>
-        </p:nvSpPr>
-        <p:spPr/>
-        <p:txBody>
-          <a:bodyPr>
-            <a:normAutofit fontScale="90000"/>
-          </a:bodyPr>
-          <a:lstStyle/>
-          <a:p>
-            <a:r>
-              <a:rPr lang="en-GB" dirty="0" smtClean="0"/>
-              <a:t>Get All questions/</a:t>
-            </a:r>
-            <a:r>
-              <a:rPr lang="en-GB" dirty="0" err="1" smtClean="0"/>
-              <a:t>ans</a:t>
-            </a:r>
-            <a:r>
-              <a:rPr lang="en-GB" dirty="0" smtClean="0"/>
-              <a:t> by Jon Skeet and has Tags</a:t>
-            </a:r>
-            <a:endParaRPr lang="en-US" dirty="0"/>
-          </a:p>
-        </p:txBody>
-      </p:sp>
-      <p:sp>
-        <p:nvSpPr>
-          <p:cNvPr id="3" name="Content Placeholder 2"/>
-          <p:cNvSpPr>
-            <a:spLocks noGrp="1"/>
-          </p:cNvSpPr>
-          <p:nvPr>
-            <p:ph idx="1"/>
-          </p:nvPr>
-        </p:nvSpPr>
-        <p:spPr/>
-        <p:txBody>
-          <a:bodyPr/>
-          <a:lstStyle/>
-          <a:p>
-            <a:r>
-              <a:rPr lang="en-US" dirty="0" smtClean="0"/>
-              <a:t>Get </a:t>
-            </a:r>
-            <a:r>
-              <a:rPr lang="en-US" dirty="0" err="1" smtClean="0"/>
-              <a:t>stackoverflow</a:t>
-            </a:r>
-            <a:r>
-              <a:rPr lang="en-US" dirty="0" smtClean="0"/>
-              <a:t>/_search{  "query":  {    "</a:t>
-            </a:r>
-            <a:r>
-              <a:rPr lang="en-US" dirty="0" err="1" smtClean="0"/>
-              <a:t>bool</a:t>
-            </a:r>
-            <a:r>
-              <a:rPr lang="en-US" dirty="0" smtClean="0"/>
-              <a:t>": {      "must": [        {          "match": {            "</a:t>
-            </a:r>
-            <a:r>
-              <a:rPr lang="en-US" dirty="0" err="1" smtClean="0"/>
-              <a:t>owneruserid</a:t>
-            </a:r>
-            <a:r>
-              <a:rPr lang="en-US" dirty="0" smtClean="0"/>
-              <a:t>": "22656"          }        },        {          "exists": {            "field": "tags"          }        }      ]    }  }}</a:t>
-            </a:r>
-            <a:br>
-              <a:rPr lang="en-US" dirty="0" smtClean="0"/>
-            </a:br>
-            <a:r>
-              <a:rPr lang="en-US" dirty="0" smtClean="0"/>
-              <a:t/>
-            </a:r>
-            <a:br>
-              <a:rPr lang="en-US" dirty="0" smtClean="0"/>
-            </a:br>
-            <a:r>
-              <a:rPr lang="en-GB" dirty="0" smtClean="0"/>
-              <a:t>select * from Posts where </a:t>
-            </a:r>
-            <a:r>
-              <a:rPr lang="en-GB" dirty="0" err="1" smtClean="0"/>
-              <a:t>owneruserid</a:t>
-            </a:r>
-            <a:r>
-              <a:rPr lang="en-GB" dirty="0" smtClean="0"/>
-              <a:t>=22656 and Tags is not null</a:t>
-            </a:r>
-            <a:endParaRPr lang="en-US" dirty="0"/>
-          </a:p>
-        </p:txBody>
-      </p:sp>
-    </p:spTree>
-  </p:cSld>
-  <p:clrMapOvr>
-    <a:masterClrMapping/>
-  </p:clrMapOvr>
-</p:sld>
-</file>
-
-<file path=ppt/slides/slide47.xml><?xml version="1.0" encoding="utf-8"?>
-<p:sld xmlns:a="http://schemas.openxmlformats.org/drawingml/2006/main" xmlns:r="http://schemas.openxmlformats.org/officeDocument/2006/relationships" xmlns:p="http://schemas.openxmlformats.org/presentationml/2006/main">
-  <p:cSld>
-    <p:spTree>
-      <p:nvGrpSpPr>
-        <p:cNvPr id="1" name=""/>
-        <p:cNvGrpSpPr/>
-        <p:nvPr/>
-      </p:nvGrpSpPr>
-      <p:grpSpPr>
-        <a:xfrm>
-          <a:off x="0" y="0"/>
-          <a:ext cx="0" cy="0"/>
-          <a:chOff x="0" y="0"/>
-          <a:chExt cx="0" cy="0"/>
-        </a:xfrm>
-      </p:grpSpPr>
-      <p:sp>
-        <p:nvSpPr>
-          <p:cNvPr id="2" name="Title 1"/>
-          <p:cNvSpPr>
-            <a:spLocks noGrp="1"/>
-          </p:cNvSpPr>
-          <p:nvPr>
-            <p:ph type="title"/>
-          </p:nvPr>
-        </p:nvSpPr>
-        <p:spPr/>
-        <p:txBody>
-          <a:bodyPr/>
-          <a:lstStyle/>
-          <a:p>
-            <a:r>
-              <a:rPr lang="en-GB" dirty="0" err="1" smtClean="0"/>
-              <a:t>Bool</a:t>
-            </a:r>
-            <a:r>
-              <a:rPr lang="en-GB" dirty="0" smtClean="0"/>
-              <a:t> Queries</a:t>
-            </a:r>
-            <a:endParaRPr lang="en-US" dirty="0"/>
-          </a:p>
-        </p:txBody>
-      </p:sp>
-      <p:sp>
-        <p:nvSpPr>
-          <p:cNvPr id="3" name="Content Placeholder 2"/>
-          <p:cNvSpPr>
-            <a:spLocks noGrp="1"/>
-          </p:cNvSpPr>
-          <p:nvPr>
-            <p:ph idx="1"/>
-          </p:nvPr>
-        </p:nvSpPr>
-        <p:spPr/>
-        <p:txBody>
-          <a:bodyPr/>
-          <a:lstStyle/>
-          <a:p>
-            <a:r>
-              <a:rPr lang="en-GB" dirty="0" smtClean="0"/>
-              <a:t>A query that matches documents matching </a:t>
-            </a:r>
-            <a:r>
-              <a:rPr lang="en-GB" dirty="0" err="1" smtClean="0"/>
-              <a:t>boolean</a:t>
-            </a:r>
-            <a:r>
-              <a:rPr lang="en-GB" dirty="0" smtClean="0"/>
-              <a:t> combinations of other queries. The </a:t>
-            </a:r>
-            <a:r>
-              <a:rPr lang="en-GB" dirty="0" err="1" smtClean="0"/>
-              <a:t>bool</a:t>
-            </a:r>
-            <a:r>
-              <a:rPr lang="en-GB" dirty="0" smtClean="0"/>
-              <a:t> query maps to </a:t>
-            </a:r>
-            <a:r>
-              <a:rPr lang="en-GB" dirty="0" err="1" smtClean="0"/>
-              <a:t>Lucene</a:t>
-            </a:r>
-            <a:r>
-              <a:rPr lang="en-GB" dirty="0" smtClean="0"/>
-              <a:t> </a:t>
-            </a:r>
-            <a:r>
-              <a:rPr lang="en-GB" dirty="0" err="1" smtClean="0"/>
-              <a:t>BooleanQuery</a:t>
-            </a:r>
-            <a:r>
-              <a:rPr lang="en-GB" dirty="0" smtClean="0"/>
-              <a:t>. It is built using one or more </a:t>
-            </a:r>
-            <a:r>
-              <a:rPr lang="en-GB" dirty="0" err="1" smtClean="0"/>
-              <a:t>boolean</a:t>
-            </a:r>
-            <a:r>
-              <a:rPr lang="en-GB" dirty="0" smtClean="0"/>
-              <a:t> clauses, each clause with a typed occurrence. The occurrence types are:</a:t>
-            </a:r>
-            <a:br>
-              <a:rPr lang="en-GB" dirty="0" smtClean="0"/>
-            </a:br>
-            <a:r>
-              <a:rPr lang="en-GB" dirty="0" smtClean="0"/>
-              <a:t>Must, </a:t>
-            </a:r>
-            <a:r>
-              <a:rPr lang="en-GB" dirty="0" err="1" smtClean="0"/>
-              <a:t>Must_Not,Filter,Should</a:t>
-            </a:r>
-            <a:endParaRPr lang="en-US" dirty="0"/>
-          </a:p>
-        </p:txBody>
-      </p:sp>
-    </p:spTree>
-  </p:cSld>
-  <p:clrMapOvr>
-    <a:masterClrMapping/>
-  </p:clrMapOvr>
-</p:sld>
-</file>
-
-<file path=ppt/slides/slide48.xml><?xml version="1.0" encoding="utf-8"?>
-<p:sld xmlns:a="http://schemas.openxmlformats.org/drawingml/2006/main" xmlns:r="http://schemas.openxmlformats.org/officeDocument/2006/relationships" xmlns:p="http://schemas.openxmlformats.org/presentationml/2006/main">
-  <p:cSld>
-    <p:spTree>
-      <p:nvGrpSpPr>
-        <p:cNvPr id="1" name=""/>
-        <p:cNvGrpSpPr/>
-        <p:nvPr/>
-      </p:nvGrpSpPr>
-      <p:grpSpPr>
-        <a:xfrm>
-          <a:off x="0" y="0"/>
-          <a:ext cx="0" cy="0"/>
-          <a:chOff x="0" y="0"/>
-          <a:chExt cx="0" cy="0"/>
-        </a:xfrm>
-      </p:grpSpPr>
-      <p:sp>
-        <p:nvSpPr>
-          <p:cNvPr id="2" name="Title 1"/>
-          <p:cNvSpPr>
-            <a:spLocks noGrp="1"/>
-          </p:cNvSpPr>
-          <p:nvPr>
-            <p:ph type="title"/>
-          </p:nvPr>
-        </p:nvSpPr>
-        <p:spPr/>
-        <p:txBody>
-          <a:bodyPr/>
-          <a:lstStyle/>
-          <a:p>
-            <a:r>
-              <a:rPr lang="en-GB" dirty="0" smtClean="0"/>
-              <a:t>Range queries</a:t>
-            </a:r>
-            <a:endParaRPr lang="en-US" dirty="0"/>
-          </a:p>
-        </p:txBody>
-      </p:sp>
-      <p:sp>
-        <p:nvSpPr>
-          <p:cNvPr id="3" name="Content Placeholder 2"/>
-          <p:cNvSpPr>
-            <a:spLocks noGrp="1"/>
-          </p:cNvSpPr>
-          <p:nvPr>
-            <p:ph idx="1"/>
-          </p:nvPr>
-        </p:nvSpPr>
-        <p:spPr/>
-        <p:txBody>
-          <a:bodyPr/>
-          <a:lstStyle/>
-          <a:p>
-            <a:r>
-              <a:rPr lang="en-US" dirty="0" smtClean="0"/>
-              <a:t>To find all posts between dates</a:t>
-            </a:r>
-            <a:br>
-              <a:rPr lang="en-US" dirty="0" smtClean="0"/>
-            </a:br>
-            <a:r>
-              <a:rPr lang="en-US" dirty="0" smtClean="0"/>
-              <a:t/>
-            </a:r>
-            <a:br>
-              <a:rPr lang="en-US" dirty="0" smtClean="0"/>
-            </a:br>
-            <a:r>
-              <a:rPr lang="en-US" dirty="0" smtClean="0"/>
-              <a:t>Get </a:t>
-            </a:r>
-            <a:r>
-              <a:rPr lang="en-US" dirty="0" err="1" smtClean="0"/>
-              <a:t>stackoverflow</a:t>
-            </a:r>
-            <a:r>
-              <a:rPr lang="en-US" dirty="0" smtClean="0"/>
-              <a:t>/_search{  "query":  {    "range": {      "</a:t>
-            </a:r>
-            <a:r>
-              <a:rPr lang="en-US" dirty="0" err="1" smtClean="0"/>
-              <a:t>creationdate</a:t>
-            </a:r>
-            <a:r>
-              <a:rPr lang="en-US" dirty="0" smtClean="0"/>
-              <a:t>": {        "</a:t>
-            </a:r>
-            <a:r>
-              <a:rPr lang="en-US" dirty="0" err="1" smtClean="0"/>
-              <a:t>gte</a:t>
-            </a:r>
-            <a:r>
-              <a:rPr lang="en-US" dirty="0" smtClean="0"/>
-              <a:t>": "2008-01-01T14:39:30.143Z",        "</a:t>
-            </a:r>
-            <a:r>
-              <a:rPr lang="en-US" dirty="0" err="1" smtClean="0"/>
-              <a:t>lte</a:t>
-            </a:r>
-            <a:r>
-              <a:rPr lang="en-US" dirty="0" smtClean="0"/>
-              <a:t>": "2020-01-01T14:39:30.143Z"      }    }  }}</a:t>
-            </a:r>
-            <a:endParaRPr lang="en-US" dirty="0"/>
-          </a:p>
-        </p:txBody>
-      </p:sp>
-    </p:spTree>
-  </p:cSld>
-  <p:clrMapOvr>
-    <a:masterClrMapping/>
-  </p:clrMapOvr>
-</p:sld>
-</file>
-
-<file path=ppt/slides/slide49.xml><?xml version="1.0" encoding="utf-8"?>
-<p:sld xmlns:a="http://schemas.openxmlformats.org/drawingml/2006/main" xmlns:r="http://schemas.openxmlformats.org/officeDocument/2006/relationships" xmlns:p="http://schemas.openxmlformats.org/presentationml/2006/main">
-  <p:cSld>
-    <p:spTree>
-      <p:nvGrpSpPr>
-        <p:cNvPr id="1" name=""/>
-        <p:cNvGrpSpPr/>
-        <p:nvPr/>
-      </p:nvGrpSpPr>
-      <p:grpSpPr>
-        <a:xfrm>
-          <a:off x="0" y="0"/>
-          <a:ext cx="0" cy="0"/>
-          <a:chOff x="0" y="0"/>
-          <a:chExt cx="0" cy="0"/>
-        </a:xfrm>
-      </p:grpSpPr>
-      <p:sp>
-        <p:nvSpPr>
-          <p:cNvPr id="2" name="Title 1"/>
-          <p:cNvSpPr>
-            <a:spLocks noGrp="1"/>
-          </p:cNvSpPr>
-          <p:nvPr>
-            <p:ph type="title"/>
-          </p:nvPr>
-        </p:nvSpPr>
-        <p:spPr/>
-        <p:txBody>
-          <a:bodyPr/>
-          <a:lstStyle/>
-          <a:p>
-            <a:r>
-              <a:rPr lang="en-GB" dirty="0" smtClean="0"/>
-              <a:t>Selecting Specific fields</a:t>
-            </a:r>
-            <a:endParaRPr lang="en-US" dirty="0"/>
-          </a:p>
-        </p:txBody>
-      </p:sp>
-      <p:sp>
-        <p:nvSpPr>
-          <p:cNvPr id="3" name="Content Placeholder 2"/>
-          <p:cNvSpPr>
-            <a:spLocks noGrp="1"/>
-          </p:cNvSpPr>
-          <p:nvPr>
-            <p:ph idx="1"/>
-          </p:nvPr>
-        </p:nvSpPr>
-        <p:spPr/>
-        <p:txBody>
-          <a:bodyPr/>
-          <a:lstStyle/>
-          <a:p>
-            <a:r>
-              <a:rPr lang="en-US" dirty="0" smtClean="0"/>
-              <a:t>Get </a:t>
-            </a:r>
-            <a:r>
-              <a:rPr lang="en-US" dirty="0" err="1" smtClean="0"/>
-              <a:t>stackoverflow</a:t>
-            </a:r>
-            <a:r>
-              <a:rPr lang="en-US" dirty="0" smtClean="0"/>
-              <a:t>/_search{  "query":  {    "match": {      "tags": "python"    }  },  "_source":["</a:t>
-            </a:r>
-            <a:r>
-              <a:rPr lang="en-US" dirty="0" err="1" smtClean="0"/>
-              <a:t>commentcount</a:t>
-            </a:r>
-            <a:r>
-              <a:rPr lang="en-US" dirty="0" smtClean="0"/>
-              <a:t>"]}</a:t>
-            </a:r>
-            <a:endParaRPr lang="en-US" dirty="0"/>
-          </a:p>
-        </p:txBody>
-      </p:sp>
-    </p:spTree>
-  </p:cSld>
-  <p:clrMapOvr>
-    <a:masterClrMapping/>
-  </p:clrMapOvr>
-</p:sld>
-</file>
-
-<file path=ppt/slides/slide5.xml><?xml version="1.0" encoding="utf-8"?>
-<p:sld xmlns:a="http://schemas.openxmlformats.org/drawingml/2006/main" xmlns:r="http://schemas.openxmlformats.org/officeDocument/2006/relationships" xmlns:p="http://schemas.openxmlformats.org/presentationml/2006/main">
-  <p:cSld>
-    <p:spTree>
-      <p:nvGrpSpPr>
-        <p:cNvPr id="1" name=""/>
-        <p:cNvGrpSpPr/>
-        <p:nvPr/>
-      </p:nvGrpSpPr>
-      <p:grpSpPr>
-        <a:xfrm>
-          <a:off x="0" y="0"/>
-          <a:ext cx="0" cy="0"/>
-          <a:chOff x="0" y="0"/>
-          <a:chExt cx="0" cy="0"/>
-        </a:xfrm>
-      </p:grpSpPr>
-      <p:sp>
-        <p:nvSpPr>
-          <p:cNvPr id="2" name="Title 1"/>
-          <p:cNvSpPr>
-            <a:spLocks noGrp="1"/>
-          </p:cNvSpPr>
-          <p:nvPr>
-            <p:ph type="title"/>
-          </p:nvPr>
-        </p:nvSpPr>
-        <p:spPr/>
-        <p:txBody>
-          <a:bodyPr/>
-          <a:lstStyle/>
-          <a:p>
-            <a:r>
-              <a:rPr lang="en-GB" dirty="0" smtClean="0"/>
-              <a:t>Key Terminologies</a:t>
-            </a:r>
-            <a:endParaRPr lang="en-US" dirty="0"/>
-          </a:p>
-        </p:txBody>
-      </p:sp>
-      <p:sp>
-        <p:nvSpPr>
-          <p:cNvPr id="3" name="Content Placeholder 2"/>
-          <p:cNvSpPr>
-            <a:spLocks noGrp="1"/>
-          </p:cNvSpPr>
-          <p:nvPr>
-            <p:ph idx="1"/>
-          </p:nvPr>
-        </p:nvSpPr>
-        <p:spPr/>
-        <p:txBody>
-          <a:bodyPr/>
-          <a:lstStyle/>
-          <a:p>
-            <a:r>
-              <a:rPr lang="en-GB" dirty="0" smtClean="0"/>
-              <a:t>Document: It is the basic component of ES. It contains data.</a:t>
-            </a:r>
-          </a:p>
-          <a:p>
-            <a:r>
-              <a:rPr lang="en-GB" dirty="0" smtClean="0"/>
-              <a:t>Index: Collection of documents</a:t>
-            </a:r>
-          </a:p>
-          <a:p>
-            <a:r>
-              <a:rPr lang="en-GB" dirty="0" smtClean="0"/>
-              <a:t>Shard is a </a:t>
-            </a:r>
-            <a:r>
-              <a:rPr lang="en-GB" dirty="0" err="1" smtClean="0"/>
-              <a:t>Lucene</a:t>
-            </a:r>
-            <a:r>
-              <a:rPr lang="en-GB" dirty="0" smtClean="0"/>
-              <a:t> Index which contains documents</a:t>
-            </a:r>
-          </a:p>
-          <a:p>
-            <a:r>
-              <a:rPr lang="en-GB" dirty="0" smtClean="0"/>
-              <a:t>Node: A single server which contains multiple shards</a:t>
-            </a:r>
-          </a:p>
-          <a:p>
-            <a:r>
-              <a:rPr lang="en-GB" dirty="0" smtClean="0"/>
-              <a:t>Cluster: A collections of Nodes</a:t>
-            </a:r>
-            <a:endParaRPr lang="en-US" dirty="0"/>
-          </a:p>
-        </p:txBody>
-      </p:sp>
-    </p:spTree>
-  </p:cSld>
-  <p:clrMapOvr>
-    <a:masterClrMapping/>
-  </p:clrMapOvr>
-</p:sld>
-</file>
-
-<file path=ppt/slides/slide50.xml><?xml version="1.0" encoding="utf-8"?>
-<p:sld xmlns:a="http://schemas.openxmlformats.org/drawingml/2006/main" xmlns:r="http://schemas.openxmlformats.org/officeDocument/2006/relationships" xmlns:p="http://schemas.openxmlformats.org/presentationml/2006/main">
-  <p:cSld>
-    <p:spTree>
-      <p:nvGrpSpPr>
-        <p:cNvPr id="1" name=""/>
-        <p:cNvGrpSpPr/>
-        <p:nvPr/>
-      </p:nvGrpSpPr>
-      <p:grpSpPr>
-        <a:xfrm>
-          <a:off x="0" y="0"/>
-          <a:ext cx="0" cy="0"/>
-          <a:chOff x="0" y="0"/>
-          <a:chExt cx="0" cy="0"/>
-        </a:xfrm>
-      </p:grpSpPr>
-      <p:sp>
-        <p:nvSpPr>
-          <p:cNvPr id="2" name="Title 1"/>
-          <p:cNvSpPr>
-            <a:spLocks noGrp="1"/>
-          </p:cNvSpPr>
-          <p:nvPr>
-            <p:ph type="title"/>
-          </p:nvPr>
-        </p:nvSpPr>
-        <p:spPr/>
-        <p:txBody>
-          <a:bodyPr/>
-          <a:lstStyle/>
-          <a:p>
-            <a:r>
-              <a:rPr lang="en-GB" dirty="0" smtClean="0"/>
-              <a:t>Mapping</a:t>
-            </a:r>
-            <a:endParaRPr lang="en-US" dirty="0"/>
-          </a:p>
-        </p:txBody>
-      </p:sp>
-      <p:sp>
-        <p:nvSpPr>
-          <p:cNvPr id="3" name="Content Placeholder 2"/>
-          <p:cNvSpPr>
-            <a:spLocks noGrp="1"/>
-          </p:cNvSpPr>
-          <p:nvPr>
-            <p:ph idx="1"/>
-          </p:nvPr>
-        </p:nvSpPr>
-        <p:spPr/>
-        <p:txBody>
-          <a:bodyPr/>
-          <a:lstStyle/>
-          <a:p>
-            <a:r>
-              <a:rPr lang="en-US" dirty="0" smtClean="0"/>
-              <a:t>PUT /my-index { "mappings": { "properties": { "age": { "type": "integer" }, "email": { "type": "keyword" }, "name": { "type": "text" } } } }</a:t>
-            </a:r>
-            <a:br>
-              <a:rPr lang="en-US" dirty="0" smtClean="0"/>
-            </a:br>
-            <a:r>
-              <a:rPr lang="en-US" dirty="0" smtClean="0"/>
-              <a:t/>
-            </a:r>
-            <a:br>
-              <a:rPr lang="en-US" dirty="0" smtClean="0"/>
-            </a:br>
-            <a:r>
-              <a:rPr lang="en-US" dirty="0" smtClean="0"/>
-              <a:t/>
-            </a:r>
-            <a:br>
-              <a:rPr lang="en-US" dirty="0" smtClean="0"/>
-            </a:br>
-            <a:endParaRPr lang="en-US" dirty="0"/>
-          </a:p>
-        </p:txBody>
-      </p:sp>
-    </p:spTree>
-  </p:cSld>
-  <p:clrMapOvr>
-    <a:masterClrMapping/>
-  </p:clrMapOvr>
-</p:sld>
-</file>
-
-<file path=ppt/slides/slide51.xml><?xml version="1.0" encoding="utf-8"?>
-<p:sld xmlns:a="http://schemas.openxmlformats.org/drawingml/2006/main" xmlns:r="http://schemas.openxmlformats.org/officeDocument/2006/relationships" xmlns:p="http://schemas.openxmlformats.org/presentationml/2006/main">
-  <p:cSld>
-    <p:spTree>
-      <p:nvGrpSpPr>
-        <p:cNvPr id="1" name=""/>
-        <p:cNvGrpSpPr/>
-        <p:nvPr/>
-      </p:nvGrpSpPr>
-      <p:grpSpPr>
-        <a:xfrm>
-          <a:off x="0" y="0"/>
-          <a:ext cx="0" cy="0"/>
-          <a:chOff x="0" y="0"/>
-          <a:chExt cx="0" cy="0"/>
-        </a:xfrm>
-      </p:grpSpPr>
-      <p:sp>
-        <p:nvSpPr>
-          <p:cNvPr id="2" name="Title 1"/>
-          <p:cNvSpPr>
-            <a:spLocks noGrp="1"/>
-          </p:cNvSpPr>
-          <p:nvPr>
-            <p:ph type="title"/>
-          </p:nvPr>
-        </p:nvSpPr>
-        <p:spPr/>
-        <p:txBody>
-          <a:bodyPr/>
-          <a:lstStyle/>
-          <a:p>
-            <a:r>
-              <a:rPr lang="en-GB" dirty="0" smtClean="0"/>
-              <a:t>Add New Mapping</a:t>
-            </a:r>
-            <a:endParaRPr lang="en-US" dirty="0"/>
-          </a:p>
-        </p:txBody>
-      </p:sp>
-      <p:sp>
-        <p:nvSpPr>
-          <p:cNvPr id="3" name="Content Placeholder 2"/>
-          <p:cNvSpPr>
-            <a:spLocks noGrp="1"/>
-          </p:cNvSpPr>
-          <p:nvPr>
-            <p:ph idx="1"/>
-          </p:nvPr>
-        </p:nvSpPr>
-        <p:spPr/>
-        <p:txBody>
-          <a:bodyPr/>
-          <a:lstStyle/>
-          <a:p>
-            <a:r>
-              <a:rPr lang="en-US" dirty="0" smtClean="0"/>
-              <a:t>PUT /my-index/_mapping { "properties": { "employee-id": { "type": "keyword", "index": false } } }</a:t>
-            </a:r>
-            <a:endParaRPr lang="en-US" dirty="0"/>
-          </a:p>
-        </p:txBody>
-      </p:sp>
-    </p:spTree>
-  </p:cSld>
-  <p:clrMapOvr>
-    <a:masterClrMapping/>
-  </p:clrMapOvr>
-</p:sld>
-</file>
-
-<file path=ppt/slides/slide52.xml><?xml version="1.0" encoding="utf-8"?>
-<p:sld xmlns:a="http://schemas.openxmlformats.org/drawingml/2006/main" xmlns:r="http://schemas.openxmlformats.org/officeDocument/2006/relationships" xmlns:p="http://schemas.openxmlformats.org/presentationml/2006/main">
-  <p:cSld>
-    <p:spTree>
-      <p:nvGrpSpPr>
-        <p:cNvPr id="1" name=""/>
-        <p:cNvGrpSpPr/>
-        <p:nvPr/>
-      </p:nvGrpSpPr>
-      <p:grpSpPr>
-        <a:xfrm>
-          <a:off x="0" y="0"/>
-          <a:ext cx="0" cy="0"/>
-          <a:chOff x="0" y="0"/>
-          <a:chExt cx="0" cy="0"/>
-        </a:xfrm>
-      </p:grpSpPr>
-      <p:sp>
-        <p:nvSpPr>
-          <p:cNvPr id="2" name="Title 1"/>
-          <p:cNvSpPr>
-            <a:spLocks noGrp="1"/>
-          </p:cNvSpPr>
-          <p:nvPr>
-            <p:ph type="title"/>
-          </p:nvPr>
-        </p:nvSpPr>
-        <p:spPr/>
-        <p:txBody>
-          <a:bodyPr/>
-          <a:lstStyle/>
-          <a:p>
-            <a:r>
-              <a:rPr lang="en-GB" dirty="0" smtClean="0"/>
-              <a:t>Analyzers</a:t>
-            </a:r>
-            <a:endParaRPr lang="en-US" dirty="0"/>
-          </a:p>
-        </p:txBody>
-      </p:sp>
-      <p:sp>
-        <p:nvSpPr>
-          <p:cNvPr id="3" name="Content Placeholder 2"/>
-          <p:cNvSpPr>
-            <a:spLocks noGrp="1"/>
-          </p:cNvSpPr>
-          <p:nvPr>
-            <p:ph idx="1"/>
-          </p:nvPr>
-        </p:nvSpPr>
-        <p:spPr/>
-        <p:txBody>
-          <a:bodyPr/>
-          <a:lstStyle/>
-          <a:p>
-            <a:r>
-              <a:rPr lang="en-GB" dirty="0" smtClean="0"/>
-              <a:t>POST _analyze { "analyzer": "whitespace", "text": "The quick brown fox." }</a:t>
-            </a:r>
-            <a:br>
-              <a:rPr lang="en-GB" dirty="0" smtClean="0"/>
-            </a:br>
-            <a:r>
-              <a:rPr lang="en-GB" dirty="0" smtClean="0"/>
-              <a:t/>
-            </a:r>
-            <a:br>
-              <a:rPr lang="en-GB" dirty="0" smtClean="0"/>
-            </a:br>
-            <a:r>
-              <a:rPr lang="en-GB" dirty="0" smtClean="0"/>
-              <a:t>POST _analyze { "</a:t>
-            </a:r>
-            <a:r>
-              <a:rPr lang="en-GB" dirty="0" err="1" smtClean="0"/>
-              <a:t>tokenizer</a:t>
-            </a:r>
-            <a:r>
-              <a:rPr lang="en-GB" dirty="0" smtClean="0"/>
-              <a:t>": "standard", "filter": [ "lowercase", "</a:t>
-            </a:r>
-            <a:r>
-              <a:rPr lang="en-GB" dirty="0" err="1" smtClean="0"/>
-              <a:t>asciifolding</a:t>
-            </a:r>
-            <a:r>
-              <a:rPr lang="en-GB" dirty="0" smtClean="0"/>
-              <a:t>" ], "text": "Is this </a:t>
-            </a:r>
-            <a:r>
-              <a:rPr lang="en-GB" dirty="0" err="1" smtClean="0"/>
-              <a:t>déja</a:t>
-            </a:r>
-            <a:r>
-              <a:rPr lang="en-GB" dirty="0" smtClean="0"/>
-              <a:t> vu?" }</a:t>
-            </a:r>
-            <a:br>
-              <a:rPr lang="en-GB" dirty="0" smtClean="0"/>
-            </a:br>
-            <a:r>
-              <a:rPr lang="en-GB" dirty="0" smtClean="0"/>
-              <a:t/>
-            </a:r>
-            <a:br>
-              <a:rPr lang="en-GB" dirty="0" smtClean="0"/>
-            </a:br>
-            <a:endParaRPr lang="en-US" dirty="0"/>
-          </a:p>
-        </p:txBody>
-      </p:sp>
-    </p:spTree>
-  </p:cSld>
-  <p:clrMapOvr>
-    <a:masterClrMapping/>
-  </p:clrMapOvr>
-</p:sld>
-</file>
-
-<file path=ppt/slides/slide53.xml><?xml version="1.0" encoding="utf-8"?>
-<p:sld xmlns:a="http://schemas.openxmlformats.org/drawingml/2006/main" xmlns:r="http://schemas.openxmlformats.org/officeDocument/2006/relationships" xmlns:p="http://schemas.openxmlformats.org/presentationml/2006/main">
-  <p:cSld>
-    <p:spTree>
-      <p:nvGrpSpPr>
-        <p:cNvPr id="1" name=""/>
-        <p:cNvGrpSpPr/>
-        <p:nvPr/>
-      </p:nvGrpSpPr>
-      <p:grpSpPr>
-        <a:xfrm>
-          <a:off x="0" y="0"/>
-          <a:ext cx="0" cy="0"/>
-          <a:chOff x="0" y="0"/>
-          <a:chExt cx="0" cy="0"/>
-        </a:xfrm>
-      </p:grpSpPr>
-      <p:sp>
-        <p:nvSpPr>
-          <p:cNvPr id="2" name="Title 1"/>
-          <p:cNvSpPr>
-            <a:spLocks noGrp="1"/>
-          </p:cNvSpPr>
-          <p:nvPr>
-            <p:ph type="title"/>
-          </p:nvPr>
-        </p:nvSpPr>
-        <p:spPr/>
-        <p:txBody>
-          <a:bodyPr/>
-          <a:lstStyle/>
-          <a:p>
-            <a:r>
-              <a:rPr lang="en-GB" dirty="0" smtClean="0"/>
-              <a:t>Analyze API</a:t>
-            </a:r>
-            <a:endParaRPr lang="en-US" dirty="0"/>
-          </a:p>
-        </p:txBody>
-      </p:sp>
-      <p:sp>
-        <p:nvSpPr>
-          <p:cNvPr id="3" name="Content Placeholder 2"/>
-          <p:cNvSpPr>
-            <a:spLocks noGrp="1"/>
-          </p:cNvSpPr>
-          <p:nvPr>
-            <p:ph idx="1"/>
-          </p:nvPr>
-        </p:nvSpPr>
-        <p:spPr/>
-        <p:txBody>
-          <a:bodyPr/>
-          <a:lstStyle/>
-          <a:p>
-            <a:r>
-              <a:rPr lang="en-US" dirty="0" smtClean="0"/>
-              <a:t>Get /_analyze{  "text":"&lt;python&gt;&lt;python-2.6&gt;&lt;python-</a:t>
-            </a:r>
-            <a:r>
-              <a:rPr lang="en-US" dirty="0" err="1" smtClean="0"/>
-              <a:t>datamodel</a:t>
-            </a:r>
-            <a:r>
-              <a:rPr lang="en-US" dirty="0" smtClean="0"/>
-              <a:t>&gt;"}</a:t>
-            </a:r>
-            <a:br>
-              <a:rPr lang="en-US" dirty="0" smtClean="0"/>
-            </a:br>
-            <a:r>
-              <a:rPr lang="en-US" dirty="0" smtClean="0"/>
-              <a:t/>
-            </a:r>
-            <a:br>
-              <a:rPr lang="en-US" dirty="0" smtClean="0"/>
-            </a:br>
-            <a:r>
-              <a:rPr lang="en-US" dirty="0" smtClean="0"/>
-              <a:t/>
-            </a:r>
-            <a:br>
-              <a:rPr lang="en-US" dirty="0" smtClean="0"/>
-            </a:br>
-            <a:r>
-              <a:rPr lang="en-US" dirty="0" smtClean="0"/>
-              <a:t> GET /_analyze{  "</a:t>
-            </a:r>
-            <a:r>
-              <a:rPr lang="en-US" dirty="0" err="1" smtClean="0"/>
-              <a:t>tokenizer</a:t>
-            </a:r>
-            <a:r>
-              <a:rPr lang="en-US" dirty="0" smtClean="0"/>
-              <a:t>" : "keyword",  "filter" : ["lowercase"],  "</a:t>
-            </a:r>
-            <a:r>
-              <a:rPr lang="en-US" dirty="0" err="1" smtClean="0"/>
-              <a:t>char_filter</a:t>
-            </a:r>
-            <a:r>
-              <a:rPr lang="en-US" dirty="0" smtClean="0"/>
-              <a:t>" : ["</a:t>
-            </a:r>
-            <a:r>
-              <a:rPr lang="en-US" dirty="0" err="1" smtClean="0"/>
-              <a:t>html_strip</a:t>
-            </a:r>
-            <a:r>
-              <a:rPr lang="en-US" dirty="0" smtClean="0"/>
-              <a:t>"],  "text" : "</a:t>
-            </a:r>
-            <a:r>
-              <a:rPr lang="en-US" dirty="0" err="1" smtClean="0"/>
-              <a:t>aa</a:t>
-            </a:r>
-            <a:r>
-              <a:rPr lang="en-US" dirty="0" smtClean="0"/>
-              <a:t> &lt;python&gt;&lt;python-2.6&gt;&lt;python-</a:t>
-            </a:r>
-            <a:r>
-              <a:rPr lang="en-US" dirty="0" err="1" smtClean="0"/>
-              <a:t>datamodel</a:t>
-            </a:r>
-            <a:r>
-              <a:rPr lang="en-US" dirty="0" smtClean="0"/>
-              <a:t>&gt;"}</a:t>
             </a:r>
             <a:endParaRPr lang="en-US" dirty="0"/>
           </a:p>
@@ -7796,6 +9643,1498 @@
 </p:sld>
 </file>
 
+<file path=ppt/slides/slide60.xml><?xml version="1.0" encoding="utf-8"?>
+<p:sld xmlns:a="http://schemas.openxmlformats.org/drawingml/2006/main" xmlns:r="http://schemas.openxmlformats.org/officeDocument/2006/relationships" xmlns:p="http://schemas.openxmlformats.org/presentationml/2006/main">
+  <p:cSld>
+    <p:spTree>
+      <p:nvGrpSpPr>
+        <p:cNvPr id="1" name=""/>
+        <p:cNvGrpSpPr/>
+        <p:nvPr/>
+      </p:nvGrpSpPr>
+      <p:grpSpPr>
+        <a:xfrm>
+          <a:off x="0" y="0"/>
+          <a:ext cx="0" cy="0"/>
+          <a:chOff x="0" y="0"/>
+          <a:chExt cx="0" cy="0"/>
+        </a:xfrm>
+      </p:grpSpPr>
+      <p:sp>
+        <p:nvSpPr>
+          <p:cNvPr id="2" name="Title 1"/>
+          <p:cNvSpPr>
+            <a:spLocks noGrp="1"/>
+          </p:cNvSpPr>
+          <p:nvPr>
+            <p:ph type="title"/>
+          </p:nvPr>
+        </p:nvSpPr>
+        <p:spPr/>
+        <p:txBody>
+          <a:bodyPr/>
+          <a:lstStyle/>
+          <a:p>
+            <a:r>
+              <a:rPr lang="en-GB" dirty="0" smtClean="0"/>
+              <a:t>Term Queries</a:t>
+            </a:r>
+            <a:endParaRPr lang="en-US" dirty="0"/>
+          </a:p>
+        </p:txBody>
+      </p:sp>
+      <p:sp>
+        <p:nvSpPr>
+          <p:cNvPr id="3" name="Content Placeholder 2"/>
+          <p:cNvSpPr>
+            <a:spLocks noGrp="1"/>
+          </p:cNvSpPr>
+          <p:nvPr>
+            <p:ph idx="1"/>
+          </p:nvPr>
+        </p:nvSpPr>
+        <p:spPr/>
+        <p:txBody>
+          <a:bodyPr/>
+          <a:lstStyle/>
+          <a:p>
+            <a:r>
+              <a:rPr lang="en-GB" dirty="0" smtClean="0"/>
+              <a:t>It is used to returns </a:t>
+            </a:r>
+            <a:r>
+              <a:rPr lang="en-GB" dirty="0" smtClean="0"/>
+              <a:t>documents that contain an </a:t>
+            </a:r>
+            <a:r>
+              <a:rPr lang="en-GB" b="1" dirty="0" smtClean="0"/>
+              <a:t>exact</a:t>
+            </a:r>
+            <a:r>
+              <a:rPr lang="en-GB" dirty="0" smtClean="0"/>
+              <a:t> term in a provided field</a:t>
+            </a:r>
+            <a:r>
+              <a:rPr lang="en-GB" dirty="0" smtClean="0"/>
+              <a:t>.</a:t>
+            </a:r>
+          </a:p>
+          <a:p>
+            <a:r>
+              <a:rPr lang="en-GB" dirty="0" smtClean="0"/>
+              <a:t>Avoid using term queries with text fields</a:t>
+            </a:r>
+          </a:p>
+          <a:p>
+            <a:r>
+              <a:rPr lang="en-GB" dirty="0" smtClean="0"/>
+              <a:t>This is because term queries don't analyze data at the time of querying.</a:t>
+            </a:r>
+          </a:p>
+          <a:p>
+            <a:r>
+              <a:rPr lang="en-GB" dirty="0" smtClean="0"/>
+              <a:t>Better for types </a:t>
+            </a:r>
+            <a:r>
+              <a:rPr lang="en-GB" dirty="0" err="1" smtClean="0"/>
+              <a:t>keyword,numeric,boolean,date</a:t>
+            </a:r>
+            <a:endParaRPr lang="en-US" dirty="0"/>
+          </a:p>
+        </p:txBody>
+      </p:sp>
+    </p:spTree>
+  </p:cSld>
+  <p:clrMapOvr>
+    <a:masterClrMapping/>
+  </p:clrMapOvr>
+</p:sld>
+</file>
+
+<file path=ppt/slides/slide61.xml><?xml version="1.0" encoding="utf-8"?>
+<p:sld xmlns:a="http://schemas.openxmlformats.org/drawingml/2006/main" xmlns:r="http://schemas.openxmlformats.org/officeDocument/2006/relationships" xmlns:p="http://schemas.openxmlformats.org/presentationml/2006/main">
+  <p:cSld>
+    <p:spTree>
+      <p:nvGrpSpPr>
+        <p:cNvPr id="1" name=""/>
+        <p:cNvGrpSpPr/>
+        <p:nvPr/>
+      </p:nvGrpSpPr>
+      <p:grpSpPr>
+        <a:xfrm>
+          <a:off x="0" y="0"/>
+          <a:ext cx="0" cy="0"/>
+          <a:chOff x="0" y="0"/>
+          <a:chExt cx="0" cy="0"/>
+        </a:xfrm>
+      </p:grpSpPr>
+      <p:sp>
+        <p:nvSpPr>
+          <p:cNvPr id="2" name="Title 1"/>
+          <p:cNvSpPr>
+            <a:spLocks noGrp="1"/>
+          </p:cNvSpPr>
+          <p:nvPr>
+            <p:ph type="title"/>
+          </p:nvPr>
+        </p:nvSpPr>
+        <p:spPr/>
+        <p:txBody>
+          <a:bodyPr/>
+          <a:lstStyle/>
+          <a:p>
+            <a:r>
+              <a:rPr lang="en-GB" dirty="0" smtClean="0"/>
+              <a:t>Term</a:t>
+            </a:r>
+            <a:endParaRPr lang="en-US" dirty="0"/>
+          </a:p>
+        </p:txBody>
+      </p:sp>
+      <p:sp>
+        <p:nvSpPr>
+          <p:cNvPr id="3" name="Content Placeholder 2"/>
+          <p:cNvSpPr>
+            <a:spLocks noGrp="1"/>
+          </p:cNvSpPr>
+          <p:nvPr>
+            <p:ph idx="1"/>
+          </p:nvPr>
+        </p:nvSpPr>
+        <p:spPr/>
+        <p:txBody>
+          <a:bodyPr>
+            <a:normAutofit fontScale="92500" lnSpcReduction="20000"/>
+          </a:bodyPr>
+          <a:lstStyle/>
+          <a:p>
+            <a:r>
+              <a:rPr lang="en-US" dirty="0" smtClean="0"/>
+              <a:t>Get /</a:t>
+            </a:r>
+            <a:r>
+              <a:rPr lang="en-US" dirty="0" err="1" smtClean="0"/>
+              <a:t>stackoverflow</a:t>
+            </a:r>
+            <a:r>
+              <a:rPr lang="en-US" dirty="0" smtClean="0"/>
+              <a:t>/_search</a:t>
+            </a:r>
+          </a:p>
+          <a:p>
+            <a:r>
+              <a:rPr lang="en-US" dirty="0" smtClean="0"/>
+              <a:t>{</a:t>
+            </a:r>
+          </a:p>
+          <a:p>
+            <a:r>
+              <a:rPr lang="en-US" dirty="0" smtClean="0"/>
+              <a:t>  "query":</a:t>
+            </a:r>
+          </a:p>
+          <a:p>
+            <a:r>
+              <a:rPr lang="en-US" dirty="0" smtClean="0"/>
+              <a:t>  {</a:t>
+            </a:r>
+          </a:p>
+          <a:p>
+            <a:r>
+              <a:rPr lang="en-US" dirty="0" smtClean="0"/>
+              <a:t>    "match": {</a:t>
+            </a:r>
+          </a:p>
+          <a:p>
+            <a:r>
+              <a:rPr lang="en-US" dirty="0" smtClean="0"/>
+              <a:t>      "</a:t>
+            </a:r>
+            <a:r>
+              <a:rPr lang="en-US" dirty="0" err="1" smtClean="0"/>
+              <a:t>parentid</a:t>
+            </a:r>
+            <a:r>
+              <a:rPr lang="en-US" dirty="0" smtClean="0"/>
+              <a:t>": "1240805"</a:t>
+            </a:r>
+          </a:p>
+          <a:p>
+            <a:r>
+              <a:rPr lang="en-US" dirty="0" smtClean="0"/>
+              <a:t>    }</a:t>
+            </a:r>
+          </a:p>
+          <a:p>
+            <a:r>
+              <a:rPr lang="en-US" dirty="0" smtClean="0"/>
+              <a:t>  }</a:t>
+            </a:r>
+          </a:p>
+          <a:p>
+            <a:r>
+              <a:rPr lang="en-US" dirty="0" smtClean="0"/>
+              <a:t>}</a:t>
+            </a:r>
+            <a:endParaRPr lang="en-US" dirty="0"/>
+          </a:p>
+        </p:txBody>
+      </p:sp>
+    </p:spTree>
+  </p:cSld>
+  <p:clrMapOvr>
+    <a:masterClrMapping/>
+  </p:clrMapOvr>
+</p:sld>
+</file>
+
+<file path=ppt/slides/slide62.xml><?xml version="1.0" encoding="utf-8"?>
+<p:sld xmlns:a="http://schemas.openxmlformats.org/drawingml/2006/main" xmlns:r="http://schemas.openxmlformats.org/officeDocument/2006/relationships" xmlns:p="http://schemas.openxmlformats.org/presentationml/2006/main">
+  <p:cSld>
+    <p:spTree>
+      <p:nvGrpSpPr>
+        <p:cNvPr id="1" name=""/>
+        <p:cNvGrpSpPr/>
+        <p:nvPr/>
+      </p:nvGrpSpPr>
+      <p:grpSpPr>
+        <a:xfrm>
+          <a:off x="0" y="0"/>
+          <a:ext cx="0" cy="0"/>
+          <a:chOff x="0" y="0"/>
+          <a:chExt cx="0" cy="0"/>
+        </a:xfrm>
+      </p:grpSpPr>
+      <p:sp>
+        <p:nvSpPr>
+          <p:cNvPr id="2" name="Title 1"/>
+          <p:cNvSpPr>
+            <a:spLocks noGrp="1"/>
+          </p:cNvSpPr>
+          <p:nvPr>
+            <p:ph type="title"/>
+          </p:nvPr>
+        </p:nvSpPr>
+        <p:spPr/>
+        <p:txBody>
+          <a:bodyPr/>
+          <a:lstStyle/>
+          <a:p>
+            <a:r>
+              <a:rPr lang="en-GB" dirty="0" smtClean="0"/>
+              <a:t>Fuzzy</a:t>
+            </a:r>
+            <a:endParaRPr lang="en-US" dirty="0"/>
+          </a:p>
+        </p:txBody>
+      </p:sp>
+      <p:sp>
+        <p:nvSpPr>
+          <p:cNvPr id="3" name="Content Placeholder 2"/>
+          <p:cNvSpPr>
+            <a:spLocks noGrp="1"/>
+          </p:cNvSpPr>
+          <p:nvPr>
+            <p:ph idx="1"/>
+          </p:nvPr>
+        </p:nvSpPr>
+        <p:spPr/>
+        <p:txBody>
+          <a:bodyPr>
+            <a:normAutofit fontScale="55000" lnSpcReduction="20000"/>
+          </a:bodyPr>
+          <a:lstStyle/>
+          <a:p>
+            <a:r>
+              <a:rPr lang="en-US" dirty="0" smtClean="0"/>
+              <a:t>Get </a:t>
+            </a:r>
+            <a:r>
+              <a:rPr lang="en-US" dirty="0" err="1" smtClean="0"/>
+              <a:t>stackoverflow</a:t>
+            </a:r>
+            <a:r>
+              <a:rPr lang="en-US" dirty="0" smtClean="0"/>
+              <a:t>/_search</a:t>
+            </a:r>
+          </a:p>
+          <a:p>
+            <a:r>
+              <a:rPr lang="en-US" dirty="0" smtClean="0"/>
+              <a:t>{</a:t>
+            </a:r>
+          </a:p>
+          <a:p>
+            <a:r>
+              <a:rPr lang="en-US" dirty="0" smtClean="0"/>
+              <a:t>  "query":</a:t>
+            </a:r>
+          </a:p>
+          <a:p>
+            <a:r>
+              <a:rPr lang="en-US" dirty="0" smtClean="0"/>
+              <a:t>  {</a:t>
+            </a:r>
+          </a:p>
+          <a:p>
+            <a:r>
+              <a:rPr lang="en-US" dirty="0" smtClean="0"/>
+              <a:t>    "fuzzy": {</a:t>
+            </a:r>
+          </a:p>
+          <a:p>
+            <a:r>
+              <a:rPr lang="en-US" dirty="0" smtClean="0"/>
+              <a:t>     "</a:t>
+            </a:r>
+            <a:r>
+              <a:rPr lang="en-US" dirty="0" err="1" smtClean="0"/>
+              <a:t>lasteditordisplayname</a:t>
+            </a:r>
+            <a:r>
+              <a:rPr lang="en-US" dirty="0" smtClean="0"/>
+              <a:t>": {</a:t>
+            </a:r>
+          </a:p>
+          <a:p>
+            <a:r>
+              <a:rPr lang="en-US" dirty="0" smtClean="0"/>
+              <a:t>       "value":  "uses151323",</a:t>
+            </a:r>
+          </a:p>
+          <a:p>
+            <a:r>
+              <a:rPr lang="en-US" dirty="0" smtClean="0"/>
+              <a:t>       "fuzziness":1</a:t>
+            </a:r>
+          </a:p>
+          <a:p>
+            <a:r>
+              <a:rPr lang="en-US" dirty="0" smtClean="0"/>
+              <a:t>     }</a:t>
+            </a:r>
+          </a:p>
+          <a:p>
+            <a:r>
+              <a:rPr lang="en-US" dirty="0" smtClean="0"/>
+              <a:t>    }</a:t>
+            </a:r>
+          </a:p>
+          <a:p>
+            <a:r>
+              <a:rPr lang="en-US" dirty="0" smtClean="0"/>
+              <a:t>  }</a:t>
+            </a:r>
+          </a:p>
+          <a:p>
+            <a:r>
+              <a:rPr lang="en-US" dirty="0" smtClean="0"/>
+              <a:t>}</a:t>
+            </a:r>
+            <a:br>
+              <a:rPr lang="en-US" dirty="0" smtClean="0"/>
+            </a:br>
+            <a:r>
+              <a:rPr lang="en-US" dirty="0" smtClean="0"/>
+              <a:t/>
+            </a:r>
+            <a:br>
+              <a:rPr lang="en-US" dirty="0" smtClean="0"/>
+            </a:br>
+            <a:r>
+              <a:rPr lang="en-US" dirty="0" err="1" smtClean="0"/>
+              <a:t>Sql</a:t>
+            </a:r>
+            <a:r>
+              <a:rPr lang="en-US" dirty="0" smtClean="0"/>
+              <a:t> Equivalent for fuzzy query</a:t>
+            </a:r>
+            <a:br>
+              <a:rPr lang="en-US" dirty="0" smtClean="0"/>
+            </a:br>
+            <a:r>
+              <a:rPr lang="en-US" dirty="0" smtClean="0"/>
+              <a:t/>
+            </a:r>
+            <a:br>
+              <a:rPr lang="en-US" dirty="0" smtClean="0"/>
+            </a:br>
+            <a:r>
+              <a:rPr lang="en-US" dirty="0" smtClean="0">
+                <a:hlinkClick r:id="rId2"/>
+              </a:rPr>
+              <a:t>https://www.got-it.ai/solutions/sqlquerychat/sql-help/data-query/sql-fuzzy-logic-matching-step-by-step-example-in-sql-server/</a:t>
+            </a:r>
+            <a:endParaRPr lang="en-US" dirty="0"/>
+          </a:p>
+        </p:txBody>
+      </p:sp>
+    </p:spTree>
+  </p:cSld>
+  <p:clrMapOvr>
+    <a:masterClrMapping/>
+  </p:clrMapOvr>
+</p:sld>
+</file>
+
+<file path=ppt/slides/slide63.xml><?xml version="1.0" encoding="utf-8"?>
+<p:sld xmlns:a="http://schemas.openxmlformats.org/drawingml/2006/main" xmlns:r="http://schemas.openxmlformats.org/officeDocument/2006/relationships" xmlns:p="http://schemas.openxmlformats.org/presentationml/2006/main">
+  <p:cSld>
+    <p:spTree>
+      <p:nvGrpSpPr>
+        <p:cNvPr id="1" name=""/>
+        <p:cNvGrpSpPr/>
+        <p:nvPr/>
+      </p:nvGrpSpPr>
+      <p:grpSpPr>
+        <a:xfrm>
+          <a:off x="0" y="0"/>
+          <a:ext cx="0" cy="0"/>
+          <a:chOff x="0" y="0"/>
+          <a:chExt cx="0" cy="0"/>
+        </a:xfrm>
+      </p:grpSpPr>
+      <p:sp>
+        <p:nvSpPr>
+          <p:cNvPr id="2" name="Title 1"/>
+          <p:cNvSpPr>
+            <a:spLocks noGrp="1"/>
+          </p:cNvSpPr>
+          <p:nvPr>
+            <p:ph type="title"/>
+          </p:nvPr>
+        </p:nvSpPr>
+        <p:spPr/>
+        <p:txBody>
+          <a:bodyPr/>
+          <a:lstStyle/>
+          <a:p>
+            <a:r>
+              <a:rPr lang="en-GB" dirty="0" smtClean="0"/>
+              <a:t>Prefix</a:t>
+            </a:r>
+            <a:endParaRPr lang="en-US" dirty="0"/>
+          </a:p>
+        </p:txBody>
+      </p:sp>
+      <p:sp>
+        <p:nvSpPr>
+          <p:cNvPr id="3" name="Content Placeholder 2"/>
+          <p:cNvSpPr>
+            <a:spLocks noGrp="1"/>
+          </p:cNvSpPr>
+          <p:nvPr>
+            <p:ph idx="1"/>
+          </p:nvPr>
+        </p:nvSpPr>
+        <p:spPr/>
+        <p:txBody>
+          <a:bodyPr>
+            <a:normAutofit fontScale="77500" lnSpcReduction="20000"/>
+          </a:bodyPr>
+          <a:lstStyle/>
+          <a:p>
+            <a:r>
+              <a:rPr lang="en-US" dirty="0" smtClean="0"/>
+              <a:t>Get </a:t>
+            </a:r>
+            <a:r>
+              <a:rPr lang="en-US" dirty="0" err="1" smtClean="0"/>
+              <a:t>stackoverflow</a:t>
+            </a:r>
+            <a:r>
+              <a:rPr lang="en-US" dirty="0" smtClean="0"/>
+              <a:t>/_search</a:t>
+            </a:r>
+          </a:p>
+          <a:p>
+            <a:r>
+              <a:rPr lang="en-US" dirty="0" smtClean="0"/>
+              <a:t>{</a:t>
+            </a:r>
+          </a:p>
+          <a:p>
+            <a:r>
+              <a:rPr lang="en-US" dirty="0" smtClean="0"/>
+              <a:t>  "query":</a:t>
+            </a:r>
+          </a:p>
+          <a:p>
+            <a:r>
+              <a:rPr lang="en-US" dirty="0" smtClean="0"/>
+              <a:t>  {</a:t>
+            </a:r>
+          </a:p>
+          <a:p>
+            <a:r>
+              <a:rPr lang="en-US" dirty="0" smtClean="0"/>
+              <a:t>    "prefix": {</a:t>
+            </a:r>
+          </a:p>
+          <a:p>
+            <a:r>
+              <a:rPr lang="en-US" dirty="0" smtClean="0"/>
+              <a:t>      "</a:t>
+            </a:r>
+            <a:r>
+              <a:rPr lang="en-US" dirty="0" err="1" smtClean="0"/>
+              <a:t>lasteditordisplayname</a:t>
+            </a:r>
+            <a:r>
+              <a:rPr lang="en-US" dirty="0" smtClean="0"/>
+              <a:t>": {</a:t>
+            </a:r>
+          </a:p>
+          <a:p>
+            <a:r>
+              <a:rPr lang="en-US" dirty="0" smtClean="0"/>
+              <a:t>        "value": "user151"</a:t>
+            </a:r>
+          </a:p>
+          <a:p>
+            <a:r>
+              <a:rPr lang="en-US" dirty="0" smtClean="0"/>
+              <a:t>      }</a:t>
+            </a:r>
+          </a:p>
+          <a:p>
+            <a:r>
+              <a:rPr lang="en-US" dirty="0" smtClean="0"/>
+              <a:t>    }</a:t>
+            </a:r>
+          </a:p>
+          <a:p>
+            <a:r>
+              <a:rPr lang="en-US" dirty="0" smtClean="0"/>
+              <a:t>  }</a:t>
+            </a:r>
+          </a:p>
+          <a:p>
+            <a:r>
+              <a:rPr lang="en-US" dirty="0" smtClean="0"/>
+              <a:t>}</a:t>
+            </a:r>
+            <a:endParaRPr lang="en-US" dirty="0"/>
+          </a:p>
+        </p:txBody>
+      </p:sp>
+    </p:spTree>
+  </p:cSld>
+  <p:clrMapOvr>
+    <a:masterClrMapping/>
+  </p:clrMapOvr>
+</p:sld>
+</file>
+
+<file path=ppt/slides/slide64.xml><?xml version="1.0" encoding="utf-8"?>
+<p:sld xmlns:a="http://schemas.openxmlformats.org/drawingml/2006/main" xmlns:r="http://schemas.openxmlformats.org/officeDocument/2006/relationships" xmlns:p="http://schemas.openxmlformats.org/presentationml/2006/main">
+  <p:cSld>
+    <p:spTree>
+      <p:nvGrpSpPr>
+        <p:cNvPr id="1" name=""/>
+        <p:cNvGrpSpPr/>
+        <p:nvPr/>
+      </p:nvGrpSpPr>
+      <p:grpSpPr>
+        <a:xfrm>
+          <a:off x="0" y="0"/>
+          <a:ext cx="0" cy="0"/>
+          <a:chOff x="0" y="0"/>
+          <a:chExt cx="0" cy="0"/>
+        </a:xfrm>
+      </p:grpSpPr>
+      <p:sp>
+        <p:nvSpPr>
+          <p:cNvPr id="2" name="Title 1"/>
+          <p:cNvSpPr>
+            <a:spLocks noGrp="1"/>
+          </p:cNvSpPr>
+          <p:nvPr>
+            <p:ph type="title"/>
+          </p:nvPr>
+        </p:nvSpPr>
+        <p:spPr/>
+        <p:txBody>
+          <a:bodyPr/>
+          <a:lstStyle/>
+          <a:p>
+            <a:r>
+              <a:rPr lang="en-GB" dirty="0" err="1" smtClean="0"/>
+              <a:t>RegularExpression</a:t>
+            </a:r>
+            <a:r>
+              <a:rPr lang="en-GB" dirty="0" smtClean="0"/>
+              <a:t> Query</a:t>
+            </a:r>
+            <a:endParaRPr lang="en-US" dirty="0"/>
+          </a:p>
+        </p:txBody>
+      </p:sp>
+      <p:sp>
+        <p:nvSpPr>
+          <p:cNvPr id="3" name="Content Placeholder 2"/>
+          <p:cNvSpPr>
+            <a:spLocks noGrp="1"/>
+          </p:cNvSpPr>
+          <p:nvPr>
+            <p:ph idx="1"/>
+          </p:nvPr>
+        </p:nvSpPr>
+        <p:spPr/>
+        <p:txBody>
+          <a:bodyPr>
+            <a:normAutofit fontScale="77500" lnSpcReduction="20000"/>
+          </a:bodyPr>
+          <a:lstStyle/>
+          <a:p>
+            <a:r>
+              <a:rPr lang="en-US" dirty="0" smtClean="0"/>
+              <a:t>Get </a:t>
+            </a:r>
+            <a:r>
+              <a:rPr lang="en-US" dirty="0" err="1" smtClean="0"/>
+              <a:t>stackoverflow</a:t>
+            </a:r>
+            <a:r>
+              <a:rPr lang="en-US" dirty="0" smtClean="0"/>
+              <a:t>/_search</a:t>
+            </a:r>
+          </a:p>
+          <a:p>
+            <a:r>
+              <a:rPr lang="en-US" dirty="0" smtClean="0"/>
+              <a:t>{</a:t>
+            </a:r>
+          </a:p>
+          <a:p>
+            <a:r>
+              <a:rPr lang="en-US" dirty="0" smtClean="0"/>
+              <a:t>  "query":</a:t>
+            </a:r>
+          </a:p>
+          <a:p>
+            <a:r>
+              <a:rPr lang="en-US" dirty="0" smtClean="0"/>
+              <a:t>  {</a:t>
+            </a:r>
+          </a:p>
+          <a:p>
+            <a:r>
+              <a:rPr lang="en-US" dirty="0" smtClean="0"/>
+              <a:t>    "</a:t>
+            </a:r>
+            <a:r>
+              <a:rPr lang="en-US" dirty="0" err="1" smtClean="0"/>
+              <a:t>regexp</a:t>
+            </a:r>
+            <a:r>
+              <a:rPr lang="en-US" dirty="0" smtClean="0"/>
+              <a:t>": {</a:t>
+            </a:r>
+          </a:p>
+          <a:p>
+            <a:r>
+              <a:rPr lang="en-US" dirty="0" smtClean="0"/>
+              <a:t>      "</a:t>
+            </a:r>
+            <a:r>
+              <a:rPr lang="en-US" dirty="0" err="1" smtClean="0"/>
+              <a:t>lasteditordisplayname</a:t>
+            </a:r>
+            <a:r>
+              <a:rPr lang="en-US" dirty="0" smtClean="0"/>
+              <a:t>": {</a:t>
+            </a:r>
+          </a:p>
+          <a:p>
+            <a:r>
+              <a:rPr lang="en-US" dirty="0" smtClean="0"/>
+              <a:t>        "value": "user[0-9]+3"</a:t>
+            </a:r>
+          </a:p>
+          <a:p>
+            <a:r>
+              <a:rPr lang="en-US" dirty="0" smtClean="0"/>
+              <a:t>      }</a:t>
+            </a:r>
+          </a:p>
+          <a:p>
+            <a:r>
+              <a:rPr lang="en-US" dirty="0" smtClean="0"/>
+              <a:t>    }</a:t>
+            </a:r>
+          </a:p>
+          <a:p>
+            <a:r>
+              <a:rPr lang="en-US" dirty="0" smtClean="0"/>
+              <a:t>  }</a:t>
+            </a:r>
+          </a:p>
+          <a:p>
+            <a:r>
+              <a:rPr lang="en-US" dirty="0" smtClean="0"/>
+              <a:t>}</a:t>
+            </a:r>
+            <a:endParaRPr lang="en-US" dirty="0"/>
+          </a:p>
+        </p:txBody>
+      </p:sp>
+    </p:spTree>
+  </p:cSld>
+  <p:clrMapOvr>
+    <a:masterClrMapping/>
+  </p:clrMapOvr>
+</p:sld>
+</file>
+
+<file path=ppt/slides/slide65.xml><?xml version="1.0" encoding="utf-8"?>
+<p:sld xmlns:a="http://schemas.openxmlformats.org/drawingml/2006/main" xmlns:r="http://schemas.openxmlformats.org/officeDocument/2006/relationships" xmlns:p="http://schemas.openxmlformats.org/presentationml/2006/main">
+  <p:cSld>
+    <p:spTree>
+      <p:nvGrpSpPr>
+        <p:cNvPr id="1" name=""/>
+        <p:cNvGrpSpPr/>
+        <p:nvPr/>
+      </p:nvGrpSpPr>
+      <p:grpSpPr>
+        <a:xfrm>
+          <a:off x="0" y="0"/>
+          <a:ext cx="0" cy="0"/>
+          <a:chOff x="0" y="0"/>
+          <a:chExt cx="0" cy="0"/>
+        </a:xfrm>
+      </p:grpSpPr>
+      <p:sp>
+        <p:nvSpPr>
+          <p:cNvPr id="2" name="Title 1"/>
+          <p:cNvSpPr>
+            <a:spLocks noGrp="1"/>
+          </p:cNvSpPr>
+          <p:nvPr>
+            <p:ph type="title"/>
+          </p:nvPr>
+        </p:nvSpPr>
+        <p:spPr/>
+        <p:txBody>
+          <a:bodyPr/>
+          <a:lstStyle/>
+          <a:p>
+            <a:r>
+              <a:rPr lang="en-GB" dirty="0" smtClean="0"/>
+              <a:t>Terms</a:t>
+            </a:r>
+            <a:endParaRPr lang="en-US" dirty="0"/>
+          </a:p>
+        </p:txBody>
+      </p:sp>
+      <p:sp>
+        <p:nvSpPr>
+          <p:cNvPr id="3" name="Content Placeholder 2"/>
+          <p:cNvSpPr>
+            <a:spLocks noGrp="1"/>
+          </p:cNvSpPr>
+          <p:nvPr>
+            <p:ph idx="1"/>
+          </p:nvPr>
+        </p:nvSpPr>
+        <p:spPr/>
+        <p:txBody>
+          <a:bodyPr>
+            <a:normAutofit fontScale="77500" lnSpcReduction="20000"/>
+          </a:bodyPr>
+          <a:lstStyle/>
+          <a:p>
+            <a:r>
+              <a:rPr lang="en-GB" dirty="0" smtClean="0"/>
+              <a:t>If we want to pass an array and search. Equivalent of </a:t>
+            </a:r>
+            <a:r>
+              <a:rPr lang="en-GB" dirty="0" smtClean="0"/>
+              <a:t>In clause in SQL</a:t>
+            </a:r>
+            <a:br>
+              <a:rPr lang="en-GB" dirty="0" smtClean="0"/>
+            </a:br>
+            <a:r>
+              <a:rPr lang="en-GB" dirty="0" smtClean="0"/>
+              <a:t/>
+            </a:r>
+            <a:br>
+              <a:rPr lang="en-GB" dirty="0" smtClean="0"/>
+            </a:br>
+            <a:r>
+              <a:rPr lang="en-GB" dirty="0" smtClean="0"/>
+              <a:t>Get /</a:t>
+            </a:r>
+            <a:r>
+              <a:rPr lang="en-GB" dirty="0" err="1" smtClean="0"/>
+              <a:t>stackoverflow</a:t>
+            </a:r>
+            <a:r>
+              <a:rPr lang="en-GB" dirty="0" smtClean="0"/>
+              <a:t>/_search</a:t>
+            </a:r>
+          </a:p>
+          <a:p>
+            <a:r>
+              <a:rPr lang="en-GB" dirty="0" smtClean="0"/>
+              <a:t>{</a:t>
+            </a:r>
+          </a:p>
+          <a:p>
+            <a:r>
+              <a:rPr lang="en-GB" dirty="0" smtClean="0"/>
+              <a:t>  "query":</a:t>
+            </a:r>
+          </a:p>
+          <a:p>
+            <a:r>
+              <a:rPr lang="en-GB" dirty="0" smtClean="0"/>
+              <a:t>  {</a:t>
+            </a:r>
+          </a:p>
+          <a:p>
+            <a:r>
+              <a:rPr lang="en-GB" dirty="0" smtClean="0"/>
+              <a:t>    "terms": {</a:t>
+            </a:r>
+          </a:p>
+          <a:p>
+            <a:r>
+              <a:rPr lang="en-GB" dirty="0" smtClean="0"/>
+              <a:t>      "</a:t>
+            </a:r>
+            <a:r>
+              <a:rPr lang="en-GB" dirty="0" err="1" smtClean="0"/>
+              <a:t>parentid</a:t>
+            </a:r>
+            <a:r>
+              <a:rPr lang="en-GB" dirty="0" smtClean="0"/>
+              <a:t>": ["1240805","1240718"]</a:t>
+            </a:r>
+          </a:p>
+          <a:p>
+            <a:r>
+              <a:rPr lang="en-GB" dirty="0" smtClean="0"/>
+              <a:t>    }</a:t>
+            </a:r>
+          </a:p>
+          <a:p>
+            <a:r>
+              <a:rPr lang="en-GB" dirty="0" smtClean="0"/>
+              <a:t>  }</a:t>
+            </a:r>
+          </a:p>
+          <a:p>
+            <a:r>
+              <a:rPr lang="en-GB" dirty="0" smtClean="0"/>
+              <a:t>}</a:t>
+            </a:r>
+            <a:endParaRPr lang="en-US" dirty="0"/>
+          </a:p>
+        </p:txBody>
+      </p:sp>
+    </p:spTree>
+  </p:cSld>
+  <p:clrMapOvr>
+    <a:masterClrMapping/>
+  </p:clrMapOvr>
+</p:sld>
+</file>
+
+<file path=ppt/slides/slide66.xml><?xml version="1.0" encoding="utf-8"?>
+<p:sld xmlns:a="http://schemas.openxmlformats.org/drawingml/2006/main" xmlns:r="http://schemas.openxmlformats.org/officeDocument/2006/relationships" xmlns:p="http://schemas.openxmlformats.org/presentationml/2006/main">
+  <p:cSld>
+    <p:spTree>
+      <p:nvGrpSpPr>
+        <p:cNvPr id="1" name=""/>
+        <p:cNvGrpSpPr/>
+        <p:nvPr/>
+      </p:nvGrpSpPr>
+      <p:grpSpPr>
+        <a:xfrm>
+          <a:off x="0" y="0"/>
+          <a:ext cx="0" cy="0"/>
+          <a:chOff x="0" y="0"/>
+          <a:chExt cx="0" cy="0"/>
+        </a:xfrm>
+      </p:grpSpPr>
+      <p:sp>
+        <p:nvSpPr>
+          <p:cNvPr id="2" name="Title 1"/>
+          <p:cNvSpPr>
+            <a:spLocks noGrp="1"/>
+          </p:cNvSpPr>
+          <p:nvPr>
+            <p:ph type="title"/>
+          </p:nvPr>
+        </p:nvSpPr>
+        <p:spPr/>
+        <p:txBody>
+          <a:bodyPr/>
+          <a:lstStyle/>
+          <a:p>
+            <a:r>
+              <a:rPr lang="en-GB" dirty="0" smtClean="0"/>
+              <a:t>Range queries</a:t>
+            </a:r>
+            <a:endParaRPr lang="en-US" dirty="0"/>
+          </a:p>
+        </p:txBody>
+      </p:sp>
+      <p:sp>
+        <p:nvSpPr>
+          <p:cNvPr id="3" name="Content Placeholder 2"/>
+          <p:cNvSpPr>
+            <a:spLocks noGrp="1"/>
+          </p:cNvSpPr>
+          <p:nvPr>
+            <p:ph idx="1"/>
+          </p:nvPr>
+        </p:nvSpPr>
+        <p:spPr/>
+        <p:txBody>
+          <a:bodyPr>
+            <a:normAutofit fontScale="62500" lnSpcReduction="20000"/>
+          </a:bodyPr>
+          <a:lstStyle/>
+          <a:p>
+            <a:r>
+              <a:rPr lang="en-US" dirty="0" smtClean="0"/>
+              <a:t>Get /</a:t>
+            </a:r>
+            <a:r>
+              <a:rPr lang="en-US" dirty="0" err="1" smtClean="0"/>
+              <a:t>stackoverflow</a:t>
+            </a:r>
+            <a:r>
+              <a:rPr lang="en-US" dirty="0" smtClean="0"/>
+              <a:t>/_search</a:t>
+            </a:r>
+          </a:p>
+          <a:p>
+            <a:r>
+              <a:rPr lang="en-US" dirty="0" smtClean="0"/>
+              <a:t>{</a:t>
+            </a:r>
+          </a:p>
+          <a:p>
+            <a:r>
+              <a:rPr lang="en-US" dirty="0" smtClean="0"/>
+              <a:t>  "query":</a:t>
+            </a:r>
+          </a:p>
+          <a:p>
+            <a:r>
+              <a:rPr lang="en-US" dirty="0" smtClean="0"/>
+              <a:t>  {</a:t>
+            </a:r>
+          </a:p>
+          <a:p>
+            <a:r>
+              <a:rPr lang="en-US" dirty="0" smtClean="0"/>
+              <a:t>    "range": {</a:t>
+            </a:r>
+          </a:p>
+          <a:p>
+            <a:r>
+              <a:rPr lang="en-US" dirty="0" smtClean="0"/>
+              <a:t>      "</a:t>
+            </a:r>
+            <a:r>
+              <a:rPr lang="en-US" dirty="0" err="1" smtClean="0"/>
+              <a:t>creationdate</a:t>
+            </a:r>
+            <a:r>
+              <a:rPr lang="en-US" dirty="0" smtClean="0"/>
+              <a:t>": </a:t>
+            </a:r>
+          </a:p>
+          <a:p>
+            <a:r>
+              <a:rPr lang="en-US" dirty="0" smtClean="0"/>
+              <a:t>      {</a:t>
+            </a:r>
+          </a:p>
+          <a:p>
+            <a:r>
+              <a:rPr lang="en-US" dirty="0" smtClean="0"/>
+              <a:t>        "</a:t>
+            </a:r>
+            <a:r>
+              <a:rPr lang="en-US" dirty="0" err="1" smtClean="0"/>
+              <a:t>gte</a:t>
+            </a:r>
+            <a:r>
+              <a:rPr lang="en-US" dirty="0" smtClean="0"/>
+              <a:t>": "2009-08-06 00:00:00",</a:t>
+            </a:r>
+          </a:p>
+          <a:p>
+            <a:r>
+              <a:rPr lang="en-US" dirty="0" smtClean="0"/>
+              <a:t>        "</a:t>
+            </a:r>
+            <a:r>
+              <a:rPr lang="en-US" dirty="0" err="1" smtClean="0"/>
+              <a:t>lte</a:t>
+            </a:r>
+            <a:r>
+              <a:rPr lang="en-US" dirty="0" smtClean="0"/>
+              <a:t>": "2009-09-06 00:00:00",</a:t>
+            </a:r>
+          </a:p>
+          <a:p>
+            <a:r>
+              <a:rPr lang="en-US" dirty="0" smtClean="0"/>
+              <a:t>        "format": "</a:t>
+            </a:r>
+            <a:r>
+              <a:rPr lang="en-US" dirty="0" err="1" smtClean="0"/>
+              <a:t>yyyy</a:t>
+            </a:r>
+            <a:r>
+              <a:rPr lang="en-US" dirty="0" smtClean="0"/>
+              <a:t>-MM-</a:t>
+            </a:r>
+            <a:r>
+              <a:rPr lang="en-US" dirty="0" err="1" smtClean="0"/>
+              <a:t>dd</a:t>
+            </a:r>
+            <a:r>
+              <a:rPr lang="en-US" dirty="0" smtClean="0"/>
+              <a:t> </a:t>
+            </a:r>
+            <a:r>
+              <a:rPr lang="en-US" dirty="0" err="1" smtClean="0"/>
+              <a:t>HH:mm:ss</a:t>
+            </a:r>
+            <a:r>
+              <a:rPr lang="en-US" dirty="0" smtClean="0"/>
+              <a:t>"</a:t>
+            </a:r>
+          </a:p>
+          <a:p>
+            <a:r>
+              <a:rPr lang="en-US" dirty="0" smtClean="0"/>
+              <a:t>      }</a:t>
+            </a:r>
+          </a:p>
+          <a:p>
+            <a:r>
+              <a:rPr lang="en-US" dirty="0" smtClean="0"/>
+              <a:t>    }</a:t>
+            </a:r>
+          </a:p>
+          <a:p>
+            <a:r>
+              <a:rPr lang="en-US" dirty="0" smtClean="0"/>
+              <a:t>  }</a:t>
+            </a:r>
+          </a:p>
+          <a:p>
+            <a:r>
+              <a:rPr lang="en-US" dirty="0" smtClean="0"/>
+              <a:t>}</a:t>
+            </a:r>
+            <a:endParaRPr lang="en-US" dirty="0"/>
+          </a:p>
+        </p:txBody>
+      </p:sp>
+    </p:spTree>
+  </p:cSld>
+  <p:clrMapOvr>
+    <a:masterClrMapping/>
+  </p:clrMapOvr>
+</p:sld>
+</file>
+
+<file path=ppt/slides/slide67.xml><?xml version="1.0" encoding="utf-8"?>
+<p:sld xmlns:a="http://schemas.openxmlformats.org/drawingml/2006/main" xmlns:r="http://schemas.openxmlformats.org/officeDocument/2006/relationships" xmlns:p="http://schemas.openxmlformats.org/presentationml/2006/main">
+  <p:cSld>
+    <p:spTree>
+      <p:nvGrpSpPr>
+        <p:cNvPr id="1" name=""/>
+        <p:cNvGrpSpPr/>
+        <p:nvPr/>
+      </p:nvGrpSpPr>
+      <p:grpSpPr>
+        <a:xfrm>
+          <a:off x="0" y="0"/>
+          <a:ext cx="0" cy="0"/>
+          <a:chOff x="0" y="0"/>
+          <a:chExt cx="0" cy="0"/>
+        </a:xfrm>
+      </p:grpSpPr>
+      <p:sp>
+        <p:nvSpPr>
+          <p:cNvPr id="2" name="Title 1"/>
+          <p:cNvSpPr>
+            <a:spLocks noGrp="1"/>
+          </p:cNvSpPr>
+          <p:nvPr>
+            <p:ph type="title"/>
+          </p:nvPr>
+        </p:nvSpPr>
+        <p:spPr/>
+        <p:txBody>
+          <a:bodyPr/>
+          <a:lstStyle/>
+          <a:p>
+            <a:r>
+              <a:rPr lang="en-GB" dirty="0" smtClean="0"/>
+              <a:t>Exists</a:t>
+            </a:r>
+            <a:endParaRPr lang="en-US" dirty="0"/>
+          </a:p>
+        </p:txBody>
+      </p:sp>
+      <p:sp>
+        <p:nvSpPr>
+          <p:cNvPr id="3" name="Content Placeholder 2"/>
+          <p:cNvSpPr>
+            <a:spLocks noGrp="1"/>
+          </p:cNvSpPr>
+          <p:nvPr>
+            <p:ph idx="1"/>
+          </p:nvPr>
+        </p:nvSpPr>
+        <p:spPr/>
+        <p:txBody>
+          <a:bodyPr>
+            <a:normAutofit fontScale="85000" lnSpcReduction="20000"/>
+          </a:bodyPr>
+          <a:lstStyle/>
+          <a:p>
+            <a:r>
+              <a:rPr lang="en-GB" dirty="0" smtClean="0"/>
+              <a:t>Exists query is used to get fields that have value other than null and also field exists</a:t>
+            </a:r>
+          </a:p>
+          <a:p>
+            <a:r>
+              <a:rPr lang="en-GB" dirty="0" smtClean="0"/>
+              <a:t>Get </a:t>
+            </a:r>
+            <a:r>
+              <a:rPr lang="en-GB" dirty="0" err="1" smtClean="0"/>
+              <a:t>stackoverflow</a:t>
+            </a:r>
+            <a:r>
+              <a:rPr lang="en-GB" dirty="0" smtClean="0"/>
+              <a:t>/_search</a:t>
+            </a:r>
+          </a:p>
+          <a:p>
+            <a:r>
+              <a:rPr lang="en-GB" dirty="0" smtClean="0"/>
+              <a:t>{</a:t>
+            </a:r>
+          </a:p>
+          <a:p>
+            <a:r>
+              <a:rPr lang="en-GB" dirty="0" smtClean="0"/>
+              <a:t>  "query":</a:t>
+            </a:r>
+          </a:p>
+          <a:p>
+            <a:r>
+              <a:rPr lang="en-GB" dirty="0" smtClean="0"/>
+              <a:t>  {</a:t>
+            </a:r>
+          </a:p>
+          <a:p>
+            <a:r>
+              <a:rPr lang="en-GB" dirty="0" smtClean="0"/>
+              <a:t>    "exists": {</a:t>
+            </a:r>
+          </a:p>
+          <a:p>
+            <a:r>
+              <a:rPr lang="en-GB" dirty="0" smtClean="0"/>
+              <a:t>      "field": "</a:t>
+            </a:r>
+            <a:r>
+              <a:rPr lang="en-GB" dirty="0" err="1" smtClean="0"/>
+              <a:t>closeddate</a:t>
+            </a:r>
+            <a:r>
+              <a:rPr lang="en-GB" dirty="0" smtClean="0"/>
+              <a:t>"</a:t>
+            </a:r>
+          </a:p>
+          <a:p>
+            <a:r>
+              <a:rPr lang="en-GB" dirty="0" smtClean="0"/>
+              <a:t>    }</a:t>
+            </a:r>
+          </a:p>
+          <a:p>
+            <a:r>
+              <a:rPr lang="en-GB" dirty="0" smtClean="0"/>
+              <a:t>  }</a:t>
+            </a:r>
+          </a:p>
+          <a:p>
+            <a:r>
+              <a:rPr lang="en-GB" dirty="0" smtClean="0"/>
+              <a:t>}</a:t>
+            </a:r>
+            <a:endParaRPr lang="en-US" dirty="0"/>
+          </a:p>
+        </p:txBody>
+      </p:sp>
+    </p:spTree>
+  </p:cSld>
+  <p:clrMapOvr>
+    <a:masterClrMapping/>
+  </p:clrMapOvr>
+</p:sld>
+</file>
+
+<file path=ppt/slides/slide68.xml><?xml version="1.0" encoding="utf-8"?>
+<p:sld xmlns:a="http://schemas.openxmlformats.org/drawingml/2006/main" xmlns:r="http://schemas.openxmlformats.org/officeDocument/2006/relationships" xmlns:p="http://schemas.openxmlformats.org/presentationml/2006/main">
+  <p:cSld>
+    <p:spTree>
+      <p:nvGrpSpPr>
+        <p:cNvPr id="1" name=""/>
+        <p:cNvGrpSpPr/>
+        <p:nvPr/>
+      </p:nvGrpSpPr>
+      <p:grpSpPr>
+        <a:xfrm>
+          <a:off x="0" y="0"/>
+          <a:ext cx="0" cy="0"/>
+          <a:chOff x="0" y="0"/>
+          <a:chExt cx="0" cy="0"/>
+        </a:xfrm>
+      </p:grpSpPr>
+      <p:sp>
+        <p:nvSpPr>
+          <p:cNvPr id="2" name="Title 1"/>
+          <p:cNvSpPr>
+            <a:spLocks noGrp="1"/>
+          </p:cNvSpPr>
+          <p:nvPr>
+            <p:ph type="title"/>
+          </p:nvPr>
+        </p:nvSpPr>
+        <p:spPr/>
+        <p:txBody>
+          <a:bodyPr/>
+          <a:lstStyle/>
+          <a:p>
+            <a:r>
+              <a:rPr lang="en-GB" dirty="0" err="1" smtClean="0"/>
+              <a:t>WildCard</a:t>
+            </a:r>
+            <a:endParaRPr lang="en-US" dirty="0"/>
+          </a:p>
+        </p:txBody>
+      </p:sp>
+      <p:sp>
+        <p:nvSpPr>
+          <p:cNvPr id="3" name="Content Placeholder 2"/>
+          <p:cNvSpPr>
+            <a:spLocks noGrp="1"/>
+          </p:cNvSpPr>
+          <p:nvPr>
+            <p:ph idx="1"/>
+          </p:nvPr>
+        </p:nvSpPr>
+        <p:spPr/>
+        <p:txBody>
+          <a:bodyPr>
+            <a:normAutofit fontScale="70000" lnSpcReduction="20000"/>
+          </a:bodyPr>
+          <a:lstStyle/>
+          <a:p>
+            <a:r>
+              <a:rPr lang="en-US" dirty="0" smtClean="0"/>
+              <a:t>Get </a:t>
+            </a:r>
+            <a:r>
+              <a:rPr lang="en-US" dirty="0" err="1" smtClean="0"/>
+              <a:t>stackoverflow</a:t>
+            </a:r>
+            <a:r>
+              <a:rPr lang="en-US" dirty="0" smtClean="0"/>
+              <a:t>/_search</a:t>
+            </a:r>
+          </a:p>
+          <a:p>
+            <a:r>
+              <a:rPr lang="en-US" dirty="0" smtClean="0"/>
+              <a:t>{</a:t>
+            </a:r>
+          </a:p>
+          <a:p>
+            <a:r>
+              <a:rPr lang="en-US" dirty="0" smtClean="0"/>
+              <a:t>  "query":</a:t>
+            </a:r>
+          </a:p>
+          <a:p>
+            <a:r>
+              <a:rPr lang="en-US" dirty="0" smtClean="0"/>
+              <a:t>  {</a:t>
+            </a:r>
+          </a:p>
+          <a:p>
+            <a:r>
+              <a:rPr lang="en-US" dirty="0" smtClean="0"/>
+              <a:t>    "wildcard": {</a:t>
+            </a:r>
+          </a:p>
+          <a:p>
+            <a:r>
+              <a:rPr lang="en-US" dirty="0" smtClean="0"/>
+              <a:t>      "</a:t>
+            </a:r>
+            <a:r>
+              <a:rPr lang="en-US" dirty="0" err="1" smtClean="0"/>
+              <a:t>lasteditordisplayname</a:t>
+            </a:r>
+            <a:r>
+              <a:rPr lang="en-US" dirty="0" smtClean="0"/>
+              <a:t>": {</a:t>
+            </a:r>
+          </a:p>
+          <a:p>
+            <a:r>
+              <a:rPr lang="en-US" dirty="0" smtClean="0"/>
+              <a:t>        "value": "us*3"</a:t>
+            </a:r>
+          </a:p>
+          <a:p>
+            <a:r>
+              <a:rPr lang="en-US" dirty="0" smtClean="0"/>
+              <a:t>      }</a:t>
+            </a:r>
+          </a:p>
+          <a:p>
+            <a:r>
+              <a:rPr lang="en-US" dirty="0" smtClean="0"/>
+              <a:t>    }</a:t>
+            </a:r>
+          </a:p>
+          <a:p>
+            <a:r>
+              <a:rPr lang="en-US" dirty="0" smtClean="0"/>
+              <a:t>  }</a:t>
+            </a:r>
+          </a:p>
+          <a:p>
+            <a:r>
+              <a:rPr lang="en-US" dirty="0" smtClean="0"/>
+              <a:t>}</a:t>
+            </a:r>
+            <a:br>
+              <a:rPr lang="en-US" dirty="0" smtClean="0"/>
+            </a:br>
+            <a:r>
+              <a:rPr lang="en-US" dirty="0" smtClean="0"/>
+              <a:t/>
+            </a:r>
+            <a:br>
+              <a:rPr lang="en-US" dirty="0" smtClean="0"/>
+            </a:br>
+            <a:r>
+              <a:rPr lang="en-GB" dirty="0" smtClean="0"/>
+              <a:t>select top 10 * from Posts where </a:t>
+            </a:r>
+            <a:r>
+              <a:rPr lang="en-GB" dirty="0" err="1" smtClean="0"/>
+              <a:t>lasteditordisplayname</a:t>
+            </a:r>
+            <a:r>
+              <a:rPr lang="en-GB" dirty="0" smtClean="0"/>
+              <a:t> like 'use%%1'</a:t>
+            </a:r>
+            <a:endParaRPr lang="en-US" dirty="0"/>
+          </a:p>
+        </p:txBody>
+      </p:sp>
+    </p:spTree>
+  </p:cSld>
+  <p:clrMapOvr>
+    <a:masterClrMapping/>
+  </p:clrMapOvr>
+</p:sld>
+</file>
+
+<file path=ppt/slides/slide69.xml><?xml version="1.0" encoding="utf-8"?>
+<p:sld xmlns:a="http://schemas.openxmlformats.org/drawingml/2006/main" xmlns:r="http://schemas.openxmlformats.org/officeDocument/2006/relationships" xmlns:p="http://schemas.openxmlformats.org/presentationml/2006/main">
+  <p:cSld>
+    <p:spTree>
+      <p:nvGrpSpPr>
+        <p:cNvPr id="1" name=""/>
+        <p:cNvGrpSpPr/>
+        <p:nvPr/>
+      </p:nvGrpSpPr>
+      <p:grpSpPr>
+        <a:xfrm>
+          <a:off x="0" y="0"/>
+          <a:ext cx="0" cy="0"/>
+          <a:chOff x="0" y="0"/>
+          <a:chExt cx="0" cy="0"/>
+        </a:xfrm>
+      </p:grpSpPr>
+      <p:sp>
+        <p:nvSpPr>
+          <p:cNvPr id="2" name="Title 1"/>
+          <p:cNvSpPr>
+            <a:spLocks noGrp="1"/>
+          </p:cNvSpPr>
+          <p:nvPr>
+            <p:ph type="title"/>
+          </p:nvPr>
+        </p:nvSpPr>
+        <p:spPr/>
+        <p:txBody>
+          <a:bodyPr/>
+          <a:lstStyle/>
+          <a:p>
+            <a:r>
+              <a:rPr lang="en-GB" dirty="0" smtClean="0"/>
+              <a:t>FULL TEXT QUERIES</a:t>
+            </a:r>
+            <a:endParaRPr lang="en-US" dirty="0"/>
+          </a:p>
+        </p:txBody>
+      </p:sp>
+      <p:sp>
+        <p:nvSpPr>
+          <p:cNvPr id="3" name="Content Placeholder 2"/>
+          <p:cNvSpPr>
+            <a:spLocks noGrp="1"/>
+          </p:cNvSpPr>
+          <p:nvPr>
+            <p:ph idx="1"/>
+          </p:nvPr>
+        </p:nvSpPr>
+        <p:spPr/>
+        <p:txBody>
+          <a:bodyPr/>
+          <a:lstStyle/>
+          <a:p>
+            <a:r>
+              <a:rPr lang="en-GB" dirty="0" smtClean="0"/>
+              <a:t>These are the queries which can be used on analyzed text fields.</a:t>
+            </a:r>
+            <a:endParaRPr lang="en-US" dirty="0"/>
+          </a:p>
+        </p:txBody>
+      </p:sp>
+    </p:spTree>
+  </p:cSld>
+  <p:clrMapOvr>
+    <a:masterClrMapping/>
+  </p:clrMapOvr>
+</p:sld>
+</file>
+
 <file path=ppt/slides/slide7.xml><?xml version="1.0" encoding="utf-8"?>
 <p:sld xmlns:a="http://schemas.openxmlformats.org/drawingml/2006/main" xmlns:r="http://schemas.openxmlformats.org/officeDocument/2006/relationships" xmlns:p="http://schemas.openxmlformats.org/presentationml/2006/main">
   <p:cSld>
@@ -7860,6 +11199,1398 @@
             <a:br>
               <a:rPr lang="en-GB" dirty="0" smtClean="0"/>
             </a:br>
+            <a:endParaRPr lang="en-US" dirty="0"/>
+          </a:p>
+        </p:txBody>
+      </p:sp>
+    </p:spTree>
+  </p:cSld>
+  <p:clrMapOvr>
+    <a:masterClrMapping/>
+  </p:clrMapOvr>
+</p:sld>
+</file>
+
+<file path=ppt/slides/slide70.xml><?xml version="1.0" encoding="utf-8"?>
+<p:sld xmlns:a="http://schemas.openxmlformats.org/drawingml/2006/main" xmlns:r="http://schemas.openxmlformats.org/officeDocument/2006/relationships" xmlns:p="http://schemas.openxmlformats.org/presentationml/2006/main">
+  <p:cSld>
+    <p:spTree>
+      <p:nvGrpSpPr>
+        <p:cNvPr id="1" name=""/>
+        <p:cNvGrpSpPr/>
+        <p:nvPr/>
+      </p:nvGrpSpPr>
+      <p:grpSpPr>
+        <a:xfrm>
+          <a:off x="0" y="0"/>
+          <a:ext cx="0" cy="0"/>
+          <a:chOff x="0" y="0"/>
+          <a:chExt cx="0" cy="0"/>
+        </a:xfrm>
+      </p:grpSpPr>
+      <p:sp>
+        <p:nvSpPr>
+          <p:cNvPr id="2" name="Title 1"/>
+          <p:cNvSpPr>
+            <a:spLocks noGrp="1"/>
+          </p:cNvSpPr>
+          <p:nvPr>
+            <p:ph type="title"/>
+          </p:nvPr>
+        </p:nvSpPr>
+        <p:spPr/>
+        <p:txBody>
+          <a:bodyPr/>
+          <a:lstStyle/>
+          <a:p>
+            <a:r>
+              <a:rPr lang="en-GB" dirty="0" smtClean="0"/>
+              <a:t>Match Queries</a:t>
+            </a:r>
+            <a:endParaRPr lang="en-US" dirty="0"/>
+          </a:p>
+        </p:txBody>
+      </p:sp>
+      <p:sp>
+        <p:nvSpPr>
+          <p:cNvPr id="3" name="Content Placeholder 2"/>
+          <p:cNvSpPr>
+            <a:spLocks noGrp="1"/>
+          </p:cNvSpPr>
+          <p:nvPr>
+            <p:ph idx="1"/>
+          </p:nvPr>
+        </p:nvSpPr>
+        <p:spPr/>
+        <p:txBody>
+          <a:bodyPr/>
+          <a:lstStyle/>
+          <a:p>
+            <a:endParaRPr lang="en-US"/>
+          </a:p>
+        </p:txBody>
+      </p:sp>
+    </p:spTree>
+  </p:cSld>
+  <p:clrMapOvr>
+    <a:masterClrMapping/>
+  </p:clrMapOvr>
+</p:sld>
+</file>
+
+<file path=ppt/slides/slide71.xml><?xml version="1.0" encoding="utf-8"?>
+<p:sld xmlns:a="http://schemas.openxmlformats.org/drawingml/2006/main" xmlns:r="http://schemas.openxmlformats.org/officeDocument/2006/relationships" xmlns:p="http://schemas.openxmlformats.org/presentationml/2006/main">
+  <p:cSld>
+    <p:spTree>
+      <p:nvGrpSpPr>
+        <p:cNvPr id="1" name=""/>
+        <p:cNvGrpSpPr/>
+        <p:nvPr/>
+      </p:nvGrpSpPr>
+      <p:grpSpPr>
+        <a:xfrm>
+          <a:off x="0" y="0"/>
+          <a:ext cx="0" cy="0"/>
+          <a:chOff x="0" y="0"/>
+          <a:chExt cx="0" cy="0"/>
+        </a:xfrm>
+      </p:grpSpPr>
+      <p:sp>
+        <p:nvSpPr>
+          <p:cNvPr id="2" name="Title 1"/>
+          <p:cNvSpPr>
+            <a:spLocks noGrp="1"/>
+          </p:cNvSpPr>
+          <p:nvPr>
+            <p:ph type="title"/>
+          </p:nvPr>
+        </p:nvSpPr>
+        <p:spPr/>
+        <p:txBody>
+          <a:bodyPr/>
+          <a:lstStyle/>
+          <a:p>
+            <a:endParaRPr lang="en-US"/>
+          </a:p>
+        </p:txBody>
+      </p:sp>
+      <p:sp>
+        <p:nvSpPr>
+          <p:cNvPr id="3" name="Content Placeholder 2"/>
+          <p:cNvSpPr>
+            <a:spLocks noGrp="1"/>
+          </p:cNvSpPr>
+          <p:nvPr>
+            <p:ph idx="1"/>
+          </p:nvPr>
+        </p:nvSpPr>
+        <p:spPr/>
+        <p:txBody>
+          <a:bodyPr/>
+          <a:lstStyle/>
+          <a:p>
+            <a:r>
+              <a:rPr lang="en-GB" dirty="0" smtClean="0"/>
+              <a:t>Questions answered by </a:t>
+            </a:r>
+            <a:r>
+              <a:rPr lang="en-GB" dirty="0" err="1" smtClean="0"/>
+              <a:t>JonSkeet</a:t>
+            </a:r>
+            <a:r>
+              <a:rPr lang="en-GB" dirty="0" smtClean="0"/>
+              <a:t/>
+            </a:r>
+            <a:br>
+              <a:rPr lang="en-GB" dirty="0" smtClean="0"/>
+            </a:br>
+            <a:r>
+              <a:rPr lang="en-GB" dirty="0" smtClean="0"/>
+              <a:t/>
+            </a:r>
+            <a:br>
+              <a:rPr lang="en-GB" dirty="0" smtClean="0"/>
+            </a:br>
+            <a:r>
+              <a:rPr lang="en-GB" dirty="0" smtClean="0"/>
+              <a:t>Get </a:t>
+            </a:r>
+            <a:r>
+              <a:rPr lang="en-GB" dirty="0" err="1" smtClean="0"/>
+              <a:t>stackoverflow</a:t>
+            </a:r>
+            <a:r>
+              <a:rPr lang="en-GB" dirty="0" smtClean="0"/>
+              <a:t>/_search{  "query":  {    "match": {      "</a:t>
+            </a:r>
+            <a:r>
+              <a:rPr lang="en-GB" dirty="0" err="1" smtClean="0"/>
+              <a:t>owneruserid</a:t>
+            </a:r>
+            <a:r>
+              <a:rPr lang="en-GB" dirty="0" smtClean="0"/>
+              <a:t>": "22656"    }  }}</a:t>
+            </a:r>
+            <a:endParaRPr lang="en-US" dirty="0"/>
+          </a:p>
+        </p:txBody>
+      </p:sp>
+    </p:spTree>
+  </p:cSld>
+  <p:clrMapOvr>
+    <a:masterClrMapping/>
+  </p:clrMapOvr>
+</p:sld>
+</file>
+
+<file path=ppt/slides/slide72.xml><?xml version="1.0" encoding="utf-8"?>
+<p:sld xmlns:a="http://schemas.openxmlformats.org/drawingml/2006/main" xmlns:r="http://schemas.openxmlformats.org/officeDocument/2006/relationships" xmlns:p="http://schemas.openxmlformats.org/presentationml/2006/main">
+  <p:cSld>
+    <p:spTree>
+      <p:nvGrpSpPr>
+        <p:cNvPr id="1" name=""/>
+        <p:cNvGrpSpPr/>
+        <p:nvPr/>
+      </p:nvGrpSpPr>
+      <p:grpSpPr>
+        <a:xfrm>
+          <a:off x="0" y="0"/>
+          <a:ext cx="0" cy="0"/>
+          <a:chOff x="0" y="0"/>
+          <a:chExt cx="0" cy="0"/>
+        </a:xfrm>
+      </p:grpSpPr>
+      <p:sp>
+        <p:nvSpPr>
+          <p:cNvPr id="2" name="Title 1"/>
+          <p:cNvSpPr>
+            <a:spLocks noGrp="1"/>
+          </p:cNvSpPr>
+          <p:nvPr>
+            <p:ph type="title"/>
+          </p:nvPr>
+        </p:nvSpPr>
+        <p:spPr/>
+        <p:txBody>
+          <a:bodyPr/>
+          <a:lstStyle/>
+          <a:p>
+            <a:endParaRPr lang="en-US"/>
+          </a:p>
+        </p:txBody>
+      </p:sp>
+      <p:sp>
+        <p:nvSpPr>
+          <p:cNvPr id="3" name="Content Placeholder 2"/>
+          <p:cNvSpPr>
+            <a:spLocks noGrp="1"/>
+          </p:cNvSpPr>
+          <p:nvPr>
+            <p:ph idx="1"/>
+          </p:nvPr>
+        </p:nvSpPr>
+        <p:spPr/>
+        <p:txBody>
+          <a:bodyPr>
+            <a:normAutofit fontScale="92500" lnSpcReduction="20000"/>
+          </a:bodyPr>
+          <a:lstStyle/>
+          <a:p>
+            <a:r>
+              <a:rPr lang="en-US" dirty="0" smtClean="0"/>
+              <a:t>Get </a:t>
+            </a:r>
+            <a:r>
+              <a:rPr lang="en-US" dirty="0" err="1" smtClean="0"/>
+              <a:t>stackoverflow</a:t>
+            </a:r>
+            <a:r>
+              <a:rPr lang="en-US" dirty="0" smtClean="0"/>
+              <a:t>/_search</a:t>
+            </a:r>
+          </a:p>
+          <a:p>
+            <a:r>
+              <a:rPr lang="en-US" dirty="0" smtClean="0"/>
+              <a:t>{</a:t>
+            </a:r>
+          </a:p>
+          <a:p>
+            <a:r>
+              <a:rPr lang="en-US" dirty="0" smtClean="0"/>
+              <a:t>  "query":</a:t>
+            </a:r>
+          </a:p>
+          <a:p>
+            <a:r>
+              <a:rPr lang="en-US" dirty="0" smtClean="0"/>
+              <a:t>  {</a:t>
+            </a:r>
+          </a:p>
+          <a:p>
+            <a:r>
+              <a:rPr lang="en-US" dirty="0" smtClean="0"/>
+              <a:t>    "match": {</a:t>
+            </a:r>
+          </a:p>
+          <a:p>
+            <a:r>
+              <a:rPr lang="en-US" dirty="0" smtClean="0"/>
+              <a:t>      "title": "</a:t>
+            </a:r>
+            <a:r>
+              <a:rPr lang="en-US" dirty="0" err="1" smtClean="0"/>
+              <a:t>pavan</a:t>
+            </a:r>
+            <a:r>
+              <a:rPr lang="en-US" dirty="0" smtClean="0"/>
+              <a:t> python"</a:t>
+            </a:r>
+          </a:p>
+          <a:p>
+            <a:r>
+              <a:rPr lang="en-US" dirty="0" smtClean="0"/>
+              <a:t>    }</a:t>
+            </a:r>
+          </a:p>
+          <a:p>
+            <a:r>
+              <a:rPr lang="en-US" dirty="0" smtClean="0"/>
+              <a:t>  }</a:t>
+            </a:r>
+          </a:p>
+          <a:p>
+            <a:r>
+              <a:rPr lang="en-US" dirty="0" smtClean="0"/>
+              <a:t>}</a:t>
+            </a:r>
+            <a:endParaRPr lang="en-US" dirty="0"/>
+          </a:p>
+        </p:txBody>
+      </p:sp>
+    </p:spTree>
+  </p:cSld>
+  <p:clrMapOvr>
+    <a:masterClrMapping/>
+  </p:clrMapOvr>
+</p:sld>
+</file>
+
+<file path=ppt/slides/slide73.xml><?xml version="1.0" encoding="utf-8"?>
+<p:sld xmlns:a="http://schemas.openxmlformats.org/drawingml/2006/main" xmlns:r="http://schemas.openxmlformats.org/officeDocument/2006/relationships" xmlns:p="http://schemas.openxmlformats.org/presentationml/2006/main">
+  <p:cSld>
+    <p:spTree>
+      <p:nvGrpSpPr>
+        <p:cNvPr id="1" name=""/>
+        <p:cNvGrpSpPr/>
+        <p:nvPr/>
+      </p:nvGrpSpPr>
+      <p:grpSpPr>
+        <a:xfrm>
+          <a:off x="0" y="0"/>
+          <a:ext cx="0" cy="0"/>
+          <a:chOff x="0" y="0"/>
+          <a:chExt cx="0" cy="0"/>
+        </a:xfrm>
+      </p:grpSpPr>
+      <p:sp>
+        <p:nvSpPr>
+          <p:cNvPr id="2" name="Title 1"/>
+          <p:cNvSpPr>
+            <a:spLocks noGrp="1"/>
+          </p:cNvSpPr>
+          <p:nvPr>
+            <p:ph type="title"/>
+          </p:nvPr>
+        </p:nvSpPr>
+        <p:spPr/>
+        <p:txBody>
+          <a:bodyPr/>
+          <a:lstStyle/>
+          <a:p>
+            <a:r>
+              <a:rPr lang="en-GB" dirty="0" smtClean="0"/>
+              <a:t>Operator in Match</a:t>
+            </a:r>
+            <a:endParaRPr lang="en-US" dirty="0"/>
+          </a:p>
+        </p:txBody>
+      </p:sp>
+      <p:sp>
+        <p:nvSpPr>
+          <p:cNvPr id="3" name="Content Placeholder 2"/>
+          <p:cNvSpPr>
+            <a:spLocks noGrp="1"/>
+          </p:cNvSpPr>
+          <p:nvPr>
+            <p:ph idx="1"/>
+          </p:nvPr>
+        </p:nvSpPr>
+        <p:spPr/>
+        <p:txBody>
+          <a:bodyPr>
+            <a:normAutofit fontScale="70000" lnSpcReduction="20000"/>
+          </a:bodyPr>
+          <a:lstStyle/>
+          <a:p>
+            <a:r>
+              <a:rPr lang="en-US" dirty="0" smtClean="0"/>
+              <a:t>Get </a:t>
+            </a:r>
+            <a:r>
+              <a:rPr lang="en-US" dirty="0" err="1" smtClean="0"/>
+              <a:t>stackoverflow</a:t>
+            </a:r>
+            <a:r>
+              <a:rPr lang="en-US" dirty="0" smtClean="0"/>
+              <a:t>/_search</a:t>
+            </a:r>
+          </a:p>
+          <a:p>
+            <a:r>
+              <a:rPr lang="en-US" dirty="0" smtClean="0"/>
+              <a:t>{</a:t>
+            </a:r>
+          </a:p>
+          <a:p>
+            <a:r>
+              <a:rPr lang="en-US" dirty="0" smtClean="0"/>
+              <a:t>  "query":</a:t>
+            </a:r>
+          </a:p>
+          <a:p>
+            <a:r>
+              <a:rPr lang="en-US" dirty="0" smtClean="0"/>
+              <a:t>  {</a:t>
+            </a:r>
+          </a:p>
+          <a:p>
+            <a:r>
+              <a:rPr lang="en-US" dirty="0" smtClean="0"/>
+              <a:t>    "match": {</a:t>
+            </a:r>
+          </a:p>
+          <a:p>
+            <a:r>
+              <a:rPr lang="en-US" dirty="0" smtClean="0"/>
+              <a:t>      "title": </a:t>
+            </a:r>
+          </a:p>
+          <a:p>
+            <a:r>
+              <a:rPr lang="en-US" dirty="0" smtClean="0"/>
+              <a:t>      {</a:t>
+            </a:r>
+          </a:p>
+          <a:p>
+            <a:r>
+              <a:rPr lang="en-US" dirty="0" smtClean="0"/>
+              <a:t>        "query": "java python",</a:t>
+            </a:r>
+          </a:p>
+          <a:p>
+            <a:r>
+              <a:rPr lang="en-US" dirty="0" smtClean="0"/>
+              <a:t>        "operator": "and"</a:t>
+            </a:r>
+          </a:p>
+          <a:p>
+            <a:r>
+              <a:rPr lang="en-US" dirty="0" smtClean="0"/>
+              <a:t>      }</a:t>
+            </a:r>
+          </a:p>
+          <a:p>
+            <a:r>
+              <a:rPr lang="en-US" dirty="0" smtClean="0"/>
+              <a:t>    }</a:t>
+            </a:r>
+          </a:p>
+          <a:p>
+            <a:r>
+              <a:rPr lang="en-US" dirty="0" smtClean="0"/>
+              <a:t>  }</a:t>
+            </a:r>
+          </a:p>
+          <a:p>
+            <a:r>
+              <a:rPr lang="en-US" dirty="0" smtClean="0"/>
+              <a:t>}</a:t>
+            </a:r>
+            <a:endParaRPr lang="en-US" dirty="0"/>
+          </a:p>
+        </p:txBody>
+      </p:sp>
+    </p:spTree>
+  </p:cSld>
+  <p:clrMapOvr>
+    <a:masterClrMapping/>
+  </p:clrMapOvr>
+</p:sld>
+</file>
+
+<file path=ppt/slides/slide74.xml><?xml version="1.0" encoding="utf-8"?>
+<p:sld xmlns:a="http://schemas.openxmlformats.org/drawingml/2006/main" xmlns:r="http://schemas.openxmlformats.org/officeDocument/2006/relationships" xmlns:p="http://schemas.openxmlformats.org/presentationml/2006/main">
+  <p:cSld>
+    <p:spTree>
+      <p:nvGrpSpPr>
+        <p:cNvPr id="1" name=""/>
+        <p:cNvGrpSpPr/>
+        <p:nvPr/>
+      </p:nvGrpSpPr>
+      <p:grpSpPr>
+        <a:xfrm>
+          <a:off x="0" y="0"/>
+          <a:ext cx="0" cy="0"/>
+          <a:chOff x="0" y="0"/>
+          <a:chExt cx="0" cy="0"/>
+        </a:xfrm>
+      </p:grpSpPr>
+      <p:sp>
+        <p:nvSpPr>
+          <p:cNvPr id="2" name="Title 1"/>
+          <p:cNvSpPr>
+            <a:spLocks noGrp="1"/>
+          </p:cNvSpPr>
+          <p:nvPr>
+            <p:ph type="title"/>
+          </p:nvPr>
+        </p:nvSpPr>
+        <p:spPr/>
+        <p:txBody>
+          <a:bodyPr/>
+          <a:lstStyle/>
+          <a:p>
+            <a:r>
+              <a:rPr lang="en-GB" dirty="0" smtClean="0"/>
+              <a:t>Fuzziness</a:t>
+            </a:r>
+            <a:endParaRPr lang="en-US" dirty="0"/>
+          </a:p>
+        </p:txBody>
+      </p:sp>
+      <p:sp>
+        <p:nvSpPr>
+          <p:cNvPr id="3" name="Content Placeholder 2"/>
+          <p:cNvSpPr>
+            <a:spLocks noGrp="1"/>
+          </p:cNvSpPr>
+          <p:nvPr>
+            <p:ph idx="1"/>
+          </p:nvPr>
+        </p:nvSpPr>
+        <p:spPr/>
+        <p:txBody>
+          <a:bodyPr>
+            <a:normAutofit fontScale="62500" lnSpcReduction="20000"/>
+          </a:bodyPr>
+          <a:lstStyle/>
+          <a:p>
+            <a:r>
+              <a:rPr lang="en-US" dirty="0" smtClean="0"/>
+              <a:t>Get </a:t>
+            </a:r>
+            <a:r>
+              <a:rPr lang="en-US" dirty="0" err="1" smtClean="0"/>
+              <a:t>stackoverflow</a:t>
+            </a:r>
+            <a:r>
+              <a:rPr lang="en-US" dirty="0" smtClean="0"/>
+              <a:t>/_search</a:t>
+            </a:r>
+          </a:p>
+          <a:p>
+            <a:r>
+              <a:rPr lang="en-US" dirty="0" smtClean="0"/>
+              <a:t>{</a:t>
+            </a:r>
+          </a:p>
+          <a:p>
+            <a:r>
+              <a:rPr lang="en-US" dirty="0" smtClean="0"/>
+              <a:t>  "query":</a:t>
+            </a:r>
+          </a:p>
+          <a:p>
+            <a:r>
+              <a:rPr lang="en-US" dirty="0" smtClean="0"/>
+              <a:t>  {</a:t>
+            </a:r>
+          </a:p>
+          <a:p>
+            <a:r>
+              <a:rPr lang="en-US" dirty="0" smtClean="0"/>
+              <a:t>    "match": {</a:t>
+            </a:r>
+          </a:p>
+          <a:p>
+            <a:r>
+              <a:rPr lang="en-US" dirty="0" smtClean="0"/>
+              <a:t>      "title": </a:t>
+            </a:r>
+          </a:p>
+          <a:p>
+            <a:r>
+              <a:rPr lang="en-US" dirty="0" smtClean="0"/>
+              <a:t>      {</a:t>
+            </a:r>
+          </a:p>
+          <a:p>
+            <a:r>
+              <a:rPr lang="en-US" dirty="0" smtClean="0"/>
+              <a:t>        "query": "</a:t>
+            </a:r>
+            <a:r>
+              <a:rPr lang="en-US" dirty="0" err="1" smtClean="0"/>
+              <a:t>bava</a:t>
+            </a:r>
+            <a:r>
+              <a:rPr lang="en-US" dirty="0" smtClean="0"/>
+              <a:t> python",</a:t>
+            </a:r>
+          </a:p>
+          <a:p>
+            <a:r>
+              <a:rPr lang="en-US" dirty="0" smtClean="0"/>
+              <a:t>        "fuzziness": 1,</a:t>
+            </a:r>
+          </a:p>
+          <a:p>
+            <a:r>
+              <a:rPr lang="en-US" dirty="0" smtClean="0"/>
+              <a:t>        "operator": "and"</a:t>
+            </a:r>
+          </a:p>
+          <a:p>
+            <a:r>
+              <a:rPr lang="en-US" dirty="0" smtClean="0"/>
+              <a:t>      }</a:t>
+            </a:r>
+          </a:p>
+          <a:p>
+            <a:r>
+              <a:rPr lang="en-US" dirty="0" smtClean="0"/>
+              <a:t>    }</a:t>
+            </a:r>
+          </a:p>
+          <a:p>
+            <a:r>
+              <a:rPr lang="en-US" dirty="0" smtClean="0"/>
+              <a:t>  }</a:t>
+            </a:r>
+          </a:p>
+          <a:p>
+            <a:r>
+              <a:rPr lang="en-US" dirty="0" smtClean="0"/>
+              <a:t>}</a:t>
+            </a:r>
+            <a:endParaRPr lang="en-US" dirty="0"/>
+          </a:p>
+        </p:txBody>
+      </p:sp>
+    </p:spTree>
+  </p:cSld>
+  <p:clrMapOvr>
+    <a:masterClrMapping/>
+  </p:clrMapOvr>
+</p:sld>
+</file>
+
+<file path=ppt/slides/slide75.xml><?xml version="1.0" encoding="utf-8"?>
+<p:sld xmlns:a="http://schemas.openxmlformats.org/drawingml/2006/main" xmlns:r="http://schemas.openxmlformats.org/officeDocument/2006/relationships" xmlns:p="http://schemas.openxmlformats.org/presentationml/2006/main">
+  <p:cSld>
+    <p:spTree>
+      <p:nvGrpSpPr>
+        <p:cNvPr id="1" name=""/>
+        <p:cNvGrpSpPr/>
+        <p:nvPr/>
+      </p:nvGrpSpPr>
+      <p:grpSpPr>
+        <a:xfrm>
+          <a:off x="0" y="0"/>
+          <a:ext cx="0" cy="0"/>
+          <a:chOff x="0" y="0"/>
+          <a:chExt cx="0" cy="0"/>
+        </a:xfrm>
+      </p:grpSpPr>
+      <p:sp>
+        <p:nvSpPr>
+          <p:cNvPr id="2" name="Title 1"/>
+          <p:cNvSpPr>
+            <a:spLocks noGrp="1"/>
+          </p:cNvSpPr>
+          <p:nvPr>
+            <p:ph type="title"/>
+          </p:nvPr>
+        </p:nvSpPr>
+        <p:spPr/>
+        <p:txBody>
+          <a:bodyPr/>
+          <a:lstStyle/>
+          <a:p>
+            <a:r>
+              <a:rPr lang="en-GB" dirty="0" smtClean="0"/>
+              <a:t>Match Phrase</a:t>
+            </a:r>
+            <a:endParaRPr lang="en-US" dirty="0"/>
+          </a:p>
+        </p:txBody>
+      </p:sp>
+      <p:sp>
+        <p:nvSpPr>
+          <p:cNvPr id="3" name="Content Placeholder 2"/>
+          <p:cNvSpPr>
+            <a:spLocks noGrp="1"/>
+          </p:cNvSpPr>
+          <p:nvPr>
+            <p:ph idx="1"/>
+          </p:nvPr>
+        </p:nvSpPr>
+        <p:spPr/>
+        <p:txBody>
+          <a:bodyPr>
+            <a:normAutofit fontScale="62500" lnSpcReduction="20000"/>
+          </a:bodyPr>
+          <a:lstStyle/>
+          <a:p>
+            <a:r>
+              <a:rPr lang="en-GB" dirty="0" smtClean="0"/>
+              <a:t/>
+            </a:r>
+            <a:br>
+              <a:rPr lang="en-GB" dirty="0" smtClean="0"/>
+            </a:br>
+            <a:r>
+              <a:rPr lang="en-GB" dirty="0" smtClean="0"/>
+              <a:t>The </a:t>
+            </a:r>
+            <a:r>
+              <a:rPr lang="en-GB" dirty="0" err="1" smtClean="0"/>
+              <a:t>match_phrase</a:t>
+            </a:r>
+            <a:r>
+              <a:rPr lang="en-GB" dirty="0" smtClean="0"/>
+              <a:t> query analyzes the text and creates a phrase query out of the analyzed text</a:t>
+            </a:r>
+            <a:r>
+              <a:rPr lang="en-GB" dirty="0" smtClean="0"/>
+              <a:t>.</a:t>
+            </a:r>
+          </a:p>
+          <a:p>
+            <a:r>
+              <a:rPr lang="en-GB" dirty="0" smtClean="0"/>
+              <a:t>Returns documents that contain the words of a provided text, in the same order as provided. The last term of the provided text is treated as a prefix, matching any words that begin with that term.</a:t>
+            </a:r>
+            <a:r>
+              <a:rPr lang="en-GB" dirty="0" smtClean="0"/>
+              <a:t/>
+            </a:r>
+            <a:br>
+              <a:rPr lang="en-GB" dirty="0" smtClean="0"/>
+            </a:br>
+            <a:r>
+              <a:rPr lang="en-GB" dirty="0" smtClean="0"/>
+              <a:t/>
+            </a:r>
+            <a:br>
+              <a:rPr lang="en-GB" dirty="0" smtClean="0"/>
+            </a:br>
+            <a:r>
+              <a:rPr lang="en-GB" dirty="0" smtClean="0"/>
+              <a:t>GET /</a:t>
+            </a:r>
+            <a:r>
+              <a:rPr lang="en-GB" dirty="0" err="1" smtClean="0"/>
+              <a:t>stackoverflow</a:t>
+            </a:r>
+            <a:r>
+              <a:rPr lang="en-GB" dirty="0" smtClean="0"/>
+              <a:t>/_search</a:t>
+            </a:r>
+          </a:p>
+          <a:p>
+            <a:pPr>
+              <a:buNone/>
+            </a:pPr>
+            <a:r>
+              <a:rPr lang="en-GB" dirty="0" smtClean="0"/>
+              <a:t>{</a:t>
+            </a:r>
+          </a:p>
+          <a:p>
+            <a:pPr>
+              <a:buNone/>
+            </a:pPr>
+            <a:r>
+              <a:rPr lang="en-GB" dirty="0" smtClean="0"/>
+              <a:t>  "query": {</a:t>
+            </a:r>
+          </a:p>
+          <a:p>
+            <a:pPr>
+              <a:buNone/>
+            </a:pPr>
+            <a:r>
+              <a:rPr lang="en-GB" dirty="0" smtClean="0"/>
+              <a:t>    "</a:t>
+            </a:r>
+            <a:r>
+              <a:rPr lang="en-GB" dirty="0" err="1" smtClean="0"/>
+              <a:t>match_phrase</a:t>
+            </a:r>
+            <a:r>
+              <a:rPr lang="en-GB" dirty="0" smtClean="0"/>
+              <a:t>": {</a:t>
+            </a:r>
+          </a:p>
+          <a:p>
+            <a:pPr>
+              <a:buNone/>
+            </a:pPr>
+            <a:r>
+              <a:rPr lang="en-GB" dirty="0" smtClean="0"/>
+              <a:t>      "body": "This should do"</a:t>
+            </a:r>
+          </a:p>
+          <a:p>
+            <a:pPr>
+              <a:buNone/>
+            </a:pPr>
+            <a:r>
+              <a:rPr lang="en-GB" dirty="0" smtClean="0"/>
+              <a:t>    }</a:t>
+            </a:r>
+          </a:p>
+          <a:p>
+            <a:pPr>
+              <a:buNone/>
+            </a:pPr>
+            <a:r>
+              <a:rPr lang="en-GB" dirty="0" smtClean="0"/>
+              <a:t>  }</a:t>
+            </a:r>
+          </a:p>
+          <a:p>
+            <a:pPr>
+              <a:buNone/>
+            </a:pPr>
+            <a:r>
+              <a:rPr lang="en-GB" dirty="0" smtClean="0"/>
+              <a:t>}</a:t>
+            </a:r>
+            <a:endParaRPr lang="en-US" dirty="0"/>
+          </a:p>
+        </p:txBody>
+      </p:sp>
+    </p:spTree>
+  </p:cSld>
+  <p:clrMapOvr>
+    <a:masterClrMapping/>
+  </p:clrMapOvr>
+</p:sld>
+</file>
+
+<file path=ppt/slides/slide76.xml><?xml version="1.0" encoding="utf-8"?>
+<p:sld xmlns:a="http://schemas.openxmlformats.org/drawingml/2006/main" xmlns:r="http://schemas.openxmlformats.org/officeDocument/2006/relationships" xmlns:p="http://schemas.openxmlformats.org/presentationml/2006/main">
+  <p:cSld>
+    <p:spTree>
+      <p:nvGrpSpPr>
+        <p:cNvPr id="1" name=""/>
+        <p:cNvGrpSpPr/>
+        <p:nvPr/>
+      </p:nvGrpSpPr>
+      <p:grpSpPr>
+        <a:xfrm>
+          <a:off x="0" y="0"/>
+          <a:ext cx="0" cy="0"/>
+          <a:chOff x="0" y="0"/>
+          <a:chExt cx="0" cy="0"/>
+        </a:xfrm>
+      </p:grpSpPr>
+      <p:sp>
+        <p:nvSpPr>
+          <p:cNvPr id="2" name="Title 1"/>
+          <p:cNvSpPr>
+            <a:spLocks noGrp="1"/>
+          </p:cNvSpPr>
+          <p:nvPr>
+            <p:ph type="title"/>
+          </p:nvPr>
+        </p:nvSpPr>
+        <p:spPr/>
+        <p:txBody>
+          <a:bodyPr/>
+          <a:lstStyle/>
+          <a:p>
+            <a:r>
+              <a:rPr lang="en-GB" dirty="0" smtClean="0"/>
+              <a:t>Match Phrase with Slop</a:t>
+            </a:r>
+            <a:endParaRPr lang="en-US" dirty="0"/>
+          </a:p>
+        </p:txBody>
+      </p:sp>
+      <p:sp>
+        <p:nvSpPr>
+          <p:cNvPr id="3" name="Content Placeholder 2"/>
+          <p:cNvSpPr>
+            <a:spLocks noGrp="1"/>
+          </p:cNvSpPr>
+          <p:nvPr>
+            <p:ph idx="1"/>
+          </p:nvPr>
+        </p:nvSpPr>
+        <p:spPr/>
+        <p:txBody>
+          <a:bodyPr>
+            <a:normAutofit fontScale="70000" lnSpcReduction="20000"/>
+          </a:bodyPr>
+          <a:lstStyle/>
+          <a:p>
+            <a:r>
+              <a:rPr lang="en-GB" dirty="0" smtClean="0"/>
+              <a:t>GET /</a:t>
+            </a:r>
+            <a:r>
+              <a:rPr lang="en-GB" dirty="0" err="1" smtClean="0"/>
+              <a:t>stackoverflow</a:t>
+            </a:r>
+            <a:r>
+              <a:rPr lang="en-GB" dirty="0" smtClean="0"/>
+              <a:t>/_search</a:t>
+            </a:r>
+          </a:p>
+          <a:p>
+            <a:r>
+              <a:rPr lang="en-GB" dirty="0" smtClean="0"/>
+              <a:t>{</a:t>
+            </a:r>
+          </a:p>
+          <a:p>
+            <a:r>
+              <a:rPr lang="en-GB" dirty="0" smtClean="0"/>
+              <a:t>  "query": {</a:t>
+            </a:r>
+          </a:p>
+          <a:p>
+            <a:r>
+              <a:rPr lang="en-GB" dirty="0" smtClean="0"/>
+              <a:t>    "</a:t>
+            </a:r>
+            <a:r>
+              <a:rPr lang="en-GB" dirty="0" err="1" smtClean="0"/>
+              <a:t>match_phrase</a:t>
+            </a:r>
+            <a:r>
+              <a:rPr lang="en-GB" dirty="0" smtClean="0"/>
+              <a:t>": {</a:t>
+            </a:r>
+          </a:p>
+          <a:p>
+            <a:r>
+              <a:rPr lang="en-GB" dirty="0" smtClean="0"/>
+              <a:t>      "body": </a:t>
+            </a:r>
+          </a:p>
+          <a:p>
+            <a:r>
+              <a:rPr lang="en-GB" dirty="0" smtClean="0"/>
+              <a:t>      {</a:t>
+            </a:r>
+          </a:p>
+          <a:p>
+            <a:r>
+              <a:rPr lang="en-GB" dirty="0" smtClean="0"/>
+              <a:t>        "query": "this can should do",</a:t>
+            </a:r>
+          </a:p>
+          <a:p>
+            <a:r>
+              <a:rPr lang="en-GB" dirty="0" smtClean="0"/>
+              <a:t>        "slop": 1</a:t>
+            </a:r>
+          </a:p>
+          <a:p>
+            <a:r>
+              <a:rPr lang="en-GB" dirty="0" smtClean="0"/>
+              <a:t>      </a:t>
+            </a:r>
+            <a:r>
+              <a:rPr lang="en-GB" dirty="0" smtClean="0"/>
+              <a:t>}</a:t>
+            </a:r>
+            <a:endParaRPr lang="en-GB" dirty="0" smtClean="0"/>
+          </a:p>
+          <a:p>
+            <a:r>
+              <a:rPr lang="en-GB" dirty="0" smtClean="0"/>
+              <a:t>    }</a:t>
+            </a:r>
+          </a:p>
+          <a:p>
+            <a:r>
+              <a:rPr lang="en-GB" dirty="0" smtClean="0"/>
+              <a:t>  }</a:t>
+            </a:r>
+          </a:p>
+          <a:p>
+            <a:r>
+              <a:rPr lang="en-GB" dirty="0" smtClean="0"/>
+              <a:t>}</a:t>
+            </a:r>
+            <a:endParaRPr lang="en-US" dirty="0"/>
+          </a:p>
+        </p:txBody>
+      </p:sp>
+    </p:spTree>
+  </p:cSld>
+  <p:clrMapOvr>
+    <a:masterClrMapping/>
+  </p:clrMapOvr>
+</p:sld>
+</file>
+
+<file path=ppt/slides/slide77.xml><?xml version="1.0" encoding="utf-8"?>
+<p:sld xmlns:a="http://schemas.openxmlformats.org/drawingml/2006/main" xmlns:r="http://schemas.openxmlformats.org/officeDocument/2006/relationships" xmlns:p="http://schemas.openxmlformats.org/presentationml/2006/main">
+  <p:cSld>
+    <p:spTree>
+      <p:nvGrpSpPr>
+        <p:cNvPr id="1" name=""/>
+        <p:cNvGrpSpPr/>
+        <p:nvPr/>
+      </p:nvGrpSpPr>
+      <p:grpSpPr>
+        <a:xfrm>
+          <a:off x="0" y="0"/>
+          <a:ext cx="0" cy="0"/>
+          <a:chOff x="0" y="0"/>
+          <a:chExt cx="0" cy="0"/>
+        </a:xfrm>
+      </p:grpSpPr>
+      <p:sp>
+        <p:nvSpPr>
+          <p:cNvPr id="2" name="Title 1"/>
+          <p:cNvSpPr>
+            <a:spLocks noGrp="1"/>
+          </p:cNvSpPr>
+          <p:nvPr>
+            <p:ph type="title"/>
+          </p:nvPr>
+        </p:nvSpPr>
+        <p:spPr/>
+        <p:txBody>
+          <a:bodyPr/>
+          <a:lstStyle/>
+          <a:p>
+            <a:r>
+              <a:rPr lang="en-GB" dirty="0" smtClean="0"/>
+              <a:t>Multi Match</a:t>
+            </a:r>
+            <a:endParaRPr lang="en-US" dirty="0"/>
+          </a:p>
+        </p:txBody>
+      </p:sp>
+      <p:sp>
+        <p:nvSpPr>
+          <p:cNvPr id="3" name="Content Placeholder 2"/>
+          <p:cNvSpPr>
+            <a:spLocks noGrp="1"/>
+          </p:cNvSpPr>
+          <p:nvPr>
+            <p:ph idx="1"/>
+          </p:nvPr>
+        </p:nvSpPr>
+        <p:spPr/>
+        <p:txBody>
+          <a:bodyPr>
+            <a:normAutofit fontScale="85000" lnSpcReduction="20000"/>
+          </a:bodyPr>
+          <a:lstStyle/>
+          <a:p>
+            <a:r>
+              <a:rPr lang="en-GB" dirty="0" smtClean="0"/>
+              <a:t>GET /</a:t>
+            </a:r>
+            <a:r>
+              <a:rPr lang="en-GB" dirty="0" err="1" smtClean="0"/>
+              <a:t>stackoverflow</a:t>
+            </a:r>
+            <a:r>
+              <a:rPr lang="en-GB" dirty="0" smtClean="0"/>
+              <a:t>/_search</a:t>
+            </a:r>
+          </a:p>
+          <a:p>
+            <a:r>
+              <a:rPr lang="en-GB" dirty="0" smtClean="0"/>
+              <a:t>{</a:t>
+            </a:r>
+          </a:p>
+          <a:p>
+            <a:r>
+              <a:rPr lang="en-GB" dirty="0" smtClean="0"/>
+              <a:t>  "query": {</a:t>
+            </a:r>
+          </a:p>
+          <a:p>
+            <a:r>
+              <a:rPr lang="en-GB" dirty="0" smtClean="0"/>
+              <a:t>    "</a:t>
+            </a:r>
+            <a:r>
+              <a:rPr lang="en-GB" dirty="0" err="1" smtClean="0"/>
+              <a:t>multi_match</a:t>
+            </a:r>
+            <a:r>
+              <a:rPr lang="en-GB" dirty="0" smtClean="0"/>
+              <a:t>": {</a:t>
+            </a:r>
+          </a:p>
+          <a:p>
+            <a:r>
+              <a:rPr lang="en-GB" dirty="0" smtClean="0"/>
+              <a:t>      "query": "solve </a:t>
+            </a:r>
+            <a:r>
+              <a:rPr lang="en-GB" dirty="0" err="1" smtClean="0"/>
+              <a:t>ldap</a:t>
+            </a:r>
+            <a:r>
+              <a:rPr lang="en-GB" dirty="0" smtClean="0"/>
+              <a:t>",</a:t>
+            </a:r>
+          </a:p>
+          <a:p>
+            <a:r>
+              <a:rPr lang="en-GB" dirty="0" smtClean="0"/>
+              <a:t>      "fields": ["</a:t>
+            </a:r>
+            <a:r>
+              <a:rPr lang="en-GB" dirty="0" err="1" smtClean="0"/>
+              <a:t>title","body</a:t>
+            </a:r>
+            <a:r>
+              <a:rPr lang="en-GB" dirty="0" smtClean="0"/>
+              <a:t>"],</a:t>
+            </a:r>
+          </a:p>
+          <a:p>
+            <a:r>
+              <a:rPr lang="en-GB" dirty="0" smtClean="0"/>
+              <a:t>      "operator": "and"</a:t>
+            </a:r>
+          </a:p>
+          <a:p>
+            <a:r>
+              <a:rPr lang="en-GB" dirty="0" smtClean="0"/>
+              <a:t>    }</a:t>
+            </a:r>
+          </a:p>
+          <a:p>
+            <a:r>
+              <a:rPr lang="en-GB" dirty="0" smtClean="0"/>
+              <a:t>    }</a:t>
+            </a:r>
+          </a:p>
+          <a:p>
+            <a:r>
+              <a:rPr lang="en-GB" dirty="0" smtClean="0"/>
+              <a:t>}</a:t>
+            </a:r>
+            <a:endParaRPr lang="en-US" dirty="0"/>
+          </a:p>
+        </p:txBody>
+      </p:sp>
+    </p:spTree>
+  </p:cSld>
+  <p:clrMapOvr>
+    <a:masterClrMapping/>
+  </p:clrMapOvr>
+</p:sld>
+</file>
+
+<file path=ppt/slides/slide78.xml><?xml version="1.0" encoding="utf-8"?>
+<p:sld xmlns:a="http://schemas.openxmlformats.org/drawingml/2006/main" xmlns:r="http://schemas.openxmlformats.org/officeDocument/2006/relationships" xmlns:p="http://schemas.openxmlformats.org/presentationml/2006/main">
+  <p:cSld>
+    <p:spTree>
+      <p:nvGrpSpPr>
+        <p:cNvPr id="1" name=""/>
+        <p:cNvGrpSpPr/>
+        <p:nvPr/>
+      </p:nvGrpSpPr>
+      <p:grpSpPr>
+        <a:xfrm>
+          <a:off x="0" y="0"/>
+          <a:ext cx="0" cy="0"/>
+          <a:chOff x="0" y="0"/>
+          <a:chExt cx="0" cy="0"/>
+        </a:xfrm>
+      </p:grpSpPr>
+      <p:sp>
+        <p:nvSpPr>
+          <p:cNvPr id="2" name="Title 1"/>
+          <p:cNvSpPr>
+            <a:spLocks noGrp="1"/>
+          </p:cNvSpPr>
+          <p:nvPr>
+            <p:ph type="title"/>
+          </p:nvPr>
+        </p:nvSpPr>
+        <p:spPr/>
+        <p:txBody>
+          <a:bodyPr>
+            <a:normAutofit fontScale="90000"/>
+          </a:bodyPr>
+          <a:lstStyle/>
+          <a:p>
+            <a:r>
+              <a:rPr lang="en-GB" dirty="0" smtClean="0"/>
+              <a:t>Get All questions/</a:t>
+            </a:r>
+            <a:r>
+              <a:rPr lang="en-GB" dirty="0" err="1" smtClean="0"/>
+              <a:t>ans</a:t>
+            </a:r>
+            <a:r>
+              <a:rPr lang="en-GB" dirty="0" smtClean="0"/>
+              <a:t> by Jon Skeet and has Tags</a:t>
+            </a:r>
+            <a:endParaRPr lang="en-US" dirty="0"/>
+          </a:p>
+        </p:txBody>
+      </p:sp>
+      <p:sp>
+        <p:nvSpPr>
+          <p:cNvPr id="3" name="Content Placeholder 2"/>
+          <p:cNvSpPr>
+            <a:spLocks noGrp="1"/>
+          </p:cNvSpPr>
+          <p:nvPr>
+            <p:ph idx="1"/>
+          </p:nvPr>
+        </p:nvSpPr>
+        <p:spPr/>
+        <p:txBody>
+          <a:bodyPr/>
+          <a:lstStyle/>
+          <a:p>
+            <a:r>
+              <a:rPr lang="en-US" dirty="0" smtClean="0"/>
+              <a:t>Get </a:t>
+            </a:r>
+            <a:r>
+              <a:rPr lang="en-US" dirty="0" err="1" smtClean="0"/>
+              <a:t>stackoverflow</a:t>
+            </a:r>
+            <a:r>
+              <a:rPr lang="en-US" dirty="0" smtClean="0"/>
+              <a:t>/_search{  "query":  {    "</a:t>
+            </a:r>
+            <a:r>
+              <a:rPr lang="en-US" dirty="0" err="1" smtClean="0"/>
+              <a:t>bool</a:t>
+            </a:r>
+            <a:r>
+              <a:rPr lang="en-US" dirty="0" smtClean="0"/>
+              <a:t>": {      "must": [        {          "match": {            "</a:t>
+            </a:r>
+            <a:r>
+              <a:rPr lang="en-US" dirty="0" err="1" smtClean="0"/>
+              <a:t>owneruserid</a:t>
+            </a:r>
+            <a:r>
+              <a:rPr lang="en-US" dirty="0" smtClean="0"/>
+              <a:t>": "22656"          }        },        {          "exists": {            "field": "tags"          }        }      ]    }  }}</a:t>
+            </a:r>
+            <a:br>
+              <a:rPr lang="en-US" dirty="0" smtClean="0"/>
+            </a:br>
+            <a:r>
+              <a:rPr lang="en-US" dirty="0" smtClean="0"/>
+              <a:t/>
+            </a:r>
+            <a:br>
+              <a:rPr lang="en-US" dirty="0" smtClean="0"/>
+            </a:br>
+            <a:r>
+              <a:rPr lang="en-GB" dirty="0" smtClean="0"/>
+              <a:t>select * from Posts where </a:t>
+            </a:r>
+            <a:r>
+              <a:rPr lang="en-GB" dirty="0" err="1" smtClean="0"/>
+              <a:t>owneruserid</a:t>
+            </a:r>
+            <a:r>
+              <a:rPr lang="en-GB" dirty="0" smtClean="0"/>
+              <a:t>=22656 and Tags is not null</a:t>
+            </a:r>
+            <a:endParaRPr lang="en-US" dirty="0"/>
+          </a:p>
+        </p:txBody>
+      </p:sp>
+    </p:spTree>
+  </p:cSld>
+  <p:clrMapOvr>
+    <a:masterClrMapping/>
+  </p:clrMapOvr>
+</p:sld>
+</file>
+
+<file path=ppt/slides/slide79.xml><?xml version="1.0" encoding="utf-8"?>
+<p:sld xmlns:a="http://schemas.openxmlformats.org/drawingml/2006/main" xmlns:r="http://schemas.openxmlformats.org/officeDocument/2006/relationships" xmlns:p="http://schemas.openxmlformats.org/presentationml/2006/main">
+  <p:cSld>
+    <p:spTree>
+      <p:nvGrpSpPr>
+        <p:cNvPr id="1" name=""/>
+        <p:cNvGrpSpPr/>
+        <p:nvPr/>
+      </p:nvGrpSpPr>
+      <p:grpSpPr>
+        <a:xfrm>
+          <a:off x="0" y="0"/>
+          <a:ext cx="0" cy="0"/>
+          <a:chOff x="0" y="0"/>
+          <a:chExt cx="0" cy="0"/>
+        </a:xfrm>
+      </p:grpSpPr>
+      <p:sp>
+        <p:nvSpPr>
+          <p:cNvPr id="2" name="Title 1"/>
+          <p:cNvSpPr>
+            <a:spLocks noGrp="1"/>
+          </p:cNvSpPr>
+          <p:nvPr>
+            <p:ph type="title"/>
+          </p:nvPr>
+        </p:nvSpPr>
+        <p:spPr/>
+        <p:txBody>
+          <a:bodyPr/>
+          <a:lstStyle/>
+          <a:p>
+            <a:r>
+              <a:rPr lang="en-GB" dirty="0" err="1" smtClean="0"/>
+              <a:t>Bool</a:t>
+            </a:r>
+            <a:r>
+              <a:rPr lang="en-GB" dirty="0" smtClean="0"/>
+              <a:t> Queries</a:t>
+            </a:r>
+            <a:endParaRPr lang="en-US" dirty="0"/>
+          </a:p>
+        </p:txBody>
+      </p:sp>
+      <p:sp>
+        <p:nvSpPr>
+          <p:cNvPr id="3" name="Content Placeholder 2"/>
+          <p:cNvSpPr>
+            <a:spLocks noGrp="1"/>
+          </p:cNvSpPr>
+          <p:nvPr>
+            <p:ph idx="1"/>
+          </p:nvPr>
+        </p:nvSpPr>
+        <p:spPr/>
+        <p:txBody>
+          <a:bodyPr/>
+          <a:lstStyle/>
+          <a:p>
+            <a:r>
+              <a:rPr lang="en-GB" dirty="0" smtClean="0"/>
+              <a:t>A query that matches documents matching </a:t>
+            </a:r>
+            <a:r>
+              <a:rPr lang="en-GB" dirty="0" err="1" smtClean="0"/>
+              <a:t>boolean</a:t>
+            </a:r>
+            <a:r>
+              <a:rPr lang="en-GB" dirty="0" smtClean="0"/>
+              <a:t> combinations of other queries. The </a:t>
+            </a:r>
+            <a:r>
+              <a:rPr lang="en-GB" dirty="0" err="1" smtClean="0"/>
+              <a:t>bool</a:t>
+            </a:r>
+            <a:r>
+              <a:rPr lang="en-GB" dirty="0" smtClean="0"/>
+              <a:t> query maps to </a:t>
+            </a:r>
+            <a:r>
+              <a:rPr lang="en-GB" dirty="0" err="1" smtClean="0"/>
+              <a:t>Lucene</a:t>
+            </a:r>
+            <a:r>
+              <a:rPr lang="en-GB" dirty="0" smtClean="0"/>
+              <a:t> </a:t>
+            </a:r>
+            <a:r>
+              <a:rPr lang="en-GB" dirty="0" err="1" smtClean="0"/>
+              <a:t>BooleanQuery</a:t>
+            </a:r>
+            <a:r>
+              <a:rPr lang="en-GB" dirty="0" smtClean="0"/>
+              <a:t>. It is built using one or more </a:t>
+            </a:r>
+            <a:r>
+              <a:rPr lang="en-GB" dirty="0" err="1" smtClean="0"/>
+              <a:t>boolean</a:t>
+            </a:r>
+            <a:r>
+              <a:rPr lang="en-GB" dirty="0" smtClean="0"/>
+              <a:t> clauses, each clause with a typed occurrence. The occurrence types are:</a:t>
+            </a:r>
+            <a:br>
+              <a:rPr lang="en-GB" dirty="0" smtClean="0"/>
+            </a:br>
+            <a:r>
+              <a:rPr lang="en-GB" dirty="0" smtClean="0"/>
+              <a:t>Must, </a:t>
+            </a:r>
+            <a:r>
+              <a:rPr lang="en-GB" dirty="0" err="1" smtClean="0"/>
+              <a:t>Must_Not,Filter,Should</a:t>
+            </a:r>
             <a:endParaRPr lang="en-US" dirty="0"/>
           </a:p>
         </p:txBody>
@@ -7931,6 +12662,469 @@
           </a:xfrm>
         </p:spPr>
       </p:pic>
+    </p:spTree>
+  </p:cSld>
+  <p:clrMapOvr>
+    <a:masterClrMapping/>
+  </p:clrMapOvr>
+</p:sld>
+</file>
+
+<file path=ppt/slides/slide80.xml><?xml version="1.0" encoding="utf-8"?>
+<p:sld xmlns:a="http://schemas.openxmlformats.org/drawingml/2006/main" xmlns:r="http://schemas.openxmlformats.org/officeDocument/2006/relationships" xmlns:p="http://schemas.openxmlformats.org/presentationml/2006/main">
+  <p:cSld>
+    <p:spTree>
+      <p:nvGrpSpPr>
+        <p:cNvPr id="1" name=""/>
+        <p:cNvGrpSpPr/>
+        <p:nvPr/>
+      </p:nvGrpSpPr>
+      <p:grpSpPr>
+        <a:xfrm>
+          <a:off x="0" y="0"/>
+          <a:ext cx="0" cy="0"/>
+          <a:chOff x="0" y="0"/>
+          <a:chExt cx="0" cy="0"/>
+        </a:xfrm>
+      </p:grpSpPr>
+      <p:sp>
+        <p:nvSpPr>
+          <p:cNvPr id="2" name="Title 1"/>
+          <p:cNvSpPr>
+            <a:spLocks noGrp="1"/>
+          </p:cNvSpPr>
+          <p:nvPr>
+            <p:ph type="title"/>
+          </p:nvPr>
+        </p:nvSpPr>
+        <p:spPr/>
+        <p:txBody>
+          <a:bodyPr/>
+          <a:lstStyle/>
+          <a:p>
+            <a:r>
+              <a:rPr lang="en-GB" dirty="0" smtClean="0"/>
+              <a:t>Range queries</a:t>
+            </a:r>
+            <a:endParaRPr lang="en-US" dirty="0"/>
+          </a:p>
+        </p:txBody>
+      </p:sp>
+      <p:sp>
+        <p:nvSpPr>
+          <p:cNvPr id="3" name="Content Placeholder 2"/>
+          <p:cNvSpPr>
+            <a:spLocks noGrp="1"/>
+          </p:cNvSpPr>
+          <p:nvPr>
+            <p:ph idx="1"/>
+          </p:nvPr>
+        </p:nvSpPr>
+        <p:spPr/>
+        <p:txBody>
+          <a:bodyPr/>
+          <a:lstStyle/>
+          <a:p>
+            <a:r>
+              <a:rPr lang="en-US" dirty="0" smtClean="0"/>
+              <a:t>To find all posts between dates</a:t>
+            </a:r>
+            <a:br>
+              <a:rPr lang="en-US" dirty="0" smtClean="0"/>
+            </a:br>
+            <a:r>
+              <a:rPr lang="en-US" dirty="0" smtClean="0"/>
+              <a:t/>
+            </a:r>
+            <a:br>
+              <a:rPr lang="en-US" dirty="0" smtClean="0"/>
+            </a:br>
+            <a:r>
+              <a:rPr lang="en-US" dirty="0" smtClean="0"/>
+              <a:t>Get </a:t>
+            </a:r>
+            <a:r>
+              <a:rPr lang="en-US" dirty="0" err="1" smtClean="0"/>
+              <a:t>stackoverflow</a:t>
+            </a:r>
+            <a:r>
+              <a:rPr lang="en-US" dirty="0" smtClean="0"/>
+              <a:t>/_search{  "query":  {    "range": {      "</a:t>
+            </a:r>
+            <a:r>
+              <a:rPr lang="en-US" dirty="0" err="1" smtClean="0"/>
+              <a:t>creationdate</a:t>
+            </a:r>
+            <a:r>
+              <a:rPr lang="en-US" dirty="0" smtClean="0"/>
+              <a:t>": {        "</a:t>
+            </a:r>
+            <a:r>
+              <a:rPr lang="en-US" dirty="0" err="1" smtClean="0"/>
+              <a:t>gte</a:t>
+            </a:r>
+            <a:r>
+              <a:rPr lang="en-US" dirty="0" smtClean="0"/>
+              <a:t>": "2008-01-01T14:39:30.143Z",        "</a:t>
+            </a:r>
+            <a:r>
+              <a:rPr lang="en-US" dirty="0" err="1" smtClean="0"/>
+              <a:t>lte</a:t>
+            </a:r>
+            <a:r>
+              <a:rPr lang="en-US" dirty="0" smtClean="0"/>
+              <a:t>": "2020-01-01T14:39:30.143Z"      }    }  }}</a:t>
+            </a:r>
+            <a:endParaRPr lang="en-US" dirty="0"/>
+          </a:p>
+        </p:txBody>
+      </p:sp>
+    </p:spTree>
+  </p:cSld>
+  <p:clrMapOvr>
+    <a:masterClrMapping/>
+  </p:clrMapOvr>
+</p:sld>
+</file>
+
+<file path=ppt/slides/slide81.xml><?xml version="1.0" encoding="utf-8"?>
+<p:sld xmlns:a="http://schemas.openxmlformats.org/drawingml/2006/main" xmlns:r="http://schemas.openxmlformats.org/officeDocument/2006/relationships" xmlns:p="http://schemas.openxmlformats.org/presentationml/2006/main">
+  <p:cSld>
+    <p:spTree>
+      <p:nvGrpSpPr>
+        <p:cNvPr id="1" name=""/>
+        <p:cNvGrpSpPr/>
+        <p:nvPr/>
+      </p:nvGrpSpPr>
+      <p:grpSpPr>
+        <a:xfrm>
+          <a:off x="0" y="0"/>
+          <a:ext cx="0" cy="0"/>
+          <a:chOff x="0" y="0"/>
+          <a:chExt cx="0" cy="0"/>
+        </a:xfrm>
+      </p:grpSpPr>
+      <p:sp>
+        <p:nvSpPr>
+          <p:cNvPr id="2" name="Title 1"/>
+          <p:cNvSpPr>
+            <a:spLocks noGrp="1"/>
+          </p:cNvSpPr>
+          <p:nvPr>
+            <p:ph type="title"/>
+          </p:nvPr>
+        </p:nvSpPr>
+        <p:spPr/>
+        <p:txBody>
+          <a:bodyPr/>
+          <a:lstStyle/>
+          <a:p>
+            <a:r>
+              <a:rPr lang="en-GB" dirty="0" smtClean="0"/>
+              <a:t>Selecting Specific fields</a:t>
+            </a:r>
+            <a:endParaRPr lang="en-US" dirty="0"/>
+          </a:p>
+        </p:txBody>
+      </p:sp>
+      <p:sp>
+        <p:nvSpPr>
+          <p:cNvPr id="3" name="Content Placeholder 2"/>
+          <p:cNvSpPr>
+            <a:spLocks noGrp="1"/>
+          </p:cNvSpPr>
+          <p:nvPr>
+            <p:ph idx="1"/>
+          </p:nvPr>
+        </p:nvSpPr>
+        <p:spPr/>
+        <p:txBody>
+          <a:bodyPr/>
+          <a:lstStyle/>
+          <a:p>
+            <a:r>
+              <a:rPr lang="en-US" dirty="0" smtClean="0"/>
+              <a:t>Get </a:t>
+            </a:r>
+            <a:r>
+              <a:rPr lang="en-US" dirty="0" err="1" smtClean="0"/>
+              <a:t>stackoverflow</a:t>
+            </a:r>
+            <a:r>
+              <a:rPr lang="en-US" dirty="0" smtClean="0"/>
+              <a:t>/_search{  "query":  {    "match": {      "tags": "python"    }  },  "_source":["</a:t>
+            </a:r>
+            <a:r>
+              <a:rPr lang="en-US" dirty="0" err="1" smtClean="0"/>
+              <a:t>commentcount</a:t>
+            </a:r>
+            <a:r>
+              <a:rPr lang="en-US" dirty="0" smtClean="0"/>
+              <a:t>"]}</a:t>
+            </a:r>
+            <a:endParaRPr lang="en-US" dirty="0"/>
+          </a:p>
+        </p:txBody>
+      </p:sp>
+    </p:spTree>
+  </p:cSld>
+  <p:clrMapOvr>
+    <a:masterClrMapping/>
+  </p:clrMapOvr>
+</p:sld>
+</file>
+
+<file path=ppt/slides/slide82.xml><?xml version="1.0" encoding="utf-8"?>
+<p:sld xmlns:a="http://schemas.openxmlformats.org/drawingml/2006/main" xmlns:r="http://schemas.openxmlformats.org/officeDocument/2006/relationships" xmlns:p="http://schemas.openxmlformats.org/presentationml/2006/main">
+  <p:cSld>
+    <p:spTree>
+      <p:nvGrpSpPr>
+        <p:cNvPr id="1" name=""/>
+        <p:cNvGrpSpPr/>
+        <p:nvPr/>
+      </p:nvGrpSpPr>
+      <p:grpSpPr>
+        <a:xfrm>
+          <a:off x="0" y="0"/>
+          <a:ext cx="0" cy="0"/>
+          <a:chOff x="0" y="0"/>
+          <a:chExt cx="0" cy="0"/>
+        </a:xfrm>
+      </p:grpSpPr>
+      <p:sp>
+        <p:nvSpPr>
+          <p:cNvPr id="2" name="Title 1"/>
+          <p:cNvSpPr>
+            <a:spLocks noGrp="1"/>
+          </p:cNvSpPr>
+          <p:nvPr>
+            <p:ph type="title"/>
+          </p:nvPr>
+        </p:nvSpPr>
+        <p:spPr/>
+        <p:txBody>
+          <a:bodyPr/>
+          <a:lstStyle/>
+          <a:p>
+            <a:r>
+              <a:rPr lang="en-GB" dirty="0" smtClean="0"/>
+              <a:t>Analyzers</a:t>
+            </a:r>
+            <a:endParaRPr lang="en-US" dirty="0"/>
+          </a:p>
+        </p:txBody>
+      </p:sp>
+      <p:sp>
+        <p:nvSpPr>
+          <p:cNvPr id="3" name="Content Placeholder 2"/>
+          <p:cNvSpPr>
+            <a:spLocks noGrp="1"/>
+          </p:cNvSpPr>
+          <p:nvPr>
+            <p:ph idx="1"/>
+          </p:nvPr>
+        </p:nvSpPr>
+        <p:spPr/>
+        <p:txBody>
+          <a:bodyPr/>
+          <a:lstStyle/>
+          <a:p>
+            <a:r>
+              <a:rPr lang="en-GB" dirty="0" smtClean="0"/>
+              <a:t>POST _analyze { "analyzer": "whitespace", "text": "The quick brown fox." }</a:t>
+            </a:r>
+            <a:br>
+              <a:rPr lang="en-GB" dirty="0" smtClean="0"/>
+            </a:br>
+            <a:r>
+              <a:rPr lang="en-GB" dirty="0" smtClean="0"/>
+              <a:t/>
+            </a:r>
+            <a:br>
+              <a:rPr lang="en-GB" dirty="0" smtClean="0"/>
+            </a:br>
+            <a:r>
+              <a:rPr lang="en-GB" dirty="0" smtClean="0"/>
+              <a:t>POST _analyze { "</a:t>
+            </a:r>
+            <a:r>
+              <a:rPr lang="en-GB" dirty="0" err="1" smtClean="0"/>
+              <a:t>tokenizer</a:t>
+            </a:r>
+            <a:r>
+              <a:rPr lang="en-GB" dirty="0" smtClean="0"/>
+              <a:t>": "standard", "filter": [ "lowercase", "</a:t>
+            </a:r>
+            <a:r>
+              <a:rPr lang="en-GB" dirty="0" err="1" smtClean="0"/>
+              <a:t>asciifolding</a:t>
+            </a:r>
+            <a:r>
+              <a:rPr lang="en-GB" dirty="0" smtClean="0"/>
+              <a:t>" ], "text": "Is this </a:t>
+            </a:r>
+            <a:r>
+              <a:rPr lang="en-GB" dirty="0" err="1" smtClean="0"/>
+              <a:t>déja</a:t>
+            </a:r>
+            <a:r>
+              <a:rPr lang="en-GB" dirty="0" smtClean="0"/>
+              <a:t> vu?" }</a:t>
+            </a:r>
+            <a:br>
+              <a:rPr lang="en-GB" dirty="0" smtClean="0"/>
+            </a:br>
+            <a:r>
+              <a:rPr lang="en-GB" dirty="0" smtClean="0"/>
+              <a:t/>
+            </a:r>
+            <a:br>
+              <a:rPr lang="en-GB" dirty="0" smtClean="0"/>
+            </a:br>
+            <a:endParaRPr lang="en-US" dirty="0"/>
+          </a:p>
+        </p:txBody>
+      </p:sp>
+    </p:spTree>
+  </p:cSld>
+  <p:clrMapOvr>
+    <a:masterClrMapping/>
+  </p:clrMapOvr>
+</p:sld>
+</file>
+
+<file path=ppt/slides/slide83.xml><?xml version="1.0" encoding="utf-8"?>
+<p:sld xmlns:a="http://schemas.openxmlformats.org/drawingml/2006/main" xmlns:r="http://schemas.openxmlformats.org/officeDocument/2006/relationships" xmlns:p="http://schemas.openxmlformats.org/presentationml/2006/main">
+  <p:cSld>
+    <p:spTree>
+      <p:nvGrpSpPr>
+        <p:cNvPr id="1" name=""/>
+        <p:cNvGrpSpPr/>
+        <p:nvPr/>
+      </p:nvGrpSpPr>
+      <p:grpSpPr>
+        <a:xfrm>
+          <a:off x="0" y="0"/>
+          <a:ext cx="0" cy="0"/>
+          <a:chOff x="0" y="0"/>
+          <a:chExt cx="0" cy="0"/>
+        </a:xfrm>
+      </p:grpSpPr>
+      <p:sp>
+        <p:nvSpPr>
+          <p:cNvPr id="2" name="Title 1"/>
+          <p:cNvSpPr>
+            <a:spLocks noGrp="1"/>
+          </p:cNvSpPr>
+          <p:nvPr>
+            <p:ph type="title"/>
+          </p:nvPr>
+        </p:nvSpPr>
+        <p:spPr/>
+        <p:txBody>
+          <a:bodyPr/>
+          <a:lstStyle/>
+          <a:p>
+            <a:r>
+              <a:rPr lang="en-GB" dirty="0" smtClean="0"/>
+              <a:t>Analyze API</a:t>
+            </a:r>
+            <a:endParaRPr lang="en-US" dirty="0"/>
+          </a:p>
+        </p:txBody>
+      </p:sp>
+      <p:sp>
+        <p:nvSpPr>
+          <p:cNvPr id="3" name="Content Placeholder 2"/>
+          <p:cNvSpPr>
+            <a:spLocks noGrp="1"/>
+          </p:cNvSpPr>
+          <p:nvPr>
+            <p:ph idx="1"/>
+          </p:nvPr>
+        </p:nvSpPr>
+        <p:spPr/>
+        <p:txBody>
+          <a:bodyPr/>
+          <a:lstStyle/>
+          <a:p>
+            <a:r>
+              <a:rPr lang="en-US" dirty="0" smtClean="0"/>
+              <a:t>Get /_analyze{  "text":"&lt;python&gt;&lt;python-2.6&gt;&lt;python-</a:t>
+            </a:r>
+            <a:r>
+              <a:rPr lang="en-US" dirty="0" err="1" smtClean="0"/>
+              <a:t>datamodel</a:t>
+            </a:r>
+            <a:r>
+              <a:rPr lang="en-US" dirty="0" smtClean="0"/>
+              <a:t>&gt;"}</a:t>
+            </a:r>
+            <a:br>
+              <a:rPr lang="en-US" dirty="0" smtClean="0"/>
+            </a:br>
+            <a:r>
+              <a:rPr lang="en-US" dirty="0" smtClean="0"/>
+              <a:t/>
+            </a:r>
+            <a:br>
+              <a:rPr lang="en-US" dirty="0" smtClean="0"/>
+            </a:br>
+            <a:r>
+              <a:rPr lang="en-US" dirty="0" smtClean="0"/>
+              <a:t/>
+            </a:r>
+            <a:br>
+              <a:rPr lang="en-US" dirty="0" smtClean="0"/>
+            </a:br>
+            <a:r>
+              <a:rPr lang="en-US" dirty="0" smtClean="0"/>
+              <a:t> GET /_analyze{  "</a:t>
+            </a:r>
+            <a:r>
+              <a:rPr lang="en-US" dirty="0" err="1" smtClean="0"/>
+              <a:t>tokenizer</a:t>
+            </a:r>
+            <a:r>
+              <a:rPr lang="en-US" dirty="0" smtClean="0"/>
+              <a:t>" : "keyword",  "filter" : ["lowercase"],  "</a:t>
+            </a:r>
+            <a:r>
+              <a:rPr lang="en-US" dirty="0" err="1" smtClean="0"/>
+              <a:t>char_filter</a:t>
+            </a:r>
+            <a:r>
+              <a:rPr lang="en-US" dirty="0" smtClean="0"/>
+              <a:t>" : ["</a:t>
+            </a:r>
+            <a:r>
+              <a:rPr lang="en-US" dirty="0" err="1" smtClean="0"/>
+              <a:t>html_strip</a:t>
+            </a:r>
+            <a:r>
+              <a:rPr lang="en-US" dirty="0" smtClean="0"/>
+              <a:t>"],  "text" : "</a:t>
+            </a:r>
+            <a:r>
+              <a:rPr lang="en-US" dirty="0" err="1" smtClean="0"/>
+              <a:t>aa</a:t>
+            </a:r>
+            <a:r>
+              <a:rPr lang="en-US" dirty="0" smtClean="0"/>
+              <a:t> &lt;python&gt;&lt;python-2.6&gt;&lt;python-</a:t>
+            </a:r>
+            <a:r>
+              <a:rPr lang="en-US" dirty="0" err="1" smtClean="0"/>
+              <a:t>datamodel</a:t>
+            </a:r>
+            <a:r>
+              <a:rPr lang="en-US" dirty="0" smtClean="0"/>
+              <a:t>&gt;"}</a:t>
+            </a:r>
+            <a:endParaRPr lang="en-US" dirty="0"/>
+          </a:p>
+        </p:txBody>
+      </p:sp>
     </p:spTree>
   </p:cSld>
   <p:clrMapOvr>
